--- a/Django Overview.pptx
+++ b/Django Overview.pptx
@@ -1,8 +1,8 @@
 
 <file path=ppt/presentation.xml><?xml version="1.0" encoding="utf-8"?>
-<p:presentation xmlns:a="http://schemas.openxmlformats.org/drawingml/2006/main" xmlns:p="http://schemas.openxmlformats.org/presentationml/2006/main" xmlns:r="http://schemas.openxmlformats.org/officeDocument/2006/relationships" xmlns:p14="http://schemas.microsoft.com/office/powerpoint/2010/main" xmlns:p15="http://schemas.microsoft.com/office/powerpoint/2012/main" xmlns:mc="http://schemas.openxmlformats.org/markup-compatibility/2006">
+<p:presentation xmlns:a="http://schemas.openxmlformats.org/drawingml/2006/main" xmlns:r="http://schemas.openxmlformats.org/officeDocument/2006/relationships" xmlns:p="http://schemas.openxmlformats.org/presentationml/2006/main">
   <p:sldMasterIdLst>
-    <p:sldMasterId id="2147483648" r:id="rId2"/>
+    <p:sldMasterId id="2147483648" r:id="rId1"/>
     <p:sldMasterId id="2147483661" r:id="rId3"/>
     <p:sldMasterId id="2147483674" r:id="rId4"/>
     <p:sldMasterId id="2147483687" r:id="rId5"/>
@@ -28,12 +28,104 @@
     <p:sldId id="273" r:id="rId23"/>
   </p:sldIdLst>
   <p:sldSz cx="10080625" cy="7559675"/>
-  <p:notesSz cx="7559675" cy="10691812"/>
+  <p:notesSz cx="7559675" cy="10691495"/>
+  <p:defaultTextStyle>
+    <a:lvl1pPr marL="0" algn="l" defTabSz="914400" rtl="0" eaLnBrk="1" latinLnBrk="0" hangingPunct="1">
+      <a:defRPr sz="1800" kern="1200">
+        <a:solidFill>
+          <a:schemeClr val="tx1"/>
+        </a:solidFill>
+        <a:latin typeface="+mn-lt"/>
+        <a:ea typeface="+mn-ea"/>
+        <a:cs typeface="+mn-cs"/>
+      </a:defRPr>
+    </a:lvl1pPr>
+    <a:lvl2pPr marL="457200" algn="l" defTabSz="914400" rtl="0" eaLnBrk="1" latinLnBrk="0" hangingPunct="1">
+      <a:defRPr sz="1800" kern="1200">
+        <a:solidFill>
+          <a:schemeClr val="tx1"/>
+        </a:solidFill>
+        <a:latin typeface="+mn-lt"/>
+        <a:ea typeface="+mn-ea"/>
+        <a:cs typeface="+mn-cs"/>
+      </a:defRPr>
+    </a:lvl2pPr>
+    <a:lvl3pPr marL="914400" algn="l" defTabSz="914400" rtl="0" eaLnBrk="1" latinLnBrk="0" hangingPunct="1">
+      <a:defRPr sz="1800" kern="1200">
+        <a:solidFill>
+          <a:schemeClr val="tx1"/>
+        </a:solidFill>
+        <a:latin typeface="+mn-lt"/>
+        <a:ea typeface="+mn-ea"/>
+        <a:cs typeface="+mn-cs"/>
+      </a:defRPr>
+    </a:lvl3pPr>
+    <a:lvl4pPr marL="1371600" algn="l" defTabSz="914400" rtl="0" eaLnBrk="1" latinLnBrk="0" hangingPunct="1">
+      <a:defRPr sz="1800" kern="1200">
+        <a:solidFill>
+          <a:schemeClr val="tx1"/>
+        </a:solidFill>
+        <a:latin typeface="+mn-lt"/>
+        <a:ea typeface="+mn-ea"/>
+        <a:cs typeface="+mn-cs"/>
+      </a:defRPr>
+    </a:lvl4pPr>
+    <a:lvl5pPr marL="1828800" algn="l" defTabSz="914400" rtl="0" eaLnBrk="1" latinLnBrk="0" hangingPunct="1">
+      <a:defRPr sz="1800" kern="1200">
+        <a:solidFill>
+          <a:schemeClr val="tx1"/>
+        </a:solidFill>
+        <a:latin typeface="+mn-lt"/>
+        <a:ea typeface="+mn-ea"/>
+        <a:cs typeface="+mn-cs"/>
+      </a:defRPr>
+    </a:lvl5pPr>
+    <a:lvl6pPr marL="2286000" algn="l" defTabSz="914400" rtl="0" eaLnBrk="1" latinLnBrk="0" hangingPunct="1">
+      <a:defRPr sz="1800" kern="1200">
+        <a:solidFill>
+          <a:schemeClr val="tx1"/>
+        </a:solidFill>
+        <a:latin typeface="+mn-lt"/>
+        <a:ea typeface="+mn-ea"/>
+        <a:cs typeface="+mn-cs"/>
+      </a:defRPr>
+    </a:lvl6pPr>
+    <a:lvl7pPr marL="2743200" algn="l" defTabSz="914400" rtl="0" eaLnBrk="1" latinLnBrk="0" hangingPunct="1">
+      <a:defRPr sz="1800" kern="1200">
+        <a:solidFill>
+          <a:schemeClr val="tx1"/>
+        </a:solidFill>
+        <a:latin typeface="+mn-lt"/>
+        <a:ea typeface="+mn-ea"/>
+        <a:cs typeface="+mn-cs"/>
+      </a:defRPr>
+    </a:lvl7pPr>
+    <a:lvl8pPr marL="3200400" algn="l" defTabSz="914400" rtl="0" eaLnBrk="1" latinLnBrk="0" hangingPunct="1">
+      <a:defRPr sz="1800" kern="1200">
+        <a:solidFill>
+          <a:schemeClr val="tx1"/>
+        </a:solidFill>
+        <a:latin typeface="+mn-lt"/>
+        <a:ea typeface="+mn-ea"/>
+        <a:cs typeface="+mn-cs"/>
+      </a:defRPr>
+    </a:lvl8pPr>
+    <a:lvl9pPr marL="3657600" algn="l" defTabSz="914400" rtl="0" eaLnBrk="1" latinLnBrk="0" hangingPunct="1">
+      <a:defRPr sz="1800" kern="1200">
+        <a:solidFill>
+          <a:schemeClr val="tx1"/>
+        </a:solidFill>
+        <a:latin typeface="+mn-lt"/>
+        <a:ea typeface="+mn-ea"/>
+        <a:cs typeface="+mn-cs"/>
+      </a:defRPr>
+    </a:lvl9pPr>
+  </p:defaultTextStyle>
 </p:presentation>
 </file>
 
 <file path=ppt/slideLayouts/slideLayout1.xml><?xml version="1.0" encoding="utf-8"?>
-<p:sldLayout xmlns:a="http://schemas.openxmlformats.org/drawingml/2006/main" xmlns:p="http://schemas.openxmlformats.org/presentationml/2006/main" xmlns:r="http://schemas.openxmlformats.org/officeDocument/2006/relationships" xmlns:p14="http://schemas.microsoft.com/office/powerpoint/2010/main" xmlns:p15="http://schemas.microsoft.com/office/powerpoint/2012/main" xmlns:mc="http://schemas.openxmlformats.org/markup-compatibility/2006" type="blank" preserve="1">
+<p:sldLayout xmlns:a="http://schemas.openxmlformats.org/drawingml/2006/main" xmlns:r="http://schemas.openxmlformats.org/officeDocument/2006/relationships" xmlns:p="http://schemas.openxmlformats.org/presentationml/2006/main" type="blank" preserve="1">
   <p:cSld name="Blank Slide">
     <p:spTree>
       <p:nvGrpSpPr>
@@ -51,11 +143,14 @@
       </p:grpSpPr>
     </p:spTree>
   </p:cSld>
+  <p:clrMapOvr>
+    <a:masterClrMapping/>
+  </p:clrMapOvr>
 </p:sldLayout>
 </file>
 
 <file path=ppt/slideLayouts/slideLayout10.xml><?xml version="1.0" encoding="utf-8"?>
-<p:sldLayout xmlns:a="http://schemas.openxmlformats.org/drawingml/2006/main" xmlns:p="http://schemas.openxmlformats.org/presentationml/2006/main" xmlns:r="http://schemas.openxmlformats.org/officeDocument/2006/relationships" xmlns:p14="http://schemas.microsoft.com/office/powerpoint/2010/main" xmlns:p15="http://schemas.microsoft.com/office/powerpoint/2012/main" xmlns:mc="http://schemas.openxmlformats.org/markup-compatibility/2006" type="objOverTx" preserve="1">
+<p:sldLayout xmlns:a="http://schemas.openxmlformats.org/drawingml/2006/main" xmlns:r="http://schemas.openxmlformats.org/officeDocument/2006/relationships" xmlns:p="http://schemas.openxmlformats.org/presentationml/2006/main" type="objOverTx" preserve="1">
   <p:cSld name="Title, Content over Content">
     <p:spTree>
       <p:nvGrpSpPr>
@@ -91,13 +186,13 @@
           </a:prstGeom>
         </p:spPr>
         <p:txBody>
-          <a:bodyPr lIns="0" rIns="0" tIns="0" bIns="0" anchor="ctr">
+          <a:bodyPr lIns="0" tIns="0" rIns="0" bIns="0" anchor="ctr">
             <a:noAutofit/>
           </a:bodyPr>
           <a:p>
             <a:pPr algn="ctr"/>
-            <a:endParaRPr b="0" lang="en-IN" sz="4400" spc="-1" strike="noStrike">
-              <a:latin typeface="Arial"/>
+            <a:endParaRPr lang="en-IN" sz="4400" b="0" strike="noStrike" spc="-1">
+              <a:latin typeface="Arial" panose="020B0604020202090204"/>
             </a:endParaRPr>
           </a:p>
         </p:txBody>
@@ -122,12 +217,12 @@
           </a:prstGeom>
         </p:spPr>
         <p:txBody>
-          <a:bodyPr lIns="0" rIns="0" tIns="0" bIns="0">
+          <a:bodyPr lIns="0" tIns="0" rIns="0" bIns="0">
             <a:normAutofit/>
           </a:bodyPr>
           <a:p>
-            <a:endParaRPr b="0" lang="en-IN" sz="3200" spc="-1" strike="noStrike">
-              <a:latin typeface="Arial"/>
+            <a:endParaRPr lang="en-IN" sz="3200" b="0" strike="noStrike" spc="-1">
+              <a:latin typeface="Arial" panose="020B0604020202090204"/>
             </a:endParaRPr>
           </a:p>
         </p:txBody>
@@ -152,23 +247,26 @@
           </a:prstGeom>
         </p:spPr>
         <p:txBody>
-          <a:bodyPr lIns="0" rIns="0" tIns="0" bIns="0">
+          <a:bodyPr lIns="0" tIns="0" rIns="0" bIns="0">
             <a:normAutofit/>
           </a:bodyPr>
           <a:p>
-            <a:endParaRPr b="0" lang="en-IN" sz="3200" spc="-1" strike="noStrike">
-              <a:latin typeface="Arial"/>
+            <a:endParaRPr lang="en-IN" sz="3200" b="0" strike="noStrike" spc="-1">
+              <a:latin typeface="Arial" panose="020B0604020202090204"/>
             </a:endParaRPr>
           </a:p>
         </p:txBody>
       </p:sp>
     </p:spTree>
   </p:cSld>
+  <p:clrMapOvr>
+    <a:masterClrMapping/>
+  </p:clrMapOvr>
 </p:sldLayout>
 </file>
 
 <file path=ppt/slideLayouts/slideLayout11.xml><?xml version="1.0" encoding="utf-8"?>
-<p:sldLayout xmlns:a="http://schemas.openxmlformats.org/drawingml/2006/main" xmlns:p="http://schemas.openxmlformats.org/presentationml/2006/main" xmlns:r="http://schemas.openxmlformats.org/officeDocument/2006/relationships" xmlns:p14="http://schemas.microsoft.com/office/powerpoint/2010/main" xmlns:p15="http://schemas.microsoft.com/office/powerpoint/2012/main" xmlns:mc="http://schemas.openxmlformats.org/markup-compatibility/2006" type="fourObj" preserve="1">
+<p:sldLayout xmlns:a="http://schemas.openxmlformats.org/drawingml/2006/main" xmlns:r="http://schemas.openxmlformats.org/officeDocument/2006/relationships" xmlns:p="http://schemas.openxmlformats.org/presentationml/2006/main" type="fourObj" preserve="1">
   <p:cSld name="Title, 4 Content">
     <p:spTree>
       <p:nvGrpSpPr>
@@ -204,13 +302,13 @@
           </a:prstGeom>
         </p:spPr>
         <p:txBody>
-          <a:bodyPr lIns="0" rIns="0" tIns="0" bIns="0" anchor="ctr">
+          <a:bodyPr lIns="0" tIns="0" rIns="0" bIns="0" anchor="ctr">
             <a:noAutofit/>
           </a:bodyPr>
           <a:p>
             <a:pPr algn="ctr"/>
-            <a:endParaRPr b="0" lang="en-IN" sz="4400" spc="-1" strike="noStrike">
-              <a:latin typeface="Arial"/>
+            <a:endParaRPr lang="en-IN" sz="4400" b="0" strike="noStrike" spc="-1">
+              <a:latin typeface="Arial" panose="020B0604020202090204"/>
             </a:endParaRPr>
           </a:p>
         </p:txBody>
@@ -235,12 +333,12 @@
           </a:prstGeom>
         </p:spPr>
         <p:txBody>
-          <a:bodyPr lIns="0" rIns="0" tIns="0" bIns="0">
+          <a:bodyPr lIns="0" tIns="0" rIns="0" bIns="0">
             <a:normAutofit/>
           </a:bodyPr>
           <a:p>
-            <a:endParaRPr b="0" lang="en-IN" sz="3200" spc="-1" strike="noStrike">
-              <a:latin typeface="Arial"/>
+            <a:endParaRPr lang="en-IN" sz="3200" b="0" strike="noStrike" spc="-1">
+              <a:latin typeface="Arial" panose="020B0604020202090204"/>
             </a:endParaRPr>
           </a:p>
         </p:txBody>
@@ -265,12 +363,12 @@
           </a:prstGeom>
         </p:spPr>
         <p:txBody>
-          <a:bodyPr lIns="0" rIns="0" tIns="0" bIns="0">
+          <a:bodyPr lIns="0" tIns="0" rIns="0" bIns="0">
             <a:normAutofit/>
           </a:bodyPr>
           <a:p>
-            <a:endParaRPr b="0" lang="en-IN" sz="3200" spc="-1" strike="noStrike">
-              <a:latin typeface="Arial"/>
+            <a:endParaRPr lang="en-IN" sz="3200" b="0" strike="noStrike" spc="-1">
+              <a:latin typeface="Arial" panose="020B0604020202090204"/>
             </a:endParaRPr>
           </a:p>
         </p:txBody>
@@ -295,12 +393,12 @@
           </a:prstGeom>
         </p:spPr>
         <p:txBody>
-          <a:bodyPr lIns="0" rIns="0" tIns="0" bIns="0">
+          <a:bodyPr lIns="0" tIns="0" rIns="0" bIns="0">
             <a:normAutofit/>
           </a:bodyPr>
           <a:p>
-            <a:endParaRPr b="0" lang="en-IN" sz="3200" spc="-1" strike="noStrike">
-              <a:latin typeface="Arial"/>
+            <a:endParaRPr lang="en-IN" sz="3200" b="0" strike="noStrike" spc="-1">
+              <a:latin typeface="Arial" panose="020B0604020202090204"/>
             </a:endParaRPr>
           </a:p>
         </p:txBody>
@@ -325,23 +423,26 @@
           </a:prstGeom>
         </p:spPr>
         <p:txBody>
-          <a:bodyPr lIns="0" rIns="0" tIns="0" bIns="0">
+          <a:bodyPr lIns="0" tIns="0" rIns="0" bIns="0">
             <a:normAutofit/>
           </a:bodyPr>
           <a:p>
-            <a:endParaRPr b="0" lang="en-IN" sz="3200" spc="-1" strike="noStrike">
-              <a:latin typeface="Arial"/>
+            <a:endParaRPr lang="en-IN" sz="3200" b="0" strike="noStrike" spc="-1">
+              <a:latin typeface="Arial" panose="020B0604020202090204"/>
             </a:endParaRPr>
           </a:p>
         </p:txBody>
       </p:sp>
     </p:spTree>
   </p:cSld>
+  <p:clrMapOvr>
+    <a:masterClrMapping/>
+  </p:clrMapOvr>
 </p:sldLayout>
 </file>
 
 <file path=ppt/slideLayouts/slideLayout12.xml><?xml version="1.0" encoding="utf-8"?>
-<p:sldLayout xmlns:a="http://schemas.openxmlformats.org/drawingml/2006/main" xmlns:p="http://schemas.openxmlformats.org/presentationml/2006/main" xmlns:r="http://schemas.openxmlformats.org/officeDocument/2006/relationships" xmlns:p14="http://schemas.microsoft.com/office/powerpoint/2010/main" xmlns:p15="http://schemas.microsoft.com/office/powerpoint/2012/main" xmlns:mc="http://schemas.openxmlformats.org/markup-compatibility/2006" type="blank" preserve="1">
+<p:sldLayout xmlns:a="http://schemas.openxmlformats.org/drawingml/2006/main" xmlns:r="http://schemas.openxmlformats.org/officeDocument/2006/relationships" xmlns:p="http://schemas.openxmlformats.org/presentationml/2006/main" type="blank" preserve="1">
   <p:cSld name="Title, 6 Content">
     <p:spTree>
       <p:nvGrpSpPr>
@@ -377,13 +478,13 @@
           </a:prstGeom>
         </p:spPr>
         <p:txBody>
-          <a:bodyPr lIns="0" rIns="0" tIns="0" bIns="0" anchor="ctr">
+          <a:bodyPr lIns="0" tIns="0" rIns="0" bIns="0" anchor="ctr">
             <a:noAutofit/>
           </a:bodyPr>
           <a:p>
             <a:pPr algn="ctr"/>
-            <a:endParaRPr b="0" lang="en-IN" sz="4400" spc="-1" strike="noStrike">
-              <a:latin typeface="Arial"/>
+            <a:endParaRPr lang="en-IN" sz="4400" b="0" strike="noStrike" spc="-1">
+              <a:latin typeface="Arial" panose="020B0604020202090204"/>
             </a:endParaRPr>
           </a:p>
         </p:txBody>
@@ -408,12 +509,12 @@
           </a:prstGeom>
         </p:spPr>
         <p:txBody>
-          <a:bodyPr lIns="0" rIns="0" tIns="0" bIns="0">
+          <a:bodyPr lIns="0" tIns="0" rIns="0" bIns="0">
             <a:normAutofit/>
           </a:bodyPr>
           <a:p>
-            <a:endParaRPr b="0" lang="en-IN" sz="3200" spc="-1" strike="noStrike">
-              <a:latin typeface="Arial"/>
+            <a:endParaRPr lang="en-IN" sz="3200" b="0" strike="noStrike" spc="-1">
+              <a:latin typeface="Arial" panose="020B0604020202090204"/>
             </a:endParaRPr>
           </a:p>
         </p:txBody>
@@ -438,12 +539,12 @@
           </a:prstGeom>
         </p:spPr>
         <p:txBody>
-          <a:bodyPr lIns="0" rIns="0" tIns="0" bIns="0">
+          <a:bodyPr lIns="0" tIns="0" rIns="0" bIns="0">
             <a:normAutofit/>
           </a:bodyPr>
           <a:p>
-            <a:endParaRPr b="0" lang="en-IN" sz="3200" spc="-1" strike="noStrike">
-              <a:latin typeface="Arial"/>
+            <a:endParaRPr lang="en-IN" sz="3200" b="0" strike="noStrike" spc="-1">
+              <a:latin typeface="Arial" panose="020B0604020202090204"/>
             </a:endParaRPr>
           </a:p>
         </p:txBody>
@@ -468,12 +569,12 @@
           </a:prstGeom>
         </p:spPr>
         <p:txBody>
-          <a:bodyPr lIns="0" rIns="0" tIns="0" bIns="0">
+          <a:bodyPr lIns="0" tIns="0" rIns="0" bIns="0">
             <a:normAutofit/>
           </a:bodyPr>
           <a:p>
-            <a:endParaRPr b="0" lang="en-IN" sz="3200" spc="-1" strike="noStrike">
-              <a:latin typeface="Arial"/>
+            <a:endParaRPr lang="en-IN" sz="3200" b="0" strike="noStrike" spc="-1">
+              <a:latin typeface="Arial" panose="020B0604020202090204"/>
             </a:endParaRPr>
           </a:p>
         </p:txBody>
@@ -498,12 +599,12 @@
           </a:prstGeom>
         </p:spPr>
         <p:txBody>
-          <a:bodyPr lIns="0" rIns="0" tIns="0" bIns="0">
+          <a:bodyPr lIns="0" tIns="0" rIns="0" bIns="0">
             <a:normAutofit/>
           </a:bodyPr>
           <a:p>
-            <a:endParaRPr b="0" lang="en-IN" sz="3200" spc="-1" strike="noStrike">
-              <a:latin typeface="Arial"/>
+            <a:endParaRPr lang="en-IN" sz="3200" b="0" strike="noStrike" spc="-1">
+              <a:latin typeface="Arial" panose="020B0604020202090204"/>
             </a:endParaRPr>
           </a:p>
         </p:txBody>
@@ -528,12 +629,12 @@
           </a:prstGeom>
         </p:spPr>
         <p:txBody>
-          <a:bodyPr lIns="0" rIns="0" tIns="0" bIns="0">
+          <a:bodyPr lIns="0" tIns="0" rIns="0" bIns="0">
             <a:normAutofit/>
           </a:bodyPr>
           <a:p>
-            <a:endParaRPr b="0" lang="en-IN" sz="3200" spc="-1" strike="noStrike">
-              <a:latin typeface="Arial"/>
+            <a:endParaRPr lang="en-IN" sz="3200" b="0" strike="noStrike" spc="-1">
+              <a:latin typeface="Arial" panose="020B0604020202090204"/>
             </a:endParaRPr>
           </a:p>
         </p:txBody>
@@ -558,23 +659,26 @@
           </a:prstGeom>
         </p:spPr>
         <p:txBody>
-          <a:bodyPr lIns="0" rIns="0" tIns="0" bIns="0">
+          <a:bodyPr lIns="0" tIns="0" rIns="0" bIns="0">
             <a:normAutofit/>
           </a:bodyPr>
           <a:p>
-            <a:endParaRPr b="0" lang="en-IN" sz="3200" spc="-1" strike="noStrike">
-              <a:latin typeface="Arial"/>
+            <a:endParaRPr lang="en-IN" sz="3200" b="0" strike="noStrike" spc="-1">
+              <a:latin typeface="Arial" panose="020B0604020202090204"/>
             </a:endParaRPr>
           </a:p>
         </p:txBody>
       </p:sp>
     </p:spTree>
   </p:cSld>
+  <p:clrMapOvr>
+    <a:masterClrMapping/>
+  </p:clrMapOvr>
 </p:sldLayout>
 </file>
 
 <file path=ppt/slideLayouts/slideLayout13.xml><?xml version="1.0" encoding="utf-8"?>
-<p:sldLayout xmlns:a="http://schemas.openxmlformats.org/drawingml/2006/main" xmlns:p="http://schemas.openxmlformats.org/presentationml/2006/main" xmlns:r="http://schemas.openxmlformats.org/officeDocument/2006/relationships" xmlns:p14="http://schemas.microsoft.com/office/powerpoint/2010/main" xmlns:p15="http://schemas.microsoft.com/office/powerpoint/2012/main" xmlns:mc="http://schemas.openxmlformats.org/markup-compatibility/2006" type="blank" preserve="1">
+<p:sldLayout xmlns:a="http://schemas.openxmlformats.org/drawingml/2006/main" xmlns:r="http://schemas.openxmlformats.org/officeDocument/2006/relationships" xmlns:p="http://schemas.openxmlformats.org/presentationml/2006/main" type="blank" preserve="1">
   <p:cSld name="Blank Slide">
     <p:spTree>
       <p:nvGrpSpPr>
@@ -592,11 +696,14 @@
       </p:grpSpPr>
     </p:spTree>
   </p:cSld>
+  <p:clrMapOvr>
+    <a:masterClrMapping/>
+  </p:clrMapOvr>
 </p:sldLayout>
 </file>
 
 <file path=ppt/slideLayouts/slideLayout14.xml><?xml version="1.0" encoding="utf-8"?>
-<p:sldLayout xmlns:a="http://schemas.openxmlformats.org/drawingml/2006/main" xmlns:p="http://schemas.openxmlformats.org/presentationml/2006/main" xmlns:r="http://schemas.openxmlformats.org/officeDocument/2006/relationships" xmlns:p14="http://schemas.microsoft.com/office/powerpoint/2010/main" xmlns:p15="http://schemas.microsoft.com/office/powerpoint/2012/main" xmlns:mc="http://schemas.openxmlformats.org/markup-compatibility/2006" type="tx" preserve="1">
+<p:sldLayout xmlns:a="http://schemas.openxmlformats.org/drawingml/2006/main" xmlns:r="http://schemas.openxmlformats.org/officeDocument/2006/relationships" xmlns:p="http://schemas.openxmlformats.org/presentationml/2006/main" type="tx" preserve="1">
   <p:cSld name="Title Slide">
     <p:spTree>
       <p:nvGrpSpPr>
@@ -632,13 +739,13 @@
           </a:prstGeom>
         </p:spPr>
         <p:txBody>
-          <a:bodyPr lIns="0" rIns="0" tIns="0" bIns="0" anchor="ctr">
+          <a:bodyPr lIns="0" tIns="0" rIns="0" bIns="0" anchor="ctr">
             <a:noAutofit/>
           </a:bodyPr>
           <a:p>
             <a:pPr algn="ctr"/>
-            <a:endParaRPr b="0" lang="en-IN" sz="4400" spc="-1" strike="noStrike">
-              <a:latin typeface="Arial"/>
+            <a:endParaRPr lang="en-IN" sz="4400" b="0" strike="noStrike" spc="-1">
+              <a:latin typeface="Arial" panose="020B0604020202090204"/>
             </a:endParaRPr>
           </a:p>
         </p:txBody>
@@ -663,24 +770,27 @@
           </a:prstGeom>
         </p:spPr>
         <p:txBody>
-          <a:bodyPr lIns="0" rIns="0" tIns="0" bIns="0" anchor="ctr">
+          <a:bodyPr lIns="0" tIns="0" rIns="0" bIns="0" anchor="ctr">
             <a:noAutofit/>
           </a:bodyPr>
           <a:p>
             <a:pPr algn="ctr"/>
-            <a:endParaRPr b="0" lang="en-IN" sz="3200" spc="-1" strike="noStrike">
-              <a:latin typeface="Arial"/>
+            <a:endParaRPr lang="en-IN" sz="3200" b="0" strike="noStrike" spc="-1">
+              <a:latin typeface="Arial" panose="020B0604020202090204"/>
             </a:endParaRPr>
           </a:p>
         </p:txBody>
       </p:sp>
     </p:spTree>
   </p:cSld>
+  <p:clrMapOvr>
+    <a:masterClrMapping/>
+  </p:clrMapOvr>
 </p:sldLayout>
 </file>
 
 <file path=ppt/slideLayouts/slideLayout15.xml><?xml version="1.0" encoding="utf-8"?>
-<p:sldLayout xmlns:a="http://schemas.openxmlformats.org/drawingml/2006/main" xmlns:p="http://schemas.openxmlformats.org/presentationml/2006/main" xmlns:r="http://schemas.openxmlformats.org/officeDocument/2006/relationships" xmlns:p14="http://schemas.microsoft.com/office/powerpoint/2010/main" xmlns:p15="http://schemas.microsoft.com/office/powerpoint/2012/main" xmlns:mc="http://schemas.openxmlformats.org/markup-compatibility/2006" type="obj" preserve="1">
+<p:sldLayout xmlns:a="http://schemas.openxmlformats.org/drawingml/2006/main" xmlns:r="http://schemas.openxmlformats.org/officeDocument/2006/relationships" xmlns:p="http://schemas.openxmlformats.org/presentationml/2006/main" type="obj" preserve="1">
   <p:cSld name="Title, Content">
     <p:spTree>
       <p:nvGrpSpPr>
@@ -716,13 +826,13 @@
           </a:prstGeom>
         </p:spPr>
         <p:txBody>
-          <a:bodyPr lIns="0" rIns="0" tIns="0" bIns="0" anchor="ctr">
+          <a:bodyPr lIns="0" tIns="0" rIns="0" bIns="0" anchor="ctr">
             <a:noAutofit/>
           </a:bodyPr>
           <a:p>
             <a:pPr algn="ctr"/>
-            <a:endParaRPr b="0" lang="en-IN" sz="4400" spc="-1" strike="noStrike">
-              <a:latin typeface="Arial"/>
+            <a:endParaRPr lang="en-IN" sz="4400" b="0" strike="noStrike" spc="-1">
+              <a:latin typeface="Arial" panose="020B0604020202090204"/>
             </a:endParaRPr>
           </a:p>
         </p:txBody>
@@ -747,23 +857,26 @@
           </a:prstGeom>
         </p:spPr>
         <p:txBody>
-          <a:bodyPr lIns="0" rIns="0" tIns="0" bIns="0">
+          <a:bodyPr lIns="0" tIns="0" rIns="0" bIns="0">
             <a:normAutofit/>
           </a:bodyPr>
           <a:p>
-            <a:endParaRPr b="0" lang="en-IN" sz="3200" spc="-1" strike="noStrike">
-              <a:latin typeface="Arial"/>
+            <a:endParaRPr lang="en-IN" sz="3200" b="0" strike="noStrike" spc="-1">
+              <a:latin typeface="Arial" panose="020B0604020202090204"/>
             </a:endParaRPr>
           </a:p>
         </p:txBody>
       </p:sp>
     </p:spTree>
   </p:cSld>
+  <p:clrMapOvr>
+    <a:masterClrMapping/>
+  </p:clrMapOvr>
 </p:sldLayout>
 </file>
 
 <file path=ppt/slideLayouts/slideLayout16.xml><?xml version="1.0" encoding="utf-8"?>
-<p:sldLayout xmlns:a="http://schemas.openxmlformats.org/drawingml/2006/main" xmlns:p="http://schemas.openxmlformats.org/presentationml/2006/main" xmlns:r="http://schemas.openxmlformats.org/officeDocument/2006/relationships" xmlns:p14="http://schemas.microsoft.com/office/powerpoint/2010/main" xmlns:p15="http://schemas.microsoft.com/office/powerpoint/2012/main" xmlns:mc="http://schemas.openxmlformats.org/markup-compatibility/2006" type="twoObj" preserve="1">
+<p:sldLayout xmlns:a="http://schemas.openxmlformats.org/drawingml/2006/main" xmlns:r="http://schemas.openxmlformats.org/officeDocument/2006/relationships" xmlns:p="http://schemas.openxmlformats.org/presentationml/2006/main" type="twoObj" preserve="1">
   <p:cSld name="Title, 2 Content">
     <p:spTree>
       <p:nvGrpSpPr>
@@ -799,13 +912,13 @@
           </a:prstGeom>
         </p:spPr>
         <p:txBody>
-          <a:bodyPr lIns="0" rIns="0" tIns="0" bIns="0" anchor="ctr">
+          <a:bodyPr lIns="0" tIns="0" rIns="0" bIns="0" anchor="ctr">
             <a:noAutofit/>
           </a:bodyPr>
           <a:p>
             <a:pPr algn="ctr"/>
-            <a:endParaRPr b="0" lang="en-IN" sz="4400" spc="-1" strike="noStrike">
-              <a:latin typeface="Arial"/>
+            <a:endParaRPr lang="en-IN" sz="4400" b="0" strike="noStrike" spc="-1">
+              <a:latin typeface="Arial" panose="020B0604020202090204"/>
             </a:endParaRPr>
           </a:p>
         </p:txBody>
@@ -830,12 +943,12 @@
           </a:prstGeom>
         </p:spPr>
         <p:txBody>
-          <a:bodyPr lIns="0" rIns="0" tIns="0" bIns="0">
+          <a:bodyPr lIns="0" tIns="0" rIns="0" bIns="0">
             <a:normAutofit/>
           </a:bodyPr>
           <a:p>
-            <a:endParaRPr b="0" lang="en-IN" sz="3200" spc="-1" strike="noStrike">
-              <a:latin typeface="Arial"/>
+            <a:endParaRPr lang="en-IN" sz="3200" b="0" strike="noStrike" spc="-1">
+              <a:latin typeface="Arial" panose="020B0604020202090204"/>
             </a:endParaRPr>
           </a:p>
         </p:txBody>
@@ -860,23 +973,26 @@
           </a:prstGeom>
         </p:spPr>
         <p:txBody>
-          <a:bodyPr lIns="0" rIns="0" tIns="0" bIns="0">
+          <a:bodyPr lIns="0" tIns="0" rIns="0" bIns="0">
             <a:normAutofit/>
           </a:bodyPr>
           <a:p>
-            <a:endParaRPr b="0" lang="en-IN" sz="3200" spc="-1" strike="noStrike">
-              <a:latin typeface="Arial"/>
+            <a:endParaRPr lang="en-IN" sz="3200" b="0" strike="noStrike" spc="-1">
+              <a:latin typeface="Arial" panose="020B0604020202090204"/>
             </a:endParaRPr>
           </a:p>
         </p:txBody>
       </p:sp>
     </p:spTree>
   </p:cSld>
+  <p:clrMapOvr>
+    <a:masterClrMapping/>
+  </p:clrMapOvr>
 </p:sldLayout>
 </file>
 
 <file path=ppt/slideLayouts/slideLayout17.xml><?xml version="1.0" encoding="utf-8"?>
-<p:sldLayout xmlns:a="http://schemas.openxmlformats.org/drawingml/2006/main" xmlns:p="http://schemas.openxmlformats.org/presentationml/2006/main" xmlns:r="http://schemas.openxmlformats.org/officeDocument/2006/relationships" xmlns:p14="http://schemas.microsoft.com/office/powerpoint/2010/main" xmlns:p15="http://schemas.microsoft.com/office/powerpoint/2012/main" xmlns:mc="http://schemas.openxmlformats.org/markup-compatibility/2006" type="titleOnly" preserve="1">
+<p:sldLayout xmlns:a="http://schemas.openxmlformats.org/drawingml/2006/main" xmlns:r="http://schemas.openxmlformats.org/officeDocument/2006/relationships" xmlns:p="http://schemas.openxmlformats.org/presentationml/2006/main" type="titleOnly" preserve="1">
   <p:cSld name="Title Only">
     <p:spTree>
       <p:nvGrpSpPr>
@@ -912,24 +1028,27 @@
           </a:prstGeom>
         </p:spPr>
         <p:txBody>
-          <a:bodyPr lIns="0" rIns="0" tIns="0" bIns="0" anchor="ctr">
+          <a:bodyPr lIns="0" tIns="0" rIns="0" bIns="0" anchor="ctr">
             <a:noAutofit/>
           </a:bodyPr>
           <a:p>
             <a:pPr algn="ctr"/>
-            <a:endParaRPr b="0" lang="en-IN" sz="4400" spc="-1" strike="noStrike">
-              <a:latin typeface="Arial"/>
+            <a:endParaRPr lang="en-IN" sz="4400" b="0" strike="noStrike" spc="-1">
+              <a:latin typeface="Arial" panose="020B0604020202090204"/>
             </a:endParaRPr>
           </a:p>
         </p:txBody>
       </p:sp>
     </p:spTree>
   </p:cSld>
+  <p:clrMapOvr>
+    <a:masterClrMapping/>
+  </p:clrMapOvr>
 </p:sldLayout>
 </file>
 
 <file path=ppt/slideLayouts/slideLayout18.xml><?xml version="1.0" encoding="utf-8"?>
-<p:sldLayout xmlns:a="http://schemas.openxmlformats.org/drawingml/2006/main" xmlns:p="http://schemas.openxmlformats.org/presentationml/2006/main" xmlns:r="http://schemas.openxmlformats.org/officeDocument/2006/relationships" xmlns:p14="http://schemas.microsoft.com/office/powerpoint/2010/main" xmlns:p15="http://schemas.microsoft.com/office/powerpoint/2012/main" xmlns:mc="http://schemas.openxmlformats.org/markup-compatibility/2006" type="objOnly" preserve="1">
+<p:sldLayout xmlns:a="http://schemas.openxmlformats.org/drawingml/2006/main" xmlns:r="http://schemas.openxmlformats.org/officeDocument/2006/relationships" xmlns:p="http://schemas.openxmlformats.org/presentationml/2006/main" type="objOnly" preserve="1">
   <p:cSld name="Centered Text">
     <p:spTree>
       <p:nvGrpSpPr>
@@ -965,24 +1084,27 @@
           </a:prstGeom>
         </p:spPr>
         <p:txBody>
-          <a:bodyPr lIns="0" rIns="0" tIns="0" bIns="0" anchor="ctr">
+          <a:bodyPr lIns="0" tIns="0" rIns="0" bIns="0" anchor="ctr">
             <a:noAutofit/>
           </a:bodyPr>
           <a:p>
             <a:pPr algn="ctr"/>
-            <a:endParaRPr b="0" lang="en-IN" sz="3200" spc="-1" strike="noStrike">
-              <a:latin typeface="Arial"/>
+            <a:endParaRPr lang="en-IN" sz="3200" b="0" strike="noStrike" spc="-1">
+              <a:latin typeface="Arial" panose="020B0604020202090204"/>
             </a:endParaRPr>
           </a:p>
         </p:txBody>
       </p:sp>
     </p:spTree>
   </p:cSld>
+  <p:clrMapOvr>
+    <a:masterClrMapping/>
+  </p:clrMapOvr>
 </p:sldLayout>
 </file>
 
 <file path=ppt/slideLayouts/slideLayout19.xml><?xml version="1.0" encoding="utf-8"?>
-<p:sldLayout xmlns:a="http://schemas.openxmlformats.org/drawingml/2006/main" xmlns:p="http://schemas.openxmlformats.org/presentationml/2006/main" xmlns:r="http://schemas.openxmlformats.org/officeDocument/2006/relationships" xmlns:p14="http://schemas.microsoft.com/office/powerpoint/2010/main" xmlns:p15="http://schemas.microsoft.com/office/powerpoint/2012/main" xmlns:mc="http://schemas.openxmlformats.org/markup-compatibility/2006" type="twoObjAndObj" preserve="1">
+<p:sldLayout xmlns:a="http://schemas.openxmlformats.org/drawingml/2006/main" xmlns:r="http://schemas.openxmlformats.org/officeDocument/2006/relationships" xmlns:p="http://schemas.openxmlformats.org/presentationml/2006/main" type="twoObjAndObj" preserve="1">
   <p:cSld name="Title, 2 Content and Content">
     <p:spTree>
       <p:nvGrpSpPr>
@@ -1018,13 +1140,13 @@
           </a:prstGeom>
         </p:spPr>
         <p:txBody>
-          <a:bodyPr lIns="0" rIns="0" tIns="0" bIns="0" anchor="ctr">
+          <a:bodyPr lIns="0" tIns="0" rIns="0" bIns="0" anchor="ctr">
             <a:noAutofit/>
           </a:bodyPr>
           <a:p>
             <a:pPr algn="ctr"/>
-            <a:endParaRPr b="0" lang="en-IN" sz="4400" spc="-1" strike="noStrike">
-              <a:latin typeface="Arial"/>
+            <a:endParaRPr lang="en-IN" sz="4400" b="0" strike="noStrike" spc="-1">
+              <a:latin typeface="Arial" panose="020B0604020202090204"/>
             </a:endParaRPr>
           </a:p>
         </p:txBody>
@@ -1049,12 +1171,12 @@
           </a:prstGeom>
         </p:spPr>
         <p:txBody>
-          <a:bodyPr lIns="0" rIns="0" tIns="0" bIns="0">
+          <a:bodyPr lIns="0" tIns="0" rIns="0" bIns="0">
             <a:normAutofit/>
           </a:bodyPr>
           <a:p>
-            <a:endParaRPr b="0" lang="en-IN" sz="3200" spc="-1" strike="noStrike">
-              <a:latin typeface="Arial"/>
+            <a:endParaRPr lang="en-IN" sz="3200" b="0" strike="noStrike" spc="-1">
+              <a:latin typeface="Arial" panose="020B0604020202090204"/>
             </a:endParaRPr>
           </a:p>
         </p:txBody>
@@ -1079,12 +1201,12 @@
           </a:prstGeom>
         </p:spPr>
         <p:txBody>
-          <a:bodyPr lIns="0" rIns="0" tIns="0" bIns="0">
+          <a:bodyPr lIns="0" tIns="0" rIns="0" bIns="0">
             <a:normAutofit/>
           </a:bodyPr>
           <a:p>
-            <a:endParaRPr b="0" lang="en-IN" sz="3200" spc="-1" strike="noStrike">
-              <a:latin typeface="Arial"/>
+            <a:endParaRPr lang="en-IN" sz="3200" b="0" strike="noStrike" spc="-1">
+              <a:latin typeface="Arial" panose="020B0604020202090204"/>
             </a:endParaRPr>
           </a:p>
         </p:txBody>
@@ -1109,23 +1231,26 @@
           </a:prstGeom>
         </p:spPr>
         <p:txBody>
-          <a:bodyPr lIns="0" rIns="0" tIns="0" bIns="0">
+          <a:bodyPr lIns="0" tIns="0" rIns="0" bIns="0">
             <a:normAutofit/>
           </a:bodyPr>
           <a:p>
-            <a:endParaRPr b="0" lang="en-IN" sz="3200" spc="-1" strike="noStrike">
-              <a:latin typeface="Arial"/>
+            <a:endParaRPr lang="en-IN" sz="3200" b="0" strike="noStrike" spc="-1">
+              <a:latin typeface="Arial" panose="020B0604020202090204"/>
             </a:endParaRPr>
           </a:p>
         </p:txBody>
       </p:sp>
     </p:spTree>
   </p:cSld>
+  <p:clrMapOvr>
+    <a:masterClrMapping/>
+  </p:clrMapOvr>
 </p:sldLayout>
 </file>
 
 <file path=ppt/slideLayouts/slideLayout2.xml><?xml version="1.0" encoding="utf-8"?>
-<p:sldLayout xmlns:a="http://schemas.openxmlformats.org/drawingml/2006/main" xmlns:p="http://schemas.openxmlformats.org/presentationml/2006/main" xmlns:r="http://schemas.openxmlformats.org/officeDocument/2006/relationships" xmlns:p14="http://schemas.microsoft.com/office/powerpoint/2010/main" xmlns:p15="http://schemas.microsoft.com/office/powerpoint/2012/main" xmlns:mc="http://schemas.openxmlformats.org/markup-compatibility/2006" type="tx" preserve="1">
+<p:sldLayout xmlns:a="http://schemas.openxmlformats.org/drawingml/2006/main" xmlns:r="http://schemas.openxmlformats.org/officeDocument/2006/relationships" xmlns:p="http://schemas.openxmlformats.org/presentationml/2006/main" type="tx" preserve="1">
   <p:cSld name="Title Slide">
     <p:spTree>
       <p:nvGrpSpPr>
@@ -1161,13 +1286,13 @@
           </a:prstGeom>
         </p:spPr>
         <p:txBody>
-          <a:bodyPr lIns="0" rIns="0" tIns="0" bIns="0" anchor="ctr">
+          <a:bodyPr lIns="0" tIns="0" rIns="0" bIns="0" anchor="ctr">
             <a:noAutofit/>
           </a:bodyPr>
           <a:p>
             <a:pPr algn="ctr"/>
-            <a:endParaRPr b="0" lang="en-IN" sz="4400" spc="-1" strike="noStrike">
-              <a:latin typeface="Arial"/>
+            <a:endParaRPr lang="en-IN" sz="4400" b="0" strike="noStrike" spc="-1">
+              <a:latin typeface="Arial" panose="020B0604020202090204"/>
             </a:endParaRPr>
           </a:p>
         </p:txBody>
@@ -1192,24 +1317,27 @@
           </a:prstGeom>
         </p:spPr>
         <p:txBody>
-          <a:bodyPr lIns="0" rIns="0" tIns="0" bIns="0" anchor="ctr">
+          <a:bodyPr lIns="0" tIns="0" rIns="0" bIns="0" anchor="ctr">
             <a:noAutofit/>
           </a:bodyPr>
           <a:p>
             <a:pPr algn="ctr"/>
-            <a:endParaRPr b="0" lang="en-IN" sz="3200" spc="-1" strike="noStrike">
-              <a:latin typeface="Arial"/>
+            <a:endParaRPr lang="en-IN" sz="3200" b="0" strike="noStrike" spc="-1">
+              <a:latin typeface="Arial" panose="020B0604020202090204"/>
             </a:endParaRPr>
           </a:p>
         </p:txBody>
       </p:sp>
     </p:spTree>
   </p:cSld>
+  <p:clrMapOvr>
+    <a:masterClrMapping/>
+  </p:clrMapOvr>
 </p:sldLayout>
 </file>
 
 <file path=ppt/slideLayouts/slideLayout20.xml><?xml version="1.0" encoding="utf-8"?>
-<p:sldLayout xmlns:a="http://schemas.openxmlformats.org/drawingml/2006/main" xmlns:p="http://schemas.openxmlformats.org/presentationml/2006/main" xmlns:r="http://schemas.openxmlformats.org/officeDocument/2006/relationships" xmlns:p14="http://schemas.microsoft.com/office/powerpoint/2010/main" xmlns:p15="http://schemas.microsoft.com/office/powerpoint/2012/main" xmlns:mc="http://schemas.openxmlformats.org/markup-compatibility/2006" type="objAndTwoObj" preserve="1">
+<p:sldLayout xmlns:a="http://schemas.openxmlformats.org/drawingml/2006/main" xmlns:r="http://schemas.openxmlformats.org/officeDocument/2006/relationships" xmlns:p="http://schemas.openxmlformats.org/presentationml/2006/main" type="objAndTwoObj" preserve="1">
   <p:cSld name="Title Content and 2 Content">
     <p:spTree>
       <p:nvGrpSpPr>
@@ -1245,13 +1373,13 @@
           </a:prstGeom>
         </p:spPr>
         <p:txBody>
-          <a:bodyPr lIns="0" rIns="0" tIns="0" bIns="0" anchor="ctr">
+          <a:bodyPr lIns="0" tIns="0" rIns="0" bIns="0" anchor="ctr">
             <a:noAutofit/>
           </a:bodyPr>
           <a:p>
             <a:pPr algn="ctr"/>
-            <a:endParaRPr b="0" lang="en-IN" sz="4400" spc="-1" strike="noStrike">
-              <a:latin typeface="Arial"/>
+            <a:endParaRPr lang="en-IN" sz="4400" b="0" strike="noStrike" spc="-1">
+              <a:latin typeface="Arial" panose="020B0604020202090204"/>
             </a:endParaRPr>
           </a:p>
         </p:txBody>
@@ -1276,12 +1404,12 @@
           </a:prstGeom>
         </p:spPr>
         <p:txBody>
-          <a:bodyPr lIns="0" rIns="0" tIns="0" bIns="0">
+          <a:bodyPr lIns="0" tIns="0" rIns="0" bIns="0">
             <a:normAutofit/>
           </a:bodyPr>
           <a:p>
-            <a:endParaRPr b="0" lang="en-IN" sz="3200" spc="-1" strike="noStrike">
-              <a:latin typeface="Arial"/>
+            <a:endParaRPr lang="en-IN" sz="3200" b="0" strike="noStrike" spc="-1">
+              <a:latin typeface="Arial" panose="020B0604020202090204"/>
             </a:endParaRPr>
           </a:p>
         </p:txBody>
@@ -1306,12 +1434,12 @@
           </a:prstGeom>
         </p:spPr>
         <p:txBody>
-          <a:bodyPr lIns="0" rIns="0" tIns="0" bIns="0">
+          <a:bodyPr lIns="0" tIns="0" rIns="0" bIns="0">
             <a:normAutofit/>
           </a:bodyPr>
           <a:p>
-            <a:endParaRPr b="0" lang="en-IN" sz="3200" spc="-1" strike="noStrike">
-              <a:latin typeface="Arial"/>
+            <a:endParaRPr lang="en-IN" sz="3200" b="0" strike="noStrike" spc="-1">
+              <a:latin typeface="Arial" panose="020B0604020202090204"/>
             </a:endParaRPr>
           </a:p>
         </p:txBody>
@@ -1336,23 +1464,26 @@
           </a:prstGeom>
         </p:spPr>
         <p:txBody>
-          <a:bodyPr lIns="0" rIns="0" tIns="0" bIns="0">
+          <a:bodyPr lIns="0" tIns="0" rIns="0" bIns="0">
             <a:normAutofit/>
           </a:bodyPr>
           <a:p>
-            <a:endParaRPr b="0" lang="en-IN" sz="3200" spc="-1" strike="noStrike">
-              <a:latin typeface="Arial"/>
+            <a:endParaRPr lang="en-IN" sz="3200" b="0" strike="noStrike" spc="-1">
+              <a:latin typeface="Arial" panose="020B0604020202090204"/>
             </a:endParaRPr>
           </a:p>
         </p:txBody>
       </p:sp>
     </p:spTree>
   </p:cSld>
+  <p:clrMapOvr>
+    <a:masterClrMapping/>
+  </p:clrMapOvr>
 </p:sldLayout>
 </file>
 
 <file path=ppt/slideLayouts/slideLayout21.xml><?xml version="1.0" encoding="utf-8"?>
-<p:sldLayout xmlns:a="http://schemas.openxmlformats.org/drawingml/2006/main" xmlns:p="http://schemas.openxmlformats.org/presentationml/2006/main" xmlns:r="http://schemas.openxmlformats.org/officeDocument/2006/relationships" xmlns:p14="http://schemas.microsoft.com/office/powerpoint/2010/main" xmlns:p15="http://schemas.microsoft.com/office/powerpoint/2012/main" xmlns:mc="http://schemas.openxmlformats.org/markup-compatibility/2006" type="twoObjOverTx" preserve="1">
+<p:sldLayout xmlns:a="http://schemas.openxmlformats.org/drawingml/2006/main" xmlns:r="http://schemas.openxmlformats.org/officeDocument/2006/relationships" xmlns:p="http://schemas.openxmlformats.org/presentationml/2006/main" type="twoObjOverTx" preserve="1">
   <p:cSld name="Title, 2 Content over Content">
     <p:spTree>
       <p:nvGrpSpPr>
@@ -1388,13 +1519,13 @@
           </a:prstGeom>
         </p:spPr>
         <p:txBody>
-          <a:bodyPr lIns="0" rIns="0" tIns="0" bIns="0" anchor="ctr">
+          <a:bodyPr lIns="0" tIns="0" rIns="0" bIns="0" anchor="ctr">
             <a:noAutofit/>
           </a:bodyPr>
           <a:p>
             <a:pPr algn="ctr"/>
-            <a:endParaRPr b="0" lang="en-IN" sz="4400" spc="-1" strike="noStrike">
-              <a:latin typeface="Arial"/>
+            <a:endParaRPr lang="en-IN" sz="4400" b="0" strike="noStrike" spc="-1">
+              <a:latin typeface="Arial" panose="020B0604020202090204"/>
             </a:endParaRPr>
           </a:p>
         </p:txBody>
@@ -1419,12 +1550,12 @@
           </a:prstGeom>
         </p:spPr>
         <p:txBody>
-          <a:bodyPr lIns="0" rIns="0" tIns="0" bIns="0">
+          <a:bodyPr lIns="0" tIns="0" rIns="0" bIns="0">
             <a:normAutofit/>
           </a:bodyPr>
           <a:p>
-            <a:endParaRPr b="0" lang="en-IN" sz="3200" spc="-1" strike="noStrike">
-              <a:latin typeface="Arial"/>
+            <a:endParaRPr lang="en-IN" sz="3200" b="0" strike="noStrike" spc="-1">
+              <a:latin typeface="Arial" panose="020B0604020202090204"/>
             </a:endParaRPr>
           </a:p>
         </p:txBody>
@@ -1449,12 +1580,12 @@
           </a:prstGeom>
         </p:spPr>
         <p:txBody>
-          <a:bodyPr lIns="0" rIns="0" tIns="0" bIns="0">
+          <a:bodyPr lIns="0" tIns="0" rIns="0" bIns="0">
             <a:normAutofit/>
           </a:bodyPr>
           <a:p>
-            <a:endParaRPr b="0" lang="en-IN" sz="3200" spc="-1" strike="noStrike">
-              <a:latin typeface="Arial"/>
+            <a:endParaRPr lang="en-IN" sz="3200" b="0" strike="noStrike" spc="-1">
+              <a:latin typeface="Arial" panose="020B0604020202090204"/>
             </a:endParaRPr>
           </a:p>
         </p:txBody>
@@ -1479,23 +1610,26 @@
           </a:prstGeom>
         </p:spPr>
         <p:txBody>
-          <a:bodyPr lIns="0" rIns="0" tIns="0" bIns="0">
+          <a:bodyPr lIns="0" tIns="0" rIns="0" bIns="0">
             <a:normAutofit/>
           </a:bodyPr>
           <a:p>
-            <a:endParaRPr b="0" lang="en-IN" sz="3200" spc="-1" strike="noStrike">
-              <a:latin typeface="Arial"/>
+            <a:endParaRPr lang="en-IN" sz="3200" b="0" strike="noStrike" spc="-1">
+              <a:latin typeface="Arial" panose="020B0604020202090204"/>
             </a:endParaRPr>
           </a:p>
         </p:txBody>
       </p:sp>
     </p:spTree>
   </p:cSld>
+  <p:clrMapOvr>
+    <a:masterClrMapping/>
+  </p:clrMapOvr>
 </p:sldLayout>
 </file>
 
 <file path=ppt/slideLayouts/slideLayout22.xml><?xml version="1.0" encoding="utf-8"?>
-<p:sldLayout xmlns:a="http://schemas.openxmlformats.org/drawingml/2006/main" xmlns:p="http://schemas.openxmlformats.org/presentationml/2006/main" xmlns:r="http://schemas.openxmlformats.org/officeDocument/2006/relationships" xmlns:p14="http://schemas.microsoft.com/office/powerpoint/2010/main" xmlns:p15="http://schemas.microsoft.com/office/powerpoint/2012/main" xmlns:mc="http://schemas.openxmlformats.org/markup-compatibility/2006" type="objOverTx" preserve="1">
+<p:sldLayout xmlns:a="http://schemas.openxmlformats.org/drawingml/2006/main" xmlns:r="http://schemas.openxmlformats.org/officeDocument/2006/relationships" xmlns:p="http://schemas.openxmlformats.org/presentationml/2006/main" type="objOverTx" preserve="1">
   <p:cSld name="Title, Content over Content">
     <p:spTree>
       <p:nvGrpSpPr>
@@ -1531,13 +1665,13 @@
           </a:prstGeom>
         </p:spPr>
         <p:txBody>
-          <a:bodyPr lIns="0" rIns="0" tIns="0" bIns="0" anchor="ctr">
+          <a:bodyPr lIns="0" tIns="0" rIns="0" bIns="0" anchor="ctr">
             <a:noAutofit/>
           </a:bodyPr>
           <a:p>
             <a:pPr algn="ctr"/>
-            <a:endParaRPr b="0" lang="en-IN" sz="4400" spc="-1" strike="noStrike">
-              <a:latin typeface="Arial"/>
+            <a:endParaRPr lang="en-IN" sz="4400" b="0" strike="noStrike" spc="-1">
+              <a:latin typeface="Arial" panose="020B0604020202090204"/>
             </a:endParaRPr>
           </a:p>
         </p:txBody>
@@ -1562,12 +1696,12 @@
           </a:prstGeom>
         </p:spPr>
         <p:txBody>
-          <a:bodyPr lIns="0" rIns="0" tIns="0" bIns="0">
+          <a:bodyPr lIns="0" tIns="0" rIns="0" bIns="0">
             <a:normAutofit/>
           </a:bodyPr>
           <a:p>
-            <a:endParaRPr b="0" lang="en-IN" sz="3200" spc="-1" strike="noStrike">
-              <a:latin typeface="Arial"/>
+            <a:endParaRPr lang="en-IN" sz="3200" b="0" strike="noStrike" spc="-1">
+              <a:latin typeface="Arial" panose="020B0604020202090204"/>
             </a:endParaRPr>
           </a:p>
         </p:txBody>
@@ -1592,23 +1726,26 @@
           </a:prstGeom>
         </p:spPr>
         <p:txBody>
-          <a:bodyPr lIns="0" rIns="0" tIns="0" bIns="0">
+          <a:bodyPr lIns="0" tIns="0" rIns="0" bIns="0">
             <a:normAutofit/>
           </a:bodyPr>
           <a:p>
-            <a:endParaRPr b="0" lang="en-IN" sz="3200" spc="-1" strike="noStrike">
-              <a:latin typeface="Arial"/>
+            <a:endParaRPr lang="en-IN" sz="3200" b="0" strike="noStrike" spc="-1">
+              <a:latin typeface="Arial" panose="020B0604020202090204"/>
             </a:endParaRPr>
           </a:p>
         </p:txBody>
       </p:sp>
     </p:spTree>
   </p:cSld>
+  <p:clrMapOvr>
+    <a:masterClrMapping/>
+  </p:clrMapOvr>
 </p:sldLayout>
 </file>
 
 <file path=ppt/slideLayouts/slideLayout23.xml><?xml version="1.0" encoding="utf-8"?>
-<p:sldLayout xmlns:a="http://schemas.openxmlformats.org/drawingml/2006/main" xmlns:p="http://schemas.openxmlformats.org/presentationml/2006/main" xmlns:r="http://schemas.openxmlformats.org/officeDocument/2006/relationships" xmlns:p14="http://schemas.microsoft.com/office/powerpoint/2010/main" xmlns:p15="http://schemas.microsoft.com/office/powerpoint/2012/main" xmlns:mc="http://schemas.openxmlformats.org/markup-compatibility/2006" type="fourObj" preserve="1">
+<p:sldLayout xmlns:a="http://schemas.openxmlformats.org/drawingml/2006/main" xmlns:r="http://schemas.openxmlformats.org/officeDocument/2006/relationships" xmlns:p="http://schemas.openxmlformats.org/presentationml/2006/main" type="fourObj" preserve="1">
   <p:cSld name="Title, 4 Content">
     <p:spTree>
       <p:nvGrpSpPr>
@@ -1644,13 +1781,13 @@
           </a:prstGeom>
         </p:spPr>
         <p:txBody>
-          <a:bodyPr lIns="0" rIns="0" tIns="0" bIns="0" anchor="ctr">
+          <a:bodyPr lIns="0" tIns="0" rIns="0" bIns="0" anchor="ctr">
             <a:noAutofit/>
           </a:bodyPr>
           <a:p>
             <a:pPr algn="ctr"/>
-            <a:endParaRPr b="0" lang="en-IN" sz="4400" spc="-1" strike="noStrike">
-              <a:latin typeface="Arial"/>
+            <a:endParaRPr lang="en-IN" sz="4400" b="0" strike="noStrike" spc="-1">
+              <a:latin typeface="Arial" panose="020B0604020202090204"/>
             </a:endParaRPr>
           </a:p>
         </p:txBody>
@@ -1675,12 +1812,12 @@
           </a:prstGeom>
         </p:spPr>
         <p:txBody>
-          <a:bodyPr lIns="0" rIns="0" tIns="0" bIns="0">
+          <a:bodyPr lIns="0" tIns="0" rIns="0" bIns="0">
             <a:normAutofit/>
           </a:bodyPr>
           <a:p>
-            <a:endParaRPr b="0" lang="en-IN" sz="3200" spc="-1" strike="noStrike">
-              <a:latin typeface="Arial"/>
+            <a:endParaRPr lang="en-IN" sz="3200" b="0" strike="noStrike" spc="-1">
+              <a:latin typeface="Arial" panose="020B0604020202090204"/>
             </a:endParaRPr>
           </a:p>
         </p:txBody>
@@ -1705,12 +1842,12 @@
           </a:prstGeom>
         </p:spPr>
         <p:txBody>
-          <a:bodyPr lIns="0" rIns="0" tIns="0" bIns="0">
+          <a:bodyPr lIns="0" tIns="0" rIns="0" bIns="0">
             <a:normAutofit/>
           </a:bodyPr>
           <a:p>
-            <a:endParaRPr b="0" lang="en-IN" sz="3200" spc="-1" strike="noStrike">
-              <a:latin typeface="Arial"/>
+            <a:endParaRPr lang="en-IN" sz="3200" b="0" strike="noStrike" spc="-1">
+              <a:latin typeface="Arial" panose="020B0604020202090204"/>
             </a:endParaRPr>
           </a:p>
         </p:txBody>
@@ -1735,12 +1872,12 @@
           </a:prstGeom>
         </p:spPr>
         <p:txBody>
-          <a:bodyPr lIns="0" rIns="0" tIns="0" bIns="0">
+          <a:bodyPr lIns="0" tIns="0" rIns="0" bIns="0">
             <a:normAutofit/>
           </a:bodyPr>
           <a:p>
-            <a:endParaRPr b="0" lang="en-IN" sz="3200" spc="-1" strike="noStrike">
-              <a:latin typeface="Arial"/>
+            <a:endParaRPr lang="en-IN" sz="3200" b="0" strike="noStrike" spc="-1">
+              <a:latin typeface="Arial" panose="020B0604020202090204"/>
             </a:endParaRPr>
           </a:p>
         </p:txBody>
@@ -1765,23 +1902,26 @@
           </a:prstGeom>
         </p:spPr>
         <p:txBody>
-          <a:bodyPr lIns="0" rIns="0" tIns="0" bIns="0">
+          <a:bodyPr lIns="0" tIns="0" rIns="0" bIns="0">
             <a:normAutofit/>
           </a:bodyPr>
           <a:p>
-            <a:endParaRPr b="0" lang="en-IN" sz="3200" spc="-1" strike="noStrike">
-              <a:latin typeface="Arial"/>
+            <a:endParaRPr lang="en-IN" sz="3200" b="0" strike="noStrike" spc="-1">
+              <a:latin typeface="Arial" panose="020B0604020202090204"/>
             </a:endParaRPr>
           </a:p>
         </p:txBody>
       </p:sp>
     </p:spTree>
   </p:cSld>
+  <p:clrMapOvr>
+    <a:masterClrMapping/>
+  </p:clrMapOvr>
 </p:sldLayout>
 </file>
 
 <file path=ppt/slideLayouts/slideLayout24.xml><?xml version="1.0" encoding="utf-8"?>
-<p:sldLayout xmlns:a="http://schemas.openxmlformats.org/drawingml/2006/main" xmlns:p="http://schemas.openxmlformats.org/presentationml/2006/main" xmlns:r="http://schemas.openxmlformats.org/officeDocument/2006/relationships" xmlns:p14="http://schemas.microsoft.com/office/powerpoint/2010/main" xmlns:p15="http://schemas.microsoft.com/office/powerpoint/2012/main" xmlns:mc="http://schemas.openxmlformats.org/markup-compatibility/2006" type="blank" preserve="1">
+<p:sldLayout xmlns:a="http://schemas.openxmlformats.org/drawingml/2006/main" xmlns:r="http://schemas.openxmlformats.org/officeDocument/2006/relationships" xmlns:p="http://schemas.openxmlformats.org/presentationml/2006/main" type="blank" preserve="1">
   <p:cSld name="Title, 6 Content">
     <p:spTree>
       <p:nvGrpSpPr>
@@ -1817,13 +1957,13 @@
           </a:prstGeom>
         </p:spPr>
         <p:txBody>
-          <a:bodyPr lIns="0" rIns="0" tIns="0" bIns="0" anchor="ctr">
+          <a:bodyPr lIns="0" tIns="0" rIns="0" bIns="0" anchor="ctr">
             <a:noAutofit/>
           </a:bodyPr>
           <a:p>
             <a:pPr algn="ctr"/>
-            <a:endParaRPr b="0" lang="en-IN" sz="4400" spc="-1" strike="noStrike">
-              <a:latin typeface="Arial"/>
+            <a:endParaRPr lang="en-IN" sz="4400" b="0" strike="noStrike" spc="-1">
+              <a:latin typeface="Arial" panose="020B0604020202090204"/>
             </a:endParaRPr>
           </a:p>
         </p:txBody>
@@ -1848,12 +1988,12 @@
           </a:prstGeom>
         </p:spPr>
         <p:txBody>
-          <a:bodyPr lIns="0" rIns="0" tIns="0" bIns="0">
+          <a:bodyPr lIns="0" tIns="0" rIns="0" bIns="0">
             <a:normAutofit/>
           </a:bodyPr>
           <a:p>
-            <a:endParaRPr b="0" lang="en-IN" sz="3200" spc="-1" strike="noStrike">
-              <a:latin typeface="Arial"/>
+            <a:endParaRPr lang="en-IN" sz="3200" b="0" strike="noStrike" spc="-1">
+              <a:latin typeface="Arial" panose="020B0604020202090204"/>
             </a:endParaRPr>
           </a:p>
         </p:txBody>
@@ -1878,12 +2018,12 @@
           </a:prstGeom>
         </p:spPr>
         <p:txBody>
-          <a:bodyPr lIns="0" rIns="0" tIns="0" bIns="0">
+          <a:bodyPr lIns="0" tIns="0" rIns="0" bIns="0">
             <a:normAutofit/>
           </a:bodyPr>
           <a:p>
-            <a:endParaRPr b="0" lang="en-IN" sz="3200" spc="-1" strike="noStrike">
-              <a:latin typeface="Arial"/>
+            <a:endParaRPr lang="en-IN" sz="3200" b="0" strike="noStrike" spc="-1">
+              <a:latin typeface="Arial" panose="020B0604020202090204"/>
             </a:endParaRPr>
           </a:p>
         </p:txBody>
@@ -1908,12 +2048,12 @@
           </a:prstGeom>
         </p:spPr>
         <p:txBody>
-          <a:bodyPr lIns="0" rIns="0" tIns="0" bIns="0">
+          <a:bodyPr lIns="0" tIns="0" rIns="0" bIns="0">
             <a:normAutofit/>
           </a:bodyPr>
           <a:p>
-            <a:endParaRPr b="0" lang="en-IN" sz="3200" spc="-1" strike="noStrike">
-              <a:latin typeface="Arial"/>
+            <a:endParaRPr lang="en-IN" sz="3200" b="0" strike="noStrike" spc="-1">
+              <a:latin typeface="Arial" panose="020B0604020202090204"/>
             </a:endParaRPr>
           </a:p>
         </p:txBody>
@@ -1938,12 +2078,12 @@
           </a:prstGeom>
         </p:spPr>
         <p:txBody>
-          <a:bodyPr lIns="0" rIns="0" tIns="0" bIns="0">
+          <a:bodyPr lIns="0" tIns="0" rIns="0" bIns="0">
             <a:normAutofit/>
           </a:bodyPr>
           <a:p>
-            <a:endParaRPr b="0" lang="en-IN" sz="3200" spc="-1" strike="noStrike">
-              <a:latin typeface="Arial"/>
+            <a:endParaRPr lang="en-IN" sz="3200" b="0" strike="noStrike" spc="-1">
+              <a:latin typeface="Arial" panose="020B0604020202090204"/>
             </a:endParaRPr>
           </a:p>
         </p:txBody>
@@ -1968,12 +2108,12 @@
           </a:prstGeom>
         </p:spPr>
         <p:txBody>
-          <a:bodyPr lIns="0" rIns="0" tIns="0" bIns="0">
+          <a:bodyPr lIns="0" tIns="0" rIns="0" bIns="0">
             <a:normAutofit/>
           </a:bodyPr>
           <a:p>
-            <a:endParaRPr b="0" lang="en-IN" sz="3200" spc="-1" strike="noStrike">
-              <a:latin typeface="Arial"/>
+            <a:endParaRPr lang="en-IN" sz="3200" b="0" strike="noStrike" spc="-1">
+              <a:latin typeface="Arial" panose="020B0604020202090204"/>
             </a:endParaRPr>
           </a:p>
         </p:txBody>
@@ -1998,23 +2138,26 @@
           </a:prstGeom>
         </p:spPr>
         <p:txBody>
-          <a:bodyPr lIns="0" rIns="0" tIns="0" bIns="0">
+          <a:bodyPr lIns="0" tIns="0" rIns="0" bIns="0">
             <a:normAutofit/>
           </a:bodyPr>
           <a:p>
-            <a:endParaRPr b="0" lang="en-IN" sz="3200" spc="-1" strike="noStrike">
-              <a:latin typeface="Arial"/>
+            <a:endParaRPr lang="en-IN" sz="3200" b="0" strike="noStrike" spc="-1">
+              <a:latin typeface="Arial" panose="020B0604020202090204"/>
             </a:endParaRPr>
           </a:p>
         </p:txBody>
       </p:sp>
     </p:spTree>
   </p:cSld>
+  <p:clrMapOvr>
+    <a:masterClrMapping/>
+  </p:clrMapOvr>
 </p:sldLayout>
 </file>
 
 <file path=ppt/slideLayouts/slideLayout25.xml><?xml version="1.0" encoding="utf-8"?>
-<p:sldLayout xmlns:a="http://schemas.openxmlformats.org/drawingml/2006/main" xmlns:p="http://schemas.openxmlformats.org/presentationml/2006/main" xmlns:r="http://schemas.openxmlformats.org/officeDocument/2006/relationships" xmlns:p14="http://schemas.microsoft.com/office/powerpoint/2010/main" xmlns:p15="http://schemas.microsoft.com/office/powerpoint/2012/main" xmlns:mc="http://schemas.openxmlformats.org/markup-compatibility/2006" type="blank" preserve="1">
+<p:sldLayout xmlns:a="http://schemas.openxmlformats.org/drawingml/2006/main" xmlns:r="http://schemas.openxmlformats.org/officeDocument/2006/relationships" xmlns:p="http://schemas.openxmlformats.org/presentationml/2006/main" type="blank" preserve="1">
   <p:cSld name="Blank Slide">
     <p:spTree>
       <p:nvGrpSpPr>
@@ -2032,11 +2175,14 @@
       </p:grpSpPr>
     </p:spTree>
   </p:cSld>
+  <p:clrMapOvr>
+    <a:masterClrMapping/>
+  </p:clrMapOvr>
 </p:sldLayout>
 </file>
 
 <file path=ppt/slideLayouts/slideLayout26.xml><?xml version="1.0" encoding="utf-8"?>
-<p:sldLayout xmlns:a="http://schemas.openxmlformats.org/drawingml/2006/main" xmlns:p="http://schemas.openxmlformats.org/presentationml/2006/main" xmlns:r="http://schemas.openxmlformats.org/officeDocument/2006/relationships" xmlns:p14="http://schemas.microsoft.com/office/powerpoint/2010/main" xmlns:p15="http://schemas.microsoft.com/office/powerpoint/2012/main" xmlns:mc="http://schemas.openxmlformats.org/markup-compatibility/2006" type="tx" preserve="1">
+<p:sldLayout xmlns:a="http://schemas.openxmlformats.org/drawingml/2006/main" xmlns:r="http://schemas.openxmlformats.org/officeDocument/2006/relationships" xmlns:p="http://schemas.openxmlformats.org/presentationml/2006/main" type="tx" preserve="1">
   <p:cSld name="Title Slide">
     <p:spTree>
       <p:nvGrpSpPr>
@@ -2072,13 +2218,13 @@
           </a:prstGeom>
         </p:spPr>
         <p:txBody>
-          <a:bodyPr lIns="0" rIns="0" tIns="0" bIns="0" anchor="ctr">
+          <a:bodyPr lIns="0" tIns="0" rIns="0" bIns="0" anchor="ctr">
             <a:noAutofit/>
           </a:bodyPr>
           <a:p>
             <a:pPr algn="ctr"/>
-            <a:endParaRPr b="0" lang="en-IN" sz="4400" spc="-1" strike="noStrike">
-              <a:latin typeface="Arial"/>
+            <a:endParaRPr lang="en-IN" sz="4400" b="0" strike="noStrike" spc="-1">
+              <a:latin typeface="Arial" panose="020B0604020202090204"/>
             </a:endParaRPr>
           </a:p>
         </p:txBody>
@@ -2103,24 +2249,27 @@
           </a:prstGeom>
         </p:spPr>
         <p:txBody>
-          <a:bodyPr lIns="0" rIns="0" tIns="0" bIns="0" anchor="ctr">
+          <a:bodyPr lIns="0" tIns="0" rIns="0" bIns="0" anchor="ctr">
             <a:noAutofit/>
           </a:bodyPr>
           <a:p>
             <a:pPr algn="ctr"/>
-            <a:endParaRPr b="0" lang="en-IN" sz="3200" spc="-1" strike="noStrike">
-              <a:latin typeface="Arial"/>
+            <a:endParaRPr lang="en-IN" sz="3200" b="0" strike="noStrike" spc="-1">
+              <a:latin typeface="Arial" panose="020B0604020202090204"/>
             </a:endParaRPr>
           </a:p>
         </p:txBody>
       </p:sp>
     </p:spTree>
   </p:cSld>
+  <p:clrMapOvr>
+    <a:masterClrMapping/>
+  </p:clrMapOvr>
 </p:sldLayout>
 </file>
 
 <file path=ppt/slideLayouts/slideLayout27.xml><?xml version="1.0" encoding="utf-8"?>
-<p:sldLayout xmlns:a="http://schemas.openxmlformats.org/drawingml/2006/main" xmlns:p="http://schemas.openxmlformats.org/presentationml/2006/main" xmlns:r="http://schemas.openxmlformats.org/officeDocument/2006/relationships" xmlns:p14="http://schemas.microsoft.com/office/powerpoint/2010/main" xmlns:p15="http://schemas.microsoft.com/office/powerpoint/2012/main" xmlns:mc="http://schemas.openxmlformats.org/markup-compatibility/2006" type="obj" preserve="1">
+<p:sldLayout xmlns:a="http://schemas.openxmlformats.org/drawingml/2006/main" xmlns:r="http://schemas.openxmlformats.org/officeDocument/2006/relationships" xmlns:p="http://schemas.openxmlformats.org/presentationml/2006/main" type="obj" preserve="1">
   <p:cSld name="Title, Content">
     <p:spTree>
       <p:nvGrpSpPr>
@@ -2156,13 +2305,13 @@
           </a:prstGeom>
         </p:spPr>
         <p:txBody>
-          <a:bodyPr lIns="0" rIns="0" tIns="0" bIns="0" anchor="ctr">
+          <a:bodyPr lIns="0" tIns="0" rIns="0" bIns="0" anchor="ctr">
             <a:noAutofit/>
           </a:bodyPr>
           <a:p>
             <a:pPr algn="ctr"/>
-            <a:endParaRPr b="0" lang="en-IN" sz="4400" spc="-1" strike="noStrike">
-              <a:latin typeface="Arial"/>
+            <a:endParaRPr lang="en-IN" sz="4400" b="0" strike="noStrike" spc="-1">
+              <a:latin typeface="Arial" panose="020B0604020202090204"/>
             </a:endParaRPr>
           </a:p>
         </p:txBody>
@@ -2187,23 +2336,26 @@
           </a:prstGeom>
         </p:spPr>
         <p:txBody>
-          <a:bodyPr lIns="0" rIns="0" tIns="0" bIns="0">
+          <a:bodyPr lIns="0" tIns="0" rIns="0" bIns="0">
             <a:normAutofit/>
           </a:bodyPr>
           <a:p>
-            <a:endParaRPr b="0" lang="en-IN" sz="3200" spc="-1" strike="noStrike">
-              <a:latin typeface="Arial"/>
+            <a:endParaRPr lang="en-IN" sz="3200" b="0" strike="noStrike" spc="-1">
+              <a:latin typeface="Arial" panose="020B0604020202090204"/>
             </a:endParaRPr>
           </a:p>
         </p:txBody>
       </p:sp>
     </p:spTree>
   </p:cSld>
+  <p:clrMapOvr>
+    <a:masterClrMapping/>
+  </p:clrMapOvr>
 </p:sldLayout>
 </file>
 
 <file path=ppt/slideLayouts/slideLayout28.xml><?xml version="1.0" encoding="utf-8"?>
-<p:sldLayout xmlns:a="http://schemas.openxmlformats.org/drawingml/2006/main" xmlns:p="http://schemas.openxmlformats.org/presentationml/2006/main" xmlns:r="http://schemas.openxmlformats.org/officeDocument/2006/relationships" xmlns:p14="http://schemas.microsoft.com/office/powerpoint/2010/main" xmlns:p15="http://schemas.microsoft.com/office/powerpoint/2012/main" xmlns:mc="http://schemas.openxmlformats.org/markup-compatibility/2006" type="twoObj" preserve="1">
+<p:sldLayout xmlns:a="http://schemas.openxmlformats.org/drawingml/2006/main" xmlns:r="http://schemas.openxmlformats.org/officeDocument/2006/relationships" xmlns:p="http://schemas.openxmlformats.org/presentationml/2006/main" type="twoObj" preserve="1">
   <p:cSld name="Title, 2 Content">
     <p:spTree>
       <p:nvGrpSpPr>
@@ -2239,13 +2391,13 @@
           </a:prstGeom>
         </p:spPr>
         <p:txBody>
-          <a:bodyPr lIns="0" rIns="0" tIns="0" bIns="0" anchor="ctr">
+          <a:bodyPr lIns="0" tIns="0" rIns="0" bIns="0" anchor="ctr">
             <a:noAutofit/>
           </a:bodyPr>
           <a:p>
             <a:pPr algn="ctr"/>
-            <a:endParaRPr b="0" lang="en-IN" sz="4400" spc="-1" strike="noStrike">
-              <a:latin typeface="Arial"/>
+            <a:endParaRPr lang="en-IN" sz="4400" b="0" strike="noStrike" spc="-1">
+              <a:latin typeface="Arial" panose="020B0604020202090204"/>
             </a:endParaRPr>
           </a:p>
         </p:txBody>
@@ -2270,12 +2422,12 @@
           </a:prstGeom>
         </p:spPr>
         <p:txBody>
-          <a:bodyPr lIns="0" rIns="0" tIns="0" bIns="0">
+          <a:bodyPr lIns="0" tIns="0" rIns="0" bIns="0">
             <a:normAutofit/>
           </a:bodyPr>
           <a:p>
-            <a:endParaRPr b="0" lang="en-IN" sz="3200" spc="-1" strike="noStrike">
-              <a:latin typeface="Arial"/>
+            <a:endParaRPr lang="en-IN" sz="3200" b="0" strike="noStrike" spc="-1">
+              <a:latin typeface="Arial" panose="020B0604020202090204"/>
             </a:endParaRPr>
           </a:p>
         </p:txBody>
@@ -2300,23 +2452,26 @@
           </a:prstGeom>
         </p:spPr>
         <p:txBody>
-          <a:bodyPr lIns="0" rIns="0" tIns="0" bIns="0">
+          <a:bodyPr lIns="0" tIns="0" rIns="0" bIns="0">
             <a:normAutofit/>
           </a:bodyPr>
           <a:p>
-            <a:endParaRPr b="0" lang="en-IN" sz="3200" spc="-1" strike="noStrike">
-              <a:latin typeface="Arial"/>
+            <a:endParaRPr lang="en-IN" sz="3200" b="0" strike="noStrike" spc="-1">
+              <a:latin typeface="Arial" panose="020B0604020202090204"/>
             </a:endParaRPr>
           </a:p>
         </p:txBody>
       </p:sp>
     </p:spTree>
   </p:cSld>
+  <p:clrMapOvr>
+    <a:masterClrMapping/>
+  </p:clrMapOvr>
 </p:sldLayout>
 </file>
 
 <file path=ppt/slideLayouts/slideLayout29.xml><?xml version="1.0" encoding="utf-8"?>
-<p:sldLayout xmlns:a="http://schemas.openxmlformats.org/drawingml/2006/main" xmlns:p="http://schemas.openxmlformats.org/presentationml/2006/main" xmlns:r="http://schemas.openxmlformats.org/officeDocument/2006/relationships" xmlns:p14="http://schemas.microsoft.com/office/powerpoint/2010/main" xmlns:p15="http://schemas.microsoft.com/office/powerpoint/2012/main" xmlns:mc="http://schemas.openxmlformats.org/markup-compatibility/2006" type="titleOnly" preserve="1">
+<p:sldLayout xmlns:a="http://schemas.openxmlformats.org/drawingml/2006/main" xmlns:r="http://schemas.openxmlformats.org/officeDocument/2006/relationships" xmlns:p="http://schemas.openxmlformats.org/presentationml/2006/main" type="titleOnly" preserve="1">
   <p:cSld name="Title Only">
     <p:spTree>
       <p:nvGrpSpPr>
@@ -2352,24 +2507,27 @@
           </a:prstGeom>
         </p:spPr>
         <p:txBody>
-          <a:bodyPr lIns="0" rIns="0" tIns="0" bIns="0" anchor="ctr">
+          <a:bodyPr lIns="0" tIns="0" rIns="0" bIns="0" anchor="ctr">
             <a:noAutofit/>
           </a:bodyPr>
           <a:p>
             <a:pPr algn="ctr"/>
-            <a:endParaRPr b="0" lang="en-IN" sz="4400" spc="-1" strike="noStrike">
-              <a:latin typeface="Arial"/>
+            <a:endParaRPr lang="en-IN" sz="4400" b="0" strike="noStrike" spc="-1">
+              <a:latin typeface="Arial" panose="020B0604020202090204"/>
             </a:endParaRPr>
           </a:p>
         </p:txBody>
       </p:sp>
     </p:spTree>
   </p:cSld>
+  <p:clrMapOvr>
+    <a:masterClrMapping/>
+  </p:clrMapOvr>
 </p:sldLayout>
 </file>
 
 <file path=ppt/slideLayouts/slideLayout3.xml><?xml version="1.0" encoding="utf-8"?>
-<p:sldLayout xmlns:a="http://schemas.openxmlformats.org/drawingml/2006/main" xmlns:p="http://schemas.openxmlformats.org/presentationml/2006/main" xmlns:r="http://schemas.openxmlformats.org/officeDocument/2006/relationships" xmlns:p14="http://schemas.microsoft.com/office/powerpoint/2010/main" xmlns:p15="http://schemas.microsoft.com/office/powerpoint/2012/main" xmlns:mc="http://schemas.openxmlformats.org/markup-compatibility/2006" type="obj" preserve="1">
+<p:sldLayout xmlns:a="http://schemas.openxmlformats.org/drawingml/2006/main" xmlns:r="http://schemas.openxmlformats.org/officeDocument/2006/relationships" xmlns:p="http://schemas.openxmlformats.org/presentationml/2006/main" type="obj" preserve="1">
   <p:cSld name="Title, Content">
     <p:spTree>
       <p:nvGrpSpPr>
@@ -2405,13 +2563,13 @@
           </a:prstGeom>
         </p:spPr>
         <p:txBody>
-          <a:bodyPr lIns="0" rIns="0" tIns="0" bIns="0" anchor="ctr">
+          <a:bodyPr lIns="0" tIns="0" rIns="0" bIns="0" anchor="ctr">
             <a:noAutofit/>
           </a:bodyPr>
           <a:p>
             <a:pPr algn="ctr"/>
-            <a:endParaRPr b="0" lang="en-IN" sz="4400" spc="-1" strike="noStrike">
-              <a:latin typeface="Arial"/>
+            <a:endParaRPr lang="en-IN" sz="4400" b="0" strike="noStrike" spc="-1">
+              <a:latin typeface="Arial" panose="020B0604020202090204"/>
             </a:endParaRPr>
           </a:p>
         </p:txBody>
@@ -2436,23 +2594,26 @@
           </a:prstGeom>
         </p:spPr>
         <p:txBody>
-          <a:bodyPr lIns="0" rIns="0" tIns="0" bIns="0">
+          <a:bodyPr lIns="0" tIns="0" rIns="0" bIns="0">
             <a:normAutofit/>
           </a:bodyPr>
           <a:p>
-            <a:endParaRPr b="0" lang="en-IN" sz="3200" spc="-1" strike="noStrike">
-              <a:latin typeface="Arial"/>
+            <a:endParaRPr lang="en-IN" sz="3200" b="0" strike="noStrike" spc="-1">
+              <a:latin typeface="Arial" panose="020B0604020202090204"/>
             </a:endParaRPr>
           </a:p>
         </p:txBody>
       </p:sp>
     </p:spTree>
   </p:cSld>
+  <p:clrMapOvr>
+    <a:masterClrMapping/>
+  </p:clrMapOvr>
 </p:sldLayout>
 </file>
 
 <file path=ppt/slideLayouts/slideLayout30.xml><?xml version="1.0" encoding="utf-8"?>
-<p:sldLayout xmlns:a="http://schemas.openxmlformats.org/drawingml/2006/main" xmlns:p="http://schemas.openxmlformats.org/presentationml/2006/main" xmlns:r="http://schemas.openxmlformats.org/officeDocument/2006/relationships" xmlns:p14="http://schemas.microsoft.com/office/powerpoint/2010/main" xmlns:p15="http://schemas.microsoft.com/office/powerpoint/2012/main" xmlns:mc="http://schemas.openxmlformats.org/markup-compatibility/2006" type="objOnly" preserve="1">
+<p:sldLayout xmlns:a="http://schemas.openxmlformats.org/drawingml/2006/main" xmlns:r="http://schemas.openxmlformats.org/officeDocument/2006/relationships" xmlns:p="http://schemas.openxmlformats.org/presentationml/2006/main" type="objOnly" preserve="1">
   <p:cSld name="Centered Text">
     <p:spTree>
       <p:nvGrpSpPr>
@@ -2488,24 +2649,27 @@
           </a:prstGeom>
         </p:spPr>
         <p:txBody>
-          <a:bodyPr lIns="0" rIns="0" tIns="0" bIns="0" anchor="ctr">
+          <a:bodyPr lIns="0" tIns="0" rIns="0" bIns="0" anchor="ctr">
             <a:noAutofit/>
           </a:bodyPr>
           <a:p>
             <a:pPr algn="ctr"/>
-            <a:endParaRPr b="0" lang="en-IN" sz="3200" spc="-1" strike="noStrike">
-              <a:latin typeface="Arial"/>
+            <a:endParaRPr lang="en-IN" sz="3200" b="0" strike="noStrike" spc="-1">
+              <a:latin typeface="Arial" panose="020B0604020202090204"/>
             </a:endParaRPr>
           </a:p>
         </p:txBody>
       </p:sp>
     </p:spTree>
   </p:cSld>
+  <p:clrMapOvr>
+    <a:masterClrMapping/>
+  </p:clrMapOvr>
 </p:sldLayout>
 </file>
 
 <file path=ppt/slideLayouts/slideLayout31.xml><?xml version="1.0" encoding="utf-8"?>
-<p:sldLayout xmlns:a="http://schemas.openxmlformats.org/drawingml/2006/main" xmlns:p="http://schemas.openxmlformats.org/presentationml/2006/main" xmlns:r="http://schemas.openxmlformats.org/officeDocument/2006/relationships" xmlns:p14="http://schemas.microsoft.com/office/powerpoint/2010/main" xmlns:p15="http://schemas.microsoft.com/office/powerpoint/2012/main" xmlns:mc="http://schemas.openxmlformats.org/markup-compatibility/2006" type="twoObjAndObj" preserve="1">
+<p:sldLayout xmlns:a="http://schemas.openxmlformats.org/drawingml/2006/main" xmlns:r="http://schemas.openxmlformats.org/officeDocument/2006/relationships" xmlns:p="http://schemas.openxmlformats.org/presentationml/2006/main" type="twoObjAndObj" preserve="1">
   <p:cSld name="Title, 2 Content and Content">
     <p:spTree>
       <p:nvGrpSpPr>
@@ -2541,13 +2705,13 @@
           </a:prstGeom>
         </p:spPr>
         <p:txBody>
-          <a:bodyPr lIns="0" rIns="0" tIns="0" bIns="0" anchor="ctr">
+          <a:bodyPr lIns="0" tIns="0" rIns="0" bIns="0" anchor="ctr">
             <a:noAutofit/>
           </a:bodyPr>
           <a:p>
             <a:pPr algn="ctr"/>
-            <a:endParaRPr b="0" lang="en-IN" sz="4400" spc="-1" strike="noStrike">
-              <a:latin typeface="Arial"/>
+            <a:endParaRPr lang="en-IN" sz="4400" b="0" strike="noStrike" spc="-1">
+              <a:latin typeface="Arial" panose="020B0604020202090204"/>
             </a:endParaRPr>
           </a:p>
         </p:txBody>
@@ -2572,12 +2736,12 @@
           </a:prstGeom>
         </p:spPr>
         <p:txBody>
-          <a:bodyPr lIns="0" rIns="0" tIns="0" bIns="0">
+          <a:bodyPr lIns="0" tIns="0" rIns="0" bIns="0">
             <a:normAutofit/>
           </a:bodyPr>
           <a:p>
-            <a:endParaRPr b="0" lang="en-IN" sz="3200" spc="-1" strike="noStrike">
-              <a:latin typeface="Arial"/>
+            <a:endParaRPr lang="en-IN" sz="3200" b="0" strike="noStrike" spc="-1">
+              <a:latin typeface="Arial" panose="020B0604020202090204"/>
             </a:endParaRPr>
           </a:p>
         </p:txBody>
@@ -2602,12 +2766,12 @@
           </a:prstGeom>
         </p:spPr>
         <p:txBody>
-          <a:bodyPr lIns="0" rIns="0" tIns="0" bIns="0">
+          <a:bodyPr lIns="0" tIns="0" rIns="0" bIns="0">
             <a:normAutofit/>
           </a:bodyPr>
           <a:p>
-            <a:endParaRPr b="0" lang="en-IN" sz="3200" spc="-1" strike="noStrike">
-              <a:latin typeface="Arial"/>
+            <a:endParaRPr lang="en-IN" sz="3200" b="0" strike="noStrike" spc="-1">
+              <a:latin typeface="Arial" panose="020B0604020202090204"/>
             </a:endParaRPr>
           </a:p>
         </p:txBody>
@@ -2632,23 +2796,26 @@
           </a:prstGeom>
         </p:spPr>
         <p:txBody>
-          <a:bodyPr lIns="0" rIns="0" tIns="0" bIns="0">
+          <a:bodyPr lIns="0" tIns="0" rIns="0" bIns="0">
             <a:normAutofit/>
           </a:bodyPr>
           <a:p>
-            <a:endParaRPr b="0" lang="en-IN" sz="3200" spc="-1" strike="noStrike">
-              <a:latin typeface="Arial"/>
+            <a:endParaRPr lang="en-IN" sz="3200" b="0" strike="noStrike" spc="-1">
+              <a:latin typeface="Arial" panose="020B0604020202090204"/>
             </a:endParaRPr>
           </a:p>
         </p:txBody>
       </p:sp>
     </p:spTree>
   </p:cSld>
+  <p:clrMapOvr>
+    <a:masterClrMapping/>
+  </p:clrMapOvr>
 </p:sldLayout>
 </file>
 
 <file path=ppt/slideLayouts/slideLayout32.xml><?xml version="1.0" encoding="utf-8"?>
-<p:sldLayout xmlns:a="http://schemas.openxmlformats.org/drawingml/2006/main" xmlns:p="http://schemas.openxmlformats.org/presentationml/2006/main" xmlns:r="http://schemas.openxmlformats.org/officeDocument/2006/relationships" xmlns:p14="http://schemas.microsoft.com/office/powerpoint/2010/main" xmlns:p15="http://schemas.microsoft.com/office/powerpoint/2012/main" xmlns:mc="http://schemas.openxmlformats.org/markup-compatibility/2006" type="objAndTwoObj" preserve="1">
+<p:sldLayout xmlns:a="http://schemas.openxmlformats.org/drawingml/2006/main" xmlns:r="http://schemas.openxmlformats.org/officeDocument/2006/relationships" xmlns:p="http://schemas.openxmlformats.org/presentationml/2006/main" type="objAndTwoObj" preserve="1">
   <p:cSld name="Title Content and 2 Content">
     <p:spTree>
       <p:nvGrpSpPr>
@@ -2684,13 +2851,13 @@
           </a:prstGeom>
         </p:spPr>
         <p:txBody>
-          <a:bodyPr lIns="0" rIns="0" tIns="0" bIns="0" anchor="ctr">
+          <a:bodyPr lIns="0" tIns="0" rIns="0" bIns="0" anchor="ctr">
             <a:noAutofit/>
           </a:bodyPr>
           <a:p>
             <a:pPr algn="ctr"/>
-            <a:endParaRPr b="0" lang="en-IN" sz="4400" spc="-1" strike="noStrike">
-              <a:latin typeface="Arial"/>
+            <a:endParaRPr lang="en-IN" sz="4400" b="0" strike="noStrike" spc="-1">
+              <a:latin typeface="Arial" panose="020B0604020202090204"/>
             </a:endParaRPr>
           </a:p>
         </p:txBody>
@@ -2715,12 +2882,12 @@
           </a:prstGeom>
         </p:spPr>
         <p:txBody>
-          <a:bodyPr lIns="0" rIns="0" tIns="0" bIns="0">
+          <a:bodyPr lIns="0" tIns="0" rIns="0" bIns="0">
             <a:normAutofit/>
           </a:bodyPr>
           <a:p>
-            <a:endParaRPr b="0" lang="en-IN" sz="3200" spc="-1" strike="noStrike">
-              <a:latin typeface="Arial"/>
+            <a:endParaRPr lang="en-IN" sz="3200" b="0" strike="noStrike" spc="-1">
+              <a:latin typeface="Arial" panose="020B0604020202090204"/>
             </a:endParaRPr>
           </a:p>
         </p:txBody>
@@ -2745,12 +2912,12 @@
           </a:prstGeom>
         </p:spPr>
         <p:txBody>
-          <a:bodyPr lIns="0" rIns="0" tIns="0" bIns="0">
+          <a:bodyPr lIns="0" tIns="0" rIns="0" bIns="0">
             <a:normAutofit/>
           </a:bodyPr>
           <a:p>
-            <a:endParaRPr b="0" lang="en-IN" sz="3200" spc="-1" strike="noStrike">
-              <a:latin typeface="Arial"/>
+            <a:endParaRPr lang="en-IN" sz="3200" b="0" strike="noStrike" spc="-1">
+              <a:latin typeface="Arial" panose="020B0604020202090204"/>
             </a:endParaRPr>
           </a:p>
         </p:txBody>
@@ -2775,23 +2942,26 @@
           </a:prstGeom>
         </p:spPr>
         <p:txBody>
-          <a:bodyPr lIns="0" rIns="0" tIns="0" bIns="0">
+          <a:bodyPr lIns="0" tIns="0" rIns="0" bIns="0">
             <a:normAutofit/>
           </a:bodyPr>
           <a:p>
-            <a:endParaRPr b="0" lang="en-IN" sz="3200" spc="-1" strike="noStrike">
-              <a:latin typeface="Arial"/>
+            <a:endParaRPr lang="en-IN" sz="3200" b="0" strike="noStrike" spc="-1">
+              <a:latin typeface="Arial" panose="020B0604020202090204"/>
             </a:endParaRPr>
           </a:p>
         </p:txBody>
       </p:sp>
     </p:spTree>
   </p:cSld>
+  <p:clrMapOvr>
+    <a:masterClrMapping/>
+  </p:clrMapOvr>
 </p:sldLayout>
 </file>
 
 <file path=ppt/slideLayouts/slideLayout33.xml><?xml version="1.0" encoding="utf-8"?>
-<p:sldLayout xmlns:a="http://schemas.openxmlformats.org/drawingml/2006/main" xmlns:p="http://schemas.openxmlformats.org/presentationml/2006/main" xmlns:r="http://schemas.openxmlformats.org/officeDocument/2006/relationships" xmlns:p14="http://schemas.microsoft.com/office/powerpoint/2010/main" xmlns:p15="http://schemas.microsoft.com/office/powerpoint/2012/main" xmlns:mc="http://schemas.openxmlformats.org/markup-compatibility/2006" type="twoObjOverTx" preserve="1">
+<p:sldLayout xmlns:a="http://schemas.openxmlformats.org/drawingml/2006/main" xmlns:r="http://schemas.openxmlformats.org/officeDocument/2006/relationships" xmlns:p="http://schemas.openxmlformats.org/presentationml/2006/main" type="twoObjOverTx" preserve="1">
   <p:cSld name="Title, 2 Content over Content">
     <p:spTree>
       <p:nvGrpSpPr>
@@ -2827,13 +2997,13 @@
           </a:prstGeom>
         </p:spPr>
         <p:txBody>
-          <a:bodyPr lIns="0" rIns="0" tIns="0" bIns="0" anchor="ctr">
+          <a:bodyPr lIns="0" tIns="0" rIns="0" bIns="0" anchor="ctr">
             <a:noAutofit/>
           </a:bodyPr>
           <a:p>
             <a:pPr algn="ctr"/>
-            <a:endParaRPr b="0" lang="en-IN" sz="4400" spc="-1" strike="noStrike">
-              <a:latin typeface="Arial"/>
+            <a:endParaRPr lang="en-IN" sz="4400" b="0" strike="noStrike" spc="-1">
+              <a:latin typeface="Arial" panose="020B0604020202090204"/>
             </a:endParaRPr>
           </a:p>
         </p:txBody>
@@ -2858,12 +3028,12 @@
           </a:prstGeom>
         </p:spPr>
         <p:txBody>
-          <a:bodyPr lIns="0" rIns="0" tIns="0" bIns="0">
+          <a:bodyPr lIns="0" tIns="0" rIns="0" bIns="0">
             <a:normAutofit/>
           </a:bodyPr>
           <a:p>
-            <a:endParaRPr b="0" lang="en-IN" sz="3200" spc="-1" strike="noStrike">
-              <a:latin typeface="Arial"/>
+            <a:endParaRPr lang="en-IN" sz="3200" b="0" strike="noStrike" spc="-1">
+              <a:latin typeface="Arial" panose="020B0604020202090204"/>
             </a:endParaRPr>
           </a:p>
         </p:txBody>
@@ -2888,12 +3058,12 @@
           </a:prstGeom>
         </p:spPr>
         <p:txBody>
-          <a:bodyPr lIns="0" rIns="0" tIns="0" bIns="0">
+          <a:bodyPr lIns="0" tIns="0" rIns="0" bIns="0">
             <a:normAutofit/>
           </a:bodyPr>
           <a:p>
-            <a:endParaRPr b="0" lang="en-IN" sz="3200" spc="-1" strike="noStrike">
-              <a:latin typeface="Arial"/>
+            <a:endParaRPr lang="en-IN" sz="3200" b="0" strike="noStrike" spc="-1">
+              <a:latin typeface="Arial" panose="020B0604020202090204"/>
             </a:endParaRPr>
           </a:p>
         </p:txBody>
@@ -2918,23 +3088,26 @@
           </a:prstGeom>
         </p:spPr>
         <p:txBody>
-          <a:bodyPr lIns="0" rIns="0" tIns="0" bIns="0">
+          <a:bodyPr lIns="0" tIns="0" rIns="0" bIns="0">
             <a:normAutofit/>
           </a:bodyPr>
           <a:p>
-            <a:endParaRPr b="0" lang="en-IN" sz="3200" spc="-1" strike="noStrike">
-              <a:latin typeface="Arial"/>
+            <a:endParaRPr lang="en-IN" sz="3200" b="0" strike="noStrike" spc="-1">
+              <a:latin typeface="Arial" panose="020B0604020202090204"/>
             </a:endParaRPr>
           </a:p>
         </p:txBody>
       </p:sp>
     </p:spTree>
   </p:cSld>
+  <p:clrMapOvr>
+    <a:masterClrMapping/>
+  </p:clrMapOvr>
 </p:sldLayout>
 </file>
 
 <file path=ppt/slideLayouts/slideLayout34.xml><?xml version="1.0" encoding="utf-8"?>
-<p:sldLayout xmlns:a="http://schemas.openxmlformats.org/drawingml/2006/main" xmlns:p="http://schemas.openxmlformats.org/presentationml/2006/main" xmlns:r="http://schemas.openxmlformats.org/officeDocument/2006/relationships" xmlns:p14="http://schemas.microsoft.com/office/powerpoint/2010/main" xmlns:p15="http://schemas.microsoft.com/office/powerpoint/2012/main" xmlns:mc="http://schemas.openxmlformats.org/markup-compatibility/2006" type="objOverTx" preserve="1">
+<p:sldLayout xmlns:a="http://schemas.openxmlformats.org/drawingml/2006/main" xmlns:r="http://schemas.openxmlformats.org/officeDocument/2006/relationships" xmlns:p="http://schemas.openxmlformats.org/presentationml/2006/main" type="objOverTx" preserve="1">
   <p:cSld name="Title, Content over Content">
     <p:spTree>
       <p:nvGrpSpPr>
@@ -2970,13 +3143,13 @@
           </a:prstGeom>
         </p:spPr>
         <p:txBody>
-          <a:bodyPr lIns="0" rIns="0" tIns="0" bIns="0" anchor="ctr">
+          <a:bodyPr lIns="0" tIns="0" rIns="0" bIns="0" anchor="ctr">
             <a:noAutofit/>
           </a:bodyPr>
           <a:p>
             <a:pPr algn="ctr"/>
-            <a:endParaRPr b="0" lang="en-IN" sz="4400" spc="-1" strike="noStrike">
-              <a:latin typeface="Arial"/>
+            <a:endParaRPr lang="en-IN" sz="4400" b="0" strike="noStrike" spc="-1">
+              <a:latin typeface="Arial" panose="020B0604020202090204"/>
             </a:endParaRPr>
           </a:p>
         </p:txBody>
@@ -3001,12 +3174,12 @@
           </a:prstGeom>
         </p:spPr>
         <p:txBody>
-          <a:bodyPr lIns="0" rIns="0" tIns="0" bIns="0">
+          <a:bodyPr lIns="0" tIns="0" rIns="0" bIns="0">
             <a:normAutofit/>
           </a:bodyPr>
           <a:p>
-            <a:endParaRPr b="0" lang="en-IN" sz="3200" spc="-1" strike="noStrike">
-              <a:latin typeface="Arial"/>
+            <a:endParaRPr lang="en-IN" sz="3200" b="0" strike="noStrike" spc="-1">
+              <a:latin typeface="Arial" panose="020B0604020202090204"/>
             </a:endParaRPr>
           </a:p>
         </p:txBody>
@@ -3031,23 +3204,26 @@
           </a:prstGeom>
         </p:spPr>
         <p:txBody>
-          <a:bodyPr lIns="0" rIns="0" tIns="0" bIns="0">
+          <a:bodyPr lIns="0" tIns="0" rIns="0" bIns="0">
             <a:normAutofit/>
           </a:bodyPr>
           <a:p>
-            <a:endParaRPr b="0" lang="en-IN" sz="3200" spc="-1" strike="noStrike">
-              <a:latin typeface="Arial"/>
+            <a:endParaRPr lang="en-IN" sz="3200" b="0" strike="noStrike" spc="-1">
+              <a:latin typeface="Arial" panose="020B0604020202090204"/>
             </a:endParaRPr>
           </a:p>
         </p:txBody>
       </p:sp>
     </p:spTree>
   </p:cSld>
+  <p:clrMapOvr>
+    <a:masterClrMapping/>
+  </p:clrMapOvr>
 </p:sldLayout>
 </file>
 
 <file path=ppt/slideLayouts/slideLayout35.xml><?xml version="1.0" encoding="utf-8"?>
-<p:sldLayout xmlns:a="http://schemas.openxmlformats.org/drawingml/2006/main" xmlns:p="http://schemas.openxmlformats.org/presentationml/2006/main" xmlns:r="http://schemas.openxmlformats.org/officeDocument/2006/relationships" xmlns:p14="http://schemas.microsoft.com/office/powerpoint/2010/main" xmlns:p15="http://schemas.microsoft.com/office/powerpoint/2012/main" xmlns:mc="http://schemas.openxmlformats.org/markup-compatibility/2006" type="fourObj" preserve="1">
+<p:sldLayout xmlns:a="http://schemas.openxmlformats.org/drawingml/2006/main" xmlns:r="http://schemas.openxmlformats.org/officeDocument/2006/relationships" xmlns:p="http://schemas.openxmlformats.org/presentationml/2006/main" type="fourObj" preserve="1">
   <p:cSld name="Title, 4 Content">
     <p:spTree>
       <p:nvGrpSpPr>
@@ -3083,13 +3259,13 @@
           </a:prstGeom>
         </p:spPr>
         <p:txBody>
-          <a:bodyPr lIns="0" rIns="0" tIns="0" bIns="0" anchor="ctr">
+          <a:bodyPr lIns="0" tIns="0" rIns="0" bIns="0" anchor="ctr">
             <a:noAutofit/>
           </a:bodyPr>
           <a:p>
             <a:pPr algn="ctr"/>
-            <a:endParaRPr b="0" lang="en-IN" sz="4400" spc="-1" strike="noStrike">
-              <a:latin typeface="Arial"/>
+            <a:endParaRPr lang="en-IN" sz="4400" b="0" strike="noStrike" spc="-1">
+              <a:latin typeface="Arial" panose="020B0604020202090204"/>
             </a:endParaRPr>
           </a:p>
         </p:txBody>
@@ -3114,12 +3290,12 @@
           </a:prstGeom>
         </p:spPr>
         <p:txBody>
-          <a:bodyPr lIns="0" rIns="0" tIns="0" bIns="0">
+          <a:bodyPr lIns="0" tIns="0" rIns="0" bIns="0">
             <a:normAutofit/>
           </a:bodyPr>
           <a:p>
-            <a:endParaRPr b="0" lang="en-IN" sz="3200" spc="-1" strike="noStrike">
-              <a:latin typeface="Arial"/>
+            <a:endParaRPr lang="en-IN" sz="3200" b="0" strike="noStrike" spc="-1">
+              <a:latin typeface="Arial" panose="020B0604020202090204"/>
             </a:endParaRPr>
           </a:p>
         </p:txBody>
@@ -3144,12 +3320,12 @@
           </a:prstGeom>
         </p:spPr>
         <p:txBody>
-          <a:bodyPr lIns="0" rIns="0" tIns="0" bIns="0">
+          <a:bodyPr lIns="0" tIns="0" rIns="0" bIns="0">
             <a:normAutofit/>
           </a:bodyPr>
           <a:p>
-            <a:endParaRPr b="0" lang="en-IN" sz="3200" spc="-1" strike="noStrike">
-              <a:latin typeface="Arial"/>
+            <a:endParaRPr lang="en-IN" sz="3200" b="0" strike="noStrike" spc="-1">
+              <a:latin typeface="Arial" panose="020B0604020202090204"/>
             </a:endParaRPr>
           </a:p>
         </p:txBody>
@@ -3174,12 +3350,12 @@
           </a:prstGeom>
         </p:spPr>
         <p:txBody>
-          <a:bodyPr lIns="0" rIns="0" tIns="0" bIns="0">
+          <a:bodyPr lIns="0" tIns="0" rIns="0" bIns="0">
             <a:normAutofit/>
           </a:bodyPr>
           <a:p>
-            <a:endParaRPr b="0" lang="en-IN" sz="3200" spc="-1" strike="noStrike">
-              <a:latin typeface="Arial"/>
+            <a:endParaRPr lang="en-IN" sz="3200" b="0" strike="noStrike" spc="-1">
+              <a:latin typeface="Arial" panose="020B0604020202090204"/>
             </a:endParaRPr>
           </a:p>
         </p:txBody>
@@ -3204,23 +3380,26 @@
           </a:prstGeom>
         </p:spPr>
         <p:txBody>
-          <a:bodyPr lIns="0" rIns="0" tIns="0" bIns="0">
+          <a:bodyPr lIns="0" tIns="0" rIns="0" bIns="0">
             <a:normAutofit/>
           </a:bodyPr>
           <a:p>
-            <a:endParaRPr b="0" lang="en-IN" sz="3200" spc="-1" strike="noStrike">
-              <a:latin typeface="Arial"/>
+            <a:endParaRPr lang="en-IN" sz="3200" b="0" strike="noStrike" spc="-1">
+              <a:latin typeface="Arial" panose="020B0604020202090204"/>
             </a:endParaRPr>
           </a:p>
         </p:txBody>
       </p:sp>
     </p:spTree>
   </p:cSld>
+  <p:clrMapOvr>
+    <a:masterClrMapping/>
+  </p:clrMapOvr>
 </p:sldLayout>
 </file>
 
 <file path=ppt/slideLayouts/slideLayout36.xml><?xml version="1.0" encoding="utf-8"?>
-<p:sldLayout xmlns:a="http://schemas.openxmlformats.org/drawingml/2006/main" xmlns:p="http://schemas.openxmlformats.org/presentationml/2006/main" xmlns:r="http://schemas.openxmlformats.org/officeDocument/2006/relationships" xmlns:p14="http://schemas.microsoft.com/office/powerpoint/2010/main" xmlns:p15="http://schemas.microsoft.com/office/powerpoint/2012/main" xmlns:mc="http://schemas.openxmlformats.org/markup-compatibility/2006" type="blank" preserve="1">
+<p:sldLayout xmlns:a="http://schemas.openxmlformats.org/drawingml/2006/main" xmlns:r="http://schemas.openxmlformats.org/officeDocument/2006/relationships" xmlns:p="http://schemas.openxmlformats.org/presentationml/2006/main" type="blank" preserve="1">
   <p:cSld name="Title, 6 Content">
     <p:spTree>
       <p:nvGrpSpPr>
@@ -3256,13 +3435,13 @@
           </a:prstGeom>
         </p:spPr>
         <p:txBody>
-          <a:bodyPr lIns="0" rIns="0" tIns="0" bIns="0" anchor="ctr">
+          <a:bodyPr lIns="0" tIns="0" rIns="0" bIns="0" anchor="ctr">
             <a:noAutofit/>
           </a:bodyPr>
           <a:p>
             <a:pPr algn="ctr"/>
-            <a:endParaRPr b="0" lang="en-IN" sz="4400" spc="-1" strike="noStrike">
-              <a:latin typeface="Arial"/>
+            <a:endParaRPr lang="en-IN" sz="4400" b="0" strike="noStrike" spc="-1">
+              <a:latin typeface="Arial" panose="020B0604020202090204"/>
             </a:endParaRPr>
           </a:p>
         </p:txBody>
@@ -3287,12 +3466,12 @@
           </a:prstGeom>
         </p:spPr>
         <p:txBody>
-          <a:bodyPr lIns="0" rIns="0" tIns="0" bIns="0">
+          <a:bodyPr lIns="0" tIns="0" rIns="0" bIns="0">
             <a:normAutofit/>
           </a:bodyPr>
           <a:p>
-            <a:endParaRPr b="0" lang="en-IN" sz="3200" spc="-1" strike="noStrike">
-              <a:latin typeface="Arial"/>
+            <a:endParaRPr lang="en-IN" sz="3200" b="0" strike="noStrike" spc="-1">
+              <a:latin typeface="Arial" panose="020B0604020202090204"/>
             </a:endParaRPr>
           </a:p>
         </p:txBody>
@@ -3317,12 +3496,12 @@
           </a:prstGeom>
         </p:spPr>
         <p:txBody>
-          <a:bodyPr lIns="0" rIns="0" tIns="0" bIns="0">
+          <a:bodyPr lIns="0" tIns="0" rIns="0" bIns="0">
             <a:normAutofit/>
           </a:bodyPr>
           <a:p>
-            <a:endParaRPr b="0" lang="en-IN" sz="3200" spc="-1" strike="noStrike">
-              <a:latin typeface="Arial"/>
+            <a:endParaRPr lang="en-IN" sz="3200" b="0" strike="noStrike" spc="-1">
+              <a:latin typeface="Arial" panose="020B0604020202090204"/>
             </a:endParaRPr>
           </a:p>
         </p:txBody>
@@ -3347,12 +3526,12 @@
           </a:prstGeom>
         </p:spPr>
         <p:txBody>
-          <a:bodyPr lIns="0" rIns="0" tIns="0" bIns="0">
+          <a:bodyPr lIns="0" tIns="0" rIns="0" bIns="0">
             <a:normAutofit/>
           </a:bodyPr>
           <a:p>
-            <a:endParaRPr b="0" lang="en-IN" sz="3200" spc="-1" strike="noStrike">
-              <a:latin typeface="Arial"/>
+            <a:endParaRPr lang="en-IN" sz="3200" b="0" strike="noStrike" spc="-1">
+              <a:latin typeface="Arial" panose="020B0604020202090204"/>
             </a:endParaRPr>
           </a:p>
         </p:txBody>
@@ -3377,12 +3556,12 @@
           </a:prstGeom>
         </p:spPr>
         <p:txBody>
-          <a:bodyPr lIns="0" rIns="0" tIns="0" bIns="0">
+          <a:bodyPr lIns="0" tIns="0" rIns="0" bIns="0">
             <a:normAutofit/>
           </a:bodyPr>
           <a:p>
-            <a:endParaRPr b="0" lang="en-IN" sz="3200" spc="-1" strike="noStrike">
-              <a:latin typeface="Arial"/>
+            <a:endParaRPr lang="en-IN" sz="3200" b="0" strike="noStrike" spc="-1">
+              <a:latin typeface="Arial" panose="020B0604020202090204"/>
             </a:endParaRPr>
           </a:p>
         </p:txBody>
@@ -3407,12 +3586,12 @@
           </a:prstGeom>
         </p:spPr>
         <p:txBody>
-          <a:bodyPr lIns="0" rIns="0" tIns="0" bIns="0">
+          <a:bodyPr lIns="0" tIns="0" rIns="0" bIns="0">
             <a:normAutofit/>
           </a:bodyPr>
           <a:p>
-            <a:endParaRPr b="0" lang="en-IN" sz="3200" spc="-1" strike="noStrike">
-              <a:latin typeface="Arial"/>
+            <a:endParaRPr lang="en-IN" sz="3200" b="0" strike="noStrike" spc="-1">
+              <a:latin typeface="Arial" panose="020B0604020202090204"/>
             </a:endParaRPr>
           </a:p>
         </p:txBody>
@@ -3437,23 +3616,26 @@
           </a:prstGeom>
         </p:spPr>
         <p:txBody>
-          <a:bodyPr lIns="0" rIns="0" tIns="0" bIns="0">
+          <a:bodyPr lIns="0" tIns="0" rIns="0" bIns="0">
             <a:normAutofit/>
           </a:bodyPr>
           <a:p>
-            <a:endParaRPr b="0" lang="en-IN" sz="3200" spc="-1" strike="noStrike">
-              <a:latin typeface="Arial"/>
+            <a:endParaRPr lang="en-IN" sz="3200" b="0" strike="noStrike" spc="-1">
+              <a:latin typeface="Arial" panose="020B0604020202090204"/>
             </a:endParaRPr>
           </a:p>
         </p:txBody>
       </p:sp>
     </p:spTree>
   </p:cSld>
+  <p:clrMapOvr>
+    <a:masterClrMapping/>
+  </p:clrMapOvr>
 </p:sldLayout>
 </file>
 
 <file path=ppt/slideLayouts/slideLayout37.xml><?xml version="1.0" encoding="utf-8"?>
-<p:sldLayout xmlns:a="http://schemas.openxmlformats.org/drawingml/2006/main" xmlns:p="http://schemas.openxmlformats.org/presentationml/2006/main" xmlns:r="http://schemas.openxmlformats.org/officeDocument/2006/relationships" xmlns:p14="http://schemas.microsoft.com/office/powerpoint/2010/main" xmlns:p15="http://schemas.microsoft.com/office/powerpoint/2012/main" xmlns:mc="http://schemas.openxmlformats.org/markup-compatibility/2006" type="blank" preserve="1">
+<p:sldLayout xmlns:a="http://schemas.openxmlformats.org/drawingml/2006/main" xmlns:r="http://schemas.openxmlformats.org/officeDocument/2006/relationships" xmlns:p="http://schemas.openxmlformats.org/presentationml/2006/main" type="blank" preserve="1">
   <p:cSld name="Blank Slide">
     <p:spTree>
       <p:nvGrpSpPr>
@@ -3471,11 +3653,14 @@
       </p:grpSpPr>
     </p:spTree>
   </p:cSld>
+  <p:clrMapOvr>
+    <a:masterClrMapping/>
+  </p:clrMapOvr>
 </p:sldLayout>
 </file>
 
 <file path=ppt/slideLayouts/slideLayout38.xml><?xml version="1.0" encoding="utf-8"?>
-<p:sldLayout xmlns:a="http://schemas.openxmlformats.org/drawingml/2006/main" xmlns:p="http://schemas.openxmlformats.org/presentationml/2006/main" xmlns:r="http://schemas.openxmlformats.org/officeDocument/2006/relationships" xmlns:p14="http://schemas.microsoft.com/office/powerpoint/2010/main" xmlns:p15="http://schemas.microsoft.com/office/powerpoint/2012/main" xmlns:mc="http://schemas.openxmlformats.org/markup-compatibility/2006" type="tx" preserve="1">
+<p:sldLayout xmlns:a="http://schemas.openxmlformats.org/drawingml/2006/main" xmlns:r="http://schemas.openxmlformats.org/officeDocument/2006/relationships" xmlns:p="http://schemas.openxmlformats.org/presentationml/2006/main" type="tx" preserve="1">
   <p:cSld name="Title Slide">
     <p:spTree>
       <p:nvGrpSpPr>
@@ -3511,13 +3696,13 @@
           </a:prstGeom>
         </p:spPr>
         <p:txBody>
-          <a:bodyPr lIns="0" rIns="0" tIns="0" bIns="0" anchor="ctr">
+          <a:bodyPr lIns="0" tIns="0" rIns="0" bIns="0" anchor="ctr">
             <a:noAutofit/>
           </a:bodyPr>
           <a:p>
             <a:pPr algn="ctr"/>
-            <a:endParaRPr b="0" lang="en-IN" sz="4400" spc="-1" strike="noStrike">
-              <a:latin typeface="Arial"/>
+            <a:endParaRPr lang="en-IN" sz="4400" b="0" strike="noStrike" spc="-1">
+              <a:latin typeface="Arial" panose="020B0604020202090204"/>
             </a:endParaRPr>
           </a:p>
         </p:txBody>
@@ -3542,24 +3727,27 @@
           </a:prstGeom>
         </p:spPr>
         <p:txBody>
-          <a:bodyPr lIns="0" rIns="0" tIns="0" bIns="0" anchor="ctr">
+          <a:bodyPr lIns="0" tIns="0" rIns="0" bIns="0" anchor="ctr">
             <a:noAutofit/>
           </a:bodyPr>
           <a:p>
             <a:pPr algn="ctr"/>
-            <a:endParaRPr b="0" lang="en-IN" sz="3200" spc="-1" strike="noStrike">
-              <a:latin typeface="Arial"/>
+            <a:endParaRPr lang="en-IN" sz="3200" b="0" strike="noStrike" spc="-1">
+              <a:latin typeface="Arial" panose="020B0604020202090204"/>
             </a:endParaRPr>
           </a:p>
         </p:txBody>
       </p:sp>
     </p:spTree>
   </p:cSld>
+  <p:clrMapOvr>
+    <a:masterClrMapping/>
+  </p:clrMapOvr>
 </p:sldLayout>
 </file>
 
 <file path=ppt/slideLayouts/slideLayout39.xml><?xml version="1.0" encoding="utf-8"?>
-<p:sldLayout xmlns:a="http://schemas.openxmlformats.org/drawingml/2006/main" xmlns:p="http://schemas.openxmlformats.org/presentationml/2006/main" xmlns:r="http://schemas.openxmlformats.org/officeDocument/2006/relationships" xmlns:p14="http://schemas.microsoft.com/office/powerpoint/2010/main" xmlns:p15="http://schemas.microsoft.com/office/powerpoint/2012/main" xmlns:mc="http://schemas.openxmlformats.org/markup-compatibility/2006" type="obj" preserve="1">
+<p:sldLayout xmlns:a="http://schemas.openxmlformats.org/drawingml/2006/main" xmlns:r="http://schemas.openxmlformats.org/officeDocument/2006/relationships" xmlns:p="http://schemas.openxmlformats.org/presentationml/2006/main" type="obj" preserve="1">
   <p:cSld name="Title, Content">
     <p:spTree>
       <p:nvGrpSpPr>
@@ -3595,13 +3783,13 @@
           </a:prstGeom>
         </p:spPr>
         <p:txBody>
-          <a:bodyPr lIns="0" rIns="0" tIns="0" bIns="0" anchor="ctr">
+          <a:bodyPr lIns="0" tIns="0" rIns="0" bIns="0" anchor="ctr">
             <a:noAutofit/>
           </a:bodyPr>
           <a:p>
             <a:pPr algn="ctr"/>
-            <a:endParaRPr b="0" lang="en-IN" sz="4400" spc="-1" strike="noStrike">
-              <a:latin typeface="Arial"/>
+            <a:endParaRPr lang="en-IN" sz="4400" b="0" strike="noStrike" spc="-1">
+              <a:latin typeface="Arial" panose="020B0604020202090204"/>
             </a:endParaRPr>
           </a:p>
         </p:txBody>
@@ -3626,23 +3814,26 @@
           </a:prstGeom>
         </p:spPr>
         <p:txBody>
-          <a:bodyPr lIns="0" rIns="0" tIns="0" bIns="0">
+          <a:bodyPr lIns="0" tIns="0" rIns="0" bIns="0">
             <a:normAutofit/>
           </a:bodyPr>
           <a:p>
-            <a:endParaRPr b="0" lang="en-IN" sz="3200" spc="-1" strike="noStrike">
-              <a:latin typeface="Arial"/>
+            <a:endParaRPr lang="en-IN" sz="3200" b="0" strike="noStrike" spc="-1">
+              <a:latin typeface="Arial" panose="020B0604020202090204"/>
             </a:endParaRPr>
           </a:p>
         </p:txBody>
       </p:sp>
     </p:spTree>
   </p:cSld>
+  <p:clrMapOvr>
+    <a:masterClrMapping/>
+  </p:clrMapOvr>
 </p:sldLayout>
 </file>
 
 <file path=ppt/slideLayouts/slideLayout4.xml><?xml version="1.0" encoding="utf-8"?>
-<p:sldLayout xmlns:a="http://schemas.openxmlformats.org/drawingml/2006/main" xmlns:p="http://schemas.openxmlformats.org/presentationml/2006/main" xmlns:r="http://schemas.openxmlformats.org/officeDocument/2006/relationships" xmlns:p14="http://schemas.microsoft.com/office/powerpoint/2010/main" xmlns:p15="http://schemas.microsoft.com/office/powerpoint/2012/main" xmlns:mc="http://schemas.openxmlformats.org/markup-compatibility/2006" type="twoObj" preserve="1">
+<p:sldLayout xmlns:a="http://schemas.openxmlformats.org/drawingml/2006/main" xmlns:r="http://schemas.openxmlformats.org/officeDocument/2006/relationships" xmlns:p="http://schemas.openxmlformats.org/presentationml/2006/main" type="twoObj" preserve="1">
   <p:cSld name="Title, 2 Content">
     <p:spTree>
       <p:nvGrpSpPr>
@@ -3678,13 +3869,13 @@
           </a:prstGeom>
         </p:spPr>
         <p:txBody>
-          <a:bodyPr lIns="0" rIns="0" tIns="0" bIns="0" anchor="ctr">
+          <a:bodyPr lIns="0" tIns="0" rIns="0" bIns="0" anchor="ctr">
             <a:noAutofit/>
           </a:bodyPr>
           <a:p>
             <a:pPr algn="ctr"/>
-            <a:endParaRPr b="0" lang="en-IN" sz="4400" spc="-1" strike="noStrike">
-              <a:latin typeface="Arial"/>
+            <a:endParaRPr lang="en-IN" sz="4400" b="0" strike="noStrike" spc="-1">
+              <a:latin typeface="Arial" panose="020B0604020202090204"/>
             </a:endParaRPr>
           </a:p>
         </p:txBody>
@@ -3709,12 +3900,12 @@
           </a:prstGeom>
         </p:spPr>
         <p:txBody>
-          <a:bodyPr lIns="0" rIns="0" tIns="0" bIns="0">
+          <a:bodyPr lIns="0" tIns="0" rIns="0" bIns="0">
             <a:normAutofit/>
           </a:bodyPr>
           <a:p>
-            <a:endParaRPr b="0" lang="en-IN" sz="3200" spc="-1" strike="noStrike">
-              <a:latin typeface="Arial"/>
+            <a:endParaRPr lang="en-IN" sz="3200" b="0" strike="noStrike" spc="-1">
+              <a:latin typeface="Arial" panose="020B0604020202090204"/>
             </a:endParaRPr>
           </a:p>
         </p:txBody>
@@ -3739,23 +3930,26 @@
           </a:prstGeom>
         </p:spPr>
         <p:txBody>
-          <a:bodyPr lIns="0" rIns="0" tIns="0" bIns="0">
+          <a:bodyPr lIns="0" tIns="0" rIns="0" bIns="0">
             <a:normAutofit/>
           </a:bodyPr>
           <a:p>
-            <a:endParaRPr b="0" lang="en-IN" sz="3200" spc="-1" strike="noStrike">
-              <a:latin typeface="Arial"/>
+            <a:endParaRPr lang="en-IN" sz="3200" b="0" strike="noStrike" spc="-1">
+              <a:latin typeface="Arial" panose="020B0604020202090204"/>
             </a:endParaRPr>
           </a:p>
         </p:txBody>
       </p:sp>
     </p:spTree>
   </p:cSld>
+  <p:clrMapOvr>
+    <a:masterClrMapping/>
+  </p:clrMapOvr>
 </p:sldLayout>
 </file>
 
 <file path=ppt/slideLayouts/slideLayout40.xml><?xml version="1.0" encoding="utf-8"?>
-<p:sldLayout xmlns:a="http://schemas.openxmlformats.org/drawingml/2006/main" xmlns:p="http://schemas.openxmlformats.org/presentationml/2006/main" xmlns:r="http://schemas.openxmlformats.org/officeDocument/2006/relationships" xmlns:p14="http://schemas.microsoft.com/office/powerpoint/2010/main" xmlns:p15="http://schemas.microsoft.com/office/powerpoint/2012/main" xmlns:mc="http://schemas.openxmlformats.org/markup-compatibility/2006" type="twoObj" preserve="1">
+<p:sldLayout xmlns:a="http://schemas.openxmlformats.org/drawingml/2006/main" xmlns:r="http://schemas.openxmlformats.org/officeDocument/2006/relationships" xmlns:p="http://schemas.openxmlformats.org/presentationml/2006/main" type="twoObj" preserve="1">
   <p:cSld name="Title, 2 Content">
     <p:spTree>
       <p:nvGrpSpPr>
@@ -3791,13 +3985,13 @@
           </a:prstGeom>
         </p:spPr>
         <p:txBody>
-          <a:bodyPr lIns="0" rIns="0" tIns="0" bIns="0" anchor="ctr">
+          <a:bodyPr lIns="0" tIns="0" rIns="0" bIns="0" anchor="ctr">
             <a:noAutofit/>
           </a:bodyPr>
           <a:p>
             <a:pPr algn="ctr"/>
-            <a:endParaRPr b="0" lang="en-IN" sz="4400" spc="-1" strike="noStrike">
-              <a:latin typeface="Arial"/>
+            <a:endParaRPr lang="en-IN" sz="4400" b="0" strike="noStrike" spc="-1">
+              <a:latin typeface="Arial" panose="020B0604020202090204"/>
             </a:endParaRPr>
           </a:p>
         </p:txBody>
@@ -3822,12 +4016,12 @@
           </a:prstGeom>
         </p:spPr>
         <p:txBody>
-          <a:bodyPr lIns="0" rIns="0" tIns="0" bIns="0">
+          <a:bodyPr lIns="0" tIns="0" rIns="0" bIns="0">
             <a:normAutofit/>
           </a:bodyPr>
           <a:p>
-            <a:endParaRPr b="0" lang="en-IN" sz="3200" spc="-1" strike="noStrike">
-              <a:latin typeface="Arial"/>
+            <a:endParaRPr lang="en-IN" sz="3200" b="0" strike="noStrike" spc="-1">
+              <a:latin typeface="Arial" panose="020B0604020202090204"/>
             </a:endParaRPr>
           </a:p>
         </p:txBody>
@@ -3852,23 +4046,26 @@
           </a:prstGeom>
         </p:spPr>
         <p:txBody>
-          <a:bodyPr lIns="0" rIns="0" tIns="0" bIns="0">
+          <a:bodyPr lIns="0" tIns="0" rIns="0" bIns="0">
             <a:normAutofit/>
           </a:bodyPr>
           <a:p>
-            <a:endParaRPr b="0" lang="en-IN" sz="3200" spc="-1" strike="noStrike">
-              <a:latin typeface="Arial"/>
+            <a:endParaRPr lang="en-IN" sz="3200" b="0" strike="noStrike" spc="-1">
+              <a:latin typeface="Arial" panose="020B0604020202090204"/>
             </a:endParaRPr>
           </a:p>
         </p:txBody>
       </p:sp>
     </p:spTree>
   </p:cSld>
+  <p:clrMapOvr>
+    <a:masterClrMapping/>
+  </p:clrMapOvr>
 </p:sldLayout>
 </file>
 
 <file path=ppt/slideLayouts/slideLayout41.xml><?xml version="1.0" encoding="utf-8"?>
-<p:sldLayout xmlns:a="http://schemas.openxmlformats.org/drawingml/2006/main" xmlns:p="http://schemas.openxmlformats.org/presentationml/2006/main" xmlns:r="http://schemas.openxmlformats.org/officeDocument/2006/relationships" xmlns:p14="http://schemas.microsoft.com/office/powerpoint/2010/main" xmlns:p15="http://schemas.microsoft.com/office/powerpoint/2012/main" xmlns:mc="http://schemas.openxmlformats.org/markup-compatibility/2006" type="titleOnly" preserve="1">
+<p:sldLayout xmlns:a="http://schemas.openxmlformats.org/drawingml/2006/main" xmlns:r="http://schemas.openxmlformats.org/officeDocument/2006/relationships" xmlns:p="http://schemas.openxmlformats.org/presentationml/2006/main" type="titleOnly" preserve="1">
   <p:cSld name="Title Only">
     <p:spTree>
       <p:nvGrpSpPr>
@@ -3904,24 +4101,27 @@
           </a:prstGeom>
         </p:spPr>
         <p:txBody>
-          <a:bodyPr lIns="0" rIns="0" tIns="0" bIns="0" anchor="ctr">
+          <a:bodyPr lIns="0" tIns="0" rIns="0" bIns="0" anchor="ctr">
             <a:noAutofit/>
           </a:bodyPr>
           <a:p>
             <a:pPr algn="ctr"/>
-            <a:endParaRPr b="0" lang="en-IN" sz="4400" spc="-1" strike="noStrike">
-              <a:latin typeface="Arial"/>
+            <a:endParaRPr lang="en-IN" sz="4400" b="0" strike="noStrike" spc="-1">
+              <a:latin typeface="Arial" panose="020B0604020202090204"/>
             </a:endParaRPr>
           </a:p>
         </p:txBody>
       </p:sp>
     </p:spTree>
   </p:cSld>
+  <p:clrMapOvr>
+    <a:masterClrMapping/>
+  </p:clrMapOvr>
 </p:sldLayout>
 </file>
 
 <file path=ppt/slideLayouts/slideLayout42.xml><?xml version="1.0" encoding="utf-8"?>
-<p:sldLayout xmlns:a="http://schemas.openxmlformats.org/drawingml/2006/main" xmlns:p="http://schemas.openxmlformats.org/presentationml/2006/main" xmlns:r="http://schemas.openxmlformats.org/officeDocument/2006/relationships" xmlns:p14="http://schemas.microsoft.com/office/powerpoint/2010/main" xmlns:p15="http://schemas.microsoft.com/office/powerpoint/2012/main" xmlns:mc="http://schemas.openxmlformats.org/markup-compatibility/2006" type="objOnly" preserve="1">
+<p:sldLayout xmlns:a="http://schemas.openxmlformats.org/drawingml/2006/main" xmlns:r="http://schemas.openxmlformats.org/officeDocument/2006/relationships" xmlns:p="http://schemas.openxmlformats.org/presentationml/2006/main" type="objOnly" preserve="1">
   <p:cSld name="Centered Text">
     <p:spTree>
       <p:nvGrpSpPr>
@@ -3957,24 +4157,27 @@
           </a:prstGeom>
         </p:spPr>
         <p:txBody>
-          <a:bodyPr lIns="0" rIns="0" tIns="0" bIns="0" anchor="ctr">
+          <a:bodyPr lIns="0" tIns="0" rIns="0" bIns="0" anchor="ctr">
             <a:noAutofit/>
           </a:bodyPr>
           <a:p>
             <a:pPr algn="ctr"/>
-            <a:endParaRPr b="0" lang="en-IN" sz="3200" spc="-1" strike="noStrike">
-              <a:latin typeface="Arial"/>
+            <a:endParaRPr lang="en-IN" sz="3200" b="0" strike="noStrike" spc="-1">
+              <a:latin typeface="Arial" panose="020B0604020202090204"/>
             </a:endParaRPr>
           </a:p>
         </p:txBody>
       </p:sp>
     </p:spTree>
   </p:cSld>
+  <p:clrMapOvr>
+    <a:masterClrMapping/>
+  </p:clrMapOvr>
 </p:sldLayout>
 </file>
 
 <file path=ppt/slideLayouts/slideLayout43.xml><?xml version="1.0" encoding="utf-8"?>
-<p:sldLayout xmlns:a="http://schemas.openxmlformats.org/drawingml/2006/main" xmlns:p="http://schemas.openxmlformats.org/presentationml/2006/main" xmlns:r="http://schemas.openxmlformats.org/officeDocument/2006/relationships" xmlns:p14="http://schemas.microsoft.com/office/powerpoint/2010/main" xmlns:p15="http://schemas.microsoft.com/office/powerpoint/2012/main" xmlns:mc="http://schemas.openxmlformats.org/markup-compatibility/2006" type="twoObjAndObj" preserve="1">
+<p:sldLayout xmlns:a="http://schemas.openxmlformats.org/drawingml/2006/main" xmlns:r="http://schemas.openxmlformats.org/officeDocument/2006/relationships" xmlns:p="http://schemas.openxmlformats.org/presentationml/2006/main" type="twoObjAndObj" preserve="1">
   <p:cSld name="Title, 2 Content and Content">
     <p:spTree>
       <p:nvGrpSpPr>
@@ -4010,13 +4213,13 @@
           </a:prstGeom>
         </p:spPr>
         <p:txBody>
-          <a:bodyPr lIns="0" rIns="0" tIns="0" bIns="0" anchor="ctr">
+          <a:bodyPr lIns="0" tIns="0" rIns="0" bIns="0" anchor="ctr">
             <a:noAutofit/>
           </a:bodyPr>
           <a:p>
             <a:pPr algn="ctr"/>
-            <a:endParaRPr b="0" lang="en-IN" sz="4400" spc="-1" strike="noStrike">
-              <a:latin typeface="Arial"/>
+            <a:endParaRPr lang="en-IN" sz="4400" b="0" strike="noStrike" spc="-1">
+              <a:latin typeface="Arial" panose="020B0604020202090204"/>
             </a:endParaRPr>
           </a:p>
         </p:txBody>
@@ -4041,12 +4244,12 @@
           </a:prstGeom>
         </p:spPr>
         <p:txBody>
-          <a:bodyPr lIns="0" rIns="0" tIns="0" bIns="0">
+          <a:bodyPr lIns="0" tIns="0" rIns="0" bIns="0">
             <a:normAutofit/>
           </a:bodyPr>
           <a:p>
-            <a:endParaRPr b="0" lang="en-IN" sz="3200" spc="-1" strike="noStrike">
-              <a:latin typeface="Arial"/>
+            <a:endParaRPr lang="en-IN" sz="3200" b="0" strike="noStrike" spc="-1">
+              <a:latin typeface="Arial" panose="020B0604020202090204"/>
             </a:endParaRPr>
           </a:p>
         </p:txBody>
@@ -4071,12 +4274,12 @@
           </a:prstGeom>
         </p:spPr>
         <p:txBody>
-          <a:bodyPr lIns="0" rIns="0" tIns="0" bIns="0">
+          <a:bodyPr lIns="0" tIns="0" rIns="0" bIns="0">
             <a:normAutofit/>
           </a:bodyPr>
           <a:p>
-            <a:endParaRPr b="0" lang="en-IN" sz="3200" spc="-1" strike="noStrike">
-              <a:latin typeface="Arial"/>
+            <a:endParaRPr lang="en-IN" sz="3200" b="0" strike="noStrike" spc="-1">
+              <a:latin typeface="Arial" panose="020B0604020202090204"/>
             </a:endParaRPr>
           </a:p>
         </p:txBody>
@@ -4101,23 +4304,26 @@
           </a:prstGeom>
         </p:spPr>
         <p:txBody>
-          <a:bodyPr lIns="0" rIns="0" tIns="0" bIns="0">
+          <a:bodyPr lIns="0" tIns="0" rIns="0" bIns="0">
             <a:normAutofit/>
           </a:bodyPr>
           <a:p>
-            <a:endParaRPr b="0" lang="en-IN" sz="3200" spc="-1" strike="noStrike">
-              <a:latin typeface="Arial"/>
+            <a:endParaRPr lang="en-IN" sz="3200" b="0" strike="noStrike" spc="-1">
+              <a:latin typeface="Arial" panose="020B0604020202090204"/>
             </a:endParaRPr>
           </a:p>
         </p:txBody>
       </p:sp>
     </p:spTree>
   </p:cSld>
+  <p:clrMapOvr>
+    <a:masterClrMapping/>
+  </p:clrMapOvr>
 </p:sldLayout>
 </file>
 
 <file path=ppt/slideLayouts/slideLayout44.xml><?xml version="1.0" encoding="utf-8"?>
-<p:sldLayout xmlns:a="http://schemas.openxmlformats.org/drawingml/2006/main" xmlns:p="http://schemas.openxmlformats.org/presentationml/2006/main" xmlns:r="http://schemas.openxmlformats.org/officeDocument/2006/relationships" xmlns:p14="http://schemas.microsoft.com/office/powerpoint/2010/main" xmlns:p15="http://schemas.microsoft.com/office/powerpoint/2012/main" xmlns:mc="http://schemas.openxmlformats.org/markup-compatibility/2006" type="objAndTwoObj" preserve="1">
+<p:sldLayout xmlns:a="http://schemas.openxmlformats.org/drawingml/2006/main" xmlns:r="http://schemas.openxmlformats.org/officeDocument/2006/relationships" xmlns:p="http://schemas.openxmlformats.org/presentationml/2006/main" type="objAndTwoObj" preserve="1">
   <p:cSld name="Title Content and 2 Content">
     <p:spTree>
       <p:nvGrpSpPr>
@@ -4153,13 +4359,13 @@
           </a:prstGeom>
         </p:spPr>
         <p:txBody>
-          <a:bodyPr lIns="0" rIns="0" tIns="0" bIns="0" anchor="ctr">
+          <a:bodyPr lIns="0" tIns="0" rIns="0" bIns="0" anchor="ctr">
             <a:noAutofit/>
           </a:bodyPr>
           <a:p>
             <a:pPr algn="ctr"/>
-            <a:endParaRPr b="0" lang="en-IN" sz="4400" spc="-1" strike="noStrike">
-              <a:latin typeface="Arial"/>
+            <a:endParaRPr lang="en-IN" sz="4400" b="0" strike="noStrike" spc="-1">
+              <a:latin typeface="Arial" panose="020B0604020202090204"/>
             </a:endParaRPr>
           </a:p>
         </p:txBody>
@@ -4184,12 +4390,12 @@
           </a:prstGeom>
         </p:spPr>
         <p:txBody>
-          <a:bodyPr lIns="0" rIns="0" tIns="0" bIns="0">
+          <a:bodyPr lIns="0" tIns="0" rIns="0" bIns="0">
             <a:normAutofit/>
           </a:bodyPr>
           <a:p>
-            <a:endParaRPr b="0" lang="en-IN" sz="3200" spc="-1" strike="noStrike">
-              <a:latin typeface="Arial"/>
+            <a:endParaRPr lang="en-IN" sz="3200" b="0" strike="noStrike" spc="-1">
+              <a:latin typeface="Arial" panose="020B0604020202090204"/>
             </a:endParaRPr>
           </a:p>
         </p:txBody>
@@ -4214,12 +4420,12 @@
           </a:prstGeom>
         </p:spPr>
         <p:txBody>
-          <a:bodyPr lIns="0" rIns="0" tIns="0" bIns="0">
+          <a:bodyPr lIns="0" tIns="0" rIns="0" bIns="0">
             <a:normAutofit/>
           </a:bodyPr>
           <a:p>
-            <a:endParaRPr b="0" lang="en-IN" sz="3200" spc="-1" strike="noStrike">
-              <a:latin typeface="Arial"/>
+            <a:endParaRPr lang="en-IN" sz="3200" b="0" strike="noStrike" spc="-1">
+              <a:latin typeface="Arial" panose="020B0604020202090204"/>
             </a:endParaRPr>
           </a:p>
         </p:txBody>
@@ -4244,23 +4450,26 @@
           </a:prstGeom>
         </p:spPr>
         <p:txBody>
-          <a:bodyPr lIns="0" rIns="0" tIns="0" bIns="0">
+          <a:bodyPr lIns="0" tIns="0" rIns="0" bIns="0">
             <a:normAutofit/>
           </a:bodyPr>
           <a:p>
-            <a:endParaRPr b="0" lang="en-IN" sz="3200" spc="-1" strike="noStrike">
-              <a:latin typeface="Arial"/>
+            <a:endParaRPr lang="en-IN" sz="3200" b="0" strike="noStrike" spc="-1">
+              <a:latin typeface="Arial" panose="020B0604020202090204"/>
             </a:endParaRPr>
           </a:p>
         </p:txBody>
       </p:sp>
     </p:spTree>
   </p:cSld>
+  <p:clrMapOvr>
+    <a:masterClrMapping/>
+  </p:clrMapOvr>
 </p:sldLayout>
 </file>
 
 <file path=ppt/slideLayouts/slideLayout45.xml><?xml version="1.0" encoding="utf-8"?>
-<p:sldLayout xmlns:a="http://schemas.openxmlformats.org/drawingml/2006/main" xmlns:p="http://schemas.openxmlformats.org/presentationml/2006/main" xmlns:r="http://schemas.openxmlformats.org/officeDocument/2006/relationships" xmlns:p14="http://schemas.microsoft.com/office/powerpoint/2010/main" xmlns:p15="http://schemas.microsoft.com/office/powerpoint/2012/main" xmlns:mc="http://schemas.openxmlformats.org/markup-compatibility/2006" type="twoObjOverTx" preserve="1">
+<p:sldLayout xmlns:a="http://schemas.openxmlformats.org/drawingml/2006/main" xmlns:r="http://schemas.openxmlformats.org/officeDocument/2006/relationships" xmlns:p="http://schemas.openxmlformats.org/presentationml/2006/main" type="twoObjOverTx" preserve="1">
   <p:cSld name="Title, 2 Content over Content">
     <p:spTree>
       <p:nvGrpSpPr>
@@ -4296,13 +4505,13 @@
           </a:prstGeom>
         </p:spPr>
         <p:txBody>
-          <a:bodyPr lIns="0" rIns="0" tIns="0" bIns="0" anchor="ctr">
+          <a:bodyPr lIns="0" tIns="0" rIns="0" bIns="0" anchor="ctr">
             <a:noAutofit/>
           </a:bodyPr>
           <a:p>
             <a:pPr algn="ctr"/>
-            <a:endParaRPr b="0" lang="en-IN" sz="4400" spc="-1" strike="noStrike">
-              <a:latin typeface="Arial"/>
+            <a:endParaRPr lang="en-IN" sz="4400" b="0" strike="noStrike" spc="-1">
+              <a:latin typeface="Arial" panose="020B0604020202090204"/>
             </a:endParaRPr>
           </a:p>
         </p:txBody>
@@ -4327,12 +4536,12 @@
           </a:prstGeom>
         </p:spPr>
         <p:txBody>
-          <a:bodyPr lIns="0" rIns="0" tIns="0" bIns="0">
+          <a:bodyPr lIns="0" tIns="0" rIns="0" bIns="0">
             <a:normAutofit/>
           </a:bodyPr>
           <a:p>
-            <a:endParaRPr b="0" lang="en-IN" sz="3200" spc="-1" strike="noStrike">
-              <a:latin typeface="Arial"/>
+            <a:endParaRPr lang="en-IN" sz="3200" b="0" strike="noStrike" spc="-1">
+              <a:latin typeface="Arial" panose="020B0604020202090204"/>
             </a:endParaRPr>
           </a:p>
         </p:txBody>
@@ -4357,12 +4566,12 @@
           </a:prstGeom>
         </p:spPr>
         <p:txBody>
-          <a:bodyPr lIns="0" rIns="0" tIns="0" bIns="0">
+          <a:bodyPr lIns="0" tIns="0" rIns="0" bIns="0">
             <a:normAutofit/>
           </a:bodyPr>
           <a:p>
-            <a:endParaRPr b="0" lang="en-IN" sz="3200" spc="-1" strike="noStrike">
-              <a:latin typeface="Arial"/>
+            <a:endParaRPr lang="en-IN" sz="3200" b="0" strike="noStrike" spc="-1">
+              <a:latin typeface="Arial" panose="020B0604020202090204"/>
             </a:endParaRPr>
           </a:p>
         </p:txBody>
@@ -4387,23 +4596,26 @@
           </a:prstGeom>
         </p:spPr>
         <p:txBody>
-          <a:bodyPr lIns="0" rIns="0" tIns="0" bIns="0">
+          <a:bodyPr lIns="0" tIns="0" rIns="0" bIns="0">
             <a:normAutofit/>
           </a:bodyPr>
           <a:p>
-            <a:endParaRPr b="0" lang="en-IN" sz="3200" spc="-1" strike="noStrike">
-              <a:latin typeface="Arial"/>
+            <a:endParaRPr lang="en-IN" sz="3200" b="0" strike="noStrike" spc="-1">
+              <a:latin typeface="Arial" panose="020B0604020202090204"/>
             </a:endParaRPr>
           </a:p>
         </p:txBody>
       </p:sp>
     </p:spTree>
   </p:cSld>
+  <p:clrMapOvr>
+    <a:masterClrMapping/>
+  </p:clrMapOvr>
 </p:sldLayout>
 </file>
 
 <file path=ppt/slideLayouts/slideLayout46.xml><?xml version="1.0" encoding="utf-8"?>
-<p:sldLayout xmlns:a="http://schemas.openxmlformats.org/drawingml/2006/main" xmlns:p="http://schemas.openxmlformats.org/presentationml/2006/main" xmlns:r="http://schemas.openxmlformats.org/officeDocument/2006/relationships" xmlns:p14="http://schemas.microsoft.com/office/powerpoint/2010/main" xmlns:p15="http://schemas.microsoft.com/office/powerpoint/2012/main" xmlns:mc="http://schemas.openxmlformats.org/markup-compatibility/2006" type="objOverTx" preserve="1">
+<p:sldLayout xmlns:a="http://schemas.openxmlformats.org/drawingml/2006/main" xmlns:r="http://schemas.openxmlformats.org/officeDocument/2006/relationships" xmlns:p="http://schemas.openxmlformats.org/presentationml/2006/main" type="objOverTx" preserve="1">
   <p:cSld name="Title, Content over Content">
     <p:spTree>
       <p:nvGrpSpPr>
@@ -4439,13 +4651,13 @@
           </a:prstGeom>
         </p:spPr>
         <p:txBody>
-          <a:bodyPr lIns="0" rIns="0" tIns="0" bIns="0" anchor="ctr">
+          <a:bodyPr lIns="0" tIns="0" rIns="0" bIns="0" anchor="ctr">
             <a:noAutofit/>
           </a:bodyPr>
           <a:p>
             <a:pPr algn="ctr"/>
-            <a:endParaRPr b="0" lang="en-IN" sz="4400" spc="-1" strike="noStrike">
-              <a:latin typeface="Arial"/>
+            <a:endParaRPr lang="en-IN" sz="4400" b="0" strike="noStrike" spc="-1">
+              <a:latin typeface="Arial" panose="020B0604020202090204"/>
             </a:endParaRPr>
           </a:p>
         </p:txBody>
@@ -4470,12 +4682,12 @@
           </a:prstGeom>
         </p:spPr>
         <p:txBody>
-          <a:bodyPr lIns="0" rIns="0" tIns="0" bIns="0">
+          <a:bodyPr lIns="0" tIns="0" rIns="0" bIns="0">
             <a:normAutofit/>
           </a:bodyPr>
           <a:p>
-            <a:endParaRPr b="0" lang="en-IN" sz="3200" spc="-1" strike="noStrike">
-              <a:latin typeface="Arial"/>
+            <a:endParaRPr lang="en-IN" sz="3200" b="0" strike="noStrike" spc="-1">
+              <a:latin typeface="Arial" panose="020B0604020202090204"/>
             </a:endParaRPr>
           </a:p>
         </p:txBody>
@@ -4500,23 +4712,26 @@
           </a:prstGeom>
         </p:spPr>
         <p:txBody>
-          <a:bodyPr lIns="0" rIns="0" tIns="0" bIns="0">
+          <a:bodyPr lIns="0" tIns="0" rIns="0" bIns="0">
             <a:normAutofit/>
           </a:bodyPr>
           <a:p>
-            <a:endParaRPr b="0" lang="en-IN" sz="3200" spc="-1" strike="noStrike">
-              <a:latin typeface="Arial"/>
+            <a:endParaRPr lang="en-IN" sz="3200" b="0" strike="noStrike" spc="-1">
+              <a:latin typeface="Arial" panose="020B0604020202090204"/>
             </a:endParaRPr>
           </a:p>
         </p:txBody>
       </p:sp>
     </p:spTree>
   </p:cSld>
+  <p:clrMapOvr>
+    <a:masterClrMapping/>
+  </p:clrMapOvr>
 </p:sldLayout>
 </file>
 
 <file path=ppt/slideLayouts/slideLayout47.xml><?xml version="1.0" encoding="utf-8"?>
-<p:sldLayout xmlns:a="http://schemas.openxmlformats.org/drawingml/2006/main" xmlns:p="http://schemas.openxmlformats.org/presentationml/2006/main" xmlns:r="http://schemas.openxmlformats.org/officeDocument/2006/relationships" xmlns:p14="http://schemas.microsoft.com/office/powerpoint/2010/main" xmlns:p15="http://schemas.microsoft.com/office/powerpoint/2012/main" xmlns:mc="http://schemas.openxmlformats.org/markup-compatibility/2006" type="fourObj" preserve="1">
+<p:sldLayout xmlns:a="http://schemas.openxmlformats.org/drawingml/2006/main" xmlns:r="http://schemas.openxmlformats.org/officeDocument/2006/relationships" xmlns:p="http://schemas.openxmlformats.org/presentationml/2006/main" type="fourObj" preserve="1">
   <p:cSld name="Title, 4 Content">
     <p:spTree>
       <p:nvGrpSpPr>
@@ -4552,13 +4767,13 @@
           </a:prstGeom>
         </p:spPr>
         <p:txBody>
-          <a:bodyPr lIns="0" rIns="0" tIns="0" bIns="0" anchor="ctr">
+          <a:bodyPr lIns="0" tIns="0" rIns="0" bIns="0" anchor="ctr">
             <a:noAutofit/>
           </a:bodyPr>
           <a:p>
             <a:pPr algn="ctr"/>
-            <a:endParaRPr b="0" lang="en-IN" sz="4400" spc="-1" strike="noStrike">
-              <a:latin typeface="Arial"/>
+            <a:endParaRPr lang="en-IN" sz="4400" b="0" strike="noStrike" spc="-1">
+              <a:latin typeface="Arial" panose="020B0604020202090204"/>
             </a:endParaRPr>
           </a:p>
         </p:txBody>
@@ -4583,12 +4798,12 @@
           </a:prstGeom>
         </p:spPr>
         <p:txBody>
-          <a:bodyPr lIns="0" rIns="0" tIns="0" bIns="0">
+          <a:bodyPr lIns="0" tIns="0" rIns="0" bIns="0">
             <a:normAutofit/>
           </a:bodyPr>
           <a:p>
-            <a:endParaRPr b="0" lang="en-IN" sz="3200" spc="-1" strike="noStrike">
-              <a:latin typeface="Arial"/>
+            <a:endParaRPr lang="en-IN" sz="3200" b="0" strike="noStrike" spc="-1">
+              <a:latin typeface="Arial" panose="020B0604020202090204"/>
             </a:endParaRPr>
           </a:p>
         </p:txBody>
@@ -4613,12 +4828,12 @@
           </a:prstGeom>
         </p:spPr>
         <p:txBody>
-          <a:bodyPr lIns="0" rIns="0" tIns="0" bIns="0">
+          <a:bodyPr lIns="0" tIns="0" rIns="0" bIns="0">
             <a:normAutofit/>
           </a:bodyPr>
           <a:p>
-            <a:endParaRPr b="0" lang="en-IN" sz="3200" spc="-1" strike="noStrike">
-              <a:latin typeface="Arial"/>
+            <a:endParaRPr lang="en-IN" sz="3200" b="0" strike="noStrike" spc="-1">
+              <a:latin typeface="Arial" panose="020B0604020202090204"/>
             </a:endParaRPr>
           </a:p>
         </p:txBody>
@@ -4643,12 +4858,12 @@
           </a:prstGeom>
         </p:spPr>
         <p:txBody>
-          <a:bodyPr lIns="0" rIns="0" tIns="0" bIns="0">
+          <a:bodyPr lIns="0" tIns="0" rIns="0" bIns="0">
             <a:normAutofit/>
           </a:bodyPr>
           <a:p>
-            <a:endParaRPr b="0" lang="en-IN" sz="3200" spc="-1" strike="noStrike">
-              <a:latin typeface="Arial"/>
+            <a:endParaRPr lang="en-IN" sz="3200" b="0" strike="noStrike" spc="-1">
+              <a:latin typeface="Arial" panose="020B0604020202090204"/>
             </a:endParaRPr>
           </a:p>
         </p:txBody>
@@ -4673,23 +4888,26 @@
           </a:prstGeom>
         </p:spPr>
         <p:txBody>
-          <a:bodyPr lIns="0" rIns="0" tIns="0" bIns="0">
+          <a:bodyPr lIns="0" tIns="0" rIns="0" bIns="0">
             <a:normAutofit/>
           </a:bodyPr>
           <a:p>
-            <a:endParaRPr b="0" lang="en-IN" sz="3200" spc="-1" strike="noStrike">
-              <a:latin typeface="Arial"/>
+            <a:endParaRPr lang="en-IN" sz="3200" b="0" strike="noStrike" spc="-1">
+              <a:latin typeface="Arial" panose="020B0604020202090204"/>
             </a:endParaRPr>
           </a:p>
         </p:txBody>
       </p:sp>
     </p:spTree>
   </p:cSld>
+  <p:clrMapOvr>
+    <a:masterClrMapping/>
+  </p:clrMapOvr>
 </p:sldLayout>
 </file>
 
 <file path=ppt/slideLayouts/slideLayout48.xml><?xml version="1.0" encoding="utf-8"?>
-<p:sldLayout xmlns:a="http://schemas.openxmlformats.org/drawingml/2006/main" xmlns:p="http://schemas.openxmlformats.org/presentationml/2006/main" xmlns:r="http://schemas.openxmlformats.org/officeDocument/2006/relationships" xmlns:p14="http://schemas.microsoft.com/office/powerpoint/2010/main" xmlns:p15="http://schemas.microsoft.com/office/powerpoint/2012/main" xmlns:mc="http://schemas.openxmlformats.org/markup-compatibility/2006" type="blank" preserve="1">
+<p:sldLayout xmlns:a="http://schemas.openxmlformats.org/drawingml/2006/main" xmlns:r="http://schemas.openxmlformats.org/officeDocument/2006/relationships" xmlns:p="http://schemas.openxmlformats.org/presentationml/2006/main" type="blank" preserve="1">
   <p:cSld name="Title, 6 Content">
     <p:spTree>
       <p:nvGrpSpPr>
@@ -4725,13 +4943,13 @@
           </a:prstGeom>
         </p:spPr>
         <p:txBody>
-          <a:bodyPr lIns="0" rIns="0" tIns="0" bIns="0" anchor="ctr">
+          <a:bodyPr lIns="0" tIns="0" rIns="0" bIns="0" anchor="ctr">
             <a:noAutofit/>
           </a:bodyPr>
           <a:p>
             <a:pPr algn="ctr"/>
-            <a:endParaRPr b="0" lang="en-IN" sz="4400" spc="-1" strike="noStrike">
-              <a:latin typeface="Arial"/>
+            <a:endParaRPr lang="en-IN" sz="4400" b="0" strike="noStrike" spc="-1">
+              <a:latin typeface="Arial" panose="020B0604020202090204"/>
             </a:endParaRPr>
           </a:p>
         </p:txBody>
@@ -4756,12 +4974,12 @@
           </a:prstGeom>
         </p:spPr>
         <p:txBody>
-          <a:bodyPr lIns="0" rIns="0" tIns="0" bIns="0">
+          <a:bodyPr lIns="0" tIns="0" rIns="0" bIns="0">
             <a:normAutofit/>
           </a:bodyPr>
           <a:p>
-            <a:endParaRPr b="0" lang="en-IN" sz="3200" spc="-1" strike="noStrike">
-              <a:latin typeface="Arial"/>
+            <a:endParaRPr lang="en-IN" sz="3200" b="0" strike="noStrike" spc="-1">
+              <a:latin typeface="Arial" panose="020B0604020202090204"/>
             </a:endParaRPr>
           </a:p>
         </p:txBody>
@@ -4786,12 +5004,12 @@
           </a:prstGeom>
         </p:spPr>
         <p:txBody>
-          <a:bodyPr lIns="0" rIns="0" tIns="0" bIns="0">
+          <a:bodyPr lIns="0" tIns="0" rIns="0" bIns="0">
             <a:normAutofit/>
           </a:bodyPr>
           <a:p>
-            <a:endParaRPr b="0" lang="en-IN" sz="3200" spc="-1" strike="noStrike">
-              <a:latin typeface="Arial"/>
+            <a:endParaRPr lang="en-IN" sz="3200" b="0" strike="noStrike" spc="-1">
+              <a:latin typeface="Arial" panose="020B0604020202090204"/>
             </a:endParaRPr>
           </a:p>
         </p:txBody>
@@ -4816,12 +5034,12 @@
           </a:prstGeom>
         </p:spPr>
         <p:txBody>
-          <a:bodyPr lIns="0" rIns="0" tIns="0" bIns="0">
+          <a:bodyPr lIns="0" tIns="0" rIns="0" bIns="0">
             <a:normAutofit/>
           </a:bodyPr>
           <a:p>
-            <a:endParaRPr b="0" lang="en-IN" sz="3200" spc="-1" strike="noStrike">
-              <a:latin typeface="Arial"/>
+            <a:endParaRPr lang="en-IN" sz="3200" b="0" strike="noStrike" spc="-1">
+              <a:latin typeface="Arial" panose="020B0604020202090204"/>
             </a:endParaRPr>
           </a:p>
         </p:txBody>
@@ -4846,12 +5064,12 @@
           </a:prstGeom>
         </p:spPr>
         <p:txBody>
-          <a:bodyPr lIns="0" rIns="0" tIns="0" bIns="0">
+          <a:bodyPr lIns="0" tIns="0" rIns="0" bIns="0">
             <a:normAutofit/>
           </a:bodyPr>
           <a:p>
-            <a:endParaRPr b="0" lang="en-IN" sz="3200" spc="-1" strike="noStrike">
-              <a:latin typeface="Arial"/>
+            <a:endParaRPr lang="en-IN" sz="3200" b="0" strike="noStrike" spc="-1">
+              <a:latin typeface="Arial" panose="020B0604020202090204"/>
             </a:endParaRPr>
           </a:p>
         </p:txBody>
@@ -4876,12 +5094,12 @@
           </a:prstGeom>
         </p:spPr>
         <p:txBody>
-          <a:bodyPr lIns="0" rIns="0" tIns="0" bIns="0">
+          <a:bodyPr lIns="0" tIns="0" rIns="0" bIns="0">
             <a:normAutofit/>
           </a:bodyPr>
           <a:p>
-            <a:endParaRPr b="0" lang="en-IN" sz="3200" spc="-1" strike="noStrike">
-              <a:latin typeface="Arial"/>
+            <a:endParaRPr lang="en-IN" sz="3200" b="0" strike="noStrike" spc="-1">
+              <a:latin typeface="Arial" panose="020B0604020202090204"/>
             </a:endParaRPr>
           </a:p>
         </p:txBody>
@@ -4906,23 +5124,26 @@
           </a:prstGeom>
         </p:spPr>
         <p:txBody>
-          <a:bodyPr lIns="0" rIns="0" tIns="0" bIns="0">
+          <a:bodyPr lIns="0" tIns="0" rIns="0" bIns="0">
             <a:normAutofit/>
           </a:bodyPr>
           <a:p>
-            <a:endParaRPr b="0" lang="en-IN" sz="3200" spc="-1" strike="noStrike">
-              <a:latin typeface="Arial"/>
+            <a:endParaRPr lang="en-IN" sz="3200" b="0" strike="noStrike" spc="-1">
+              <a:latin typeface="Arial" panose="020B0604020202090204"/>
             </a:endParaRPr>
           </a:p>
         </p:txBody>
       </p:sp>
     </p:spTree>
   </p:cSld>
+  <p:clrMapOvr>
+    <a:masterClrMapping/>
+  </p:clrMapOvr>
 </p:sldLayout>
 </file>
 
 <file path=ppt/slideLayouts/slideLayout5.xml><?xml version="1.0" encoding="utf-8"?>
-<p:sldLayout xmlns:a="http://schemas.openxmlformats.org/drawingml/2006/main" xmlns:p="http://schemas.openxmlformats.org/presentationml/2006/main" xmlns:r="http://schemas.openxmlformats.org/officeDocument/2006/relationships" xmlns:p14="http://schemas.microsoft.com/office/powerpoint/2010/main" xmlns:p15="http://schemas.microsoft.com/office/powerpoint/2012/main" xmlns:mc="http://schemas.openxmlformats.org/markup-compatibility/2006" type="titleOnly" preserve="1">
+<p:sldLayout xmlns:a="http://schemas.openxmlformats.org/drawingml/2006/main" xmlns:r="http://schemas.openxmlformats.org/officeDocument/2006/relationships" xmlns:p="http://schemas.openxmlformats.org/presentationml/2006/main" type="titleOnly" preserve="1">
   <p:cSld name="Title Only">
     <p:spTree>
       <p:nvGrpSpPr>
@@ -4958,24 +5179,27 @@
           </a:prstGeom>
         </p:spPr>
         <p:txBody>
-          <a:bodyPr lIns="0" rIns="0" tIns="0" bIns="0" anchor="ctr">
+          <a:bodyPr lIns="0" tIns="0" rIns="0" bIns="0" anchor="ctr">
             <a:noAutofit/>
           </a:bodyPr>
           <a:p>
             <a:pPr algn="ctr"/>
-            <a:endParaRPr b="0" lang="en-IN" sz="4400" spc="-1" strike="noStrike">
-              <a:latin typeface="Arial"/>
+            <a:endParaRPr lang="en-IN" sz="4400" b="0" strike="noStrike" spc="-1">
+              <a:latin typeface="Arial" panose="020B0604020202090204"/>
             </a:endParaRPr>
           </a:p>
         </p:txBody>
       </p:sp>
     </p:spTree>
   </p:cSld>
+  <p:clrMapOvr>
+    <a:masterClrMapping/>
+  </p:clrMapOvr>
 </p:sldLayout>
 </file>
 
 <file path=ppt/slideLayouts/slideLayout6.xml><?xml version="1.0" encoding="utf-8"?>
-<p:sldLayout xmlns:a="http://schemas.openxmlformats.org/drawingml/2006/main" xmlns:p="http://schemas.openxmlformats.org/presentationml/2006/main" xmlns:r="http://schemas.openxmlformats.org/officeDocument/2006/relationships" xmlns:p14="http://schemas.microsoft.com/office/powerpoint/2010/main" xmlns:p15="http://schemas.microsoft.com/office/powerpoint/2012/main" xmlns:mc="http://schemas.openxmlformats.org/markup-compatibility/2006" type="objOnly" preserve="1">
+<p:sldLayout xmlns:a="http://schemas.openxmlformats.org/drawingml/2006/main" xmlns:r="http://schemas.openxmlformats.org/officeDocument/2006/relationships" xmlns:p="http://schemas.openxmlformats.org/presentationml/2006/main" type="objOnly" preserve="1">
   <p:cSld name="Centered Text">
     <p:spTree>
       <p:nvGrpSpPr>
@@ -5011,24 +5235,27 @@
           </a:prstGeom>
         </p:spPr>
         <p:txBody>
-          <a:bodyPr lIns="0" rIns="0" tIns="0" bIns="0" anchor="ctr">
+          <a:bodyPr lIns="0" tIns="0" rIns="0" bIns="0" anchor="ctr">
             <a:noAutofit/>
           </a:bodyPr>
           <a:p>
             <a:pPr algn="ctr"/>
-            <a:endParaRPr b="0" lang="en-IN" sz="3200" spc="-1" strike="noStrike">
-              <a:latin typeface="Arial"/>
+            <a:endParaRPr lang="en-IN" sz="3200" b="0" strike="noStrike" spc="-1">
+              <a:latin typeface="Arial" panose="020B0604020202090204"/>
             </a:endParaRPr>
           </a:p>
         </p:txBody>
       </p:sp>
     </p:spTree>
   </p:cSld>
+  <p:clrMapOvr>
+    <a:masterClrMapping/>
+  </p:clrMapOvr>
 </p:sldLayout>
 </file>
 
 <file path=ppt/slideLayouts/slideLayout7.xml><?xml version="1.0" encoding="utf-8"?>
-<p:sldLayout xmlns:a="http://schemas.openxmlformats.org/drawingml/2006/main" xmlns:p="http://schemas.openxmlformats.org/presentationml/2006/main" xmlns:r="http://schemas.openxmlformats.org/officeDocument/2006/relationships" xmlns:p14="http://schemas.microsoft.com/office/powerpoint/2010/main" xmlns:p15="http://schemas.microsoft.com/office/powerpoint/2012/main" xmlns:mc="http://schemas.openxmlformats.org/markup-compatibility/2006" type="twoObjAndObj" preserve="1">
+<p:sldLayout xmlns:a="http://schemas.openxmlformats.org/drawingml/2006/main" xmlns:r="http://schemas.openxmlformats.org/officeDocument/2006/relationships" xmlns:p="http://schemas.openxmlformats.org/presentationml/2006/main" type="twoObjAndObj" preserve="1">
   <p:cSld name="Title, 2 Content and Content">
     <p:spTree>
       <p:nvGrpSpPr>
@@ -5064,13 +5291,13 @@
           </a:prstGeom>
         </p:spPr>
         <p:txBody>
-          <a:bodyPr lIns="0" rIns="0" tIns="0" bIns="0" anchor="ctr">
+          <a:bodyPr lIns="0" tIns="0" rIns="0" bIns="0" anchor="ctr">
             <a:noAutofit/>
           </a:bodyPr>
           <a:p>
             <a:pPr algn="ctr"/>
-            <a:endParaRPr b="0" lang="en-IN" sz="4400" spc="-1" strike="noStrike">
-              <a:latin typeface="Arial"/>
+            <a:endParaRPr lang="en-IN" sz="4400" b="0" strike="noStrike" spc="-1">
+              <a:latin typeface="Arial" panose="020B0604020202090204"/>
             </a:endParaRPr>
           </a:p>
         </p:txBody>
@@ -5095,12 +5322,12 @@
           </a:prstGeom>
         </p:spPr>
         <p:txBody>
-          <a:bodyPr lIns="0" rIns="0" tIns="0" bIns="0">
+          <a:bodyPr lIns="0" tIns="0" rIns="0" bIns="0">
             <a:normAutofit/>
           </a:bodyPr>
           <a:p>
-            <a:endParaRPr b="0" lang="en-IN" sz="3200" spc="-1" strike="noStrike">
-              <a:latin typeface="Arial"/>
+            <a:endParaRPr lang="en-IN" sz="3200" b="0" strike="noStrike" spc="-1">
+              <a:latin typeface="Arial" panose="020B0604020202090204"/>
             </a:endParaRPr>
           </a:p>
         </p:txBody>
@@ -5125,12 +5352,12 @@
           </a:prstGeom>
         </p:spPr>
         <p:txBody>
-          <a:bodyPr lIns="0" rIns="0" tIns="0" bIns="0">
+          <a:bodyPr lIns="0" tIns="0" rIns="0" bIns="0">
             <a:normAutofit/>
           </a:bodyPr>
           <a:p>
-            <a:endParaRPr b="0" lang="en-IN" sz="3200" spc="-1" strike="noStrike">
-              <a:latin typeface="Arial"/>
+            <a:endParaRPr lang="en-IN" sz="3200" b="0" strike="noStrike" spc="-1">
+              <a:latin typeface="Arial" panose="020B0604020202090204"/>
             </a:endParaRPr>
           </a:p>
         </p:txBody>
@@ -5155,23 +5382,26 @@
           </a:prstGeom>
         </p:spPr>
         <p:txBody>
-          <a:bodyPr lIns="0" rIns="0" tIns="0" bIns="0">
+          <a:bodyPr lIns="0" tIns="0" rIns="0" bIns="0">
             <a:normAutofit/>
           </a:bodyPr>
           <a:p>
-            <a:endParaRPr b="0" lang="en-IN" sz="3200" spc="-1" strike="noStrike">
-              <a:latin typeface="Arial"/>
+            <a:endParaRPr lang="en-IN" sz="3200" b="0" strike="noStrike" spc="-1">
+              <a:latin typeface="Arial" panose="020B0604020202090204"/>
             </a:endParaRPr>
           </a:p>
         </p:txBody>
       </p:sp>
     </p:spTree>
   </p:cSld>
+  <p:clrMapOvr>
+    <a:masterClrMapping/>
+  </p:clrMapOvr>
 </p:sldLayout>
 </file>
 
 <file path=ppt/slideLayouts/slideLayout8.xml><?xml version="1.0" encoding="utf-8"?>
-<p:sldLayout xmlns:a="http://schemas.openxmlformats.org/drawingml/2006/main" xmlns:p="http://schemas.openxmlformats.org/presentationml/2006/main" xmlns:r="http://schemas.openxmlformats.org/officeDocument/2006/relationships" xmlns:p14="http://schemas.microsoft.com/office/powerpoint/2010/main" xmlns:p15="http://schemas.microsoft.com/office/powerpoint/2012/main" xmlns:mc="http://schemas.openxmlformats.org/markup-compatibility/2006" type="objAndTwoObj" preserve="1">
+<p:sldLayout xmlns:a="http://schemas.openxmlformats.org/drawingml/2006/main" xmlns:r="http://schemas.openxmlformats.org/officeDocument/2006/relationships" xmlns:p="http://schemas.openxmlformats.org/presentationml/2006/main" type="objAndTwoObj" preserve="1">
   <p:cSld name="Title Content and 2 Content">
     <p:spTree>
       <p:nvGrpSpPr>
@@ -5207,13 +5437,13 @@
           </a:prstGeom>
         </p:spPr>
         <p:txBody>
-          <a:bodyPr lIns="0" rIns="0" tIns="0" bIns="0" anchor="ctr">
+          <a:bodyPr lIns="0" tIns="0" rIns="0" bIns="0" anchor="ctr">
             <a:noAutofit/>
           </a:bodyPr>
           <a:p>
             <a:pPr algn="ctr"/>
-            <a:endParaRPr b="0" lang="en-IN" sz="4400" spc="-1" strike="noStrike">
-              <a:latin typeface="Arial"/>
+            <a:endParaRPr lang="en-IN" sz="4400" b="0" strike="noStrike" spc="-1">
+              <a:latin typeface="Arial" panose="020B0604020202090204"/>
             </a:endParaRPr>
           </a:p>
         </p:txBody>
@@ -5238,12 +5468,12 @@
           </a:prstGeom>
         </p:spPr>
         <p:txBody>
-          <a:bodyPr lIns="0" rIns="0" tIns="0" bIns="0">
+          <a:bodyPr lIns="0" tIns="0" rIns="0" bIns="0">
             <a:normAutofit/>
           </a:bodyPr>
           <a:p>
-            <a:endParaRPr b="0" lang="en-IN" sz="3200" spc="-1" strike="noStrike">
-              <a:latin typeface="Arial"/>
+            <a:endParaRPr lang="en-IN" sz="3200" b="0" strike="noStrike" spc="-1">
+              <a:latin typeface="Arial" panose="020B0604020202090204"/>
             </a:endParaRPr>
           </a:p>
         </p:txBody>
@@ -5268,12 +5498,12 @@
           </a:prstGeom>
         </p:spPr>
         <p:txBody>
-          <a:bodyPr lIns="0" rIns="0" tIns="0" bIns="0">
+          <a:bodyPr lIns="0" tIns="0" rIns="0" bIns="0">
             <a:normAutofit/>
           </a:bodyPr>
           <a:p>
-            <a:endParaRPr b="0" lang="en-IN" sz="3200" spc="-1" strike="noStrike">
-              <a:latin typeface="Arial"/>
+            <a:endParaRPr lang="en-IN" sz="3200" b="0" strike="noStrike" spc="-1">
+              <a:latin typeface="Arial" panose="020B0604020202090204"/>
             </a:endParaRPr>
           </a:p>
         </p:txBody>
@@ -5298,23 +5528,26 @@
           </a:prstGeom>
         </p:spPr>
         <p:txBody>
-          <a:bodyPr lIns="0" rIns="0" tIns="0" bIns="0">
+          <a:bodyPr lIns="0" tIns="0" rIns="0" bIns="0">
             <a:normAutofit/>
           </a:bodyPr>
           <a:p>
-            <a:endParaRPr b="0" lang="en-IN" sz="3200" spc="-1" strike="noStrike">
-              <a:latin typeface="Arial"/>
+            <a:endParaRPr lang="en-IN" sz="3200" b="0" strike="noStrike" spc="-1">
+              <a:latin typeface="Arial" panose="020B0604020202090204"/>
             </a:endParaRPr>
           </a:p>
         </p:txBody>
       </p:sp>
     </p:spTree>
   </p:cSld>
+  <p:clrMapOvr>
+    <a:masterClrMapping/>
+  </p:clrMapOvr>
 </p:sldLayout>
 </file>
 
 <file path=ppt/slideLayouts/slideLayout9.xml><?xml version="1.0" encoding="utf-8"?>
-<p:sldLayout xmlns:a="http://schemas.openxmlformats.org/drawingml/2006/main" xmlns:p="http://schemas.openxmlformats.org/presentationml/2006/main" xmlns:r="http://schemas.openxmlformats.org/officeDocument/2006/relationships" xmlns:p14="http://schemas.microsoft.com/office/powerpoint/2010/main" xmlns:p15="http://schemas.microsoft.com/office/powerpoint/2012/main" xmlns:mc="http://schemas.openxmlformats.org/markup-compatibility/2006" type="twoObjOverTx" preserve="1">
+<p:sldLayout xmlns:a="http://schemas.openxmlformats.org/drawingml/2006/main" xmlns:r="http://schemas.openxmlformats.org/officeDocument/2006/relationships" xmlns:p="http://schemas.openxmlformats.org/presentationml/2006/main" type="twoObjOverTx" preserve="1">
   <p:cSld name="Title, 2 Content over Content">
     <p:spTree>
       <p:nvGrpSpPr>
@@ -5350,13 +5583,13 @@
           </a:prstGeom>
         </p:spPr>
         <p:txBody>
-          <a:bodyPr lIns="0" rIns="0" tIns="0" bIns="0" anchor="ctr">
+          <a:bodyPr lIns="0" tIns="0" rIns="0" bIns="0" anchor="ctr">
             <a:noAutofit/>
           </a:bodyPr>
           <a:p>
             <a:pPr algn="ctr"/>
-            <a:endParaRPr b="0" lang="en-IN" sz="4400" spc="-1" strike="noStrike">
-              <a:latin typeface="Arial"/>
+            <a:endParaRPr lang="en-IN" sz="4400" b="0" strike="noStrike" spc="-1">
+              <a:latin typeface="Arial" panose="020B0604020202090204"/>
             </a:endParaRPr>
           </a:p>
         </p:txBody>
@@ -5381,12 +5614,12 @@
           </a:prstGeom>
         </p:spPr>
         <p:txBody>
-          <a:bodyPr lIns="0" rIns="0" tIns="0" bIns="0">
+          <a:bodyPr lIns="0" tIns="0" rIns="0" bIns="0">
             <a:normAutofit/>
           </a:bodyPr>
           <a:p>
-            <a:endParaRPr b="0" lang="en-IN" sz="3200" spc="-1" strike="noStrike">
-              <a:latin typeface="Arial"/>
+            <a:endParaRPr lang="en-IN" sz="3200" b="0" strike="noStrike" spc="-1">
+              <a:latin typeface="Arial" panose="020B0604020202090204"/>
             </a:endParaRPr>
           </a:p>
         </p:txBody>
@@ -5411,12 +5644,12 @@
           </a:prstGeom>
         </p:spPr>
         <p:txBody>
-          <a:bodyPr lIns="0" rIns="0" tIns="0" bIns="0">
+          <a:bodyPr lIns="0" tIns="0" rIns="0" bIns="0">
             <a:normAutofit/>
           </a:bodyPr>
           <a:p>
-            <a:endParaRPr b="0" lang="en-IN" sz="3200" spc="-1" strike="noStrike">
-              <a:latin typeface="Arial"/>
+            <a:endParaRPr lang="en-IN" sz="3200" b="0" strike="noStrike" spc="-1">
+              <a:latin typeface="Arial" panose="020B0604020202090204"/>
             </a:endParaRPr>
           </a:p>
         </p:txBody>
@@ -5441,32 +5674,36 @@
           </a:prstGeom>
         </p:spPr>
         <p:txBody>
-          <a:bodyPr lIns="0" rIns="0" tIns="0" bIns="0">
+          <a:bodyPr lIns="0" tIns="0" rIns="0" bIns="0">
             <a:normAutofit/>
           </a:bodyPr>
           <a:p>
-            <a:endParaRPr b="0" lang="en-IN" sz="3200" spc="-1" strike="noStrike">
-              <a:latin typeface="Arial"/>
+            <a:endParaRPr lang="en-IN" sz="3200" b="0" strike="noStrike" spc="-1">
+              <a:latin typeface="Arial" panose="020B0604020202090204"/>
             </a:endParaRPr>
           </a:p>
         </p:txBody>
       </p:sp>
     </p:spTree>
   </p:cSld>
+  <p:clrMapOvr>
+    <a:masterClrMapping/>
+  </p:clrMapOvr>
 </p:sldLayout>
 </file>
 
 <file path=ppt/slideMasters/slideMaster1.xml><?xml version="1.0" encoding="utf-8"?>
-<p:sldMaster xmlns:a="http://schemas.openxmlformats.org/drawingml/2006/main" xmlns:p="http://schemas.openxmlformats.org/presentationml/2006/main" xmlns:r="http://schemas.openxmlformats.org/officeDocument/2006/relationships" xmlns:p14="http://schemas.microsoft.com/office/powerpoint/2010/main" xmlns:p15="http://schemas.microsoft.com/office/powerpoint/2012/main" xmlns:mc="http://schemas.openxmlformats.org/markup-compatibility/2006">
+<p:sldMaster xmlns:a="http://schemas.openxmlformats.org/drawingml/2006/main" xmlns:r="http://schemas.openxmlformats.org/officeDocument/2006/relationships" xmlns:p="http://schemas.openxmlformats.org/presentationml/2006/main">
   <p:cSld>
     <p:bg>
       <p:bgPr>
         <a:blipFill rotWithShape="0">
-          <a:blip r:embed="rId2"/>
+          <a:blip r:embed="rId13"/>
           <a:stretch>
             <a:fillRect/>
           </a:stretch>
         </a:blipFill>
+        <a:effectLst/>
       </p:bgPr>
     </p:bg>
     <p:spTree>
@@ -5503,26 +5740,26 @@
           </a:prstGeom>
         </p:spPr>
         <p:txBody>
-          <a:bodyPr lIns="0" rIns="0" tIns="0" bIns="0" anchor="ctr">
+          <a:bodyPr lIns="0" tIns="0" rIns="0" bIns="0" anchor="ctr">
             <a:noAutofit/>
           </a:bodyPr>
           <a:p>
             <a:pPr algn="ctr"/>
             <a:r>
-              <a:rPr b="0" lang="en-IN" sz="4400" spc="-1" strike="noStrike">
-                <a:latin typeface="Arial"/>
+              <a:rPr lang="en-IN" sz="4400" b="0" strike="noStrike" spc="-1">
+                <a:latin typeface="Arial" panose="020B0604020202090204"/>
               </a:rPr>
               <a:t>Click to edit the title text format</a:t>
             </a:r>
-            <a:endParaRPr b="0" lang="en-IN" sz="4400" spc="-1" strike="noStrike">
-              <a:latin typeface="Arial"/>
-            </a:endParaRPr>
-          </a:p>
-        </p:txBody>
-      </p:sp>
-      <p:sp>
-        <p:nvSpPr>
-          <p:cNvPr id="1" name="PlaceHolder 2"/>
+            <a:endParaRPr lang="en-IN" sz="4400" b="0" strike="noStrike" spc="-1">
+              <a:latin typeface="Arial" panose="020B0604020202090204"/>
+            </a:endParaRPr>
+          </a:p>
+        </p:txBody>
+      </p:sp>
+      <p:sp>
+        <p:nvSpPr>
+          <p:cNvPr id="2" name="PlaceHolder 2"/>
           <p:cNvSpPr>
             <a:spLocks noGrp="1"/>
           </p:cNvSpPr>
@@ -5540,35 +5777,35 @@
           </a:prstGeom>
         </p:spPr>
         <p:txBody>
-          <a:bodyPr lIns="0" rIns="0" tIns="0" bIns="0">
+          <a:bodyPr lIns="0" tIns="0" rIns="0" bIns="0">
             <a:normAutofit/>
           </a:bodyPr>
           <a:p>
-            <a:pPr marL="432000" indent="-324000">
+            <a:pPr marL="431800" indent="-323850">
               <a:spcBef>
-                <a:spcPts val="1417"/>
+                <a:spcPts val="1415"/>
               </a:spcBef>
               <a:buClr>
                 <a:srgbClr val="000000"/>
               </a:buClr>
               <a:buSzPct val="45000"/>
-              <a:buFont typeface="Wingdings" charset="2"/>
+              <a:buFont typeface="Wingdings" panose="05000000000000000000" pitchFamily="2" charset="2"/>
               <a:buChar char=""/>
             </a:pPr>
             <a:r>
-              <a:rPr b="0" lang="en-IN" sz="3200" spc="-1" strike="noStrike">
-                <a:latin typeface="Arial"/>
+              <a:rPr lang="en-IN" sz="3200" b="0" strike="noStrike" spc="-1">
+                <a:latin typeface="Arial" panose="020B0604020202090204"/>
               </a:rPr>
               <a:t>Click to edit the outline text format</a:t>
             </a:r>
-            <a:endParaRPr b="0" lang="en-IN" sz="3200" spc="-1" strike="noStrike">
-              <a:latin typeface="Arial"/>
-            </a:endParaRPr>
-          </a:p>
-          <a:p>
-            <a:pPr lvl="1" marL="864000" indent="-324000">
+            <a:endParaRPr lang="en-IN" sz="3200" b="0" strike="noStrike" spc="-1">
+              <a:latin typeface="Arial" panose="020B0604020202090204"/>
+            </a:endParaRPr>
+          </a:p>
+          <a:p>
+            <a:pPr marL="864235" lvl="1" indent="-323850">
               <a:spcBef>
-                <a:spcPts val="1134"/>
+                <a:spcPts val="1135"/>
               </a:spcBef>
               <a:buClr>
                 <a:srgbClr val="000000"/>
@@ -5578,17 +5815,17 @@
               <a:buChar char=""/>
             </a:pPr>
             <a:r>
-              <a:rPr b="0" lang="en-IN" sz="2800" spc="-1" strike="noStrike">
-                <a:latin typeface="Arial"/>
+              <a:rPr lang="en-IN" sz="2800" b="0" strike="noStrike" spc="-1">
+                <a:latin typeface="Arial" panose="020B0604020202090204"/>
               </a:rPr>
               <a:t>Second Outline Level</a:t>
             </a:r>
-            <a:endParaRPr b="0" lang="en-IN" sz="2800" spc="-1" strike="noStrike">
-              <a:latin typeface="Arial"/>
-            </a:endParaRPr>
-          </a:p>
-          <a:p>
-            <a:pPr lvl="2" marL="1296000" indent="-288000">
+            <a:endParaRPr lang="en-IN" sz="2800" b="0" strike="noStrike" spc="-1">
+              <a:latin typeface="Arial" panose="020B0604020202090204"/>
+            </a:endParaRPr>
+          </a:p>
+          <a:p>
+            <a:pPr marL="1296035" lvl="2" indent="-288290">
               <a:spcBef>
                 <a:spcPts val="850"/>
               </a:spcBef>
@@ -5596,23 +5833,23 @@
                 <a:srgbClr val="000000"/>
               </a:buClr>
               <a:buSzPct val="45000"/>
-              <a:buFont typeface="Wingdings" charset="2"/>
+              <a:buFont typeface="Wingdings" panose="05000000000000000000" pitchFamily="2" charset="2"/>
               <a:buChar char=""/>
             </a:pPr>
             <a:r>
-              <a:rPr b="0" lang="en-IN" sz="2400" spc="-1" strike="noStrike">
-                <a:latin typeface="Arial"/>
+              <a:rPr lang="en-IN" sz="2400" b="0" strike="noStrike" spc="-1">
+                <a:latin typeface="Arial" panose="020B0604020202090204"/>
               </a:rPr>
               <a:t>Third Outline Level</a:t>
             </a:r>
-            <a:endParaRPr b="0" lang="en-IN" sz="2400" spc="-1" strike="noStrike">
-              <a:latin typeface="Arial"/>
-            </a:endParaRPr>
-          </a:p>
-          <a:p>
-            <a:pPr lvl="3" marL="1728000" indent="-216000">
+            <a:endParaRPr lang="en-IN" sz="2400" b="0" strike="noStrike" spc="-1">
+              <a:latin typeface="Arial" panose="020B0604020202090204"/>
+            </a:endParaRPr>
+          </a:p>
+          <a:p>
+            <a:pPr marL="1727835" lvl="3" indent="-215900">
               <a:spcBef>
-                <a:spcPts val="567"/>
+                <a:spcPts val="565"/>
               </a:spcBef>
               <a:buClr>
                 <a:srgbClr val="000000"/>
@@ -5622,86 +5859,86 @@
               <a:buChar char=""/>
             </a:pPr>
             <a:r>
-              <a:rPr b="0" lang="en-IN" sz="2000" spc="-1" strike="noStrike">
-                <a:latin typeface="Arial"/>
+              <a:rPr lang="en-IN" sz="2000" b="0" strike="noStrike" spc="-1">
+                <a:latin typeface="Arial" panose="020B0604020202090204"/>
               </a:rPr>
               <a:t>Fourth Outline Level</a:t>
             </a:r>
-            <a:endParaRPr b="0" lang="en-IN" sz="2000" spc="-1" strike="noStrike">
-              <a:latin typeface="Arial"/>
-            </a:endParaRPr>
-          </a:p>
-          <a:p>
-            <a:pPr lvl="4" marL="2160000" indent="-216000">
+            <a:endParaRPr lang="en-IN" sz="2000" b="0" strike="noStrike" spc="-1">
+              <a:latin typeface="Arial" panose="020B0604020202090204"/>
+            </a:endParaRPr>
+          </a:p>
+          <a:p>
+            <a:pPr marL="2160270" lvl="4" indent="-215900">
               <a:spcBef>
-                <a:spcPts val="283"/>
+                <a:spcPts val="285"/>
               </a:spcBef>
               <a:buClr>
                 <a:srgbClr val="000000"/>
               </a:buClr>
               <a:buSzPct val="45000"/>
-              <a:buFont typeface="Wingdings" charset="2"/>
+              <a:buFont typeface="Wingdings" panose="05000000000000000000" pitchFamily="2" charset="2"/>
               <a:buChar char=""/>
             </a:pPr>
             <a:r>
-              <a:rPr b="0" lang="en-IN" sz="2000" spc="-1" strike="noStrike">
-                <a:latin typeface="Arial"/>
+              <a:rPr lang="en-IN" sz="2000" b="0" strike="noStrike" spc="-1">
+                <a:latin typeface="Arial" panose="020B0604020202090204"/>
               </a:rPr>
               <a:t>Fifth Outline Level</a:t>
             </a:r>
-            <a:endParaRPr b="0" lang="en-IN" sz="2000" spc="-1" strike="noStrike">
-              <a:latin typeface="Arial"/>
-            </a:endParaRPr>
-          </a:p>
-          <a:p>
-            <a:pPr lvl="5" marL="2592000" indent="-216000">
+            <a:endParaRPr lang="en-IN" sz="2000" b="0" strike="noStrike" spc="-1">
+              <a:latin typeface="Arial" panose="020B0604020202090204"/>
+            </a:endParaRPr>
+          </a:p>
+          <a:p>
+            <a:pPr marL="2592070" lvl="5" indent="-215900">
               <a:spcBef>
-                <a:spcPts val="283"/>
+                <a:spcPts val="285"/>
               </a:spcBef>
               <a:buClr>
                 <a:srgbClr val="000000"/>
               </a:buClr>
               <a:buSzPct val="45000"/>
-              <a:buFont typeface="Wingdings" charset="2"/>
+              <a:buFont typeface="Wingdings" panose="05000000000000000000" pitchFamily="2" charset="2"/>
               <a:buChar char=""/>
             </a:pPr>
             <a:r>
-              <a:rPr b="0" lang="en-IN" sz="2000" spc="-1" strike="noStrike">
-                <a:latin typeface="Arial"/>
+              <a:rPr lang="en-IN" sz="2000" b="0" strike="noStrike" spc="-1">
+                <a:latin typeface="Arial" panose="020B0604020202090204"/>
               </a:rPr>
               <a:t>Sixth Outline Level</a:t>
             </a:r>
-            <a:endParaRPr b="0" lang="en-IN" sz="2000" spc="-1" strike="noStrike">
-              <a:latin typeface="Arial"/>
-            </a:endParaRPr>
-          </a:p>
-          <a:p>
-            <a:pPr lvl="6" marL="3024000" indent="-216000">
+            <a:endParaRPr lang="en-IN" sz="2000" b="0" strike="noStrike" spc="-1">
+              <a:latin typeface="Arial" panose="020B0604020202090204"/>
+            </a:endParaRPr>
+          </a:p>
+          <a:p>
+            <a:pPr marL="3023870" lvl="6" indent="-215900">
               <a:spcBef>
-                <a:spcPts val="283"/>
+                <a:spcPts val="285"/>
               </a:spcBef>
               <a:buClr>
                 <a:srgbClr val="000000"/>
               </a:buClr>
               <a:buSzPct val="45000"/>
-              <a:buFont typeface="Wingdings" charset="2"/>
+              <a:buFont typeface="Wingdings" panose="05000000000000000000" pitchFamily="2" charset="2"/>
               <a:buChar char=""/>
             </a:pPr>
             <a:r>
-              <a:rPr b="0" lang="en-IN" sz="2000" spc="-1" strike="noStrike">
-                <a:latin typeface="Arial"/>
+              <a:rPr lang="en-IN" sz="2000" b="0" strike="noStrike" spc="-1">
+                <a:latin typeface="Arial" panose="020B0604020202090204"/>
               </a:rPr>
               <a:t>Seventh Outline Level</a:t>
             </a:r>
-            <a:endParaRPr b="0" lang="en-IN" sz="2000" spc="-1" strike="noStrike">
-              <a:latin typeface="Arial"/>
-            </a:endParaRPr>
-          </a:p>
-        </p:txBody>
-      </p:sp>
-      <p:sp>
-        <p:nvSpPr>
-          <p:cNvPr id="2" name="PlaceHolder 3"/>
+            <a:endParaRPr lang="en-IN" sz="2000" b="0" strike="noStrike" spc="-1">
+              <a:latin typeface="Arial" panose="020B0604020202090204"/>
+            </a:endParaRPr>
+          </a:p>
+        </p:txBody>
+      </p:sp>
+      <p:sp>
+        <p:nvSpPr>
+          <p:cNvPr id="3" name="PlaceHolder 3"/>
           <p:cNvSpPr>
             <a:spLocks noGrp="1"/>
           </p:cNvSpPr>
@@ -5719,25 +5956,25 @@
           </a:prstGeom>
         </p:spPr>
         <p:txBody>
-          <a:bodyPr lIns="0" rIns="0" tIns="0" bIns="0">
+          <a:bodyPr lIns="0" tIns="0" rIns="0" bIns="0">
             <a:noAutofit/>
           </a:bodyPr>
           <a:p>
             <a:r>
-              <a:rPr b="0" lang="en-IN" sz="1400" spc="-1" strike="noStrike">
-                <a:latin typeface="Arial"/>
+              <a:rPr lang="en-IN" sz="1400" b="0" strike="noStrike" spc="-1">
+                <a:latin typeface="Arial" panose="020B0604020202090204"/>
               </a:rPr>
               <a:t>&lt;date/time&gt;</a:t>
             </a:r>
-            <a:endParaRPr b="0" lang="en-IN" sz="1400" spc="-1" strike="noStrike">
-              <a:latin typeface="Arial"/>
-            </a:endParaRPr>
-          </a:p>
-        </p:txBody>
-      </p:sp>
-      <p:sp>
-        <p:nvSpPr>
-          <p:cNvPr id="3" name="PlaceHolder 4"/>
+            <a:endParaRPr lang="en-IN" sz="1400" b="0" strike="noStrike" spc="-1">
+              <a:latin typeface="Arial" panose="020B0604020202090204"/>
+            </a:endParaRPr>
+          </a:p>
+        </p:txBody>
+      </p:sp>
+      <p:sp>
+        <p:nvSpPr>
+          <p:cNvPr id="4" name="PlaceHolder 4"/>
           <p:cNvSpPr>
             <a:spLocks noGrp="1"/>
           </p:cNvSpPr>
@@ -5755,26 +5992,26 @@
           </a:prstGeom>
         </p:spPr>
         <p:txBody>
-          <a:bodyPr lIns="0" rIns="0" tIns="0" bIns="0">
+          <a:bodyPr lIns="0" tIns="0" rIns="0" bIns="0">
             <a:noAutofit/>
           </a:bodyPr>
           <a:p>
             <a:pPr algn="ctr"/>
             <a:r>
-              <a:rPr b="0" lang="en-IN" sz="1400" spc="-1" strike="noStrike">
-                <a:latin typeface="Arial"/>
+              <a:rPr lang="en-IN" sz="1400" b="0" strike="noStrike" spc="-1">
+                <a:latin typeface="Arial" panose="020B0604020202090204"/>
               </a:rPr>
               <a:t>&lt;footer&gt;</a:t>
             </a:r>
-            <a:endParaRPr b="0" lang="en-IN" sz="1400" spc="-1" strike="noStrike">
-              <a:latin typeface="Arial"/>
-            </a:endParaRPr>
-          </a:p>
-        </p:txBody>
-      </p:sp>
-      <p:sp>
-        <p:nvSpPr>
-          <p:cNvPr id="4" name="PlaceHolder 5"/>
+            <a:endParaRPr lang="en-IN" sz="1400" b="0" strike="noStrike" spc="-1">
+              <a:latin typeface="Arial" panose="020B0604020202090204"/>
+            </a:endParaRPr>
+          </a:p>
+        </p:txBody>
+      </p:sp>
+      <p:sp>
+        <p:nvSpPr>
+          <p:cNvPr id="5" name="PlaceHolder 5"/>
           <p:cNvSpPr>
             <a:spLocks noGrp="1"/>
           </p:cNvSpPr>
@@ -5792,54 +6029,59 @@
           </a:prstGeom>
         </p:spPr>
         <p:txBody>
-          <a:bodyPr lIns="0" rIns="0" tIns="0" bIns="0">
+          <a:bodyPr lIns="0" tIns="0" rIns="0" bIns="0">
             <a:noAutofit/>
           </a:bodyPr>
           <a:p>
             <a:pPr algn="r"/>
             <a:fld id="{DFE59DD1-E459-4854-BFBB-0E5585D4CF75}" type="slidenum">
-              <a:rPr b="0" lang="en-IN" sz="1400" spc="-1" strike="noStrike">
-                <a:latin typeface="Arial"/>
-              </a:rPr>
-              <a:t>&lt;number&gt;</a:t>
+              <a:rPr lang="en-IN" sz="1400" b="0" strike="noStrike" spc="-1">
+                <a:latin typeface="Arial" panose="020B0604020202090204"/>
+              </a:rPr>
             </a:fld>
-            <a:endParaRPr b="0" lang="en-IN" sz="1400" spc="-1" strike="noStrike">
-              <a:latin typeface="Arial"/>
+            <a:endParaRPr lang="en-IN" sz="1400" b="0" strike="noStrike" spc="-1">
+              <a:latin typeface="Arial" panose="020B0604020202090204"/>
             </a:endParaRPr>
           </a:p>
         </p:txBody>
       </p:sp>
     </p:spTree>
   </p:cSld>
-  <p:clrMap bg1="lt1" bg2="lt2" tx1="dk1" tx2="dk2" accent1="accent1" accent2="accent2" accent3="accent3" accent4="accent4" accent5="accent5" accent6="accent6" hlink="hlink" folHlink="folHlink"/>
+  <p:clrMap bg1="lt1" tx1="dk1" bg2="lt2" tx2="dk2" accent1="accent1" accent2="accent2" accent3="accent3" accent4="accent4" accent5="accent5" accent6="accent6" hlink="hlink" folHlink="folHlink"/>
   <p:sldLayoutIdLst>
-    <p:sldLayoutId id="2147483649" r:id="rId3"/>
-    <p:sldLayoutId id="2147483650" r:id="rId4"/>
-    <p:sldLayoutId id="2147483651" r:id="rId5"/>
-    <p:sldLayoutId id="2147483652" r:id="rId6"/>
-    <p:sldLayoutId id="2147483653" r:id="rId7"/>
-    <p:sldLayoutId id="2147483654" r:id="rId8"/>
-    <p:sldLayoutId id="2147483655" r:id="rId9"/>
-    <p:sldLayoutId id="2147483656" r:id="rId10"/>
-    <p:sldLayoutId id="2147483657" r:id="rId11"/>
-    <p:sldLayoutId id="2147483658" r:id="rId12"/>
-    <p:sldLayoutId id="2147483659" r:id="rId13"/>
-    <p:sldLayoutId id="2147483660" r:id="rId14"/>
+    <p:sldLayoutId id="2147483649" r:id="rId1"/>
+    <p:sldLayoutId id="2147483650" r:id="rId2"/>
+    <p:sldLayoutId id="2147483651" r:id="rId3"/>
+    <p:sldLayoutId id="2147483652" r:id="rId4"/>
+    <p:sldLayoutId id="2147483653" r:id="rId5"/>
+    <p:sldLayoutId id="2147483654" r:id="rId6"/>
+    <p:sldLayoutId id="2147483655" r:id="rId7"/>
+    <p:sldLayoutId id="2147483656" r:id="rId8"/>
+    <p:sldLayoutId id="2147483657" r:id="rId9"/>
+    <p:sldLayoutId id="2147483658" r:id="rId10"/>
+    <p:sldLayoutId id="2147483659" r:id="rId11"/>
+    <p:sldLayoutId id="2147483660" r:id="rId12"/>
   </p:sldLayoutIdLst>
+  <p:txStyles>
+    <p:titleStyle/>
+    <p:bodyStyle/>
+    <p:otherStyle/>
+  </p:txStyles>
 </p:sldMaster>
 </file>
 
 <file path=ppt/slideMasters/slideMaster2.xml><?xml version="1.0" encoding="utf-8"?>
-<p:sldMaster xmlns:a="http://schemas.openxmlformats.org/drawingml/2006/main" xmlns:p="http://schemas.openxmlformats.org/presentationml/2006/main" xmlns:r="http://schemas.openxmlformats.org/officeDocument/2006/relationships" xmlns:p14="http://schemas.microsoft.com/office/powerpoint/2010/main" xmlns:p15="http://schemas.microsoft.com/office/powerpoint/2012/main" xmlns:mc="http://schemas.openxmlformats.org/markup-compatibility/2006">
+<p:sldMaster xmlns:a="http://schemas.openxmlformats.org/drawingml/2006/main" xmlns:r="http://schemas.openxmlformats.org/officeDocument/2006/relationships" xmlns:p="http://schemas.openxmlformats.org/presentationml/2006/main">
   <p:cSld>
     <p:bg>
       <p:bgPr>
         <a:blipFill rotWithShape="0">
-          <a:blip r:embed="rId2"/>
+          <a:blip r:embed="rId13"/>
           <a:stretch>
             <a:fillRect/>
           </a:stretch>
         </a:blipFill>
+        <a:effectLst/>
       </p:bgPr>
     </p:bg>
     <p:spTree>
@@ -5876,19 +6118,19 @@
           </a:prstGeom>
         </p:spPr>
         <p:txBody>
-          <a:bodyPr lIns="0" rIns="0" tIns="0" bIns="0" anchor="ctr">
+          <a:bodyPr lIns="0" tIns="0" rIns="0" bIns="0" anchor="ctr">
             <a:noAutofit/>
           </a:bodyPr>
           <a:p>
             <a:pPr algn="ctr"/>
             <a:r>
-              <a:rPr b="0" lang="en-IN" sz="4400" spc="-1" strike="noStrike">
-                <a:latin typeface="Arial"/>
+              <a:rPr lang="en-IN" sz="4400" b="0" strike="noStrike" spc="-1">
+                <a:latin typeface="Arial" panose="020B0604020202090204"/>
               </a:rPr>
               <a:t>Click to edit the title text format</a:t>
             </a:r>
-            <a:endParaRPr b="0" lang="en-IN" sz="4400" spc="-1" strike="noStrike">
-              <a:latin typeface="Arial"/>
+            <a:endParaRPr lang="en-IN" sz="4400" b="0" strike="noStrike" spc="-1">
+              <a:latin typeface="Arial" panose="020B0604020202090204"/>
             </a:endParaRPr>
           </a:p>
         </p:txBody>
@@ -5913,35 +6155,35 @@
           </a:prstGeom>
         </p:spPr>
         <p:txBody>
-          <a:bodyPr lIns="0" rIns="0" tIns="0" bIns="0">
+          <a:bodyPr lIns="0" tIns="0" rIns="0" bIns="0">
             <a:normAutofit/>
           </a:bodyPr>
           <a:p>
-            <a:pPr marL="432000" indent="-324000">
+            <a:pPr marL="431800" indent="-323850">
               <a:spcBef>
-                <a:spcPts val="1417"/>
+                <a:spcPts val="1415"/>
               </a:spcBef>
               <a:buClr>
                 <a:srgbClr val="000000"/>
               </a:buClr>
               <a:buSzPct val="45000"/>
-              <a:buFont typeface="Wingdings" charset="2"/>
+              <a:buFont typeface="Wingdings" panose="05000000000000000000" pitchFamily="2" charset="2"/>
               <a:buChar char=""/>
             </a:pPr>
             <a:r>
-              <a:rPr b="0" lang="en-IN" sz="3200" spc="-1" strike="noStrike">
-                <a:latin typeface="Arial"/>
+              <a:rPr lang="en-IN" sz="3200" b="0" strike="noStrike" spc="-1">
+                <a:latin typeface="Arial" panose="020B0604020202090204"/>
               </a:rPr>
               <a:t>Click to edit the outline text format</a:t>
             </a:r>
-            <a:endParaRPr b="0" lang="en-IN" sz="3200" spc="-1" strike="noStrike">
-              <a:latin typeface="Arial"/>
-            </a:endParaRPr>
-          </a:p>
-          <a:p>
-            <a:pPr lvl="1" marL="864000" indent="-324000">
+            <a:endParaRPr lang="en-IN" sz="3200" b="0" strike="noStrike" spc="-1">
+              <a:latin typeface="Arial" panose="020B0604020202090204"/>
+            </a:endParaRPr>
+          </a:p>
+          <a:p>
+            <a:pPr marL="864235" lvl="1" indent="-323850">
               <a:spcBef>
-                <a:spcPts val="1134"/>
+                <a:spcPts val="1135"/>
               </a:spcBef>
               <a:buClr>
                 <a:srgbClr val="000000"/>
@@ -5951,17 +6193,17 @@
               <a:buChar char=""/>
             </a:pPr>
             <a:r>
-              <a:rPr b="0" lang="en-IN" sz="2800" spc="-1" strike="noStrike">
-                <a:latin typeface="Arial"/>
+              <a:rPr lang="en-IN" sz="2800" b="0" strike="noStrike" spc="-1">
+                <a:latin typeface="Arial" panose="020B0604020202090204"/>
               </a:rPr>
               <a:t>Second Outline Level</a:t>
             </a:r>
-            <a:endParaRPr b="0" lang="en-IN" sz="2800" spc="-1" strike="noStrike">
-              <a:latin typeface="Arial"/>
-            </a:endParaRPr>
-          </a:p>
-          <a:p>
-            <a:pPr lvl="2" marL="1296000" indent="-288000">
+            <a:endParaRPr lang="en-IN" sz="2800" b="0" strike="noStrike" spc="-1">
+              <a:latin typeface="Arial" panose="020B0604020202090204"/>
+            </a:endParaRPr>
+          </a:p>
+          <a:p>
+            <a:pPr marL="1296035" lvl="2" indent="-288290">
               <a:spcBef>
                 <a:spcPts val="850"/>
               </a:spcBef>
@@ -5969,23 +6211,23 @@
                 <a:srgbClr val="000000"/>
               </a:buClr>
               <a:buSzPct val="45000"/>
-              <a:buFont typeface="Wingdings" charset="2"/>
+              <a:buFont typeface="Wingdings" panose="05000000000000000000" pitchFamily="2" charset="2"/>
               <a:buChar char=""/>
             </a:pPr>
             <a:r>
-              <a:rPr b="0" lang="en-IN" sz="2400" spc="-1" strike="noStrike">
-                <a:latin typeface="Arial"/>
+              <a:rPr lang="en-IN" sz="2400" b="0" strike="noStrike" spc="-1">
+                <a:latin typeface="Arial" panose="020B0604020202090204"/>
               </a:rPr>
               <a:t>Third Outline Level</a:t>
             </a:r>
-            <a:endParaRPr b="0" lang="en-IN" sz="2400" spc="-1" strike="noStrike">
-              <a:latin typeface="Arial"/>
-            </a:endParaRPr>
-          </a:p>
-          <a:p>
-            <a:pPr lvl="3" marL="1728000" indent="-216000">
+            <a:endParaRPr lang="en-IN" sz="2400" b="0" strike="noStrike" spc="-1">
+              <a:latin typeface="Arial" panose="020B0604020202090204"/>
+            </a:endParaRPr>
+          </a:p>
+          <a:p>
+            <a:pPr marL="1727835" lvl="3" indent="-215900">
               <a:spcBef>
-                <a:spcPts val="567"/>
+                <a:spcPts val="565"/>
               </a:spcBef>
               <a:buClr>
                 <a:srgbClr val="000000"/>
@@ -5995,79 +6237,79 @@
               <a:buChar char=""/>
             </a:pPr>
             <a:r>
-              <a:rPr b="0" lang="en-IN" sz="2000" spc="-1" strike="noStrike">
-                <a:latin typeface="Arial"/>
+              <a:rPr lang="en-IN" sz="2000" b="0" strike="noStrike" spc="-1">
+                <a:latin typeface="Arial" panose="020B0604020202090204"/>
               </a:rPr>
               <a:t>Fourth Outline Level</a:t>
             </a:r>
-            <a:endParaRPr b="0" lang="en-IN" sz="2000" spc="-1" strike="noStrike">
-              <a:latin typeface="Arial"/>
-            </a:endParaRPr>
-          </a:p>
-          <a:p>
-            <a:pPr lvl="4" marL="2160000" indent="-216000">
+            <a:endParaRPr lang="en-IN" sz="2000" b="0" strike="noStrike" spc="-1">
+              <a:latin typeface="Arial" panose="020B0604020202090204"/>
+            </a:endParaRPr>
+          </a:p>
+          <a:p>
+            <a:pPr marL="2160270" lvl="4" indent="-215900">
               <a:spcBef>
-                <a:spcPts val="283"/>
+                <a:spcPts val="285"/>
               </a:spcBef>
               <a:buClr>
                 <a:srgbClr val="000000"/>
               </a:buClr>
               <a:buSzPct val="45000"/>
-              <a:buFont typeface="Wingdings" charset="2"/>
+              <a:buFont typeface="Wingdings" panose="05000000000000000000" pitchFamily="2" charset="2"/>
               <a:buChar char=""/>
             </a:pPr>
             <a:r>
-              <a:rPr b="0" lang="en-IN" sz="2000" spc="-1" strike="noStrike">
-                <a:latin typeface="Arial"/>
+              <a:rPr lang="en-IN" sz="2000" b="0" strike="noStrike" spc="-1">
+                <a:latin typeface="Arial" panose="020B0604020202090204"/>
               </a:rPr>
               <a:t>Fifth Outline Level</a:t>
             </a:r>
-            <a:endParaRPr b="0" lang="en-IN" sz="2000" spc="-1" strike="noStrike">
-              <a:latin typeface="Arial"/>
-            </a:endParaRPr>
-          </a:p>
-          <a:p>
-            <a:pPr lvl="5" marL="2592000" indent="-216000">
+            <a:endParaRPr lang="en-IN" sz="2000" b="0" strike="noStrike" spc="-1">
+              <a:latin typeface="Arial" panose="020B0604020202090204"/>
+            </a:endParaRPr>
+          </a:p>
+          <a:p>
+            <a:pPr marL="2592070" lvl="5" indent="-215900">
               <a:spcBef>
-                <a:spcPts val="283"/>
+                <a:spcPts val="285"/>
               </a:spcBef>
               <a:buClr>
                 <a:srgbClr val="000000"/>
               </a:buClr>
               <a:buSzPct val="45000"/>
-              <a:buFont typeface="Wingdings" charset="2"/>
+              <a:buFont typeface="Wingdings" panose="05000000000000000000" pitchFamily="2" charset="2"/>
               <a:buChar char=""/>
             </a:pPr>
             <a:r>
-              <a:rPr b="0" lang="en-IN" sz="2000" spc="-1" strike="noStrike">
-                <a:latin typeface="Arial"/>
+              <a:rPr lang="en-IN" sz="2000" b="0" strike="noStrike" spc="-1">
+                <a:latin typeface="Arial" panose="020B0604020202090204"/>
               </a:rPr>
               <a:t>Sixth Outline Level</a:t>
             </a:r>
-            <a:endParaRPr b="0" lang="en-IN" sz="2000" spc="-1" strike="noStrike">
-              <a:latin typeface="Arial"/>
-            </a:endParaRPr>
-          </a:p>
-          <a:p>
-            <a:pPr lvl="6" marL="3024000" indent="-216000">
+            <a:endParaRPr lang="en-IN" sz="2000" b="0" strike="noStrike" spc="-1">
+              <a:latin typeface="Arial" panose="020B0604020202090204"/>
+            </a:endParaRPr>
+          </a:p>
+          <a:p>
+            <a:pPr marL="3023870" lvl="6" indent="-215900">
               <a:spcBef>
-                <a:spcPts val="283"/>
+                <a:spcPts val="285"/>
               </a:spcBef>
               <a:buClr>
                 <a:srgbClr val="000000"/>
               </a:buClr>
               <a:buSzPct val="45000"/>
-              <a:buFont typeface="Wingdings" charset="2"/>
+              <a:buFont typeface="Wingdings" panose="05000000000000000000" pitchFamily="2" charset="2"/>
               <a:buChar char=""/>
             </a:pPr>
             <a:r>
-              <a:rPr b="0" lang="en-IN" sz="2000" spc="-1" strike="noStrike">
-                <a:latin typeface="Arial"/>
+              <a:rPr lang="en-IN" sz="2000" b="0" strike="noStrike" spc="-1">
+                <a:latin typeface="Arial" panose="020B0604020202090204"/>
               </a:rPr>
               <a:t>Seventh Outline Level</a:t>
             </a:r>
-            <a:endParaRPr b="0" lang="en-IN" sz="2000" spc="-1" strike="noStrike">
-              <a:latin typeface="Arial"/>
+            <a:endParaRPr lang="en-IN" sz="2000" b="0" strike="noStrike" spc="-1">
+              <a:latin typeface="Arial" panose="020B0604020202090204"/>
             </a:endParaRPr>
           </a:p>
         </p:txBody>
@@ -6092,18 +6334,18 @@
           </a:prstGeom>
         </p:spPr>
         <p:txBody>
-          <a:bodyPr lIns="0" rIns="0" tIns="0" bIns="0">
+          <a:bodyPr lIns="0" tIns="0" rIns="0" bIns="0">
             <a:noAutofit/>
           </a:bodyPr>
           <a:p>
             <a:r>
-              <a:rPr b="0" lang="en-IN" sz="1400" spc="-1" strike="noStrike">
-                <a:latin typeface="Arial"/>
+              <a:rPr lang="en-IN" sz="1400" b="0" strike="noStrike" spc="-1">
+                <a:latin typeface="Arial" panose="020B0604020202090204"/>
               </a:rPr>
               <a:t>&lt;date/time&gt;</a:t>
             </a:r>
-            <a:endParaRPr b="0" lang="en-IN" sz="1400" spc="-1" strike="noStrike">
-              <a:latin typeface="Arial"/>
+            <a:endParaRPr lang="en-IN" sz="1400" b="0" strike="noStrike" spc="-1">
+              <a:latin typeface="Arial" panose="020B0604020202090204"/>
             </a:endParaRPr>
           </a:p>
         </p:txBody>
@@ -6128,19 +6370,19 @@
           </a:prstGeom>
         </p:spPr>
         <p:txBody>
-          <a:bodyPr lIns="0" rIns="0" tIns="0" bIns="0">
+          <a:bodyPr lIns="0" tIns="0" rIns="0" bIns="0">
             <a:noAutofit/>
           </a:bodyPr>
           <a:p>
             <a:pPr algn="ctr"/>
             <a:r>
-              <a:rPr b="0" lang="en-IN" sz="1400" spc="-1" strike="noStrike">
-                <a:latin typeface="Arial"/>
+              <a:rPr lang="en-IN" sz="1400" b="0" strike="noStrike" spc="-1">
+                <a:latin typeface="Arial" panose="020B0604020202090204"/>
               </a:rPr>
               <a:t>&lt;footer&gt;</a:t>
             </a:r>
-            <a:endParaRPr b="0" lang="en-IN" sz="1400" spc="-1" strike="noStrike">
-              <a:latin typeface="Arial"/>
+            <a:endParaRPr lang="en-IN" sz="1400" b="0" strike="noStrike" spc="-1">
+              <a:latin typeface="Arial" panose="020B0604020202090204"/>
             </a:endParaRPr>
           </a:p>
         </p:txBody>
@@ -6165,54 +6407,59 @@
           </a:prstGeom>
         </p:spPr>
         <p:txBody>
-          <a:bodyPr lIns="0" rIns="0" tIns="0" bIns="0">
+          <a:bodyPr lIns="0" tIns="0" rIns="0" bIns="0">
             <a:noAutofit/>
           </a:bodyPr>
           <a:p>
             <a:pPr algn="r"/>
             <a:fld id="{E940A3CB-2861-45A7-9206-5AA62FD5AE55}" type="slidenum">
-              <a:rPr b="0" lang="en-IN" sz="1400" spc="-1" strike="noStrike">
-                <a:latin typeface="Arial"/>
-              </a:rPr>
-              <a:t>&lt;number&gt;</a:t>
+              <a:rPr lang="en-IN" sz="1400" b="0" strike="noStrike" spc="-1">
+                <a:latin typeface="Arial" panose="020B0604020202090204"/>
+              </a:rPr>
             </a:fld>
-            <a:endParaRPr b="0" lang="en-IN" sz="1400" spc="-1" strike="noStrike">
-              <a:latin typeface="Arial"/>
+            <a:endParaRPr lang="en-IN" sz="1400" b="0" strike="noStrike" spc="-1">
+              <a:latin typeface="Arial" panose="020B0604020202090204"/>
             </a:endParaRPr>
           </a:p>
         </p:txBody>
       </p:sp>
     </p:spTree>
   </p:cSld>
-  <p:clrMap bg1="lt1" bg2="lt2" tx1="dk1" tx2="dk2" accent1="accent1" accent2="accent2" accent3="accent3" accent4="accent4" accent5="accent5" accent6="accent6" hlink="hlink" folHlink="folHlink"/>
+  <p:clrMap bg1="lt1" tx1="dk1" bg2="lt2" tx2="dk2" accent1="accent1" accent2="accent2" accent3="accent3" accent4="accent4" accent5="accent5" accent6="accent6" hlink="hlink" folHlink="folHlink"/>
   <p:sldLayoutIdLst>
-    <p:sldLayoutId id="2147483662" r:id="rId3"/>
-    <p:sldLayoutId id="2147483663" r:id="rId4"/>
-    <p:sldLayoutId id="2147483664" r:id="rId5"/>
-    <p:sldLayoutId id="2147483665" r:id="rId6"/>
-    <p:sldLayoutId id="2147483666" r:id="rId7"/>
-    <p:sldLayoutId id="2147483667" r:id="rId8"/>
-    <p:sldLayoutId id="2147483668" r:id="rId9"/>
-    <p:sldLayoutId id="2147483669" r:id="rId10"/>
-    <p:sldLayoutId id="2147483670" r:id="rId11"/>
-    <p:sldLayoutId id="2147483671" r:id="rId12"/>
-    <p:sldLayoutId id="2147483672" r:id="rId13"/>
-    <p:sldLayoutId id="2147483673" r:id="rId14"/>
+    <p:sldLayoutId id="2147483662" r:id="rId1"/>
+    <p:sldLayoutId id="2147483663" r:id="rId2"/>
+    <p:sldLayoutId id="2147483664" r:id="rId3"/>
+    <p:sldLayoutId id="2147483665" r:id="rId4"/>
+    <p:sldLayoutId id="2147483666" r:id="rId5"/>
+    <p:sldLayoutId id="2147483667" r:id="rId6"/>
+    <p:sldLayoutId id="2147483668" r:id="rId7"/>
+    <p:sldLayoutId id="2147483669" r:id="rId8"/>
+    <p:sldLayoutId id="2147483670" r:id="rId9"/>
+    <p:sldLayoutId id="2147483671" r:id="rId10"/>
+    <p:sldLayoutId id="2147483672" r:id="rId11"/>
+    <p:sldLayoutId id="2147483673" r:id="rId12"/>
   </p:sldLayoutIdLst>
+  <p:txStyles>
+    <p:titleStyle/>
+    <p:bodyStyle/>
+    <p:otherStyle/>
+  </p:txStyles>
 </p:sldMaster>
 </file>
 
 <file path=ppt/slideMasters/slideMaster3.xml><?xml version="1.0" encoding="utf-8"?>
-<p:sldMaster xmlns:a="http://schemas.openxmlformats.org/drawingml/2006/main" xmlns:p="http://schemas.openxmlformats.org/presentationml/2006/main" xmlns:r="http://schemas.openxmlformats.org/officeDocument/2006/relationships" xmlns:p14="http://schemas.microsoft.com/office/powerpoint/2010/main" xmlns:p15="http://schemas.microsoft.com/office/powerpoint/2012/main" xmlns:mc="http://schemas.openxmlformats.org/markup-compatibility/2006">
+<p:sldMaster xmlns:a="http://schemas.openxmlformats.org/drawingml/2006/main" xmlns:r="http://schemas.openxmlformats.org/officeDocument/2006/relationships" xmlns:p="http://schemas.openxmlformats.org/presentationml/2006/main">
   <p:cSld>
     <p:bg>
       <p:bgPr>
         <a:blipFill rotWithShape="0">
-          <a:blip r:embed="rId2"/>
+          <a:blip r:embed="rId13"/>
           <a:stretch>
             <a:fillRect/>
           </a:stretch>
         </a:blipFill>
+        <a:effectLst/>
       </p:bgPr>
     </p:bg>
     <p:spTree>
@@ -6249,19 +6496,19 @@
           </a:prstGeom>
         </p:spPr>
         <p:txBody>
-          <a:bodyPr lIns="0" rIns="0" tIns="0" bIns="0" anchor="ctr">
+          <a:bodyPr lIns="0" tIns="0" rIns="0" bIns="0" anchor="ctr">
             <a:noAutofit/>
           </a:bodyPr>
           <a:p>
             <a:pPr algn="ctr"/>
             <a:r>
-              <a:rPr b="0" lang="en-IN" sz="4400" spc="-1" strike="noStrike">
-                <a:latin typeface="Arial"/>
+              <a:rPr lang="en-IN" sz="4400" b="0" strike="noStrike" spc="-1">
+                <a:latin typeface="Arial" panose="020B0604020202090204"/>
               </a:rPr>
               <a:t>Click to edit the title text format</a:t>
             </a:r>
-            <a:endParaRPr b="0" lang="en-IN" sz="4400" spc="-1" strike="noStrike">
-              <a:latin typeface="Arial"/>
+            <a:endParaRPr lang="en-IN" sz="4400" b="0" strike="noStrike" spc="-1">
+              <a:latin typeface="Arial" panose="020B0604020202090204"/>
             </a:endParaRPr>
           </a:p>
         </p:txBody>
@@ -6286,35 +6533,35 @@
           </a:prstGeom>
         </p:spPr>
         <p:txBody>
-          <a:bodyPr lIns="0" rIns="0" tIns="0" bIns="0">
+          <a:bodyPr lIns="0" tIns="0" rIns="0" bIns="0">
             <a:normAutofit/>
           </a:bodyPr>
           <a:p>
-            <a:pPr marL="432000" indent="-324000">
+            <a:pPr marL="431800" indent="-323850">
               <a:spcBef>
-                <a:spcPts val="1417"/>
+                <a:spcPts val="1415"/>
               </a:spcBef>
               <a:buClr>
                 <a:srgbClr val="000000"/>
               </a:buClr>
               <a:buSzPct val="45000"/>
-              <a:buFont typeface="Wingdings" charset="2"/>
+              <a:buFont typeface="Wingdings" panose="05000000000000000000" pitchFamily="2" charset="2"/>
               <a:buChar char=""/>
             </a:pPr>
             <a:r>
-              <a:rPr b="0" lang="en-IN" sz="3200" spc="-1" strike="noStrike">
-                <a:latin typeface="Arial"/>
+              <a:rPr lang="en-IN" sz="3200" b="0" strike="noStrike" spc="-1">
+                <a:latin typeface="Arial" panose="020B0604020202090204"/>
               </a:rPr>
               <a:t>Click to edit the outline text format</a:t>
             </a:r>
-            <a:endParaRPr b="0" lang="en-IN" sz="3200" spc="-1" strike="noStrike">
-              <a:latin typeface="Arial"/>
-            </a:endParaRPr>
-          </a:p>
-          <a:p>
-            <a:pPr lvl="1" marL="864000" indent="-324000">
+            <a:endParaRPr lang="en-IN" sz="3200" b="0" strike="noStrike" spc="-1">
+              <a:latin typeface="Arial" panose="020B0604020202090204"/>
+            </a:endParaRPr>
+          </a:p>
+          <a:p>
+            <a:pPr marL="864235" lvl="1" indent="-323850">
               <a:spcBef>
-                <a:spcPts val="1134"/>
+                <a:spcPts val="1135"/>
               </a:spcBef>
               <a:buClr>
                 <a:srgbClr val="000000"/>
@@ -6324,17 +6571,17 @@
               <a:buChar char=""/>
             </a:pPr>
             <a:r>
-              <a:rPr b="0" lang="en-IN" sz="2800" spc="-1" strike="noStrike">
-                <a:latin typeface="Arial"/>
+              <a:rPr lang="en-IN" sz="2800" b="0" strike="noStrike" spc="-1">
+                <a:latin typeface="Arial" panose="020B0604020202090204"/>
               </a:rPr>
               <a:t>Second Outline Level</a:t>
             </a:r>
-            <a:endParaRPr b="0" lang="en-IN" sz="2800" spc="-1" strike="noStrike">
-              <a:latin typeface="Arial"/>
-            </a:endParaRPr>
-          </a:p>
-          <a:p>
-            <a:pPr lvl="2" marL="1296000" indent="-288000">
+            <a:endParaRPr lang="en-IN" sz="2800" b="0" strike="noStrike" spc="-1">
+              <a:latin typeface="Arial" panose="020B0604020202090204"/>
+            </a:endParaRPr>
+          </a:p>
+          <a:p>
+            <a:pPr marL="1296035" lvl="2" indent="-288290">
               <a:spcBef>
                 <a:spcPts val="850"/>
               </a:spcBef>
@@ -6342,23 +6589,23 @@
                 <a:srgbClr val="000000"/>
               </a:buClr>
               <a:buSzPct val="45000"/>
-              <a:buFont typeface="Wingdings" charset="2"/>
+              <a:buFont typeface="Wingdings" panose="05000000000000000000" pitchFamily="2" charset="2"/>
               <a:buChar char=""/>
             </a:pPr>
             <a:r>
-              <a:rPr b="0" lang="en-IN" sz="2400" spc="-1" strike="noStrike">
-                <a:latin typeface="Arial"/>
+              <a:rPr lang="en-IN" sz="2400" b="0" strike="noStrike" spc="-1">
+                <a:latin typeface="Arial" panose="020B0604020202090204"/>
               </a:rPr>
               <a:t>Third Outline Level</a:t>
             </a:r>
-            <a:endParaRPr b="0" lang="en-IN" sz="2400" spc="-1" strike="noStrike">
-              <a:latin typeface="Arial"/>
-            </a:endParaRPr>
-          </a:p>
-          <a:p>
-            <a:pPr lvl="3" marL="1728000" indent="-216000">
+            <a:endParaRPr lang="en-IN" sz="2400" b="0" strike="noStrike" spc="-1">
+              <a:latin typeface="Arial" panose="020B0604020202090204"/>
+            </a:endParaRPr>
+          </a:p>
+          <a:p>
+            <a:pPr marL="1727835" lvl="3" indent="-215900">
               <a:spcBef>
-                <a:spcPts val="567"/>
+                <a:spcPts val="565"/>
               </a:spcBef>
               <a:buClr>
                 <a:srgbClr val="000000"/>
@@ -6368,79 +6615,79 @@
               <a:buChar char=""/>
             </a:pPr>
             <a:r>
-              <a:rPr b="0" lang="en-IN" sz="2000" spc="-1" strike="noStrike">
-                <a:latin typeface="Arial"/>
+              <a:rPr lang="en-IN" sz="2000" b="0" strike="noStrike" spc="-1">
+                <a:latin typeface="Arial" panose="020B0604020202090204"/>
               </a:rPr>
               <a:t>Fourth Outline Level</a:t>
             </a:r>
-            <a:endParaRPr b="0" lang="en-IN" sz="2000" spc="-1" strike="noStrike">
-              <a:latin typeface="Arial"/>
-            </a:endParaRPr>
-          </a:p>
-          <a:p>
-            <a:pPr lvl="4" marL="2160000" indent="-216000">
+            <a:endParaRPr lang="en-IN" sz="2000" b="0" strike="noStrike" spc="-1">
+              <a:latin typeface="Arial" panose="020B0604020202090204"/>
+            </a:endParaRPr>
+          </a:p>
+          <a:p>
+            <a:pPr marL="2160270" lvl="4" indent="-215900">
               <a:spcBef>
-                <a:spcPts val="283"/>
+                <a:spcPts val="285"/>
               </a:spcBef>
               <a:buClr>
                 <a:srgbClr val="000000"/>
               </a:buClr>
               <a:buSzPct val="45000"/>
-              <a:buFont typeface="Wingdings" charset="2"/>
+              <a:buFont typeface="Wingdings" panose="05000000000000000000" pitchFamily="2" charset="2"/>
               <a:buChar char=""/>
             </a:pPr>
             <a:r>
-              <a:rPr b="0" lang="en-IN" sz="2000" spc="-1" strike="noStrike">
-                <a:latin typeface="Arial"/>
+              <a:rPr lang="en-IN" sz="2000" b="0" strike="noStrike" spc="-1">
+                <a:latin typeface="Arial" panose="020B0604020202090204"/>
               </a:rPr>
               <a:t>Fifth Outline Level</a:t>
             </a:r>
-            <a:endParaRPr b="0" lang="en-IN" sz="2000" spc="-1" strike="noStrike">
-              <a:latin typeface="Arial"/>
-            </a:endParaRPr>
-          </a:p>
-          <a:p>
-            <a:pPr lvl="5" marL="2592000" indent="-216000">
+            <a:endParaRPr lang="en-IN" sz="2000" b="0" strike="noStrike" spc="-1">
+              <a:latin typeface="Arial" panose="020B0604020202090204"/>
+            </a:endParaRPr>
+          </a:p>
+          <a:p>
+            <a:pPr marL="2592070" lvl="5" indent="-215900">
               <a:spcBef>
-                <a:spcPts val="283"/>
+                <a:spcPts val="285"/>
               </a:spcBef>
               <a:buClr>
                 <a:srgbClr val="000000"/>
               </a:buClr>
               <a:buSzPct val="45000"/>
-              <a:buFont typeface="Wingdings" charset="2"/>
+              <a:buFont typeface="Wingdings" panose="05000000000000000000" pitchFamily="2" charset="2"/>
               <a:buChar char=""/>
             </a:pPr>
             <a:r>
-              <a:rPr b="0" lang="en-IN" sz="2000" spc="-1" strike="noStrike">
-                <a:latin typeface="Arial"/>
+              <a:rPr lang="en-IN" sz="2000" b="0" strike="noStrike" spc="-1">
+                <a:latin typeface="Arial" panose="020B0604020202090204"/>
               </a:rPr>
               <a:t>Sixth Outline Level</a:t>
             </a:r>
-            <a:endParaRPr b="0" lang="en-IN" sz="2000" spc="-1" strike="noStrike">
-              <a:latin typeface="Arial"/>
-            </a:endParaRPr>
-          </a:p>
-          <a:p>
-            <a:pPr lvl="6" marL="3024000" indent="-216000">
+            <a:endParaRPr lang="en-IN" sz="2000" b="0" strike="noStrike" spc="-1">
+              <a:latin typeface="Arial" panose="020B0604020202090204"/>
+            </a:endParaRPr>
+          </a:p>
+          <a:p>
+            <a:pPr marL="3023870" lvl="6" indent="-215900">
               <a:spcBef>
-                <a:spcPts val="283"/>
+                <a:spcPts val="285"/>
               </a:spcBef>
               <a:buClr>
                 <a:srgbClr val="000000"/>
               </a:buClr>
               <a:buSzPct val="45000"/>
-              <a:buFont typeface="Wingdings" charset="2"/>
+              <a:buFont typeface="Wingdings" panose="05000000000000000000" pitchFamily="2" charset="2"/>
               <a:buChar char=""/>
             </a:pPr>
             <a:r>
-              <a:rPr b="0" lang="en-IN" sz="2000" spc="-1" strike="noStrike">
-                <a:latin typeface="Arial"/>
+              <a:rPr lang="en-IN" sz="2000" b="0" strike="noStrike" spc="-1">
+                <a:latin typeface="Arial" panose="020B0604020202090204"/>
               </a:rPr>
               <a:t>Seventh Outline Level</a:t>
             </a:r>
-            <a:endParaRPr b="0" lang="en-IN" sz="2000" spc="-1" strike="noStrike">
-              <a:latin typeface="Arial"/>
+            <a:endParaRPr lang="en-IN" sz="2000" b="0" strike="noStrike" spc="-1">
+              <a:latin typeface="Arial" panose="020B0604020202090204"/>
             </a:endParaRPr>
           </a:p>
         </p:txBody>
@@ -6465,18 +6712,18 @@
           </a:prstGeom>
         </p:spPr>
         <p:txBody>
-          <a:bodyPr lIns="0" rIns="0" tIns="0" bIns="0">
+          <a:bodyPr lIns="0" tIns="0" rIns="0" bIns="0">
             <a:noAutofit/>
           </a:bodyPr>
           <a:p>
             <a:r>
-              <a:rPr b="0" lang="en-IN" sz="1400" spc="-1" strike="noStrike">
-                <a:latin typeface="Arial"/>
+              <a:rPr lang="en-IN" sz="1400" b="0" strike="noStrike" spc="-1">
+                <a:latin typeface="Arial" panose="020B0604020202090204"/>
               </a:rPr>
               <a:t>&lt;date/time&gt;</a:t>
             </a:r>
-            <a:endParaRPr b="0" lang="en-IN" sz="1400" spc="-1" strike="noStrike">
-              <a:latin typeface="Arial"/>
+            <a:endParaRPr lang="en-IN" sz="1400" b="0" strike="noStrike" spc="-1">
+              <a:latin typeface="Arial" panose="020B0604020202090204"/>
             </a:endParaRPr>
           </a:p>
         </p:txBody>
@@ -6501,19 +6748,19 @@
           </a:prstGeom>
         </p:spPr>
         <p:txBody>
-          <a:bodyPr lIns="0" rIns="0" tIns="0" bIns="0">
+          <a:bodyPr lIns="0" tIns="0" rIns="0" bIns="0">
             <a:noAutofit/>
           </a:bodyPr>
           <a:p>
             <a:pPr algn="ctr"/>
             <a:r>
-              <a:rPr b="0" lang="en-IN" sz="1400" spc="-1" strike="noStrike">
-                <a:latin typeface="Arial"/>
+              <a:rPr lang="en-IN" sz="1400" b="0" strike="noStrike" spc="-1">
+                <a:latin typeface="Arial" panose="020B0604020202090204"/>
               </a:rPr>
               <a:t>&lt;footer&gt;</a:t>
             </a:r>
-            <a:endParaRPr b="0" lang="en-IN" sz="1400" spc="-1" strike="noStrike">
-              <a:latin typeface="Arial"/>
+            <a:endParaRPr lang="en-IN" sz="1400" b="0" strike="noStrike" spc="-1">
+              <a:latin typeface="Arial" panose="020B0604020202090204"/>
             </a:endParaRPr>
           </a:p>
         </p:txBody>
@@ -6538,54 +6785,59 @@
           </a:prstGeom>
         </p:spPr>
         <p:txBody>
-          <a:bodyPr lIns="0" rIns="0" tIns="0" bIns="0">
+          <a:bodyPr lIns="0" tIns="0" rIns="0" bIns="0">
             <a:noAutofit/>
           </a:bodyPr>
           <a:p>
             <a:pPr algn="r"/>
             <a:fld id="{0EDF0B2E-A985-4D28-8D58-002F224BB9EB}" type="slidenum">
-              <a:rPr b="0" lang="en-IN" sz="1400" spc="-1" strike="noStrike">
-                <a:latin typeface="Arial"/>
-              </a:rPr>
-              <a:t>&lt;number&gt;</a:t>
+              <a:rPr lang="en-IN" sz="1400" b="0" strike="noStrike" spc="-1">
+                <a:latin typeface="Arial" panose="020B0604020202090204"/>
+              </a:rPr>
             </a:fld>
-            <a:endParaRPr b="0" lang="en-IN" sz="1400" spc="-1" strike="noStrike">
-              <a:latin typeface="Arial"/>
+            <a:endParaRPr lang="en-IN" sz="1400" b="0" strike="noStrike" spc="-1">
+              <a:latin typeface="Arial" panose="020B0604020202090204"/>
             </a:endParaRPr>
           </a:p>
         </p:txBody>
       </p:sp>
     </p:spTree>
   </p:cSld>
-  <p:clrMap bg1="lt1" bg2="lt2" tx1="dk1" tx2="dk2" accent1="accent1" accent2="accent2" accent3="accent3" accent4="accent4" accent5="accent5" accent6="accent6" hlink="hlink" folHlink="folHlink"/>
+  <p:clrMap bg1="lt1" tx1="dk1" bg2="lt2" tx2="dk2" accent1="accent1" accent2="accent2" accent3="accent3" accent4="accent4" accent5="accent5" accent6="accent6" hlink="hlink" folHlink="folHlink"/>
   <p:sldLayoutIdLst>
-    <p:sldLayoutId id="2147483675" r:id="rId3"/>
-    <p:sldLayoutId id="2147483676" r:id="rId4"/>
-    <p:sldLayoutId id="2147483677" r:id="rId5"/>
-    <p:sldLayoutId id="2147483678" r:id="rId6"/>
-    <p:sldLayoutId id="2147483679" r:id="rId7"/>
-    <p:sldLayoutId id="2147483680" r:id="rId8"/>
-    <p:sldLayoutId id="2147483681" r:id="rId9"/>
-    <p:sldLayoutId id="2147483682" r:id="rId10"/>
-    <p:sldLayoutId id="2147483683" r:id="rId11"/>
-    <p:sldLayoutId id="2147483684" r:id="rId12"/>
-    <p:sldLayoutId id="2147483685" r:id="rId13"/>
-    <p:sldLayoutId id="2147483686" r:id="rId14"/>
+    <p:sldLayoutId id="2147483675" r:id="rId1"/>
+    <p:sldLayoutId id="2147483676" r:id="rId2"/>
+    <p:sldLayoutId id="2147483677" r:id="rId3"/>
+    <p:sldLayoutId id="2147483678" r:id="rId4"/>
+    <p:sldLayoutId id="2147483679" r:id="rId5"/>
+    <p:sldLayoutId id="2147483680" r:id="rId6"/>
+    <p:sldLayoutId id="2147483681" r:id="rId7"/>
+    <p:sldLayoutId id="2147483682" r:id="rId8"/>
+    <p:sldLayoutId id="2147483683" r:id="rId9"/>
+    <p:sldLayoutId id="2147483684" r:id="rId10"/>
+    <p:sldLayoutId id="2147483685" r:id="rId11"/>
+    <p:sldLayoutId id="2147483686" r:id="rId12"/>
   </p:sldLayoutIdLst>
+  <p:txStyles>
+    <p:titleStyle/>
+    <p:bodyStyle/>
+    <p:otherStyle/>
+  </p:txStyles>
 </p:sldMaster>
 </file>
 
 <file path=ppt/slideMasters/slideMaster4.xml><?xml version="1.0" encoding="utf-8"?>
-<p:sldMaster xmlns:a="http://schemas.openxmlformats.org/drawingml/2006/main" xmlns:p="http://schemas.openxmlformats.org/presentationml/2006/main" xmlns:r="http://schemas.openxmlformats.org/officeDocument/2006/relationships" xmlns:p14="http://schemas.microsoft.com/office/powerpoint/2010/main" xmlns:p15="http://schemas.microsoft.com/office/powerpoint/2012/main" xmlns:mc="http://schemas.openxmlformats.org/markup-compatibility/2006">
+<p:sldMaster xmlns:a="http://schemas.openxmlformats.org/drawingml/2006/main" xmlns:r="http://schemas.openxmlformats.org/officeDocument/2006/relationships" xmlns:p="http://schemas.openxmlformats.org/presentationml/2006/main">
   <p:cSld>
     <p:bg>
       <p:bgPr>
         <a:blipFill rotWithShape="0">
-          <a:blip r:embed="rId2"/>
+          <a:blip r:embed="rId13"/>
           <a:stretch>
             <a:fillRect/>
           </a:stretch>
         </a:blipFill>
+        <a:effectLst/>
       </p:bgPr>
     </p:bg>
     <p:spTree>
@@ -6622,19 +6874,19 @@
           </a:prstGeom>
         </p:spPr>
         <p:txBody>
-          <a:bodyPr lIns="0" rIns="0" tIns="0" bIns="0" anchor="ctr">
+          <a:bodyPr lIns="0" tIns="0" rIns="0" bIns="0" anchor="ctr">
             <a:noAutofit/>
           </a:bodyPr>
           <a:p>
             <a:pPr algn="ctr"/>
             <a:r>
-              <a:rPr b="0" lang="en-IN" sz="4400" spc="-1" strike="noStrike">
-                <a:latin typeface="Arial"/>
+              <a:rPr lang="en-IN" sz="4400" b="0" strike="noStrike" spc="-1">
+                <a:latin typeface="Arial" panose="020B0604020202090204"/>
               </a:rPr>
               <a:t>Click to edit the title text format</a:t>
             </a:r>
-            <a:endParaRPr b="0" lang="en-IN" sz="4400" spc="-1" strike="noStrike">
-              <a:latin typeface="Arial"/>
+            <a:endParaRPr lang="en-IN" sz="4400" b="0" strike="noStrike" spc="-1">
+              <a:latin typeface="Arial" panose="020B0604020202090204"/>
             </a:endParaRPr>
           </a:p>
         </p:txBody>
@@ -6659,35 +6911,35 @@
           </a:prstGeom>
         </p:spPr>
         <p:txBody>
-          <a:bodyPr lIns="0" rIns="0" tIns="0" bIns="0">
+          <a:bodyPr lIns="0" tIns="0" rIns="0" bIns="0">
             <a:normAutofit/>
           </a:bodyPr>
           <a:p>
-            <a:pPr marL="432000" indent="-324000">
+            <a:pPr marL="431800" indent="-323850">
               <a:spcBef>
-                <a:spcPts val="1417"/>
+                <a:spcPts val="1415"/>
               </a:spcBef>
               <a:buClr>
                 <a:srgbClr val="000000"/>
               </a:buClr>
               <a:buSzPct val="45000"/>
-              <a:buFont typeface="Wingdings" charset="2"/>
+              <a:buFont typeface="Wingdings" panose="05000000000000000000" pitchFamily="2" charset="2"/>
               <a:buChar char=""/>
             </a:pPr>
             <a:r>
-              <a:rPr b="0" lang="en-IN" sz="3200" spc="-1" strike="noStrike">
-                <a:latin typeface="Arial"/>
+              <a:rPr lang="en-IN" sz="3200" b="0" strike="noStrike" spc="-1">
+                <a:latin typeface="Arial" panose="020B0604020202090204"/>
               </a:rPr>
               <a:t>Click to edit the outline text format</a:t>
             </a:r>
-            <a:endParaRPr b="0" lang="en-IN" sz="3200" spc="-1" strike="noStrike">
-              <a:latin typeface="Arial"/>
-            </a:endParaRPr>
-          </a:p>
-          <a:p>
-            <a:pPr lvl="1" marL="864000" indent="-324000">
+            <a:endParaRPr lang="en-IN" sz="3200" b="0" strike="noStrike" spc="-1">
+              <a:latin typeface="Arial" panose="020B0604020202090204"/>
+            </a:endParaRPr>
+          </a:p>
+          <a:p>
+            <a:pPr marL="864235" lvl="1" indent="-323850">
               <a:spcBef>
-                <a:spcPts val="1134"/>
+                <a:spcPts val="1135"/>
               </a:spcBef>
               <a:buClr>
                 <a:srgbClr val="000000"/>
@@ -6697,17 +6949,17 @@
               <a:buChar char=""/>
             </a:pPr>
             <a:r>
-              <a:rPr b="0" lang="en-IN" sz="2800" spc="-1" strike="noStrike">
-                <a:latin typeface="Arial"/>
+              <a:rPr lang="en-IN" sz="2800" b="0" strike="noStrike" spc="-1">
+                <a:latin typeface="Arial" panose="020B0604020202090204"/>
               </a:rPr>
               <a:t>Second Outline Level</a:t>
             </a:r>
-            <a:endParaRPr b="0" lang="en-IN" sz="2800" spc="-1" strike="noStrike">
-              <a:latin typeface="Arial"/>
-            </a:endParaRPr>
-          </a:p>
-          <a:p>
-            <a:pPr lvl="2" marL="1296000" indent="-288000">
+            <a:endParaRPr lang="en-IN" sz="2800" b="0" strike="noStrike" spc="-1">
+              <a:latin typeface="Arial" panose="020B0604020202090204"/>
+            </a:endParaRPr>
+          </a:p>
+          <a:p>
+            <a:pPr marL="1296035" lvl="2" indent="-288290">
               <a:spcBef>
                 <a:spcPts val="850"/>
               </a:spcBef>
@@ -6715,23 +6967,23 @@
                 <a:srgbClr val="000000"/>
               </a:buClr>
               <a:buSzPct val="45000"/>
-              <a:buFont typeface="Wingdings" charset="2"/>
+              <a:buFont typeface="Wingdings" panose="05000000000000000000" pitchFamily="2" charset="2"/>
               <a:buChar char=""/>
             </a:pPr>
             <a:r>
-              <a:rPr b="0" lang="en-IN" sz="2400" spc="-1" strike="noStrike">
-                <a:latin typeface="Arial"/>
+              <a:rPr lang="en-IN" sz="2400" b="0" strike="noStrike" spc="-1">
+                <a:latin typeface="Arial" panose="020B0604020202090204"/>
               </a:rPr>
               <a:t>Third Outline Level</a:t>
             </a:r>
-            <a:endParaRPr b="0" lang="en-IN" sz="2400" spc="-1" strike="noStrike">
-              <a:latin typeface="Arial"/>
-            </a:endParaRPr>
-          </a:p>
-          <a:p>
-            <a:pPr lvl="3" marL="1728000" indent="-216000">
+            <a:endParaRPr lang="en-IN" sz="2400" b="0" strike="noStrike" spc="-1">
+              <a:latin typeface="Arial" panose="020B0604020202090204"/>
+            </a:endParaRPr>
+          </a:p>
+          <a:p>
+            <a:pPr marL="1727835" lvl="3" indent="-215900">
               <a:spcBef>
-                <a:spcPts val="567"/>
+                <a:spcPts val="565"/>
               </a:spcBef>
               <a:buClr>
                 <a:srgbClr val="000000"/>
@@ -6741,79 +6993,79 @@
               <a:buChar char=""/>
             </a:pPr>
             <a:r>
-              <a:rPr b="0" lang="en-IN" sz="2000" spc="-1" strike="noStrike">
-                <a:latin typeface="Arial"/>
+              <a:rPr lang="en-IN" sz="2000" b="0" strike="noStrike" spc="-1">
+                <a:latin typeface="Arial" panose="020B0604020202090204"/>
               </a:rPr>
               <a:t>Fourth Outline Level</a:t>
             </a:r>
-            <a:endParaRPr b="0" lang="en-IN" sz="2000" spc="-1" strike="noStrike">
-              <a:latin typeface="Arial"/>
-            </a:endParaRPr>
-          </a:p>
-          <a:p>
-            <a:pPr lvl="4" marL="2160000" indent="-216000">
+            <a:endParaRPr lang="en-IN" sz="2000" b="0" strike="noStrike" spc="-1">
+              <a:latin typeface="Arial" panose="020B0604020202090204"/>
+            </a:endParaRPr>
+          </a:p>
+          <a:p>
+            <a:pPr marL="2160270" lvl="4" indent="-215900">
               <a:spcBef>
-                <a:spcPts val="283"/>
+                <a:spcPts val="285"/>
               </a:spcBef>
               <a:buClr>
                 <a:srgbClr val="000000"/>
               </a:buClr>
               <a:buSzPct val="45000"/>
-              <a:buFont typeface="Wingdings" charset="2"/>
+              <a:buFont typeface="Wingdings" panose="05000000000000000000" pitchFamily="2" charset="2"/>
               <a:buChar char=""/>
             </a:pPr>
             <a:r>
-              <a:rPr b="0" lang="en-IN" sz="2000" spc="-1" strike="noStrike">
-                <a:latin typeface="Arial"/>
+              <a:rPr lang="en-IN" sz="2000" b="0" strike="noStrike" spc="-1">
+                <a:latin typeface="Arial" panose="020B0604020202090204"/>
               </a:rPr>
               <a:t>Fifth Outline Level</a:t>
             </a:r>
-            <a:endParaRPr b="0" lang="en-IN" sz="2000" spc="-1" strike="noStrike">
-              <a:latin typeface="Arial"/>
-            </a:endParaRPr>
-          </a:p>
-          <a:p>
-            <a:pPr lvl="5" marL="2592000" indent="-216000">
+            <a:endParaRPr lang="en-IN" sz="2000" b="0" strike="noStrike" spc="-1">
+              <a:latin typeface="Arial" panose="020B0604020202090204"/>
+            </a:endParaRPr>
+          </a:p>
+          <a:p>
+            <a:pPr marL="2592070" lvl="5" indent="-215900">
               <a:spcBef>
-                <a:spcPts val="283"/>
+                <a:spcPts val="285"/>
               </a:spcBef>
               <a:buClr>
                 <a:srgbClr val="000000"/>
               </a:buClr>
               <a:buSzPct val="45000"/>
-              <a:buFont typeface="Wingdings" charset="2"/>
+              <a:buFont typeface="Wingdings" panose="05000000000000000000" pitchFamily="2" charset="2"/>
               <a:buChar char=""/>
             </a:pPr>
             <a:r>
-              <a:rPr b="0" lang="en-IN" sz="2000" spc="-1" strike="noStrike">
-                <a:latin typeface="Arial"/>
+              <a:rPr lang="en-IN" sz="2000" b="0" strike="noStrike" spc="-1">
+                <a:latin typeface="Arial" panose="020B0604020202090204"/>
               </a:rPr>
               <a:t>Sixth Outline Level</a:t>
             </a:r>
-            <a:endParaRPr b="0" lang="en-IN" sz="2000" spc="-1" strike="noStrike">
-              <a:latin typeface="Arial"/>
-            </a:endParaRPr>
-          </a:p>
-          <a:p>
-            <a:pPr lvl="6" marL="3024000" indent="-216000">
+            <a:endParaRPr lang="en-IN" sz="2000" b="0" strike="noStrike" spc="-1">
+              <a:latin typeface="Arial" panose="020B0604020202090204"/>
+            </a:endParaRPr>
+          </a:p>
+          <a:p>
+            <a:pPr marL="3023870" lvl="6" indent="-215900">
               <a:spcBef>
-                <a:spcPts val="283"/>
+                <a:spcPts val="285"/>
               </a:spcBef>
               <a:buClr>
                 <a:srgbClr val="000000"/>
               </a:buClr>
               <a:buSzPct val="45000"/>
-              <a:buFont typeface="Wingdings" charset="2"/>
+              <a:buFont typeface="Wingdings" panose="05000000000000000000" pitchFamily="2" charset="2"/>
               <a:buChar char=""/>
             </a:pPr>
             <a:r>
-              <a:rPr b="0" lang="en-IN" sz="2000" spc="-1" strike="noStrike">
-                <a:latin typeface="Arial"/>
+              <a:rPr lang="en-IN" sz="2000" b="0" strike="noStrike" spc="-1">
+                <a:latin typeface="Arial" panose="020B0604020202090204"/>
               </a:rPr>
               <a:t>Seventh Outline Level</a:t>
             </a:r>
-            <a:endParaRPr b="0" lang="en-IN" sz="2000" spc="-1" strike="noStrike">
-              <a:latin typeface="Arial"/>
+            <a:endParaRPr lang="en-IN" sz="2000" b="0" strike="noStrike" spc="-1">
+              <a:latin typeface="Arial" panose="020B0604020202090204"/>
             </a:endParaRPr>
           </a:p>
         </p:txBody>
@@ -6838,18 +7090,18 @@
           </a:prstGeom>
         </p:spPr>
         <p:txBody>
-          <a:bodyPr lIns="0" rIns="0" tIns="0" bIns="0">
+          <a:bodyPr lIns="0" tIns="0" rIns="0" bIns="0">
             <a:noAutofit/>
           </a:bodyPr>
           <a:p>
             <a:r>
-              <a:rPr b="0" lang="en-IN" sz="1400" spc="-1" strike="noStrike">
-                <a:latin typeface="Arial"/>
+              <a:rPr lang="en-IN" sz="1400" b="0" strike="noStrike" spc="-1">
+                <a:latin typeface="Arial" panose="020B0604020202090204"/>
               </a:rPr>
               <a:t>&lt;date/time&gt;</a:t>
             </a:r>
-            <a:endParaRPr b="0" lang="en-IN" sz="1400" spc="-1" strike="noStrike">
-              <a:latin typeface="Arial"/>
+            <a:endParaRPr lang="en-IN" sz="1400" b="0" strike="noStrike" spc="-1">
+              <a:latin typeface="Arial" panose="020B0604020202090204"/>
             </a:endParaRPr>
           </a:p>
         </p:txBody>
@@ -6874,19 +7126,19 @@
           </a:prstGeom>
         </p:spPr>
         <p:txBody>
-          <a:bodyPr lIns="0" rIns="0" tIns="0" bIns="0">
+          <a:bodyPr lIns="0" tIns="0" rIns="0" bIns="0">
             <a:noAutofit/>
           </a:bodyPr>
           <a:p>
             <a:pPr algn="ctr"/>
             <a:r>
-              <a:rPr b="0" lang="en-IN" sz="1400" spc="-1" strike="noStrike">
-                <a:latin typeface="Arial"/>
+              <a:rPr lang="en-IN" sz="1400" b="0" strike="noStrike" spc="-1">
+                <a:latin typeface="Arial" panose="020B0604020202090204"/>
               </a:rPr>
               <a:t>&lt;footer&gt;</a:t>
             </a:r>
-            <a:endParaRPr b="0" lang="en-IN" sz="1400" spc="-1" strike="noStrike">
-              <a:latin typeface="Arial"/>
+            <a:endParaRPr lang="en-IN" sz="1400" b="0" strike="noStrike" spc="-1">
+              <a:latin typeface="Arial" panose="020B0604020202090204"/>
             </a:endParaRPr>
           </a:p>
         </p:txBody>
@@ -6911,45 +7163,49 @@
           </a:prstGeom>
         </p:spPr>
         <p:txBody>
-          <a:bodyPr lIns="0" rIns="0" tIns="0" bIns="0">
+          <a:bodyPr lIns="0" tIns="0" rIns="0" bIns="0">
             <a:noAutofit/>
           </a:bodyPr>
           <a:p>
             <a:pPr algn="r"/>
             <a:fld id="{D5F83EA8-44F2-4029-AC13-0D066E3DFB6D}" type="slidenum">
-              <a:rPr b="0" lang="en-IN" sz="1400" spc="-1" strike="noStrike">
-                <a:latin typeface="Arial"/>
-              </a:rPr>
-              <a:t>&lt;number&gt;</a:t>
+              <a:rPr lang="en-IN" sz="1400" b="0" strike="noStrike" spc="-1">
+                <a:latin typeface="Arial" panose="020B0604020202090204"/>
+              </a:rPr>
             </a:fld>
-            <a:endParaRPr b="0" lang="en-IN" sz="1400" spc="-1" strike="noStrike">
-              <a:latin typeface="Arial"/>
+            <a:endParaRPr lang="en-IN" sz="1400" b="0" strike="noStrike" spc="-1">
+              <a:latin typeface="Arial" panose="020B0604020202090204"/>
             </a:endParaRPr>
           </a:p>
         </p:txBody>
       </p:sp>
     </p:spTree>
   </p:cSld>
-  <p:clrMap bg1="lt1" bg2="lt2" tx1="dk1" tx2="dk2" accent1="accent1" accent2="accent2" accent3="accent3" accent4="accent4" accent5="accent5" accent6="accent6" hlink="hlink" folHlink="folHlink"/>
+  <p:clrMap bg1="lt1" tx1="dk1" bg2="lt2" tx2="dk2" accent1="accent1" accent2="accent2" accent3="accent3" accent4="accent4" accent5="accent5" accent6="accent6" hlink="hlink" folHlink="folHlink"/>
   <p:sldLayoutIdLst>
-    <p:sldLayoutId id="2147483688" r:id="rId3"/>
-    <p:sldLayoutId id="2147483689" r:id="rId4"/>
-    <p:sldLayoutId id="2147483690" r:id="rId5"/>
-    <p:sldLayoutId id="2147483691" r:id="rId6"/>
-    <p:sldLayoutId id="2147483692" r:id="rId7"/>
-    <p:sldLayoutId id="2147483693" r:id="rId8"/>
-    <p:sldLayoutId id="2147483694" r:id="rId9"/>
-    <p:sldLayoutId id="2147483695" r:id="rId10"/>
-    <p:sldLayoutId id="2147483696" r:id="rId11"/>
-    <p:sldLayoutId id="2147483697" r:id="rId12"/>
-    <p:sldLayoutId id="2147483698" r:id="rId13"/>
-    <p:sldLayoutId id="2147483699" r:id="rId14"/>
+    <p:sldLayoutId id="2147483688" r:id="rId1"/>
+    <p:sldLayoutId id="2147483689" r:id="rId2"/>
+    <p:sldLayoutId id="2147483690" r:id="rId3"/>
+    <p:sldLayoutId id="2147483691" r:id="rId4"/>
+    <p:sldLayoutId id="2147483692" r:id="rId5"/>
+    <p:sldLayoutId id="2147483693" r:id="rId6"/>
+    <p:sldLayoutId id="2147483694" r:id="rId7"/>
+    <p:sldLayoutId id="2147483695" r:id="rId8"/>
+    <p:sldLayoutId id="2147483696" r:id="rId9"/>
+    <p:sldLayoutId id="2147483697" r:id="rId10"/>
+    <p:sldLayoutId id="2147483698" r:id="rId11"/>
+    <p:sldLayoutId id="2147483699" r:id="rId12"/>
   </p:sldLayoutIdLst>
+  <p:txStyles>
+    <p:titleStyle/>
+    <p:bodyStyle/>
+    <p:otherStyle/>
+  </p:txStyles>
 </p:sldMaster>
 </file>
 
 <file path=ppt/slides/slide1.xml><?xml version="1.0" encoding="utf-8"?>
-<p:sld xmlns:a="http://schemas.openxmlformats.org/drawingml/2006/main" xmlns:p="http://schemas.openxmlformats.org/presentationml/2006/main" xmlns:r="http://schemas.openxmlformats.org/officeDocument/2006/relationships" xmlns:p14="http://schemas.microsoft.com/office/powerpoint/2010/main" xmlns:p15="http://schemas.microsoft.com/office/powerpoint/2012/main" xmlns:mc="http://schemas.openxmlformats.org/markup-compatibility/2006">
+<p:sld xmlns:a="http://schemas.openxmlformats.org/drawingml/2006/main" xmlns:r="http://schemas.openxmlformats.org/officeDocument/2006/relationships" xmlns:p="http://schemas.openxmlformats.org/presentationml/2006/main">
   <p:cSld>
     <p:spTree>
       <p:nvGrpSpPr>
@@ -6985,39 +7241,42 @@
           </a:ln>
         </p:spPr>
         <p:txBody>
-          <a:bodyPr lIns="0" rIns="0" tIns="0" bIns="0" anchor="ctr">
+          <a:bodyPr lIns="0" tIns="0" rIns="0" bIns="0" anchor="ctr">
             <a:noAutofit/>
           </a:bodyPr>
           <a:p>
             <a:pPr algn="ctr"/>
             <a:r>
-              <a:rPr b="0" lang="en-IN" sz="4400" spc="-1" strike="noStrike">
+              <a:rPr lang="en-IN" sz="4400" b="0" strike="noStrike" spc="-1">
                 <a:solidFill>
                   <a:srgbClr val="168253"/>
                 </a:solidFill>
-                <a:latin typeface="Arial"/>
+                <a:latin typeface="Arial" panose="020B0604020202090204"/>
               </a:rPr>
               <a:t>Introduction to Django</a:t>
             </a:r>
             <a:r>
-              <a:rPr b="0" lang="en-IN" sz="3200" spc="-1" strike="noStrike">
+              <a:rPr lang="en-IN" sz="3200" b="0" strike="noStrike" spc="-1">
                 <a:solidFill>
                   <a:srgbClr val="168253"/>
                 </a:solidFill>
-                <a:latin typeface="Arial"/>
+                <a:latin typeface="Arial" panose="020B0604020202090204"/>
               </a:rPr>
               <a:t> </a:t>
             </a:r>
-            <a:endParaRPr b="0" lang="en-IN" sz="3200" spc="-1" strike="noStrike">
-              <a:latin typeface="Arial"/>
+            <a:endParaRPr lang="en-IN" sz="3200" b="0" strike="noStrike" spc="-1">
+              <a:latin typeface="Arial" panose="020B0604020202090204"/>
             </a:endParaRPr>
           </a:p>
         </p:txBody>
       </p:sp>
     </p:spTree>
   </p:cSld>
-  <mc:AlternateContent>
-    <mc:Choice Requires="p14">
+  <p:clrMapOvr>
+    <a:masterClrMapping/>
+  </p:clrMapOvr>
+  <mc:AlternateContent xmlns:mc="http://schemas.openxmlformats.org/markup-compatibility/2006">
+    <mc:Choice xmlns:p14="http://schemas.microsoft.com/office/powerpoint/2010/main" Requires="p14">
       <p:transition spd="slow" p14:dur="2000"/>
     </mc:Choice>
     <mc:Fallback>
@@ -7028,7 +7287,7 @@
 </file>
 
 <file path=ppt/slides/slide10.xml><?xml version="1.0" encoding="utf-8"?>
-<p:sld xmlns:a="http://schemas.openxmlformats.org/drawingml/2006/main" xmlns:p="http://schemas.openxmlformats.org/presentationml/2006/main" xmlns:r="http://schemas.openxmlformats.org/officeDocument/2006/relationships" xmlns:p14="http://schemas.microsoft.com/office/powerpoint/2010/main" xmlns:p15="http://schemas.microsoft.com/office/powerpoint/2012/main" xmlns:mc="http://schemas.openxmlformats.org/markup-compatibility/2006">
+<p:sld xmlns:a="http://schemas.openxmlformats.org/drawingml/2006/main" xmlns:r="http://schemas.openxmlformats.org/officeDocument/2006/relationships" xmlns:p="http://schemas.openxmlformats.org/presentationml/2006/main">
   <p:cSld>
     <p:spTree>
       <p:nvGrpSpPr>
@@ -7064,35 +7323,37 @@
           </a:ln>
         </p:spPr>
         <p:txBody>
-          <a:bodyPr lIns="0" rIns="0" tIns="0" bIns="0" anchor="ctr">
+          <a:bodyPr lIns="0" tIns="0" rIns="0" bIns="0" anchor="ctr">
             <a:noAutofit/>
           </a:bodyPr>
           <a:p>
             <a:pPr algn="ctr"/>
             <a:r>
-              <a:rPr b="0" lang="en-IN" sz="4400" spc="-1" strike="noStrike">
+              <a:rPr lang="en-IN" sz="4400" b="0" strike="noStrike" spc="-1">
                 <a:solidFill>
                   <a:srgbClr val="168253"/>
                 </a:solidFill>
-                <a:latin typeface="Arial"/>
+                <a:latin typeface="Arial" panose="020B0604020202090204"/>
               </a:rPr>
               <a:t>Who is using?</a:t>
             </a:r>
-            <a:endParaRPr b="0" lang="en-IN" sz="4400" spc="-1" strike="noStrike">
-              <a:latin typeface="Arial"/>
+            <a:endParaRPr lang="en-IN" sz="4400" b="0" strike="noStrike" spc="-1">
+              <a:latin typeface="Arial" panose="020B0604020202090204"/>
             </a:endParaRPr>
           </a:p>
         </p:txBody>
       </p:sp>
       <p:pic>
         <p:nvPicPr>
-          <p:cNvPr id="184" name="" descr=""/>
+          <p:cNvPr id="184" name="Picture 183"/>
           <p:cNvPicPr/>
           <p:nvPr/>
         </p:nvPicPr>
         <p:blipFill>
           <a:blip r:embed="rId1"/>
-          <a:stretch/>
+          <a:stretch>
+            <a:fillRect/>
+          </a:stretch>
         </p:blipFill>
         <p:spPr>
           <a:xfrm>
@@ -7109,8 +7370,11 @@
       </p:pic>
     </p:spTree>
   </p:cSld>
-  <mc:AlternateContent>
-    <mc:Choice Requires="p14">
+  <p:clrMapOvr>
+    <a:masterClrMapping/>
+  </p:clrMapOvr>
+  <mc:AlternateContent xmlns:mc="http://schemas.openxmlformats.org/markup-compatibility/2006">
+    <mc:Choice xmlns:p14="http://schemas.microsoft.com/office/powerpoint/2010/main" Requires="p14">
       <p:transition spd="slow" p14:dur="2000"/>
     </mc:Choice>
     <mc:Fallback>
@@ -7121,7 +7385,7 @@
 </file>
 
 <file path=ppt/slides/slide11.xml><?xml version="1.0" encoding="utf-8"?>
-<p:sld xmlns:a="http://schemas.openxmlformats.org/drawingml/2006/main" xmlns:p="http://schemas.openxmlformats.org/presentationml/2006/main" xmlns:r="http://schemas.openxmlformats.org/officeDocument/2006/relationships" xmlns:p14="http://schemas.microsoft.com/office/powerpoint/2010/main" xmlns:p15="http://schemas.microsoft.com/office/powerpoint/2012/main" xmlns:mc="http://schemas.openxmlformats.org/markup-compatibility/2006">
+<p:sld xmlns:a="http://schemas.openxmlformats.org/drawingml/2006/main" xmlns:r="http://schemas.openxmlformats.org/officeDocument/2006/relationships" xmlns:p="http://schemas.openxmlformats.org/presentationml/2006/main">
   <p:cSld>
     <p:spTree>
       <p:nvGrpSpPr>
@@ -7157,22 +7421,22 @@
           </a:ln>
         </p:spPr>
         <p:txBody>
-          <a:bodyPr lIns="0" rIns="0" tIns="0" bIns="0" anchor="ctr">
+          <a:bodyPr lIns="0" tIns="0" rIns="0" bIns="0" anchor="ctr">
             <a:noAutofit/>
           </a:bodyPr>
           <a:p>
             <a:pPr algn="ctr"/>
             <a:r>
-              <a:rPr b="0" lang="en-IN" sz="4400" spc="-1" strike="noStrike">
+              <a:rPr lang="en-IN" sz="4400" b="0" strike="noStrike" spc="-1">
                 <a:solidFill>
                   <a:srgbClr val="168253"/>
                 </a:solidFill>
-                <a:latin typeface="Arial"/>
+                <a:latin typeface="Arial" panose="020B0604020202090204"/>
               </a:rPr>
               <a:t>When to use Django?</a:t>
             </a:r>
-            <a:endParaRPr b="0" lang="en-IN" sz="4400" spc="-1" strike="noStrike">
-              <a:latin typeface="Arial"/>
+            <a:endParaRPr lang="en-IN" sz="4400" b="0" strike="noStrike" spc="-1">
+              <a:latin typeface="Arial" panose="020B0604020202090204"/>
             </a:endParaRPr>
           </a:p>
         </p:txBody>
@@ -7197,103 +7461,106 @@
           </a:ln>
         </p:spPr>
         <p:txBody>
-          <a:bodyPr lIns="0" rIns="0" tIns="0" bIns="0">
+          <a:bodyPr lIns="0" tIns="0" rIns="0" bIns="0">
             <a:normAutofit/>
           </a:bodyPr>
           <a:p>
-            <a:pPr marL="432000" indent="-324000">
+            <a:pPr marL="431800" indent="-323850">
               <a:spcBef>
-                <a:spcPts val="1417"/>
+                <a:spcPts val="1415"/>
               </a:spcBef>
               <a:buClr>
                 <a:srgbClr val="000000"/>
               </a:buClr>
               <a:buSzPct val="45000"/>
-              <a:buFont typeface="Wingdings" charset="2"/>
+              <a:buFont typeface="Wingdings" panose="05000000000000000000" pitchFamily="2" charset="2"/>
               <a:buChar char=""/>
             </a:pPr>
             <a:r>
-              <a:rPr b="0" lang="en-IN" sz="2800" spc="-1" strike="noStrike">
-                <a:latin typeface="Arial"/>
+              <a:rPr lang="en-IN" sz="2800" b="0" strike="noStrike" spc="-1">
+                <a:latin typeface="Arial" panose="020B0604020202090204"/>
               </a:rPr>
               <a:t>You need to deploy a web app or api backend</a:t>
             </a:r>
-            <a:endParaRPr b="0" lang="en-IN" sz="2800" spc="-1" strike="noStrike">
-              <a:latin typeface="Arial"/>
-            </a:endParaRPr>
-          </a:p>
-          <a:p>
-            <a:pPr marL="432000" indent="-324000">
+            <a:endParaRPr lang="en-IN" sz="2800" b="0" strike="noStrike" spc="-1">
+              <a:latin typeface="Arial" panose="020B0604020202090204"/>
+            </a:endParaRPr>
+          </a:p>
+          <a:p>
+            <a:pPr marL="431800" indent="-323850">
               <a:spcBef>
-                <a:spcPts val="1417"/>
+                <a:spcPts val="1415"/>
               </a:spcBef>
               <a:buClr>
                 <a:srgbClr val="000000"/>
               </a:buClr>
               <a:buSzPct val="45000"/>
-              <a:buFont typeface="Wingdings" charset="2"/>
+              <a:buFont typeface="Wingdings" panose="05000000000000000000" pitchFamily="2" charset="2"/>
               <a:buChar char=""/>
             </a:pPr>
             <a:r>
-              <a:rPr b="0" lang="en-IN" sz="2800" spc="-1" strike="noStrike">
-                <a:latin typeface="Arial"/>
+              <a:rPr lang="en-IN" sz="2800" b="0" strike="noStrike" spc="-1">
+                <a:latin typeface="Arial" panose="020B0604020202090204"/>
               </a:rPr>
               <a:t>You need to move fast, deploy fast and also make changes as move ahead.</a:t>
             </a:r>
-            <a:endParaRPr b="0" lang="en-IN" sz="2800" spc="-1" strike="noStrike">
-              <a:latin typeface="Arial"/>
-            </a:endParaRPr>
-          </a:p>
-          <a:p>
-            <a:pPr marL="432000" indent="-324000">
+            <a:endParaRPr lang="en-IN" sz="2800" b="0" strike="noStrike" spc="-1">
+              <a:latin typeface="Arial" panose="020B0604020202090204"/>
+            </a:endParaRPr>
+          </a:p>
+          <a:p>
+            <a:pPr marL="431800" indent="-323850">
               <a:spcBef>
-                <a:spcPts val="1417"/>
+                <a:spcPts val="1415"/>
               </a:spcBef>
               <a:buClr>
                 <a:srgbClr val="000000"/>
               </a:buClr>
               <a:buSzPct val="45000"/>
-              <a:buFont typeface="Wingdings" charset="2"/>
+              <a:buFont typeface="Wingdings" panose="05000000000000000000" pitchFamily="2" charset="2"/>
               <a:buChar char=""/>
             </a:pPr>
             <a:r>
-              <a:rPr b="0" lang="en-IN" sz="2800" spc="-1" strike="noStrike">
-                <a:latin typeface="Arial"/>
+              <a:rPr lang="en-IN" sz="2800" b="0" strike="noStrike" spc="-1">
+                <a:latin typeface="Arial" panose="020B0604020202090204"/>
               </a:rPr>
               <a:t>The app must be secure from common vulnerabilies like CSRF, SQL injections, XSS, Clickjacking etc</a:t>
             </a:r>
-            <a:endParaRPr b="0" lang="en-IN" sz="2800" spc="-1" strike="noStrike">
-              <a:latin typeface="Arial"/>
-            </a:endParaRPr>
-          </a:p>
-          <a:p>
-            <a:pPr marL="432000" indent="-324000">
+            <a:endParaRPr lang="en-IN" sz="2800" b="0" strike="noStrike" spc="-1">
+              <a:latin typeface="Arial" panose="020B0604020202090204"/>
+            </a:endParaRPr>
+          </a:p>
+          <a:p>
+            <a:pPr marL="431800" indent="-323850">
               <a:spcBef>
-                <a:spcPts val="1417"/>
+                <a:spcPts val="1415"/>
               </a:spcBef>
               <a:buClr>
                 <a:srgbClr val="000000"/>
               </a:buClr>
               <a:buSzPct val="45000"/>
-              <a:buFont typeface="Wingdings" charset="2"/>
+              <a:buFont typeface="Wingdings" panose="05000000000000000000" pitchFamily="2" charset="2"/>
               <a:buChar char=""/>
             </a:pPr>
             <a:r>
-              <a:rPr b="0" lang="en-IN" sz="2800" spc="-1" strike="noStrike">
-                <a:latin typeface="Arial"/>
+              <a:rPr lang="en-IN" sz="2800" b="0" strike="noStrike" spc="-1">
+                <a:latin typeface="Arial" panose="020B0604020202090204"/>
               </a:rPr>
               <a:t>You might integrated with cutting edge tech in future, eg. Maching Learning</a:t>
             </a:r>
-            <a:endParaRPr b="0" lang="en-IN" sz="2800" spc="-1" strike="noStrike">
-              <a:latin typeface="Arial"/>
+            <a:endParaRPr lang="en-IN" sz="2800" b="0" strike="noStrike" spc="-1">
+              <a:latin typeface="Arial" panose="020B0604020202090204"/>
             </a:endParaRPr>
           </a:p>
         </p:txBody>
       </p:sp>
     </p:spTree>
   </p:cSld>
-  <mc:AlternateContent>
-    <mc:Choice Requires="p14">
+  <p:clrMapOvr>
+    <a:masterClrMapping/>
+  </p:clrMapOvr>
+  <mc:AlternateContent xmlns:mc="http://schemas.openxmlformats.org/markup-compatibility/2006">
+    <mc:Choice xmlns:p14="http://schemas.microsoft.com/office/powerpoint/2010/main" Requires="p14">
       <p:transition spd="slow" p14:dur="2000"/>
     </mc:Choice>
     <mc:Fallback>
@@ -7304,7 +7571,7 @@
 </file>
 
 <file path=ppt/slides/slide12.xml><?xml version="1.0" encoding="utf-8"?>
-<p:sld xmlns:a="http://schemas.openxmlformats.org/drawingml/2006/main" xmlns:p="http://schemas.openxmlformats.org/presentationml/2006/main" xmlns:r="http://schemas.openxmlformats.org/officeDocument/2006/relationships" xmlns:p14="http://schemas.microsoft.com/office/powerpoint/2010/main" xmlns:p15="http://schemas.microsoft.com/office/powerpoint/2012/main" xmlns:mc="http://schemas.openxmlformats.org/markup-compatibility/2006">
+<p:sld xmlns:a="http://schemas.openxmlformats.org/drawingml/2006/main" xmlns:r="http://schemas.openxmlformats.org/officeDocument/2006/relationships" xmlns:p="http://schemas.openxmlformats.org/presentationml/2006/main">
   <p:cSld>
     <p:spTree>
       <p:nvGrpSpPr>
@@ -7340,22 +7607,22 @@
           </a:ln>
         </p:spPr>
         <p:txBody>
-          <a:bodyPr lIns="0" rIns="0" tIns="0" bIns="0" anchor="ctr">
+          <a:bodyPr lIns="0" tIns="0" rIns="0" bIns="0" anchor="ctr">
             <a:noAutofit/>
           </a:bodyPr>
           <a:p>
             <a:pPr algn="ctr"/>
             <a:r>
-              <a:rPr b="0" lang="en-IN" sz="4400" spc="-1" strike="noStrike">
+              <a:rPr lang="en-IN" sz="4400" b="0" strike="noStrike" spc="-1">
                 <a:solidFill>
                   <a:srgbClr val="168253"/>
                 </a:solidFill>
-                <a:latin typeface="Arial"/>
+                <a:latin typeface="Arial" panose="020B0604020202090204"/>
               </a:rPr>
               <a:t>Django MVT</a:t>
             </a:r>
-            <a:endParaRPr b="0" lang="en-IN" sz="4400" spc="-1" strike="noStrike">
-              <a:latin typeface="Arial"/>
+            <a:endParaRPr lang="en-IN" sz="4400" b="0" strike="noStrike" spc="-1">
+              <a:latin typeface="Arial" panose="020B0604020202090204"/>
             </a:endParaRPr>
           </a:p>
         </p:txBody>
@@ -7380,57 +7647,57 @@
           </a:ln>
         </p:spPr>
         <p:txBody>
-          <a:bodyPr lIns="0" rIns="0" tIns="0" bIns="0">
+          <a:bodyPr lIns="0" tIns="0" rIns="0" bIns="0">
             <a:normAutofit/>
           </a:bodyPr>
           <a:p>
-            <a:pPr marL="432000" indent="-324000">
+            <a:pPr marL="431800" indent="-323850">
               <a:spcBef>
-                <a:spcPts val="1417"/>
+                <a:spcPts val="1415"/>
               </a:spcBef>
               <a:buClr>
                 <a:srgbClr val="000000"/>
               </a:buClr>
               <a:buSzPct val="45000"/>
-              <a:buFont typeface="Wingdings" charset="2"/>
+              <a:buFont typeface="Wingdings" panose="05000000000000000000" pitchFamily="2" charset="2"/>
               <a:buChar char=""/>
             </a:pPr>
             <a:r>
-              <a:rPr b="1" lang="en-IN" sz="2000" spc="-1" strike="noStrike">
-                <a:latin typeface="Arial"/>
+              <a:rPr lang="en-IN" sz="2000" b="1" strike="noStrike" spc="-1">
+                <a:latin typeface="Arial" panose="020B0604020202090204"/>
               </a:rPr>
               <a:t>It follows MVT and not MVC</a:t>
             </a:r>
-            <a:endParaRPr b="0" lang="en-IN" sz="2000" spc="-1" strike="noStrike">
-              <a:latin typeface="Arial"/>
-            </a:endParaRPr>
-          </a:p>
-          <a:p>
-            <a:pPr marL="432000" indent="-324000">
+            <a:endParaRPr lang="en-IN" sz="2000" b="0" strike="noStrike" spc="-1">
+              <a:latin typeface="Arial" panose="020B0604020202090204"/>
+            </a:endParaRPr>
+          </a:p>
+          <a:p>
+            <a:pPr marL="431800" indent="-323850">
               <a:spcBef>
-                <a:spcPts val="1417"/>
+                <a:spcPts val="1415"/>
               </a:spcBef>
               <a:buClr>
                 <a:srgbClr val="000000"/>
               </a:buClr>
               <a:buSzPct val="45000"/>
-              <a:buFont typeface="Wingdings" charset="2"/>
+              <a:buFont typeface="Wingdings" panose="05000000000000000000" pitchFamily="2" charset="2"/>
               <a:buChar char=""/>
             </a:pPr>
             <a:r>
-              <a:rPr b="1" lang="en-IN" sz="2000" spc="-1" strike="noStrike">
-                <a:latin typeface="Arial"/>
+              <a:rPr lang="en-IN" sz="2000" b="1" strike="noStrike" spc="-1">
+                <a:latin typeface="Arial" panose="020B0604020202090204"/>
               </a:rPr>
               <a:t>Model</a:t>
             </a:r>
-            <a:endParaRPr b="0" lang="en-IN" sz="2000" spc="-1" strike="noStrike">
-              <a:latin typeface="Arial"/>
-            </a:endParaRPr>
-          </a:p>
-          <a:p>
-            <a:pPr lvl="1" marL="864000" indent="-324000">
+            <a:endParaRPr lang="en-IN" sz="2000" b="0" strike="noStrike" spc="-1">
+              <a:latin typeface="Arial" panose="020B0604020202090204"/>
+            </a:endParaRPr>
+          </a:p>
+          <a:p>
+            <a:pPr marL="864235" lvl="1" indent="-323850">
               <a:spcBef>
-                <a:spcPts val="1134"/>
+                <a:spcPts val="1135"/>
               </a:spcBef>
               <a:buClr>
                 <a:srgbClr val="000000"/>
@@ -7440,19 +7707,19 @@
               <a:buChar char=""/>
             </a:pPr>
             <a:r>
-              <a:rPr b="0" lang="en-IN" sz="1800" spc="-1" strike="noStrike">
-                <a:latin typeface="Arial"/>
+              <a:rPr lang="en-IN" sz="1800" b="0" strike="noStrike" spc="-1">
+                <a:latin typeface="Arial" panose="020B0604020202090204"/>
               </a:rPr>
               <a:t>Defines the data structured</a:t>
             </a:r>
-            <a:endParaRPr b="0" lang="en-IN" sz="1800" spc="-1" strike="noStrike">
-              <a:latin typeface="Arial"/>
-            </a:endParaRPr>
-          </a:p>
-          <a:p>
-            <a:pPr lvl="1" marL="864000" indent="-324000">
+            <a:endParaRPr lang="en-IN" sz="1800" b="0" strike="noStrike" spc="-1">
+              <a:latin typeface="Arial" panose="020B0604020202090204"/>
+            </a:endParaRPr>
+          </a:p>
+          <a:p>
+            <a:pPr marL="864235" lvl="1" indent="-323850">
               <a:spcBef>
-                <a:spcPts val="1134"/>
+                <a:spcPts val="1135"/>
               </a:spcBef>
               <a:buClr>
                 <a:srgbClr val="000000"/>
@@ -7462,41 +7729,41 @@
               <a:buChar char=""/>
             </a:pPr>
             <a:r>
-              <a:rPr b="0" lang="en-IN" sz="1800" spc="-1" strike="noStrike">
-                <a:latin typeface="Arial"/>
+              <a:rPr lang="en-IN" sz="1800" b="0" strike="noStrike" spc="-1">
+                <a:latin typeface="Arial" panose="020B0604020202090204"/>
               </a:rPr>
               <a:t>Takes care of query the database</a:t>
             </a:r>
-            <a:endParaRPr b="0" lang="en-IN" sz="1800" spc="-1" strike="noStrike">
-              <a:latin typeface="Arial"/>
-            </a:endParaRPr>
-          </a:p>
-          <a:p>
-            <a:pPr marL="432000" indent="-324000">
+            <a:endParaRPr lang="en-IN" sz="1800" b="0" strike="noStrike" spc="-1">
+              <a:latin typeface="Arial" panose="020B0604020202090204"/>
+            </a:endParaRPr>
+          </a:p>
+          <a:p>
+            <a:pPr marL="431800" indent="-323850">
               <a:spcBef>
-                <a:spcPts val="1417"/>
+                <a:spcPts val="1415"/>
               </a:spcBef>
               <a:buClr>
                 <a:srgbClr val="000000"/>
               </a:buClr>
               <a:buSzPct val="45000"/>
-              <a:buFont typeface="Wingdings" charset="2"/>
+              <a:buFont typeface="Wingdings" panose="05000000000000000000" pitchFamily="2" charset="2"/>
               <a:buChar char=""/>
             </a:pPr>
             <a:r>
-              <a:rPr b="1" lang="en-IN" sz="2000" spc="-1" strike="noStrike">
-                <a:latin typeface="Arial"/>
+              <a:rPr lang="en-IN" sz="2000" b="1" strike="noStrike" spc="-1">
+                <a:latin typeface="Arial" panose="020B0604020202090204"/>
               </a:rPr>
               <a:t>View</a:t>
             </a:r>
-            <a:endParaRPr b="0" lang="en-IN" sz="2000" spc="-1" strike="noStrike">
-              <a:latin typeface="Arial"/>
-            </a:endParaRPr>
-          </a:p>
-          <a:p>
-            <a:pPr lvl="1" marL="864000" indent="-324000">
+            <a:endParaRPr lang="en-IN" sz="2000" b="0" strike="noStrike" spc="-1">
+              <a:latin typeface="Arial" panose="020B0604020202090204"/>
+            </a:endParaRPr>
+          </a:p>
+          <a:p>
+            <a:pPr marL="864235" lvl="1" indent="-323850">
               <a:spcBef>
-                <a:spcPts val="1134"/>
+                <a:spcPts val="1135"/>
               </a:spcBef>
               <a:buClr>
                 <a:srgbClr val="000000"/>
@@ -7506,19 +7773,19 @@
               <a:buChar char=""/>
             </a:pPr>
             <a:r>
-              <a:rPr b="0" lang="en-IN" sz="1800" spc="-1" strike="noStrike">
-                <a:latin typeface="Arial"/>
+              <a:rPr lang="en-IN" sz="1800" b="0" strike="noStrike" spc="-1">
+                <a:latin typeface="Arial" panose="020B0604020202090204"/>
               </a:rPr>
               <a:t>Defines what should be presented</a:t>
             </a:r>
-            <a:endParaRPr b="0" lang="en-IN" sz="1800" spc="-1" strike="noStrike">
-              <a:latin typeface="Arial"/>
-            </a:endParaRPr>
-          </a:p>
-          <a:p>
-            <a:pPr lvl="1" marL="864000" indent="-324000">
+            <a:endParaRPr lang="en-IN" sz="1800" b="0" strike="noStrike" spc="-1">
+              <a:latin typeface="Arial" panose="020B0604020202090204"/>
+            </a:endParaRPr>
+          </a:p>
+          <a:p>
+            <a:pPr marL="864235" lvl="1" indent="-323850">
               <a:spcBef>
-                <a:spcPts val="1134"/>
+                <a:spcPts val="1135"/>
               </a:spcBef>
               <a:buClr>
                 <a:srgbClr val="000000"/>
@@ -7528,41 +7795,42 @@
               <a:buChar char=""/>
             </a:pPr>
             <a:r>
-              <a:rPr b="0" lang="en-IN" sz="1800" spc="-1" strike="noStrike">
-                <a:latin typeface="Arial"/>
+              <a:rPr lang="en-IN" sz="1800" b="0" strike="noStrike" spc="-1">
+                <a:latin typeface="Arial" panose="020B0604020202090204"/>
               </a:rPr>
               <a:t>Returns HTTP Response</a:t>
             </a:r>
-            <a:endParaRPr b="0" lang="en-IN" sz="1800" spc="-1" strike="noStrike">
-              <a:latin typeface="Arial"/>
-            </a:endParaRPr>
-          </a:p>
-          <a:p>
-            <a:pPr marL="432000" indent="-324000">
+            <a:endParaRPr lang="en-IN" sz="1800" b="0" strike="noStrike" spc="-1">
+              <a:latin typeface="Arial" panose="020B0604020202090204"/>
+            </a:endParaRPr>
+          </a:p>
+          <a:p>
+            <a:pPr marL="431800" indent="-323850">
               <a:spcBef>
-                <a:spcPts val="1417"/>
+                <a:spcPts val="1415"/>
               </a:spcBef>
               <a:buClr>
                 <a:srgbClr val="000000"/>
               </a:buClr>
               <a:buSzPct val="45000"/>
-              <a:buFont typeface="Wingdings" charset="2"/>
+              <a:buFont typeface="Wingdings" panose="05000000000000000000" pitchFamily="2" charset="2"/>
               <a:buChar char=""/>
             </a:pPr>
             <a:r>
-              <a:rPr b="0" lang="en-IN" sz="1800" spc="-1" strike="noStrike">
-                <a:latin typeface="Arial"/>
+              <a:rPr lang="en-IN" sz="1800" b="1" strike="noStrike" spc="-1">
+                <a:latin typeface="Arial Bold" panose="020B0604020202090204" charset="0"/>
+                <a:cs typeface="Arial Bold" panose="020B0604020202090204" charset="0"/>
               </a:rPr>
               <a:t>Template</a:t>
             </a:r>
-            <a:endParaRPr b="0" lang="en-IN" sz="1800" spc="-1" strike="noStrike">
-              <a:latin typeface="Arial"/>
-            </a:endParaRPr>
-          </a:p>
-          <a:p>
-            <a:pPr lvl="1" marL="864000" indent="-324000">
+            <a:endParaRPr lang="en-IN" sz="1800" b="0" strike="noStrike" spc="-1">
+              <a:latin typeface="Arial" panose="020B0604020202090204"/>
+            </a:endParaRPr>
+          </a:p>
+          <a:p>
+            <a:pPr marL="864235" lvl="1" indent="-323850">
               <a:spcBef>
-                <a:spcPts val="1134"/>
+                <a:spcPts val="1135"/>
               </a:spcBef>
               <a:buClr>
                 <a:srgbClr val="000000"/>
@@ -7572,37 +7840,40 @@
               <a:buChar char=""/>
             </a:pPr>
             <a:r>
-              <a:rPr b="0" lang="en-IN" sz="1800" spc="-1" strike="noStrike">
-                <a:latin typeface="Arial"/>
+              <a:rPr lang="en-IN" sz="1800" b="0" strike="noStrike" spc="-1">
+                <a:latin typeface="Arial" panose="020B0604020202090204"/>
               </a:rPr>
               <a:t>Renders the data in suitable format – HTML/XML etc</a:t>
             </a:r>
-            <a:endParaRPr b="0" lang="en-IN" sz="1800" spc="-1" strike="noStrike">
-              <a:latin typeface="Arial"/>
-            </a:endParaRPr>
-          </a:p>
-          <a:p>
-            <a:pPr marL="432000" indent="-324000">
+            <a:endParaRPr lang="en-IN" sz="1800" b="0" strike="noStrike" spc="-1">
+              <a:latin typeface="Arial" panose="020B0604020202090204"/>
+            </a:endParaRPr>
+          </a:p>
+          <a:p>
+            <a:pPr marL="431800" indent="-323850">
               <a:spcBef>
-                <a:spcPts val="1417"/>
+                <a:spcPts val="1415"/>
               </a:spcBef>
               <a:buClr>
                 <a:srgbClr val="000000"/>
               </a:buClr>
               <a:buSzPct val="45000"/>
-              <a:buFont typeface="Wingdings" charset="2"/>
+              <a:buFont typeface="Wingdings" panose="05000000000000000000" pitchFamily="2" charset="2"/>
               <a:buChar char=""/>
             </a:pPr>
-            <a:endParaRPr b="0" lang="en-IN" sz="1800" spc="-1" strike="noStrike">
-              <a:latin typeface="Arial"/>
+            <a:endParaRPr lang="en-IN" sz="1800" b="0" strike="noStrike" spc="-1">
+              <a:latin typeface="Arial" panose="020B0604020202090204"/>
             </a:endParaRPr>
           </a:p>
         </p:txBody>
       </p:sp>
     </p:spTree>
   </p:cSld>
-  <mc:AlternateContent>
-    <mc:Choice Requires="p14">
+  <p:clrMapOvr>
+    <a:masterClrMapping/>
+  </p:clrMapOvr>
+  <mc:AlternateContent xmlns:mc="http://schemas.openxmlformats.org/markup-compatibility/2006">
+    <mc:Choice xmlns:p14="http://schemas.microsoft.com/office/powerpoint/2010/main" Requires="p14">
       <p:transition spd="slow" p14:dur="2000"/>
     </mc:Choice>
     <mc:Fallback>
@@ -7613,7 +7884,7 @@
 </file>
 
 <file path=ppt/slides/slide13.xml><?xml version="1.0" encoding="utf-8"?>
-<p:sld xmlns:a="http://schemas.openxmlformats.org/drawingml/2006/main" xmlns:p="http://schemas.openxmlformats.org/presentationml/2006/main" xmlns:r="http://schemas.openxmlformats.org/officeDocument/2006/relationships" xmlns:p14="http://schemas.microsoft.com/office/powerpoint/2010/main" xmlns:p15="http://schemas.microsoft.com/office/powerpoint/2012/main" xmlns:mc="http://schemas.openxmlformats.org/markup-compatibility/2006">
+<p:sld xmlns:a="http://schemas.openxmlformats.org/drawingml/2006/main" xmlns:r="http://schemas.openxmlformats.org/officeDocument/2006/relationships" xmlns:p="http://schemas.openxmlformats.org/presentationml/2006/main">
   <p:cSld>
     <p:spTree>
       <p:nvGrpSpPr>
@@ -7649,22 +7920,22 @@
           </a:ln>
         </p:spPr>
         <p:txBody>
-          <a:bodyPr lIns="0" rIns="0" tIns="0" bIns="0" anchor="ctr">
+          <a:bodyPr lIns="0" tIns="0" rIns="0" bIns="0" anchor="ctr">
             <a:noAutofit/>
           </a:bodyPr>
           <a:p>
             <a:pPr algn="ctr"/>
             <a:r>
-              <a:rPr b="0" lang="en-IN" sz="4400" spc="-1" strike="noStrike">
+              <a:rPr lang="en-IN" sz="4400" b="0" strike="noStrike" spc="-1">
                 <a:solidFill>
-                  <a:srgbClr val="1e6a39"/>
+                  <a:srgbClr val="1E6A39"/>
                 </a:solidFill>
-                <a:latin typeface="Arial"/>
+                <a:latin typeface="Arial" panose="020B0604020202090204"/>
               </a:rPr>
               <a:t>Prerequisites</a:t>
             </a:r>
-            <a:endParaRPr b="0" lang="en-IN" sz="4400" spc="-1" strike="noStrike">
-              <a:latin typeface="Arial"/>
+            <a:endParaRPr lang="en-IN" sz="4400" b="0" strike="noStrike" spc="-1">
+              <a:latin typeface="Arial" panose="020B0604020202090204"/>
             </a:endParaRPr>
           </a:p>
         </p:txBody>
@@ -7689,35 +7960,35 @@
           </a:ln>
         </p:spPr>
         <p:txBody>
-          <a:bodyPr lIns="0" rIns="0" tIns="0" bIns="0">
+          <a:bodyPr lIns="0" tIns="0" rIns="0" bIns="0">
             <a:normAutofit/>
           </a:bodyPr>
           <a:p>
-            <a:pPr marL="432000" indent="-324000">
+            <a:pPr marL="431800" indent="-323850">
               <a:spcBef>
-                <a:spcPts val="1417"/>
+                <a:spcPts val="1415"/>
               </a:spcBef>
               <a:buClr>
                 <a:srgbClr val="000000"/>
               </a:buClr>
               <a:buSzPct val="45000"/>
-              <a:buFont typeface="Wingdings" charset="2"/>
+              <a:buFont typeface="Wingdings" panose="05000000000000000000" pitchFamily="2" charset="2"/>
               <a:buChar char=""/>
             </a:pPr>
             <a:r>
-              <a:rPr b="0" lang="en-IN" sz="2400" spc="-1" strike="noStrike">
-                <a:latin typeface="Arial"/>
+              <a:rPr lang="en-IN" sz="2400" b="0" strike="noStrike" spc="-1">
+                <a:latin typeface="Arial" panose="020B0604020202090204"/>
               </a:rPr>
               <a:t>The basics syntax of python </a:t>
             </a:r>
-            <a:endParaRPr b="0" lang="en-IN" sz="2400" spc="-1" strike="noStrike">
-              <a:latin typeface="Arial"/>
-            </a:endParaRPr>
-          </a:p>
-          <a:p>
-            <a:pPr lvl="1" marL="864000" indent="-324000">
+            <a:endParaRPr lang="en-IN" sz="2400" b="0" strike="noStrike" spc="-1">
+              <a:latin typeface="Arial" panose="020B0604020202090204"/>
+            </a:endParaRPr>
+          </a:p>
+          <a:p>
+            <a:pPr marL="864235" lvl="1" indent="-323850">
               <a:spcBef>
-                <a:spcPts val="1134"/>
+                <a:spcPts val="1135"/>
               </a:spcBef>
               <a:buClr>
                 <a:srgbClr val="000000"/>
@@ -7727,19 +7998,19 @@
               <a:buChar char=""/>
             </a:pPr>
             <a:r>
-              <a:rPr b="0" lang="en-IN" sz="2200" spc="-1" strike="noStrike">
-                <a:latin typeface="Arial"/>
+              <a:rPr lang="en-IN" sz="2200" b="0" strike="noStrike" spc="-1">
+                <a:latin typeface="Arial" panose="020B0604020202090204"/>
               </a:rPr>
               <a:t>Function’s</a:t>
             </a:r>
-            <a:endParaRPr b="0" lang="en-IN" sz="2200" spc="-1" strike="noStrike">
-              <a:latin typeface="Arial"/>
-            </a:endParaRPr>
-          </a:p>
-          <a:p>
-            <a:pPr lvl="1" marL="864000" indent="-324000">
+            <a:endParaRPr lang="en-IN" sz="2200" b="0" strike="noStrike" spc="-1">
+              <a:latin typeface="Arial" panose="020B0604020202090204"/>
+            </a:endParaRPr>
+          </a:p>
+          <a:p>
+            <a:pPr marL="864235" lvl="1" indent="-323850">
               <a:spcBef>
-                <a:spcPts val="1134"/>
+                <a:spcPts val="1135"/>
               </a:spcBef>
               <a:buClr>
                 <a:srgbClr val="000000"/>
@@ -7749,19 +8020,19 @@
               <a:buChar char=""/>
             </a:pPr>
             <a:r>
-              <a:rPr b="0" lang="en-IN" sz="2200" spc="-1" strike="noStrike">
-                <a:latin typeface="Arial"/>
+              <a:rPr lang="en-IN" sz="2200" b="0" strike="noStrike" spc="-1">
+                <a:latin typeface="Arial" panose="020B0604020202090204"/>
               </a:rPr>
               <a:t>Module’s</a:t>
             </a:r>
-            <a:endParaRPr b="0" lang="en-IN" sz="2200" spc="-1" strike="noStrike">
-              <a:latin typeface="Arial"/>
-            </a:endParaRPr>
-          </a:p>
-          <a:p>
-            <a:pPr lvl="1" marL="864000" indent="-324000">
+            <a:endParaRPr lang="en-IN" sz="2200" b="0" strike="noStrike" spc="-1">
+              <a:latin typeface="Arial" panose="020B0604020202090204"/>
+            </a:endParaRPr>
+          </a:p>
+          <a:p>
+            <a:pPr marL="864235" lvl="1" indent="-323850">
               <a:spcBef>
-                <a:spcPts val="1134"/>
+                <a:spcPts val="1135"/>
               </a:spcBef>
               <a:buClr>
                 <a:srgbClr val="000000"/>
@@ -7771,19 +8042,19 @@
               <a:buChar char=""/>
             </a:pPr>
             <a:r>
-              <a:rPr b="0" lang="en-IN" sz="2200" spc="-1" strike="noStrike">
-                <a:latin typeface="Arial"/>
+              <a:rPr lang="en-IN" sz="2200" b="0" strike="noStrike" spc="-1">
+                <a:latin typeface="Arial" panose="020B0604020202090204"/>
               </a:rPr>
               <a:t>Conditional operators and loops</a:t>
             </a:r>
-            <a:endParaRPr b="0" lang="en-IN" sz="2200" spc="-1" strike="noStrike">
-              <a:latin typeface="Arial"/>
-            </a:endParaRPr>
-          </a:p>
-          <a:p>
-            <a:pPr lvl="1" marL="864000" indent="-324000">
+            <a:endParaRPr lang="en-IN" sz="2200" b="0" strike="noStrike" spc="-1">
+              <a:latin typeface="Arial" panose="020B0604020202090204"/>
+            </a:endParaRPr>
+          </a:p>
+          <a:p>
+            <a:pPr marL="864235" lvl="1" indent="-323850">
               <a:spcBef>
-                <a:spcPts val="1134"/>
+                <a:spcPts val="1135"/>
               </a:spcBef>
               <a:buClr>
                 <a:srgbClr val="000000"/>
@@ -7793,19 +8064,19 @@
               <a:buChar char=""/>
             </a:pPr>
             <a:r>
-              <a:rPr b="0" lang="en-IN" sz="2200" spc="-1" strike="noStrike">
-                <a:latin typeface="Arial"/>
+              <a:rPr lang="en-IN" sz="2200" b="0" strike="noStrike" spc="-1">
+                <a:latin typeface="Arial" panose="020B0604020202090204"/>
               </a:rPr>
               <a:t>Object-oriented concepts</a:t>
             </a:r>
-            <a:endParaRPr b="0" lang="en-IN" sz="2200" spc="-1" strike="noStrike">
-              <a:latin typeface="Arial"/>
-            </a:endParaRPr>
-          </a:p>
-          <a:p>
-            <a:pPr lvl="1" marL="864000" indent="-324000">
+            <a:endParaRPr lang="en-IN" sz="2200" b="0" strike="noStrike" spc="-1">
+              <a:latin typeface="Arial" panose="020B0604020202090204"/>
+            </a:endParaRPr>
+          </a:p>
+          <a:p>
+            <a:pPr marL="864235" lvl="1" indent="-323850">
               <a:spcBef>
-                <a:spcPts val="1134"/>
+                <a:spcPts val="1135"/>
               </a:spcBef>
               <a:buClr>
                 <a:srgbClr val="000000"/>
@@ -7815,21 +8086,24 @@
               <a:buChar char=""/>
             </a:pPr>
             <a:r>
-              <a:rPr b="0" lang="en-IN" sz="2200" spc="-1" strike="noStrike">
-                <a:latin typeface="Arial"/>
+              <a:rPr lang="en-IN" sz="2200" b="0" strike="noStrike" spc="-1">
+                <a:latin typeface="Arial" panose="020B0604020202090204"/>
               </a:rPr>
               <a:t>Database and SQL queries</a:t>
             </a:r>
-            <a:endParaRPr b="0" lang="en-IN" sz="2200" spc="-1" strike="noStrike">
-              <a:latin typeface="Arial"/>
+            <a:endParaRPr lang="en-IN" sz="2200" b="0" strike="noStrike" spc="-1">
+              <a:latin typeface="Arial" panose="020B0604020202090204"/>
             </a:endParaRPr>
           </a:p>
         </p:txBody>
       </p:sp>
     </p:spTree>
   </p:cSld>
-  <mc:AlternateContent>
-    <mc:Choice Requires="p14">
+  <p:clrMapOvr>
+    <a:masterClrMapping/>
+  </p:clrMapOvr>
+  <mc:AlternateContent xmlns:mc="http://schemas.openxmlformats.org/markup-compatibility/2006">
+    <mc:Choice xmlns:p14="http://schemas.microsoft.com/office/powerpoint/2010/main" Requires="p14">
       <p:transition spd="slow" p14:dur="2000"/>
     </mc:Choice>
     <mc:Fallback>
@@ -7840,7 +8114,7 @@
 </file>
 
 <file path=ppt/slides/slide14.xml><?xml version="1.0" encoding="utf-8"?>
-<p:sld xmlns:a="http://schemas.openxmlformats.org/drawingml/2006/main" xmlns:p="http://schemas.openxmlformats.org/presentationml/2006/main" xmlns:r="http://schemas.openxmlformats.org/officeDocument/2006/relationships" xmlns:p14="http://schemas.microsoft.com/office/powerpoint/2010/main" xmlns:p15="http://schemas.microsoft.com/office/powerpoint/2012/main" xmlns:mc="http://schemas.openxmlformats.org/markup-compatibility/2006">
+<p:sld xmlns:a="http://schemas.openxmlformats.org/drawingml/2006/main" xmlns:r="http://schemas.openxmlformats.org/officeDocument/2006/relationships" xmlns:p="http://schemas.openxmlformats.org/presentationml/2006/main">
   <p:cSld>
     <p:spTree>
       <p:nvGrpSpPr>
@@ -7876,22 +8150,22 @@
           </a:ln>
         </p:spPr>
         <p:txBody>
-          <a:bodyPr lIns="0" rIns="0" tIns="0" bIns="0" anchor="ctr">
+          <a:bodyPr lIns="0" tIns="0" rIns="0" bIns="0" anchor="ctr">
             <a:noAutofit/>
           </a:bodyPr>
           <a:p>
             <a:pPr algn="ctr"/>
             <a:r>
-              <a:rPr b="0" lang="en-IN" sz="4400" spc="-1" strike="noStrike">
+              <a:rPr lang="en-IN" sz="4400" b="0" strike="noStrike" spc="-1">
                 <a:solidFill>
-                  <a:srgbClr val="1e6a39"/>
+                  <a:srgbClr val="1E6A39"/>
                 </a:solidFill>
-                <a:latin typeface="Arial"/>
+                <a:latin typeface="Arial" panose="020B0604020202090204"/>
               </a:rPr>
               <a:t>Which IDE?</a:t>
             </a:r>
-            <a:endParaRPr b="0" lang="en-IN" sz="4400" spc="-1" strike="noStrike">
-              <a:latin typeface="Arial"/>
+            <a:endParaRPr lang="en-IN" sz="4400" b="0" strike="noStrike" spc="-1">
+              <a:latin typeface="Arial" panose="020B0604020202090204"/>
             </a:endParaRPr>
           </a:p>
         </p:txBody>
@@ -7916,125 +8190,128 @@
           </a:ln>
         </p:spPr>
         <p:txBody>
-          <a:bodyPr lIns="0" rIns="0" tIns="0" bIns="0">
+          <a:bodyPr lIns="0" tIns="0" rIns="0" bIns="0">
             <a:normAutofit/>
           </a:bodyPr>
           <a:p>
-            <a:pPr marL="432000" indent="-324000">
+            <a:pPr marL="431800" indent="-323850">
               <a:spcBef>
-                <a:spcPts val="1417"/>
+                <a:spcPts val="1415"/>
               </a:spcBef>
               <a:buClr>
                 <a:srgbClr val="000000"/>
               </a:buClr>
               <a:buSzPct val="45000"/>
-              <a:buFont typeface="Wingdings" charset="2"/>
+              <a:buFont typeface="Wingdings" panose="05000000000000000000" pitchFamily="2" charset="2"/>
               <a:buChar char=""/>
             </a:pPr>
             <a:r>
-              <a:rPr b="0" lang="en-IN" sz="2400" spc="-1" strike="noStrike">
-                <a:latin typeface="Arial"/>
+              <a:rPr lang="en-IN" sz="2400" b="0" strike="noStrike" spc="-1">
+                <a:latin typeface="Arial" panose="020B0604020202090204"/>
               </a:rPr>
               <a:t>Notepad++</a:t>
             </a:r>
-            <a:endParaRPr b="0" lang="en-IN" sz="2400" spc="-1" strike="noStrike">
-              <a:latin typeface="Arial"/>
-            </a:endParaRPr>
-          </a:p>
-          <a:p>
-            <a:pPr marL="432000" indent="-324000">
+            <a:endParaRPr lang="en-IN" sz="2400" b="0" strike="noStrike" spc="-1">
+              <a:latin typeface="Arial" panose="020B0604020202090204"/>
+            </a:endParaRPr>
+          </a:p>
+          <a:p>
+            <a:pPr marL="431800" indent="-323850">
               <a:spcBef>
-                <a:spcPts val="1417"/>
+                <a:spcPts val="1415"/>
               </a:spcBef>
               <a:buClr>
                 <a:srgbClr val="000000"/>
               </a:buClr>
               <a:buSzPct val="45000"/>
-              <a:buFont typeface="Wingdings" charset="2"/>
+              <a:buFont typeface="Wingdings" panose="05000000000000000000" pitchFamily="2" charset="2"/>
               <a:buChar char=""/>
             </a:pPr>
             <a:r>
-              <a:rPr b="0" lang="en-IN" sz="2400" spc="-1" strike="noStrike">
-                <a:latin typeface="Arial"/>
+              <a:rPr lang="en-IN" sz="2400" b="0" strike="noStrike" spc="-1">
+                <a:latin typeface="Arial" panose="020B0604020202090204"/>
               </a:rPr>
               <a:t>Sublime Text</a:t>
             </a:r>
-            <a:endParaRPr b="0" lang="en-IN" sz="2400" spc="-1" strike="noStrike">
-              <a:latin typeface="Arial"/>
-            </a:endParaRPr>
-          </a:p>
-          <a:p>
-            <a:pPr marL="432000" indent="-324000">
+            <a:endParaRPr lang="en-IN" sz="2400" b="0" strike="noStrike" spc="-1">
+              <a:latin typeface="Arial" panose="020B0604020202090204"/>
+            </a:endParaRPr>
+          </a:p>
+          <a:p>
+            <a:pPr marL="431800" indent="-323850">
               <a:spcBef>
-                <a:spcPts val="1417"/>
+                <a:spcPts val="1415"/>
               </a:spcBef>
               <a:buClr>
                 <a:srgbClr val="000000"/>
               </a:buClr>
               <a:buSzPct val="45000"/>
-              <a:buFont typeface="Wingdings" charset="2"/>
+              <a:buFont typeface="Wingdings" panose="05000000000000000000" pitchFamily="2" charset="2"/>
               <a:buChar char=""/>
             </a:pPr>
             <a:r>
-              <a:rPr b="0" lang="en-IN" sz="2400" spc="-1" strike="noStrike">
-                <a:latin typeface="Arial"/>
+              <a:rPr lang="en-IN" sz="2400" b="0" strike="noStrike" spc="-1">
+                <a:latin typeface="Arial" panose="020B0604020202090204"/>
               </a:rPr>
               <a:t>Atom</a:t>
             </a:r>
-            <a:endParaRPr b="0" lang="en-IN" sz="2400" spc="-1" strike="noStrike">
-              <a:latin typeface="Arial"/>
-            </a:endParaRPr>
-          </a:p>
-          <a:p>
-            <a:pPr marL="432000" indent="-324000">
+            <a:endParaRPr lang="en-IN" sz="2400" b="0" strike="noStrike" spc="-1">
+              <a:latin typeface="Arial" panose="020B0604020202090204"/>
+            </a:endParaRPr>
+          </a:p>
+          <a:p>
+            <a:pPr marL="431800" indent="-323850">
               <a:spcBef>
-                <a:spcPts val="1417"/>
+                <a:spcPts val="1415"/>
               </a:spcBef>
               <a:buClr>
                 <a:srgbClr val="000000"/>
               </a:buClr>
               <a:buSzPct val="45000"/>
-              <a:buFont typeface="Wingdings" charset="2"/>
+              <a:buFont typeface="Wingdings" panose="05000000000000000000" pitchFamily="2" charset="2"/>
               <a:buChar char=""/>
             </a:pPr>
             <a:r>
-              <a:rPr b="0" lang="en-IN" sz="2400" spc="-1" strike="noStrike">
-                <a:latin typeface="Arial"/>
+              <a:rPr lang="en-IN" sz="2400" b="0" strike="noStrike" spc="-1">
+                <a:latin typeface="Arial" panose="020B0604020202090204"/>
               </a:rPr>
               <a:t>Pycharm</a:t>
             </a:r>
-            <a:endParaRPr b="0" lang="en-IN" sz="2400" spc="-1" strike="noStrike">
-              <a:latin typeface="Arial"/>
-            </a:endParaRPr>
-          </a:p>
-          <a:p>
-            <a:pPr marL="432000" indent="-324000">
+            <a:endParaRPr lang="en-IN" sz="2400" b="0" strike="noStrike" spc="-1">
+              <a:latin typeface="Arial" panose="020B0604020202090204"/>
+            </a:endParaRPr>
+          </a:p>
+          <a:p>
+            <a:pPr marL="431800" indent="-323850">
               <a:spcBef>
-                <a:spcPts val="1417"/>
+                <a:spcPts val="1415"/>
               </a:spcBef>
               <a:buClr>
                 <a:srgbClr val="000000"/>
               </a:buClr>
               <a:buSzPct val="45000"/>
-              <a:buFont typeface="Wingdings" charset="2"/>
+              <a:buFont typeface="Wingdings" panose="05000000000000000000" pitchFamily="2" charset="2"/>
               <a:buChar char=""/>
             </a:pPr>
             <a:r>
-              <a:rPr b="0" lang="en-IN" sz="2400" spc="-1" strike="noStrike">
-                <a:latin typeface="Arial"/>
+              <a:rPr lang="en-IN" sz="2400" b="0" strike="noStrike" spc="-1">
+                <a:latin typeface="Arial" panose="020B0604020202090204"/>
               </a:rPr>
               <a:t>Vscode</a:t>
             </a:r>
-            <a:endParaRPr b="0" lang="en-IN" sz="2400" spc="-1" strike="noStrike">
-              <a:latin typeface="Arial"/>
+            <a:endParaRPr lang="en-IN" sz="2400" b="0" strike="noStrike" spc="-1">
+              <a:latin typeface="Arial" panose="020B0604020202090204"/>
             </a:endParaRPr>
           </a:p>
         </p:txBody>
       </p:sp>
     </p:spTree>
   </p:cSld>
-  <mc:AlternateContent>
-    <mc:Choice Requires="p14">
+  <p:clrMapOvr>
+    <a:masterClrMapping/>
+  </p:clrMapOvr>
+  <mc:AlternateContent xmlns:mc="http://schemas.openxmlformats.org/markup-compatibility/2006">
+    <mc:Choice xmlns:p14="http://schemas.microsoft.com/office/powerpoint/2010/main" Requires="p14">
       <p:transition spd="slow" p14:dur="2000"/>
     </mc:Choice>
     <mc:Fallback>
@@ -8045,7 +8322,7 @@
 </file>
 
 <file path=ppt/slides/slide15.xml><?xml version="1.0" encoding="utf-8"?>
-<p:sld xmlns:a="http://schemas.openxmlformats.org/drawingml/2006/main" xmlns:p="http://schemas.openxmlformats.org/presentationml/2006/main" xmlns:r="http://schemas.openxmlformats.org/officeDocument/2006/relationships" xmlns:p14="http://schemas.microsoft.com/office/powerpoint/2010/main" xmlns:p15="http://schemas.microsoft.com/office/powerpoint/2012/main" xmlns:mc="http://schemas.openxmlformats.org/markup-compatibility/2006">
+<p:sld xmlns:a="http://schemas.openxmlformats.org/drawingml/2006/main" xmlns:r="http://schemas.openxmlformats.org/officeDocument/2006/relationships" xmlns:p="http://schemas.openxmlformats.org/presentationml/2006/main">
   <p:cSld>
     <p:spTree>
       <p:nvGrpSpPr>
@@ -8081,22 +8358,22 @@
           </a:ln>
         </p:spPr>
         <p:txBody>
-          <a:bodyPr lIns="0" rIns="0" tIns="0" bIns="0" anchor="ctr">
+          <a:bodyPr lIns="0" tIns="0" rIns="0" bIns="0" anchor="ctr">
             <a:noAutofit/>
           </a:bodyPr>
           <a:p>
             <a:pPr algn="ctr"/>
             <a:r>
-              <a:rPr b="0" lang="en-IN" sz="4400" spc="-1" strike="noStrike">
+              <a:rPr lang="en-IN" sz="4400" b="0" strike="noStrike" spc="-1">
                 <a:solidFill>
-                  <a:srgbClr val="1e6a39"/>
+                  <a:srgbClr val="1E6A39"/>
                 </a:solidFill>
-                <a:latin typeface="Arial"/>
+                <a:latin typeface="Arial" panose="020B0604020202090204"/>
               </a:rPr>
               <a:t>Installation</a:t>
             </a:r>
-            <a:endParaRPr b="0" lang="en-IN" sz="4400" spc="-1" strike="noStrike">
-              <a:latin typeface="Arial"/>
+            <a:endParaRPr lang="en-IN" sz="4400" b="0" strike="noStrike" spc="-1">
+              <a:latin typeface="Arial" panose="020B0604020202090204"/>
             </a:endParaRPr>
           </a:p>
         </p:txBody>
@@ -8121,126 +8398,129 @@
           </a:ln>
         </p:spPr>
         <p:txBody>
-          <a:bodyPr lIns="0" rIns="0" tIns="0" bIns="0">
+          <a:bodyPr lIns="0" tIns="0" rIns="0" bIns="0">
             <a:normAutofit/>
           </a:bodyPr>
           <a:p>
-            <a:pPr marL="432000" indent="-324000">
+            <a:pPr marL="431800" indent="-323850">
               <a:spcBef>
-                <a:spcPts val="1417"/>
+                <a:spcPts val="1415"/>
               </a:spcBef>
               <a:buClr>
                 <a:srgbClr val="000000"/>
               </a:buClr>
               <a:buSzPct val="45000"/>
-              <a:buFont typeface="Wingdings" charset="2"/>
+              <a:buFont typeface="Wingdings" panose="05000000000000000000" pitchFamily="2" charset="2"/>
               <a:buChar char=""/>
             </a:pPr>
             <a:r>
-              <a:rPr b="0" lang="en-IN" sz="1800" spc="-1" strike="noStrike">
-                <a:latin typeface="Arial"/>
+              <a:rPr lang="en-IN" sz="1800" b="0" strike="noStrike" spc="-1">
+                <a:latin typeface="Arial" panose="020B0604020202090204"/>
               </a:rPr>
               <a:t>Install miniconda</a:t>
             </a:r>
-            <a:endParaRPr b="0" lang="en-IN" sz="1800" spc="-1" strike="noStrike">
-              <a:latin typeface="Arial"/>
-            </a:endParaRPr>
-          </a:p>
-          <a:p>
-            <a:pPr marL="432000" indent="-324000">
+            <a:endParaRPr lang="en-IN" sz="1800" b="0" strike="noStrike" spc="-1">
+              <a:latin typeface="Arial" panose="020B0604020202090204"/>
+            </a:endParaRPr>
+          </a:p>
+          <a:p>
+            <a:pPr marL="431800" indent="-323850">
               <a:spcBef>
-                <a:spcPts val="1417"/>
+                <a:spcPts val="1415"/>
               </a:spcBef>
               <a:buClr>
                 <a:srgbClr val="000000"/>
               </a:buClr>
               <a:buSzPct val="45000"/>
-              <a:buFont typeface="Wingdings" charset="2"/>
+              <a:buFont typeface="Wingdings" panose="05000000000000000000" pitchFamily="2" charset="2"/>
               <a:buChar char=""/>
             </a:pPr>
             <a:r>
-              <a:rPr b="0" lang="en-IN" sz="1800" spc="-1" strike="noStrike">
-                <a:latin typeface="Arial"/>
+              <a:rPr lang="en-IN" sz="1800" b="0" strike="noStrike" spc="-1">
+                <a:latin typeface="Arial" panose="020B0604020202090204"/>
                 <a:hlinkClick r:id="rId1"/>
               </a:rPr>
               <a:t>https://docs.conda.io/en/latest/miniconda.html</a:t>
             </a:r>
-            <a:endParaRPr b="0" lang="en-IN" sz="1800" spc="-1" strike="noStrike">
-              <a:latin typeface="Arial"/>
-            </a:endParaRPr>
-          </a:p>
-          <a:p>
-            <a:pPr marL="432000" indent="-324000">
+            <a:endParaRPr lang="en-IN" sz="1800" b="0" strike="noStrike" spc="-1">
+              <a:latin typeface="Arial" panose="020B0604020202090204"/>
+            </a:endParaRPr>
+          </a:p>
+          <a:p>
+            <a:pPr marL="431800" indent="-323850">
               <a:spcBef>
-                <a:spcPts val="1417"/>
+                <a:spcPts val="1415"/>
               </a:spcBef>
               <a:buClr>
                 <a:srgbClr val="000000"/>
               </a:buClr>
               <a:buSzPct val="45000"/>
-              <a:buFont typeface="Wingdings" charset="2"/>
+              <a:buFont typeface="Wingdings" panose="05000000000000000000" pitchFamily="2" charset="2"/>
               <a:buChar char=""/>
             </a:pPr>
             <a:r>
-              <a:rPr b="0" lang="en-IN" sz="1800" spc="-1" strike="noStrike">
-                <a:latin typeface="Arial"/>
+              <a:rPr lang="en-IN" sz="1800" b="0" strike="noStrike" spc="-1">
+                <a:latin typeface="Arial" panose="020B0604020202090204"/>
               </a:rPr>
               <a:t>Virtual environments</a:t>
             </a:r>
-            <a:endParaRPr b="0" lang="en-IN" sz="1800" spc="-1" strike="noStrike">
-              <a:latin typeface="Arial"/>
-            </a:endParaRPr>
-          </a:p>
-          <a:p>
-            <a:pPr marL="432000" indent="-324000">
+            <a:endParaRPr lang="en-IN" sz="1800" b="0" strike="noStrike" spc="-1">
+              <a:latin typeface="Arial" panose="020B0604020202090204"/>
+            </a:endParaRPr>
+          </a:p>
+          <a:p>
+            <a:pPr marL="431800" indent="-323850">
               <a:spcBef>
-                <a:spcPts val="1417"/>
+                <a:spcPts val="1415"/>
               </a:spcBef>
               <a:buClr>
                 <a:srgbClr val="000000"/>
               </a:buClr>
               <a:buSzPct val="45000"/>
-              <a:buFont typeface="Wingdings" charset="2"/>
+              <a:buFont typeface="Wingdings" panose="05000000000000000000" pitchFamily="2" charset="2"/>
               <a:buChar char=""/>
             </a:pPr>
             <a:r>
-              <a:rPr b="0" lang="en-IN" sz="1800" spc="-1" strike="noStrike">
-                <a:latin typeface="Arial"/>
+              <a:rPr lang="en-IN" sz="1800" b="0" strike="noStrike" spc="-1">
+                <a:latin typeface="Arial" panose="020B0604020202090204"/>
               </a:rPr>
               <a:t>Install Python</a:t>
             </a:r>
-            <a:endParaRPr b="0" lang="en-IN" sz="1800" spc="-1" strike="noStrike">
-              <a:latin typeface="Arial"/>
-            </a:endParaRPr>
-          </a:p>
-          <a:p>
-            <a:pPr marL="432000" indent="-324000">
+            <a:endParaRPr lang="en-IN" sz="1800" b="0" strike="noStrike" spc="-1">
+              <a:latin typeface="Arial" panose="020B0604020202090204"/>
+            </a:endParaRPr>
+          </a:p>
+          <a:p>
+            <a:pPr marL="431800" indent="-323850">
               <a:spcBef>
-                <a:spcPts val="1417"/>
+                <a:spcPts val="1415"/>
               </a:spcBef>
               <a:buClr>
                 <a:srgbClr val="000000"/>
               </a:buClr>
               <a:buSzPct val="45000"/>
-              <a:buFont typeface="Wingdings" charset="2"/>
+              <a:buFont typeface="Wingdings" panose="05000000000000000000" pitchFamily="2" charset="2"/>
               <a:buChar char=""/>
             </a:pPr>
             <a:r>
-              <a:rPr b="0" lang="en-IN" sz="1800" spc="-1" strike="noStrike">
-                <a:latin typeface="Arial"/>
+              <a:rPr lang="en-IN" sz="1800" b="0" strike="noStrike" spc="-1">
+                <a:latin typeface="Arial" panose="020B0604020202090204"/>
               </a:rPr>
               <a:t>Install Django</a:t>
             </a:r>
-            <a:endParaRPr b="0" lang="en-IN" sz="1800" spc="-1" strike="noStrike">
-              <a:latin typeface="Arial"/>
+            <a:endParaRPr lang="en-IN" sz="1800" b="0" strike="noStrike" spc="-1">
+              <a:latin typeface="Arial" panose="020B0604020202090204"/>
             </a:endParaRPr>
           </a:p>
         </p:txBody>
       </p:sp>
     </p:spTree>
   </p:cSld>
-  <mc:AlternateContent>
-    <mc:Choice Requires="p14">
+  <p:clrMapOvr>
+    <a:masterClrMapping/>
+  </p:clrMapOvr>
+  <mc:AlternateContent xmlns:mc="http://schemas.openxmlformats.org/markup-compatibility/2006">
+    <mc:Choice xmlns:p14="http://schemas.microsoft.com/office/powerpoint/2010/main" Requires="p14">
       <p:transition spd="slow" p14:dur="2000"/>
     </mc:Choice>
     <mc:Fallback>
@@ -8251,7 +8531,7 @@
 </file>
 
 <file path=ppt/slides/slide16.xml><?xml version="1.0" encoding="utf-8"?>
-<p:sld xmlns:a="http://schemas.openxmlformats.org/drawingml/2006/main" xmlns:p="http://schemas.openxmlformats.org/presentationml/2006/main" xmlns:r="http://schemas.openxmlformats.org/officeDocument/2006/relationships" xmlns:p14="http://schemas.microsoft.com/office/powerpoint/2010/main" xmlns:p15="http://schemas.microsoft.com/office/powerpoint/2012/main" xmlns:mc="http://schemas.openxmlformats.org/markup-compatibility/2006">
+<p:sld xmlns:a="http://schemas.openxmlformats.org/drawingml/2006/main" xmlns:r="http://schemas.openxmlformats.org/officeDocument/2006/relationships" xmlns:p="http://schemas.openxmlformats.org/presentationml/2006/main">
   <p:cSld>
     <p:spTree>
       <p:nvGrpSpPr>
@@ -8287,35 +8567,37 @@
           </a:ln>
         </p:spPr>
         <p:txBody>
-          <a:bodyPr lIns="0" rIns="0" tIns="0" bIns="0" anchor="ctr">
+          <a:bodyPr lIns="0" tIns="0" rIns="0" bIns="0" anchor="ctr">
             <a:noAutofit/>
           </a:bodyPr>
           <a:p>
             <a:pPr algn="ctr"/>
             <a:r>
-              <a:rPr b="0" lang="en-IN" sz="4400" spc="-1" strike="noStrike">
+              <a:rPr lang="en-IN" sz="4400" b="0" strike="noStrike" spc="-1">
                 <a:solidFill>
                   <a:srgbClr val="168253"/>
                 </a:solidFill>
-                <a:latin typeface="Arial"/>
+                <a:latin typeface="Arial" panose="020B0604020202090204"/>
               </a:rPr>
               <a:t>What is PIP?</a:t>
             </a:r>
-            <a:endParaRPr b="0" lang="en-IN" sz="4400" spc="-1" strike="noStrike">
-              <a:latin typeface="Arial"/>
+            <a:endParaRPr lang="en-IN" sz="4400" b="0" strike="noStrike" spc="-1">
+              <a:latin typeface="Arial" panose="020B0604020202090204"/>
             </a:endParaRPr>
           </a:p>
         </p:txBody>
       </p:sp>
       <p:pic>
         <p:nvPicPr>
-          <p:cNvPr id="196" name="" descr=""/>
+          <p:cNvPr id="196" name="Picture 195"/>
           <p:cNvPicPr/>
           <p:nvPr/>
         </p:nvPicPr>
         <p:blipFill>
           <a:blip r:embed="rId1"/>
-          <a:stretch/>
+          <a:stretch>
+            <a:fillRect/>
+          </a:stretch>
         </p:blipFill>
         <p:spPr>
           <a:xfrm>
@@ -8332,8 +8614,11 @@
       </p:pic>
     </p:spTree>
   </p:cSld>
-  <mc:AlternateContent>
-    <mc:Choice Requires="p14">
+  <p:clrMapOvr>
+    <a:masterClrMapping/>
+  </p:clrMapOvr>
+  <mc:AlternateContent xmlns:mc="http://schemas.openxmlformats.org/markup-compatibility/2006">
+    <mc:Choice xmlns:p14="http://schemas.microsoft.com/office/powerpoint/2010/main" Requires="p14">
       <p:transition spd="slow" p14:dur="2000"/>
     </mc:Choice>
     <mc:Fallback>
@@ -8344,7 +8629,7 @@
 </file>
 
 <file path=ppt/slides/slide17.xml><?xml version="1.0" encoding="utf-8"?>
-<p:sld xmlns:a="http://schemas.openxmlformats.org/drawingml/2006/main" xmlns:p="http://schemas.openxmlformats.org/presentationml/2006/main" xmlns:r="http://schemas.openxmlformats.org/officeDocument/2006/relationships" xmlns:p14="http://schemas.microsoft.com/office/powerpoint/2010/main" xmlns:p15="http://schemas.microsoft.com/office/powerpoint/2012/main" xmlns:mc="http://schemas.openxmlformats.org/markup-compatibility/2006">
+<p:sld xmlns:a="http://schemas.openxmlformats.org/drawingml/2006/main" xmlns:r="http://schemas.openxmlformats.org/officeDocument/2006/relationships" xmlns:p="http://schemas.openxmlformats.org/presentationml/2006/main">
   <p:cSld>
     <p:spTree>
       <p:nvGrpSpPr>
@@ -8380,22 +8665,22 @@
           </a:ln>
         </p:spPr>
         <p:txBody>
-          <a:bodyPr lIns="0" rIns="0" tIns="0" bIns="0" anchor="ctr">
+          <a:bodyPr lIns="0" tIns="0" rIns="0" bIns="0" anchor="ctr">
             <a:noAutofit/>
           </a:bodyPr>
           <a:p>
             <a:pPr algn="ctr"/>
             <a:r>
-              <a:rPr b="0" lang="en-IN" sz="4400" spc="-1" strike="noStrike">
+              <a:rPr lang="en-IN" sz="4400" b="0" strike="noStrike" spc="-1">
                 <a:solidFill>
                   <a:srgbClr val="168253"/>
                 </a:solidFill>
-                <a:latin typeface="Arial"/>
+                <a:latin typeface="Arial" panose="020B0604020202090204"/>
               </a:rPr>
               <a:t>What is PIP?</a:t>
             </a:r>
-            <a:endParaRPr b="0" lang="en-IN" sz="4400" spc="-1" strike="noStrike">
-              <a:latin typeface="Arial"/>
+            <a:endParaRPr lang="en-IN" sz="4400" b="0" strike="noStrike" spc="-1">
+              <a:latin typeface="Arial" panose="020B0604020202090204"/>
             </a:endParaRPr>
           </a:p>
         </p:txBody>
@@ -8420,101 +8705,101 @@
           </a:ln>
         </p:spPr>
         <p:txBody>
-          <a:bodyPr lIns="0" rIns="0" tIns="0" bIns="0">
+          <a:bodyPr lIns="0" tIns="0" rIns="0" bIns="0">
             <a:normAutofit/>
           </a:bodyPr>
           <a:p>
-            <a:pPr marL="432000" indent="-324000">
+            <a:pPr marL="431800" indent="-323850">
               <a:spcBef>
-                <a:spcPts val="1417"/>
+                <a:spcPts val="1415"/>
               </a:spcBef>
               <a:buClr>
                 <a:srgbClr val="000000"/>
               </a:buClr>
               <a:buSzPct val="45000"/>
-              <a:buFont typeface="Wingdings" charset="2"/>
+              <a:buFont typeface="Wingdings" panose="05000000000000000000" pitchFamily="2" charset="2"/>
               <a:buChar char=""/>
             </a:pPr>
             <a:r>
-              <a:rPr b="0" lang="en-IN" sz="2200" spc="-1" strike="noStrike">
-                <a:latin typeface="Arial"/>
+              <a:rPr lang="en-IN" sz="2200" b="0" strike="noStrike" spc="-1">
+                <a:latin typeface="Arial" panose="020B0604020202090204"/>
               </a:rPr>
               <a:t>Package manager for python</a:t>
             </a:r>
-            <a:endParaRPr b="0" lang="en-IN" sz="2200" spc="-1" strike="noStrike">
-              <a:latin typeface="Arial"/>
-            </a:endParaRPr>
-          </a:p>
-          <a:p>
-            <a:pPr marL="432000" indent="-324000">
+            <a:endParaRPr lang="en-IN" sz="2200" b="0" strike="noStrike" spc="-1">
+              <a:latin typeface="Arial" panose="020B0604020202090204"/>
+            </a:endParaRPr>
+          </a:p>
+          <a:p>
+            <a:pPr marL="431800" indent="-323850">
               <a:spcBef>
-                <a:spcPts val="1417"/>
+                <a:spcPts val="1415"/>
               </a:spcBef>
               <a:buClr>
                 <a:srgbClr val="000000"/>
               </a:buClr>
               <a:buSzPct val="45000"/>
-              <a:buFont typeface="Wingdings" charset="2"/>
+              <a:buFont typeface="Wingdings" panose="05000000000000000000" pitchFamily="2" charset="2"/>
               <a:buChar char=""/>
             </a:pPr>
             <a:r>
-              <a:rPr b="0" lang="en-IN" sz="2200" spc="-1" strike="noStrike">
-                <a:latin typeface="Arial"/>
+              <a:rPr lang="en-IN" sz="2200" b="0" strike="noStrike" spc="-1">
+                <a:latin typeface="Arial" panose="020B0604020202090204"/>
               </a:rPr>
               <a:t>Use to install and upgrade various python packages</a:t>
             </a:r>
-            <a:endParaRPr b="0" lang="en-IN" sz="2200" spc="-1" strike="noStrike">
-              <a:latin typeface="Arial"/>
-            </a:endParaRPr>
-          </a:p>
-          <a:p>
-            <a:pPr marL="432000" indent="-324000">
+            <a:endParaRPr lang="en-IN" sz="2200" b="0" strike="noStrike" spc="-1">
+              <a:latin typeface="Arial" panose="020B0604020202090204"/>
+            </a:endParaRPr>
+          </a:p>
+          <a:p>
+            <a:pPr marL="431800" indent="-323850">
               <a:spcBef>
-                <a:spcPts val="1417"/>
+                <a:spcPts val="1415"/>
               </a:spcBef>
               <a:buClr>
                 <a:srgbClr val="000000"/>
               </a:buClr>
               <a:buSzPct val="45000"/>
-              <a:buFont typeface="Wingdings" charset="2"/>
+              <a:buFont typeface="Wingdings" panose="05000000000000000000" pitchFamily="2" charset="2"/>
               <a:buChar char=""/>
             </a:pPr>
             <a:r>
-              <a:rPr b="0" lang="en-IN" sz="2200" spc="-1" strike="noStrike">
-                <a:latin typeface="Arial"/>
+              <a:rPr lang="en-IN" sz="2200" b="0" strike="noStrike" spc="-1">
+                <a:latin typeface="Arial" panose="020B0604020202090204"/>
               </a:rPr>
               <a:t>Similar to nuget(.net), npm(nodejs),gem(ruby)</a:t>
             </a:r>
-            <a:endParaRPr b="0" lang="en-IN" sz="2200" spc="-1" strike="noStrike">
-              <a:latin typeface="Arial"/>
-            </a:endParaRPr>
-          </a:p>
-          <a:p>
-            <a:pPr marL="432000" indent="-324000">
+            <a:endParaRPr lang="en-IN" sz="2200" b="0" strike="noStrike" spc="-1">
+              <a:latin typeface="Arial" panose="020B0604020202090204"/>
+            </a:endParaRPr>
+          </a:p>
+          <a:p>
+            <a:pPr marL="431800" indent="-323850">
               <a:spcBef>
-                <a:spcPts val="1417"/>
+                <a:spcPts val="1415"/>
               </a:spcBef>
               <a:buClr>
                 <a:srgbClr val="000000"/>
               </a:buClr>
               <a:buSzPct val="45000"/>
-              <a:buFont typeface="Wingdings" charset="2"/>
+              <a:buFont typeface="Wingdings" panose="05000000000000000000" pitchFamily="2" charset="2"/>
               <a:buChar char=""/>
             </a:pPr>
             <a:r>
-              <a:rPr b="0" lang="en-IN" sz="2200" spc="-1" strike="noStrike">
-                <a:latin typeface="Arial"/>
+              <a:rPr lang="en-IN" sz="2200" b="0" strike="noStrike" spc="-1">
+                <a:latin typeface="Arial" panose="020B0604020202090204"/>
               </a:rPr>
               <a:t>Commands</a:t>
             </a:r>
-            <a:endParaRPr b="0" lang="en-IN" sz="2200" spc="-1" strike="noStrike">
-              <a:latin typeface="Arial"/>
-            </a:endParaRPr>
-          </a:p>
-          <a:p>
-            <a:pPr lvl="1" marL="864000" indent="-324000">
+            <a:endParaRPr lang="en-IN" sz="2200" b="0" strike="noStrike" spc="-1">
+              <a:latin typeface="Arial" panose="020B0604020202090204"/>
+            </a:endParaRPr>
+          </a:p>
+          <a:p>
+            <a:pPr marL="864235" lvl="1" indent="-323850">
               <a:spcBef>
-                <a:spcPts val="1134"/>
+                <a:spcPts val="1135"/>
               </a:spcBef>
               <a:buClr>
                 <a:srgbClr val="000000"/>
@@ -8524,19 +8809,19 @@
               <a:buChar char=""/>
             </a:pPr>
             <a:r>
-              <a:rPr b="0" lang="en-IN" sz="2000" spc="-1" strike="noStrike">
-                <a:latin typeface="Arial"/>
+              <a:rPr lang="en-IN" sz="2000" b="0" strike="noStrike" spc="-1">
+                <a:latin typeface="Arial" panose="020B0604020202090204"/>
               </a:rPr>
               <a:t>pip help</a:t>
             </a:r>
-            <a:endParaRPr b="0" lang="en-IN" sz="2000" spc="-1" strike="noStrike">
-              <a:latin typeface="Arial"/>
-            </a:endParaRPr>
-          </a:p>
-          <a:p>
-            <a:pPr lvl="1" marL="864000" indent="-324000">
+            <a:endParaRPr lang="en-IN" sz="2000" b="0" strike="noStrike" spc="-1">
+              <a:latin typeface="Arial" panose="020B0604020202090204"/>
+            </a:endParaRPr>
+          </a:p>
+          <a:p>
+            <a:pPr marL="864235" lvl="1" indent="-323850">
               <a:spcBef>
-                <a:spcPts val="1134"/>
+                <a:spcPts val="1135"/>
               </a:spcBef>
               <a:buClr>
                 <a:srgbClr val="000000"/>
@@ -8546,19 +8831,19 @@
               <a:buChar char=""/>
             </a:pPr>
             <a:r>
-              <a:rPr b="0" lang="en-IN" sz="2000" spc="-1" strike="noStrike">
-                <a:latin typeface="Arial"/>
+              <a:rPr lang="en-IN" sz="2000" b="0" strike="noStrike" spc="-1">
+                <a:latin typeface="Arial" panose="020B0604020202090204"/>
               </a:rPr>
               <a:t>pip install “package”</a:t>
             </a:r>
-            <a:endParaRPr b="0" lang="en-IN" sz="2000" spc="-1" strike="noStrike">
-              <a:latin typeface="Arial"/>
-            </a:endParaRPr>
-          </a:p>
-          <a:p>
-            <a:pPr lvl="1" marL="864000" indent="-324000">
+            <a:endParaRPr lang="en-IN" sz="2000" b="0" strike="noStrike" spc="-1">
+              <a:latin typeface="Arial" panose="020B0604020202090204"/>
+            </a:endParaRPr>
+          </a:p>
+          <a:p>
+            <a:pPr marL="864235" lvl="1" indent="-323850">
               <a:spcBef>
-                <a:spcPts val="1134"/>
+                <a:spcPts val="1135"/>
               </a:spcBef>
               <a:buClr>
                 <a:srgbClr val="000000"/>
@@ -8568,66 +8853,69 @@
               <a:buChar char=""/>
             </a:pPr>
             <a:r>
-              <a:rPr b="0" lang="en-IN" sz="2000" spc="-1" strike="noStrike">
-                <a:latin typeface="Arial"/>
+              <a:rPr lang="en-IN" sz="2000" b="0" strike="noStrike" spc="-1">
+                <a:latin typeface="Arial" panose="020B0604020202090204"/>
               </a:rPr>
               <a:t>pip show “package”</a:t>
             </a:r>
-            <a:endParaRPr b="0" lang="en-IN" sz="2000" spc="-1" strike="noStrike">
-              <a:latin typeface="Arial"/>
-            </a:endParaRPr>
-          </a:p>
-          <a:p>
-            <a:pPr marL="432000" indent="-324000">
+            <a:endParaRPr lang="en-IN" sz="2000" b="0" strike="noStrike" spc="-1">
+              <a:latin typeface="Arial" panose="020B0604020202090204"/>
+            </a:endParaRPr>
+          </a:p>
+          <a:p>
+            <a:pPr marL="431800" indent="-323850">
               <a:spcBef>
-                <a:spcPts val="1417"/>
+                <a:spcPts val="1415"/>
               </a:spcBef>
               <a:buClr>
                 <a:srgbClr val="000000"/>
               </a:buClr>
               <a:buSzPct val="45000"/>
-              <a:buFont typeface="Wingdings" charset="2"/>
+              <a:buFont typeface="Wingdings" panose="05000000000000000000" pitchFamily="2" charset="2"/>
               <a:buChar char=""/>
             </a:pPr>
             <a:r>
-              <a:rPr b="0" lang="en-IN" sz="2000" spc="-1" strike="noStrike">
-                <a:latin typeface="Arial"/>
+              <a:rPr lang="en-IN" sz="2000" b="0" strike="noStrike" spc="-1">
+                <a:latin typeface="Arial" panose="020B0604020202090204"/>
               </a:rPr>
               <a:t>More info on </a:t>
             </a:r>
             <a:r>
-              <a:rPr b="0" lang="en-IN" sz="2000" spc="-1" strike="noStrike">
-                <a:latin typeface="Arial"/>
+              <a:rPr lang="en-IN" sz="2000" b="0" strike="noStrike" spc="-1">
+                <a:latin typeface="Arial" panose="020B0604020202090204"/>
                 <a:hlinkClick r:id="rId1"/>
               </a:rPr>
               <a:t>https://pypi.org</a:t>
             </a:r>
-            <a:endParaRPr b="0" lang="en-IN" sz="2000" spc="-1" strike="noStrike">
-              <a:latin typeface="Arial"/>
-            </a:endParaRPr>
-          </a:p>
-          <a:p>
-            <a:pPr marL="432000" indent="-324000">
+            <a:endParaRPr lang="en-IN" sz="2000" b="0" strike="noStrike" spc="-1">
+              <a:latin typeface="Arial" panose="020B0604020202090204"/>
+            </a:endParaRPr>
+          </a:p>
+          <a:p>
+            <a:pPr marL="431800" indent="-323850">
               <a:spcBef>
-                <a:spcPts val="1417"/>
+                <a:spcPts val="1415"/>
               </a:spcBef>
               <a:buClr>
                 <a:srgbClr val="000000"/>
               </a:buClr>
               <a:buSzPct val="45000"/>
-              <a:buFont typeface="Wingdings" charset="2"/>
+              <a:buFont typeface="Wingdings" panose="05000000000000000000" pitchFamily="2" charset="2"/>
               <a:buChar char=""/>
             </a:pPr>
-            <a:endParaRPr b="0" lang="en-IN" sz="2000" spc="-1" strike="noStrike">
-              <a:latin typeface="Arial"/>
+            <a:endParaRPr lang="en-IN" sz="2000" b="0" strike="noStrike" spc="-1">
+              <a:latin typeface="Arial" panose="020B0604020202090204"/>
             </a:endParaRPr>
           </a:p>
         </p:txBody>
       </p:sp>
     </p:spTree>
   </p:cSld>
-  <mc:AlternateContent>
-    <mc:Choice Requires="p14">
+  <p:clrMapOvr>
+    <a:masterClrMapping/>
+  </p:clrMapOvr>
+  <mc:AlternateContent xmlns:mc="http://schemas.openxmlformats.org/markup-compatibility/2006">
+    <mc:Choice xmlns:p14="http://schemas.microsoft.com/office/powerpoint/2010/main" Requires="p14">
       <p:transition spd="slow" p14:dur="2000"/>
     </mc:Choice>
     <mc:Fallback>
@@ -8638,7 +8926,7 @@
 </file>
 
 <file path=ppt/slides/slide18.xml><?xml version="1.0" encoding="utf-8"?>
-<p:sld xmlns:a="http://schemas.openxmlformats.org/drawingml/2006/main" xmlns:p="http://schemas.openxmlformats.org/presentationml/2006/main" xmlns:r="http://schemas.openxmlformats.org/officeDocument/2006/relationships" xmlns:p14="http://schemas.microsoft.com/office/powerpoint/2010/main" xmlns:p15="http://schemas.microsoft.com/office/powerpoint/2012/main" xmlns:mc="http://schemas.openxmlformats.org/markup-compatibility/2006">
+<p:sld xmlns:a="http://schemas.openxmlformats.org/drawingml/2006/main" xmlns:r="http://schemas.openxmlformats.org/officeDocument/2006/relationships" xmlns:p="http://schemas.openxmlformats.org/presentationml/2006/main">
   <p:cSld>
     <p:spTree>
       <p:nvGrpSpPr>
@@ -8674,27 +8962,30 @@
           </a:ln>
         </p:spPr>
         <p:txBody>
-          <a:bodyPr lIns="0" rIns="0" tIns="0" bIns="0" anchor="ctr">
+          <a:bodyPr lIns="0" tIns="0" rIns="0" bIns="0" anchor="ctr">
             <a:noAutofit/>
           </a:bodyPr>
           <a:p>
             <a:pPr algn="ctr"/>
             <a:r>
-              <a:rPr b="0" lang="en-IN" sz="4400" spc="-1" strike="noStrike">
-                <a:latin typeface="Arial"/>
+              <a:rPr lang="en-IN" sz="4400" b="0" strike="noStrike" spc="-1">
+                <a:latin typeface="Arial" panose="020B0604020202090204"/>
               </a:rPr>
               <a:t>Thank You</a:t>
             </a:r>
-            <a:endParaRPr b="0" lang="en-IN" sz="4400" spc="-1" strike="noStrike">
-              <a:latin typeface="Arial"/>
+            <a:endParaRPr lang="en-IN" sz="4400" b="0" strike="noStrike" spc="-1">
+              <a:latin typeface="Arial" panose="020B0604020202090204"/>
             </a:endParaRPr>
           </a:p>
         </p:txBody>
       </p:sp>
     </p:spTree>
   </p:cSld>
-  <mc:AlternateContent>
-    <mc:Choice Requires="p14">
+  <p:clrMapOvr>
+    <a:masterClrMapping/>
+  </p:clrMapOvr>
+  <mc:AlternateContent xmlns:mc="http://schemas.openxmlformats.org/markup-compatibility/2006">
+    <mc:Choice xmlns:p14="http://schemas.microsoft.com/office/powerpoint/2010/main" Requires="p14">
       <p:transition spd="slow" p14:dur="2000"/>
     </mc:Choice>
     <mc:Fallback>
@@ -8705,7 +8996,7 @@
 </file>
 
 <file path=ppt/slides/slide2.xml><?xml version="1.0" encoding="utf-8"?>
-<p:sld xmlns:a="http://schemas.openxmlformats.org/drawingml/2006/main" xmlns:p="http://schemas.openxmlformats.org/presentationml/2006/main" xmlns:r="http://schemas.openxmlformats.org/officeDocument/2006/relationships" xmlns:p14="http://schemas.microsoft.com/office/powerpoint/2010/main" xmlns:p15="http://schemas.microsoft.com/office/powerpoint/2012/main" xmlns:mc="http://schemas.openxmlformats.org/markup-compatibility/2006">
+<p:sld xmlns:a="http://schemas.openxmlformats.org/drawingml/2006/main" xmlns:r="http://schemas.openxmlformats.org/officeDocument/2006/relationships" xmlns:p="http://schemas.openxmlformats.org/presentationml/2006/main">
   <p:cSld>
     <p:spTree>
       <p:nvGrpSpPr>
@@ -8741,22 +9032,22 @@
           </a:ln>
         </p:spPr>
         <p:txBody>
-          <a:bodyPr lIns="0" rIns="0" tIns="0" bIns="0" anchor="ctr">
+          <a:bodyPr lIns="0" tIns="0" rIns="0" bIns="0" anchor="ctr">
             <a:noAutofit/>
           </a:bodyPr>
           <a:p>
             <a:pPr algn="ctr"/>
             <a:r>
-              <a:rPr b="0" lang="en-IN" sz="4400" spc="-1" strike="noStrike">
+              <a:rPr lang="en-IN" sz="4400" b="0" strike="noStrike" spc="-1">
                 <a:solidFill>
                   <a:srgbClr val="168253"/>
                 </a:solidFill>
-                <a:latin typeface="Arial"/>
+                <a:latin typeface="Arial" panose="020B0604020202090204"/>
               </a:rPr>
               <a:t>What is Django?</a:t>
             </a:r>
-            <a:endParaRPr b="0" lang="en-IN" sz="4400" spc="-1" strike="noStrike">
-              <a:latin typeface="Arial"/>
+            <a:endParaRPr lang="en-IN" sz="4400" b="0" strike="noStrike" spc="-1">
+              <a:latin typeface="Arial" panose="020B0604020202090204"/>
             </a:endParaRPr>
           </a:p>
         </p:txBody>
@@ -8781,177 +9072,180 @@
           </a:ln>
         </p:spPr>
         <p:txBody>
-          <a:bodyPr lIns="0" rIns="0" tIns="0" bIns="0">
+          <a:bodyPr lIns="0" tIns="0" rIns="0" bIns="0">
             <a:normAutofit/>
           </a:bodyPr>
           <a:p>
-            <a:pPr marL="432000" indent="-324000">
+            <a:pPr marL="431800" indent="-323850">
               <a:spcBef>
-                <a:spcPts val="1417"/>
+                <a:spcPts val="1415"/>
               </a:spcBef>
               <a:buClr>
                 <a:srgbClr val="000000"/>
               </a:buClr>
               <a:buSzPct val="45000"/>
-              <a:buFont typeface="Wingdings" charset="2"/>
+              <a:buFont typeface="Wingdings" panose="05000000000000000000" pitchFamily="2" charset="2"/>
               <a:buChar char=""/>
             </a:pPr>
             <a:r>
-              <a:rPr b="0" lang="en-IN" sz="2400" spc="-1" strike="noStrike">
-                <a:latin typeface="Arial"/>
+              <a:rPr lang="en-IN" sz="2400" b="0" strike="noStrike" spc="-1">
+                <a:latin typeface="Arial" panose="020B0604020202090204"/>
               </a:rPr>
               <a:t>Django is a free and open source web app framework</a:t>
             </a:r>
-            <a:endParaRPr b="0" lang="en-IN" sz="2400" spc="-1" strike="noStrike">
-              <a:latin typeface="Arial"/>
-            </a:endParaRPr>
-          </a:p>
-          <a:p>
-            <a:pPr marL="432000" indent="-324000">
+            <a:endParaRPr lang="en-IN" sz="2400" b="0" strike="noStrike" spc="-1">
+              <a:latin typeface="Arial" panose="020B0604020202090204"/>
+            </a:endParaRPr>
+          </a:p>
+          <a:p>
+            <a:pPr marL="431800" indent="-323850">
               <a:spcBef>
-                <a:spcPts val="1417"/>
+                <a:spcPts val="1415"/>
               </a:spcBef>
               <a:buClr>
                 <a:srgbClr val="000000"/>
               </a:buClr>
               <a:buSzPct val="45000"/>
-              <a:buFont typeface="Wingdings" charset="2"/>
+              <a:buFont typeface="Wingdings" panose="05000000000000000000" pitchFamily="2" charset="2"/>
               <a:buChar char=""/>
             </a:pPr>
             <a:r>
-              <a:rPr b="0" lang="en-IN" sz="2400" spc="-1" strike="noStrike">
-                <a:latin typeface="Arial"/>
+              <a:rPr lang="en-IN" sz="2400" b="0" strike="noStrike" spc="-1">
+                <a:latin typeface="Arial" panose="020B0604020202090204"/>
               </a:rPr>
               <a:t>A web framework helps to effectively develop website.</a:t>
             </a:r>
-            <a:endParaRPr b="0" lang="en-IN" sz="2400" spc="-1" strike="noStrike">
-              <a:latin typeface="Arial"/>
-            </a:endParaRPr>
-          </a:p>
-          <a:p>
-            <a:pPr marL="432000" indent="-324000">
+            <a:endParaRPr lang="en-IN" sz="2400" b="0" strike="noStrike" spc="-1">
+              <a:latin typeface="Arial" panose="020B0604020202090204"/>
+            </a:endParaRPr>
+          </a:p>
+          <a:p>
+            <a:pPr marL="431800" indent="-323850">
               <a:spcBef>
-                <a:spcPts val="1417"/>
+                <a:spcPts val="1415"/>
               </a:spcBef>
               <a:buClr>
                 <a:srgbClr val="000000"/>
               </a:buClr>
               <a:buSzPct val="45000"/>
-              <a:buFont typeface="Wingdings" charset="2"/>
+              <a:buFont typeface="Wingdings" panose="05000000000000000000" pitchFamily="2" charset="2"/>
               <a:buChar char=""/>
             </a:pPr>
             <a:r>
-              <a:rPr b="0" lang="en-IN" sz="2400" spc="-1" strike="noStrike">
-                <a:latin typeface="Arial"/>
+              <a:rPr lang="en-IN" sz="2400" b="0" strike="noStrike" spc="-1">
+                <a:latin typeface="Arial" panose="020B0604020202090204"/>
               </a:rPr>
               <a:t>Django follow DRY (</a:t>
             </a:r>
             <a:r>
-              <a:rPr b="1" lang="en-IN" sz="2400" spc="-1" strike="noStrike">
-                <a:latin typeface="Arial"/>
+              <a:rPr lang="en-IN" sz="2400" b="1" strike="noStrike" spc="-1">
+                <a:latin typeface="Arial" panose="020B0604020202090204"/>
               </a:rPr>
               <a:t>D</a:t>
             </a:r>
             <a:r>
-              <a:rPr b="0" lang="en-IN" sz="2400" spc="-1" strike="noStrike">
-                <a:latin typeface="Arial"/>
+              <a:rPr lang="en-IN" sz="2400" b="0" strike="noStrike" spc="-1">
+                <a:latin typeface="Arial" panose="020B0604020202090204"/>
               </a:rPr>
               <a:t>on’t </a:t>
             </a:r>
             <a:r>
-              <a:rPr b="1" lang="en-IN" sz="2400" spc="-1" strike="noStrike">
-                <a:latin typeface="Arial"/>
+              <a:rPr lang="en-IN" sz="2400" b="1" strike="noStrike" spc="-1">
+                <a:latin typeface="Arial" panose="020B0604020202090204"/>
               </a:rPr>
               <a:t>R</a:t>
             </a:r>
             <a:r>
-              <a:rPr b="0" lang="en-IN" sz="2400" spc="-1" strike="noStrike">
-                <a:latin typeface="Arial"/>
+              <a:rPr lang="en-IN" sz="2400" b="0" strike="noStrike" spc="-1">
+                <a:latin typeface="Arial" panose="020B0604020202090204"/>
               </a:rPr>
               <a:t>epeat </a:t>
             </a:r>
             <a:r>
-              <a:rPr b="1" lang="en-IN" sz="2400" spc="-1" strike="noStrike">
-                <a:latin typeface="Arial"/>
+              <a:rPr lang="en-IN" sz="2400" b="1" strike="noStrike" spc="-1">
+                <a:latin typeface="Arial" panose="020B0604020202090204"/>
               </a:rPr>
               <a:t>Y</a:t>
             </a:r>
             <a:r>
-              <a:rPr b="0" lang="en-IN" sz="2400" spc="-1" strike="noStrike">
-                <a:latin typeface="Arial"/>
+              <a:rPr lang="en-IN" sz="2400" b="0" strike="noStrike" spc="-1">
+                <a:latin typeface="Arial" panose="020B0604020202090204"/>
               </a:rPr>
               <a:t>ourself)</a:t>
             </a:r>
-            <a:endParaRPr b="0" lang="en-IN" sz="2400" spc="-1" strike="noStrike">
-              <a:latin typeface="Arial"/>
-            </a:endParaRPr>
-          </a:p>
-          <a:p>
-            <a:pPr marL="432000" indent="-324000">
+            <a:endParaRPr lang="en-IN" sz="2400" b="0" strike="noStrike" spc="-1">
+              <a:latin typeface="Arial" panose="020B0604020202090204"/>
+            </a:endParaRPr>
+          </a:p>
+          <a:p>
+            <a:pPr marL="431800" indent="-323850">
               <a:spcBef>
-                <a:spcPts val="1417"/>
+                <a:spcPts val="1415"/>
               </a:spcBef>
               <a:buClr>
                 <a:srgbClr val="000000"/>
               </a:buClr>
               <a:buSzPct val="45000"/>
-              <a:buFont typeface="Wingdings" charset="2"/>
+              <a:buFont typeface="Wingdings" panose="05000000000000000000" pitchFamily="2" charset="2"/>
               <a:buChar char=""/>
             </a:pPr>
             <a:r>
-              <a:rPr b="0" lang="en-IN" sz="2400" spc="-1" strike="noStrike">
-                <a:latin typeface="Arial"/>
+              <a:rPr lang="en-IN" sz="2400" b="0" strike="noStrike" spc="-1">
+                <a:latin typeface="Arial" panose="020B0604020202090204"/>
               </a:rPr>
               <a:t>Supports multiple databases Postgres, MySql and Oracle</a:t>
             </a:r>
-            <a:endParaRPr b="0" lang="en-IN" sz="2400" spc="-1" strike="noStrike">
-              <a:latin typeface="Arial"/>
-            </a:endParaRPr>
-          </a:p>
-          <a:p>
-            <a:pPr marL="432000" indent="-324000">
+            <a:endParaRPr lang="en-IN" sz="2400" b="0" strike="noStrike" spc="-1">
+              <a:latin typeface="Arial" panose="020B0604020202090204"/>
+            </a:endParaRPr>
+          </a:p>
+          <a:p>
+            <a:pPr marL="431800" indent="-323850">
               <a:spcBef>
-                <a:spcPts val="1417"/>
+                <a:spcPts val="1415"/>
               </a:spcBef>
               <a:buClr>
                 <a:srgbClr val="000000"/>
               </a:buClr>
               <a:buSzPct val="45000"/>
-              <a:buFont typeface="Wingdings" charset="2"/>
+              <a:buFont typeface="Wingdings" panose="05000000000000000000" pitchFamily="2" charset="2"/>
               <a:buChar char=""/>
             </a:pPr>
             <a:r>
-              <a:rPr b="0" lang="en-IN" sz="2400" spc="-1" strike="noStrike">
-                <a:latin typeface="Arial"/>
+              <a:rPr lang="en-IN" sz="2400" b="0" strike="noStrike" spc="-1">
+                <a:latin typeface="Arial" panose="020B0604020202090204"/>
               </a:rPr>
               <a:t>Supports Integration with other open source libraries like numpy, pandas as and when required.</a:t>
             </a:r>
-            <a:endParaRPr b="0" lang="en-IN" sz="2400" spc="-1" strike="noStrike">
-              <a:latin typeface="Arial"/>
-            </a:endParaRPr>
-          </a:p>
-          <a:p>
-            <a:pPr marL="432000" indent="-324000">
+            <a:endParaRPr lang="en-IN" sz="2400" b="0" strike="noStrike" spc="-1">
+              <a:latin typeface="Arial" panose="020B0604020202090204"/>
+            </a:endParaRPr>
+          </a:p>
+          <a:p>
+            <a:pPr marL="431800" indent="-323850">
               <a:spcBef>
-                <a:spcPts val="1417"/>
+                <a:spcPts val="1415"/>
               </a:spcBef>
               <a:buClr>
                 <a:srgbClr val="000000"/>
               </a:buClr>
               <a:buSzPct val="45000"/>
-              <a:buFont typeface="Wingdings" charset="2"/>
+              <a:buFont typeface="Wingdings" panose="05000000000000000000" pitchFamily="2" charset="2"/>
               <a:buChar char=""/>
             </a:pPr>
-            <a:endParaRPr b="0" lang="en-IN" sz="2400" spc="-1" strike="noStrike">
-              <a:latin typeface="Arial"/>
+            <a:endParaRPr lang="en-IN" sz="2400" b="0" strike="noStrike" spc="-1">
+              <a:latin typeface="Arial" panose="020B0604020202090204"/>
             </a:endParaRPr>
           </a:p>
         </p:txBody>
       </p:sp>
     </p:spTree>
   </p:cSld>
-  <mc:AlternateContent>
-    <mc:Choice Requires="p14">
+  <p:clrMapOvr>
+    <a:masterClrMapping/>
+  </p:clrMapOvr>
+  <mc:AlternateContent xmlns:mc="http://schemas.openxmlformats.org/markup-compatibility/2006">
+    <mc:Choice xmlns:p14="http://schemas.microsoft.com/office/powerpoint/2010/main" Requires="p14">
       <p:transition spd="slow" p14:dur="2000"/>
     </mc:Choice>
     <mc:Fallback>
@@ -8962,7 +9256,7 @@
 </file>
 
 <file path=ppt/slides/slide3.xml><?xml version="1.0" encoding="utf-8"?>
-<p:sld xmlns:a="http://schemas.openxmlformats.org/drawingml/2006/main" xmlns:p="http://schemas.openxmlformats.org/presentationml/2006/main" xmlns:r="http://schemas.openxmlformats.org/officeDocument/2006/relationships" xmlns:p14="http://schemas.microsoft.com/office/powerpoint/2010/main" xmlns:p15="http://schemas.microsoft.com/office/powerpoint/2012/main" xmlns:mc="http://schemas.openxmlformats.org/markup-compatibility/2006">
+<p:sld xmlns:a="http://schemas.openxmlformats.org/drawingml/2006/main" xmlns:r="http://schemas.openxmlformats.org/officeDocument/2006/relationships" xmlns:p="http://schemas.openxmlformats.org/presentationml/2006/main">
   <p:cSld>
     <p:spTree>
       <p:nvGrpSpPr>
@@ -8998,22 +9292,22 @@
           </a:ln>
         </p:spPr>
         <p:txBody>
-          <a:bodyPr lIns="0" rIns="0" tIns="0" bIns="0" anchor="ctr">
+          <a:bodyPr lIns="0" tIns="0" rIns="0" bIns="0" anchor="ctr">
             <a:noAutofit/>
           </a:bodyPr>
           <a:p>
             <a:pPr algn="ctr"/>
             <a:r>
-              <a:rPr b="0" lang="en-IN" sz="4400" spc="-1" strike="noStrike">
+              <a:rPr lang="en-IN" sz="4400" b="0" strike="noStrike" spc="-1">
                 <a:solidFill>
-                  <a:srgbClr val="1e6a39"/>
+                  <a:srgbClr val="1E6A39"/>
                 </a:solidFill>
-                <a:latin typeface="Arial"/>
+                <a:latin typeface="Arial" panose="020B0604020202090204"/>
               </a:rPr>
               <a:t>Key highlights</a:t>
             </a:r>
-            <a:endParaRPr b="0" lang="en-IN" sz="4400" spc="-1" strike="noStrike">
-              <a:latin typeface="Arial"/>
+            <a:endParaRPr lang="en-IN" sz="4400" b="0" strike="noStrike" spc="-1">
+              <a:latin typeface="Arial" panose="020B0604020202090204"/>
             </a:endParaRPr>
           </a:p>
         </p:txBody>
@@ -9038,147 +9332,150 @@
           </a:ln>
         </p:spPr>
         <p:txBody>
-          <a:bodyPr lIns="0" rIns="0" tIns="0" bIns="0">
+          <a:bodyPr lIns="0" tIns="0" rIns="0" bIns="0">
             <a:noAutofit/>
           </a:bodyPr>
           <a:p>
-            <a:pPr marL="432000" indent="-324000">
+            <a:pPr marL="431800" indent="-323850">
               <a:spcBef>
-                <a:spcPts val="1417"/>
+                <a:spcPts val="1415"/>
               </a:spcBef>
               <a:buClr>
                 <a:srgbClr val="000000"/>
               </a:buClr>
               <a:buSzPct val="45000"/>
-              <a:buFont typeface="Wingdings" charset="2"/>
+              <a:buFont typeface="Wingdings" panose="05000000000000000000" pitchFamily="2" charset="2"/>
               <a:buChar char=""/>
             </a:pPr>
             <a:r>
-              <a:rPr b="0" lang="en-IN" sz="2400" spc="-1" strike="noStrike">
-                <a:latin typeface="Arial"/>
+              <a:rPr lang="en-IN" sz="2400" b="0" strike="noStrike" spc="-1">
+                <a:latin typeface="Arial" panose="020B0604020202090204"/>
               </a:rPr>
               <a:t>Authentication support</a:t>
             </a:r>
-            <a:endParaRPr b="0" lang="en-IN" sz="2400" spc="-1" strike="noStrike">
-              <a:latin typeface="Arial"/>
-            </a:endParaRPr>
-          </a:p>
-          <a:p>
-            <a:pPr marL="432000" indent="-324000">
+            <a:endParaRPr lang="en-IN" sz="2400" b="0" strike="noStrike" spc="-1">
+              <a:latin typeface="Arial" panose="020B0604020202090204"/>
+            </a:endParaRPr>
+          </a:p>
+          <a:p>
+            <a:pPr marL="431800" indent="-323850">
               <a:spcBef>
-                <a:spcPts val="1417"/>
+                <a:spcPts val="1415"/>
               </a:spcBef>
               <a:buClr>
                 <a:srgbClr val="000000"/>
               </a:buClr>
               <a:buSzPct val="45000"/>
-              <a:buFont typeface="Wingdings" charset="2"/>
+              <a:buFont typeface="Wingdings" panose="05000000000000000000" pitchFamily="2" charset="2"/>
               <a:buChar char=""/>
             </a:pPr>
             <a:r>
-              <a:rPr b="0" lang="en-IN" sz="2400" spc="-1" strike="noStrike">
-                <a:latin typeface="Arial"/>
+              <a:rPr lang="en-IN" sz="2400" b="0" strike="noStrike" spc="-1">
+                <a:latin typeface="Arial" panose="020B0604020202090204"/>
               </a:rPr>
               <a:t>Database schema migrations</a:t>
             </a:r>
-            <a:endParaRPr b="0" lang="en-IN" sz="2400" spc="-1" strike="noStrike">
-              <a:latin typeface="Arial"/>
-            </a:endParaRPr>
-          </a:p>
-          <a:p>
-            <a:pPr marL="432000" indent="-324000">
+            <a:endParaRPr lang="en-IN" sz="2400" b="0" strike="noStrike" spc="-1">
+              <a:latin typeface="Arial" panose="020B0604020202090204"/>
+            </a:endParaRPr>
+          </a:p>
+          <a:p>
+            <a:pPr marL="431800" indent="-323850">
               <a:spcBef>
-                <a:spcPts val="1417"/>
+                <a:spcPts val="1415"/>
               </a:spcBef>
               <a:buClr>
                 <a:srgbClr val="000000"/>
               </a:buClr>
               <a:buSzPct val="45000"/>
-              <a:buFont typeface="Wingdings" charset="2"/>
+              <a:buFont typeface="Wingdings" panose="05000000000000000000" pitchFamily="2" charset="2"/>
               <a:buChar char=""/>
             </a:pPr>
             <a:r>
-              <a:rPr b="0" lang="en-IN" sz="2400" spc="-1" strike="noStrike">
-                <a:latin typeface="Arial"/>
+              <a:rPr lang="en-IN" sz="2400" b="0" strike="noStrike" spc="-1">
+                <a:latin typeface="Arial" panose="020B0604020202090204"/>
               </a:rPr>
               <a:t>Object relational mapper(ORM)</a:t>
             </a:r>
-            <a:endParaRPr b="0" lang="en-IN" sz="2400" spc="-1" strike="noStrike">
-              <a:latin typeface="Arial"/>
-            </a:endParaRPr>
-          </a:p>
-          <a:p>
-            <a:pPr marL="432000" indent="-324000">
+            <a:endParaRPr lang="en-IN" sz="2400" b="0" strike="noStrike" spc="-1">
+              <a:latin typeface="Arial" panose="020B0604020202090204"/>
+            </a:endParaRPr>
+          </a:p>
+          <a:p>
+            <a:pPr marL="431800" indent="-323850">
               <a:spcBef>
-                <a:spcPts val="1417"/>
+                <a:spcPts val="1415"/>
               </a:spcBef>
               <a:buClr>
                 <a:srgbClr val="000000"/>
               </a:buClr>
               <a:buSzPct val="45000"/>
-              <a:buFont typeface="Wingdings" charset="2"/>
+              <a:buFont typeface="Wingdings" panose="05000000000000000000" pitchFamily="2" charset="2"/>
               <a:buChar char=""/>
             </a:pPr>
             <a:r>
-              <a:rPr b="0" lang="en-IN" sz="2400" spc="-1" strike="noStrike">
-                <a:latin typeface="Arial"/>
+              <a:rPr lang="en-IN" sz="2400" b="0" strike="noStrike" spc="-1">
+                <a:latin typeface="Arial" panose="020B0604020202090204"/>
               </a:rPr>
               <a:t>Support for web servers</a:t>
             </a:r>
-            <a:endParaRPr b="0" lang="en-IN" sz="2400" spc="-1" strike="noStrike">
-              <a:latin typeface="Arial"/>
-            </a:endParaRPr>
-          </a:p>
-          <a:p>
-            <a:pPr marL="432000" indent="-324000">
+            <a:endParaRPr lang="en-IN" sz="2400" b="0" strike="noStrike" spc="-1">
+              <a:latin typeface="Arial" panose="020B0604020202090204"/>
+            </a:endParaRPr>
+          </a:p>
+          <a:p>
+            <a:pPr marL="431800" indent="-323850">
               <a:spcBef>
-                <a:spcPts val="1417"/>
+                <a:spcPts val="1415"/>
               </a:spcBef>
               <a:buClr>
                 <a:srgbClr val="000000"/>
               </a:buClr>
               <a:buSzPct val="45000"/>
-              <a:buFont typeface="Wingdings" charset="2"/>
+              <a:buFont typeface="Wingdings" panose="05000000000000000000" pitchFamily="2" charset="2"/>
               <a:buChar char=""/>
             </a:pPr>
             <a:r>
-              <a:rPr b="0" lang="en-IN" sz="2400" spc="-1" strike="noStrike">
-                <a:latin typeface="Arial"/>
+              <a:rPr lang="en-IN" sz="2400" b="0" strike="noStrike" spc="-1">
+                <a:latin typeface="Arial" panose="020B0604020202090204"/>
               </a:rPr>
               <a:t>Template engine</a:t>
             </a:r>
-            <a:endParaRPr b="0" lang="en-IN" sz="2400" spc="-1" strike="noStrike">
-              <a:latin typeface="Arial"/>
-            </a:endParaRPr>
-          </a:p>
-          <a:p>
-            <a:pPr marL="432000" indent="-324000">
+            <a:endParaRPr lang="en-IN" sz="2400" b="0" strike="noStrike" spc="-1">
+              <a:latin typeface="Arial" panose="020B0604020202090204"/>
+            </a:endParaRPr>
+          </a:p>
+          <a:p>
+            <a:pPr marL="431800" indent="-323850">
               <a:spcBef>
-                <a:spcPts val="1417"/>
+                <a:spcPts val="1415"/>
               </a:spcBef>
               <a:buClr>
                 <a:srgbClr val="000000"/>
               </a:buClr>
               <a:buSzPct val="45000"/>
-              <a:buFont typeface="Wingdings" charset="2"/>
+              <a:buFont typeface="Wingdings" panose="05000000000000000000" pitchFamily="2" charset="2"/>
               <a:buChar char=""/>
             </a:pPr>
             <a:r>
-              <a:rPr b="0" lang="en-IN" sz="2400" spc="-1" strike="noStrike">
-                <a:latin typeface="Arial"/>
+              <a:rPr lang="en-IN" sz="2400" b="0" strike="noStrike" spc="-1">
+                <a:latin typeface="Arial" panose="020B0604020202090204"/>
               </a:rPr>
               <a:t>Url routing</a:t>
             </a:r>
-            <a:endParaRPr b="0" lang="en-IN" sz="2400" spc="-1" strike="noStrike">
-              <a:latin typeface="Arial"/>
+            <a:endParaRPr lang="en-IN" sz="2400" b="0" strike="noStrike" spc="-1">
+              <a:latin typeface="Arial" panose="020B0604020202090204"/>
             </a:endParaRPr>
           </a:p>
         </p:txBody>
       </p:sp>
     </p:spTree>
   </p:cSld>
-  <mc:AlternateContent>
-    <mc:Choice Requires="p14">
+  <p:clrMapOvr>
+    <a:masterClrMapping/>
+  </p:clrMapOvr>
+  <mc:AlternateContent xmlns:mc="http://schemas.openxmlformats.org/markup-compatibility/2006">
+    <mc:Choice xmlns:p14="http://schemas.microsoft.com/office/powerpoint/2010/main" Requires="p14">
       <p:transition spd="slow" p14:dur="2000"/>
     </mc:Choice>
     <mc:Fallback>
@@ -9189,7 +9486,7 @@
 </file>
 
 <file path=ppt/slides/slide4.xml><?xml version="1.0" encoding="utf-8"?>
-<p:sld xmlns:a="http://schemas.openxmlformats.org/drawingml/2006/main" xmlns:p="http://schemas.openxmlformats.org/presentationml/2006/main" xmlns:r="http://schemas.openxmlformats.org/officeDocument/2006/relationships" xmlns:p14="http://schemas.microsoft.com/office/powerpoint/2010/main" xmlns:p15="http://schemas.microsoft.com/office/powerpoint/2012/main" xmlns:mc="http://schemas.openxmlformats.org/markup-compatibility/2006">
+<p:sld xmlns:a="http://schemas.openxmlformats.org/drawingml/2006/main" xmlns:r="http://schemas.openxmlformats.org/officeDocument/2006/relationships" xmlns:p="http://schemas.openxmlformats.org/presentationml/2006/main">
   <p:cSld>
     <p:spTree>
       <p:nvGrpSpPr>
@@ -9225,35 +9522,37 @@
           </a:ln>
         </p:spPr>
         <p:txBody>
-          <a:bodyPr lIns="0" rIns="0" tIns="0" bIns="0" anchor="ctr">
+          <a:bodyPr lIns="0" tIns="0" rIns="0" bIns="0" anchor="ctr">
             <a:noAutofit/>
           </a:bodyPr>
           <a:p>
             <a:pPr algn="ctr"/>
             <a:r>
-              <a:rPr b="0" lang="en-IN" sz="4400" spc="-1" strike="noStrike">
+              <a:rPr lang="en-IN" sz="4400" b="0" strike="noStrike" spc="-1">
                 <a:solidFill>
-                  <a:srgbClr val="1e6a39"/>
+                  <a:srgbClr val="1E6A39"/>
                 </a:solidFill>
-                <a:latin typeface="Arial"/>
+                <a:latin typeface="Arial" panose="020B0604020202090204"/>
               </a:rPr>
               <a:t>Django Founders</a:t>
             </a:r>
-            <a:endParaRPr b="0" lang="en-IN" sz="4400" spc="-1" strike="noStrike">
-              <a:latin typeface="Arial"/>
+            <a:endParaRPr lang="en-IN" sz="4400" b="0" strike="noStrike" spc="-1">
+              <a:latin typeface="Arial" panose="020B0604020202090204"/>
             </a:endParaRPr>
           </a:p>
         </p:txBody>
       </p:sp>
       <p:pic>
         <p:nvPicPr>
-          <p:cNvPr id="170" name="" descr=""/>
+          <p:cNvPr id="170" name="Picture 169"/>
           <p:cNvPicPr/>
           <p:nvPr/>
         </p:nvPicPr>
         <p:blipFill>
           <a:blip r:embed="rId1"/>
-          <a:stretch/>
+          <a:stretch>
+            <a:fillRect/>
+          </a:stretch>
         </p:blipFill>
         <p:spPr>
           <a:xfrm>
@@ -9270,13 +9569,15 @@
       </p:pic>
       <p:pic>
         <p:nvPicPr>
-          <p:cNvPr id="171" name="" descr=""/>
+          <p:cNvPr id="171" name="Picture 170"/>
           <p:cNvPicPr/>
           <p:nvPr/>
         </p:nvPicPr>
         <p:blipFill>
           <a:blip r:embed="rId2"/>
-          <a:stretch/>
+          <a:stretch>
+            <a:fillRect/>
+          </a:stretch>
         </p:blipFill>
         <p:spPr>
           <a:xfrm>
@@ -9293,8 +9594,11 @@
       </p:pic>
     </p:spTree>
   </p:cSld>
-  <mc:AlternateContent>
-    <mc:Choice Requires="p14">
+  <p:clrMapOvr>
+    <a:masterClrMapping/>
+  </p:clrMapOvr>
+  <mc:AlternateContent xmlns:mc="http://schemas.openxmlformats.org/markup-compatibility/2006">
+    <mc:Choice xmlns:p14="http://schemas.microsoft.com/office/powerpoint/2010/main" Requires="p14">
       <p:transition spd="slow" p14:dur="2000"/>
     </mc:Choice>
     <mc:Fallback>
@@ -9305,7 +9609,7 @@
 </file>
 
 <file path=ppt/slides/slide5.xml><?xml version="1.0" encoding="utf-8"?>
-<p:sld xmlns:a="http://schemas.openxmlformats.org/drawingml/2006/main" xmlns:p="http://schemas.openxmlformats.org/presentationml/2006/main" xmlns:r="http://schemas.openxmlformats.org/officeDocument/2006/relationships" xmlns:p14="http://schemas.microsoft.com/office/powerpoint/2010/main" xmlns:p15="http://schemas.microsoft.com/office/powerpoint/2012/main" xmlns:mc="http://schemas.openxmlformats.org/markup-compatibility/2006">
+<p:sld xmlns:a="http://schemas.openxmlformats.org/drawingml/2006/main" xmlns:r="http://schemas.openxmlformats.org/officeDocument/2006/relationships" xmlns:p="http://schemas.openxmlformats.org/presentationml/2006/main">
   <p:cSld>
     <p:spTree>
       <p:nvGrpSpPr>
@@ -9341,35 +9645,37 @@
           </a:ln>
         </p:spPr>
         <p:txBody>
-          <a:bodyPr lIns="0" rIns="0" tIns="0" bIns="0" anchor="ctr">
+          <a:bodyPr lIns="0" tIns="0" rIns="0" bIns="0" anchor="ctr">
             <a:noAutofit/>
           </a:bodyPr>
           <a:p>
             <a:pPr algn="ctr"/>
             <a:r>
-              <a:rPr b="0" lang="en-IN" sz="4400" spc="-1" strike="noStrike">
+              <a:rPr lang="en-IN" sz="4400" b="0" strike="noStrike" spc="-1">
                 <a:solidFill>
-                  <a:srgbClr val="1e6a39"/>
+                  <a:srgbClr val="1E6A39"/>
                 </a:solidFill>
-                <a:latin typeface="Arial"/>
+                <a:latin typeface="Arial" panose="020B0604020202090204"/>
               </a:rPr>
               <a:t>History of Django Name</a:t>
             </a:r>
-            <a:endParaRPr b="0" lang="en-IN" sz="4400" spc="-1" strike="noStrike">
-              <a:latin typeface="Arial"/>
+            <a:endParaRPr lang="en-IN" sz="4400" b="0" strike="noStrike" spc="-1">
+              <a:latin typeface="Arial" panose="020B0604020202090204"/>
             </a:endParaRPr>
           </a:p>
         </p:txBody>
       </p:sp>
       <p:pic>
         <p:nvPicPr>
-          <p:cNvPr id="173" name="" descr=""/>
+          <p:cNvPr id="173" name="Picture 172"/>
           <p:cNvPicPr/>
           <p:nvPr/>
         </p:nvPicPr>
         <p:blipFill>
           <a:blip r:embed="rId1"/>
-          <a:stretch/>
+          <a:stretch>
+            <a:fillRect/>
+          </a:stretch>
         </p:blipFill>
         <p:spPr>
           <a:xfrm>
@@ -9404,32 +9710,35 @@
           </a:ln>
         </p:spPr>
         <p:txBody>
-          <a:bodyPr lIns="90000" rIns="90000" tIns="45000" bIns="45000">
+          <a:bodyPr lIns="90000" tIns="45000" rIns="90000" bIns="45000">
             <a:noAutofit/>
           </a:bodyPr>
           <a:p>
             <a:r>
-              <a:rPr b="0" lang="en-IN" sz="1800" spc="-1" strike="noStrike">
-                <a:latin typeface="Arial"/>
+              <a:rPr lang="en-IN" sz="1800" b="0" strike="noStrike" spc="-1">
+                <a:latin typeface="Arial" panose="020B0604020202090204"/>
               </a:rPr>
               <a:t>Was named after famous guitarist “</a:t>
             </a:r>
             <a:r>
-              <a:rPr b="1" lang="en-IN" sz="2000" spc="-1" strike="noStrike">
-                <a:latin typeface="Arial"/>
+              <a:rPr lang="en-IN" sz="2000" b="1" strike="noStrike" spc="-1">
+                <a:latin typeface="Arial" panose="020B0604020202090204"/>
               </a:rPr>
               <a:t>Django Reinhardt”</a:t>
             </a:r>
-            <a:endParaRPr b="0" lang="en-IN" sz="2000" spc="-1" strike="noStrike">
-              <a:latin typeface="Arial"/>
+            <a:endParaRPr lang="en-IN" sz="2000" b="0" strike="noStrike" spc="-1">
+              <a:latin typeface="Arial" panose="020B0604020202090204"/>
             </a:endParaRPr>
           </a:p>
         </p:txBody>
       </p:sp>
     </p:spTree>
   </p:cSld>
-  <mc:AlternateContent>
-    <mc:Choice Requires="p14">
+  <p:clrMapOvr>
+    <a:masterClrMapping/>
+  </p:clrMapOvr>
+  <mc:AlternateContent xmlns:mc="http://schemas.openxmlformats.org/markup-compatibility/2006">
+    <mc:Choice xmlns:p14="http://schemas.microsoft.com/office/powerpoint/2010/main" Requires="p14">
       <p:transition spd="slow" p14:dur="2000"/>
     </mc:Choice>
     <mc:Fallback>
@@ -9440,7 +9749,7 @@
 </file>
 
 <file path=ppt/slides/slide6.xml><?xml version="1.0" encoding="utf-8"?>
-<p:sld xmlns:a="http://schemas.openxmlformats.org/drawingml/2006/main" xmlns:p="http://schemas.openxmlformats.org/presentationml/2006/main" xmlns:r="http://schemas.openxmlformats.org/officeDocument/2006/relationships" xmlns:p14="http://schemas.microsoft.com/office/powerpoint/2010/main" xmlns:p15="http://schemas.microsoft.com/office/powerpoint/2012/main" xmlns:mc="http://schemas.openxmlformats.org/markup-compatibility/2006">
+<p:sld xmlns:a="http://schemas.openxmlformats.org/drawingml/2006/main" xmlns:r="http://schemas.openxmlformats.org/officeDocument/2006/relationships" xmlns:p="http://schemas.openxmlformats.org/presentationml/2006/main">
   <p:cSld>
     <p:spTree>
       <p:nvGrpSpPr>
@@ -9476,44 +9785,37 @@
           </a:ln>
         </p:spPr>
         <p:txBody>
-          <a:bodyPr lIns="0" rIns="0" tIns="0" bIns="0" anchor="ctr">
+          <a:bodyPr lIns="0" tIns="0" rIns="0" bIns="0" anchor="ctr">
             <a:noAutofit/>
           </a:bodyPr>
           <a:p>
             <a:pPr algn="ctr"/>
             <a:r>
-              <a:rPr b="0" lang="en-IN" sz="4400" spc="-1" strike="noStrike">
+              <a:rPr lang="en-IN" sz="4400" b="0" strike="noStrike" spc="-1">
                 <a:solidFill>
-                  <a:srgbClr val="1e6a39"/>
+                  <a:srgbClr val="1E6A39"/>
                 </a:solidFill>
-                <a:latin typeface="Arial"/>
-              </a:rPr>
-              <a:t>How to say Django?</a:t>
-            </a:r>
-            <a:r>
-              <a:rPr b="0" lang="en-IN" sz="4400" spc="-1" strike="noStrike">
-                <a:solidFill>
-                  <a:srgbClr val="1e6a39"/>
-                </a:solidFill>
-                <a:latin typeface="Arial"/>
-              </a:rPr>
-              <a:t>	</a:t>
-            </a:r>
-            <a:endParaRPr b="0" lang="en-IN" sz="4400" spc="-1" strike="noStrike">
-              <a:latin typeface="Arial"/>
+                <a:latin typeface="Arial" panose="020B0604020202090204"/>
+              </a:rPr>
+              <a:t>How to say Django?	</a:t>
+            </a:r>
+            <a:endParaRPr lang="en-IN" sz="4400" b="0" strike="noStrike" spc="-1">
+              <a:latin typeface="Arial" panose="020B0604020202090204"/>
             </a:endParaRPr>
           </a:p>
         </p:txBody>
       </p:sp>
       <p:pic>
         <p:nvPicPr>
-          <p:cNvPr id="176" name="" descr=""/>
+          <p:cNvPr id="176" name="Picture 175"/>
           <p:cNvPicPr/>
           <p:nvPr/>
         </p:nvPicPr>
         <p:blipFill>
           <a:blip r:embed="rId1"/>
-          <a:stretch/>
+          <a:stretch>
+            <a:fillRect/>
+          </a:stretch>
         </p:blipFill>
         <p:spPr>
           <a:xfrm>
@@ -9530,8 +9832,11 @@
       </p:pic>
     </p:spTree>
   </p:cSld>
-  <mc:AlternateContent>
-    <mc:Choice Requires="p14">
+  <p:clrMapOvr>
+    <a:masterClrMapping/>
+  </p:clrMapOvr>
+  <mc:AlternateContent xmlns:mc="http://schemas.openxmlformats.org/markup-compatibility/2006">
+    <mc:Choice xmlns:p14="http://schemas.microsoft.com/office/powerpoint/2010/main" Requires="p14">
       <p:transition spd="slow" p14:dur="2000"/>
     </mc:Choice>
     <mc:Fallback>
@@ -9542,7 +9847,7 @@
 </file>
 
 <file path=ppt/slides/slide7.xml><?xml version="1.0" encoding="utf-8"?>
-<p:sld xmlns:a="http://schemas.openxmlformats.org/drawingml/2006/main" xmlns:p="http://schemas.openxmlformats.org/presentationml/2006/main" xmlns:r="http://schemas.openxmlformats.org/officeDocument/2006/relationships" xmlns:p14="http://schemas.microsoft.com/office/powerpoint/2010/main" xmlns:p15="http://schemas.microsoft.com/office/powerpoint/2012/main" xmlns:mc="http://schemas.openxmlformats.org/markup-compatibility/2006">
+<p:sld xmlns:a="http://schemas.openxmlformats.org/drawingml/2006/main" xmlns:r="http://schemas.openxmlformats.org/officeDocument/2006/relationships" xmlns:p="http://schemas.openxmlformats.org/presentationml/2006/main">
   <p:cSld>
     <p:spTree>
       <p:nvGrpSpPr>
@@ -9578,22 +9883,22 @@
           </a:ln>
         </p:spPr>
         <p:txBody>
-          <a:bodyPr lIns="0" rIns="0" tIns="0" bIns="0" anchor="ctr">
+          <a:bodyPr lIns="0" tIns="0" rIns="0" bIns="0" anchor="ctr">
             <a:noAutofit/>
           </a:bodyPr>
           <a:p>
             <a:pPr algn="ctr"/>
             <a:r>
-              <a:rPr b="0" lang="en-IN" sz="4400" spc="-1" strike="noStrike">
+              <a:rPr lang="en-IN" sz="4400" b="0" strike="noStrike" spc="-1">
                 <a:solidFill>
-                  <a:srgbClr val="1e6a39"/>
+                  <a:srgbClr val="1E6A39"/>
                 </a:solidFill>
-                <a:latin typeface="Arial"/>
+                <a:latin typeface="Arial" panose="020B0604020202090204"/>
               </a:rPr>
               <a:t>Version History</a:t>
             </a:r>
-            <a:endParaRPr b="0" lang="en-IN" sz="4400" spc="-1" strike="noStrike">
-              <a:latin typeface="Arial"/>
+            <a:endParaRPr lang="en-IN" sz="4400" b="0" strike="noStrike" spc="-1">
+              <a:latin typeface="Arial" panose="020B0604020202090204"/>
             </a:endParaRPr>
           </a:p>
         </p:txBody>
@@ -9618,81 +9923,84 @@
           </a:ln>
         </p:spPr>
         <p:txBody>
-          <a:bodyPr lIns="0" rIns="0" tIns="0" bIns="0">
+          <a:bodyPr lIns="0" tIns="0" rIns="0" bIns="0">
             <a:normAutofit/>
           </a:bodyPr>
           <a:p>
-            <a:pPr marL="432000" indent="-324000">
+            <a:pPr marL="431800" indent="-323850">
               <a:spcBef>
-                <a:spcPts val="1417"/>
+                <a:spcPts val="1415"/>
               </a:spcBef>
               <a:buClr>
                 <a:srgbClr val="000000"/>
               </a:buClr>
               <a:buSzPct val="45000"/>
-              <a:buFont typeface="Wingdings" charset="2"/>
+              <a:buFont typeface="Wingdings" panose="05000000000000000000" pitchFamily="2" charset="2"/>
               <a:buChar char=""/>
             </a:pPr>
             <a:r>
-              <a:rPr b="0" lang="en-IN" sz="3200" spc="-1" strike="noStrike">
-                <a:latin typeface="Arial"/>
+              <a:rPr lang="en-IN" sz="3200" b="0" strike="noStrike" spc="-1">
+                <a:latin typeface="Arial" panose="020B0604020202090204"/>
               </a:rPr>
               <a:t>Open sourced in 2005 </a:t>
             </a:r>
-            <a:endParaRPr b="0" lang="en-IN" sz="3200" spc="-1" strike="noStrike">
-              <a:latin typeface="Arial"/>
-            </a:endParaRPr>
-          </a:p>
-          <a:p>
-            <a:pPr marL="432000" indent="-324000">
+            <a:endParaRPr lang="en-IN" sz="3200" b="0" strike="noStrike" spc="-1">
+              <a:latin typeface="Arial" panose="020B0604020202090204"/>
+            </a:endParaRPr>
+          </a:p>
+          <a:p>
+            <a:pPr marL="431800" indent="-323850">
               <a:spcBef>
-                <a:spcPts val="1417"/>
+                <a:spcPts val="1415"/>
               </a:spcBef>
               <a:buClr>
                 <a:srgbClr val="000000"/>
               </a:buClr>
               <a:buSzPct val="45000"/>
-              <a:buFont typeface="Wingdings" charset="2"/>
+              <a:buFont typeface="Wingdings" panose="05000000000000000000" pitchFamily="2" charset="2"/>
               <a:buChar char=""/>
             </a:pPr>
             <a:r>
-              <a:rPr b="0" lang="en-IN" sz="3200" spc="-1" strike="noStrike">
-                <a:latin typeface="Arial"/>
+              <a:rPr lang="en-IN" sz="3200" b="0" strike="noStrike" spc="-1">
+                <a:latin typeface="Arial" panose="020B0604020202090204"/>
               </a:rPr>
               <a:t>First version released in Sep’08</a:t>
             </a:r>
-            <a:endParaRPr b="0" lang="en-IN" sz="3200" spc="-1" strike="noStrike">
-              <a:latin typeface="Arial"/>
-            </a:endParaRPr>
-          </a:p>
-          <a:p>
-            <a:pPr marL="432000" indent="-324000">
+            <a:endParaRPr lang="en-IN" sz="3200" b="0" strike="noStrike" spc="-1">
+              <a:latin typeface="Arial" panose="020B0604020202090204"/>
+            </a:endParaRPr>
+          </a:p>
+          <a:p>
+            <a:pPr marL="431800" indent="-323850">
               <a:spcBef>
-                <a:spcPts val="1417"/>
+                <a:spcPts val="1415"/>
               </a:spcBef>
               <a:buClr>
                 <a:srgbClr val="000000"/>
               </a:buClr>
               <a:buSzPct val="45000"/>
-              <a:buFont typeface="Wingdings" charset="2"/>
+              <a:buFont typeface="Wingdings" panose="05000000000000000000" pitchFamily="2" charset="2"/>
               <a:buChar char=""/>
             </a:pPr>
             <a:r>
-              <a:rPr b="0" lang="en-IN" sz="3200" spc="-1" strike="noStrike">
-                <a:latin typeface="Arial"/>
+              <a:rPr lang="en-IN" sz="3200" b="0" strike="noStrike" spc="-1">
+                <a:latin typeface="Arial" panose="020B0604020202090204"/>
               </a:rPr>
               <a:t>Current Version :- 3.1.6</a:t>
             </a:r>
-            <a:endParaRPr b="0" lang="en-IN" sz="3200" spc="-1" strike="noStrike">
-              <a:latin typeface="Arial"/>
+            <a:endParaRPr lang="en-IN" sz="3200" b="0" strike="noStrike" spc="-1">
+              <a:latin typeface="Arial" panose="020B0604020202090204"/>
             </a:endParaRPr>
           </a:p>
         </p:txBody>
       </p:sp>
     </p:spTree>
   </p:cSld>
-  <mc:AlternateContent>
-    <mc:Choice Requires="p14">
+  <p:clrMapOvr>
+    <a:masterClrMapping/>
+  </p:clrMapOvr>
+  <mc:AlternateContent xmlns:mc="http://schemas.openxmlformats.org/markup-compatibility/2006">
+    <mc:Choice xmlns:p14="http://schemas.microsoft.com/office/powerpoint/2010/main" Requires="p14">
       <p:transition spd="slow" p14:dur="2000"/>
     </mc:Choice>
     <mc:Fallback>
@@ -9703,7 +10011,7 @@
 </file>
 
 <file path=ppt/slides/slide8.xml><?xml version="1.0" encoding="utf-8"?>
-<p:sld xmlns:a="http://schemas.openxmlformats.org/drawingml/2006/main" xmlns:p="http://schemas.openxmlformats.org/presentationml/2006/main" xmlns:r="http://schemas.openxmlformats.org/officeDocument/2006/relationships" xmlns:p14="http://schemas.microsoft.com/office/powerpoint/2010/main" xmlns:p15="http://schemas.microsoft.com/office/powerpoint/2012/main" xmlns:mc="http://schemas.openxmlformats.org/markup-compatibility/2006">
+<p:sld xmlns:a="http://schemas.openxmlformats.org/drawingml/2006/main" xmlns:r="http://schemas.openxmlformats.org/officeDocument/2006/relationships" xmlns:p="http://schemas.openxmlformats.org/presentationml/2006/main">
   <p:cSld>
     <p:spTree>
       <p:nvGrpSpPr>
@@ -9739,35 +10047,37 @@
           </a:ln>
         </p:spPr>
         <p:txBody>
-          <a:bodyPr lIns="0" rIns="0" tIns="0" bIns="0" anchor="ctr">
+          <a:bodyPr lIns="0" tIns="0" rIns="0" bIns="0" anchor="ctr">
             <a:noAutofit/>
           </a:bodyPr>
           <a:p>
             <a:pPr algn="ctr"/>
             <a:r>
-              <a:rPr b="0" lang="en-IN" sz="4400" spc="-1" strike="noStrike">
+              <a:rPr lang="en-IN" sz="4400" b="0" strike="noStrike" spc="-1">
                 <a:solidFill>
-                  <a:srgbClr val="1e6a39"/>
+                  <a:srgbClr val="1E6A39"/>
                 </a:solidFill>
-                <a:latin typeface="Arial"/>
+                <a:latin typeface="Arial" panose="020B0604020202090204"/>
               </a:rPr>
               <a:t>Version Timeline</a:t>
             </a:r>
-            <a:endParaRPr b="0" lang="en-IN" sz="4400" spc="-1" strike="noStrike">
-              <a:latin typeface="Arial"/>
+            <a:endParaRPr lang="en-IN" sz="4400" b="0" strike="noStrike" spc="-1">
+              <a:latin typeface="Arial" panose="020B0604020202090204"/>
             </a:endParaRPr>
           </a:p>
         </p:txBody>
       </p:sp>
       <p:pic>
         <p:nvPicPr>
-          <p:cNvPr id="180" name="" descr=""/>
+          <p:cNvPr id="180" name="Picture 179"/>
           <p:cNvPicPr/>
           <p:nvPr/>
         </p:nvPicPr>
         <p:blipFill>
           <a:blip r:embed="rId1"/>
-          <a:stretch/>
+          <a:stretch>
+            <a:fillRect/>
+          </a:stretch>
         </p:blipFill>
         <p:spPr>
           <a:xfrm>
@@ -9784,8 +10094,11 @@
       </p:pic>
     </p:spTree>
   </p:cSld>
-  <mc:AlternateContent>
-    <mc:Choice Requires="p14">
+  <p:clrMapOvr>
+    <a:masterClrMapping/>
+  </p:clrMapOvr>
+  <mc:AlternateContent xmlns:mc="http://schemas.openxmlformats.org/markup-compatibility/2006">
+    <mc:Choice xmlns:p14="http://schemas.microsoft.com/office/powerpoint/2010/main" Requires="p14">
       <p:transition spd="slow" p14:dur="2000"/>
     </mc:Choice>
     <mc:Fallback>
@@ -9796,7 +10109,7 @@
 </file>
 
 <file path=ppt/slides/slide9.xml><?xml version="1.0" encoding="utf-8"?>
-<p:sld xmlns:a="http://schemas.openxmlformats.org/drawingml/2006/main" xmlns:p="http://schemas.openxmlformats.org/presentationml/2006/main" xmlns:r="http://schemas.openxmlformats.org/officeDocument/2006/relationships" xmlns:p14="http://schemas.microsoft.com/office/powerpoint/2010/main" xmlns:p15="http://schemas.microsoft.com/office/powerpoint/2012/main" xmlns:mc="http://schemas.openxmlformats.org/markup-compatibility/2006">
+<p:sld xmlns:a="http://schemas.openxmlformats.org/drawingml/2006/main" xmlns:r="http://schemas.openxmlformats.org/officeDocument/2006/relationships" xmlns:p="http://schemas.openxmlformats.org/presentationml/2006/main">
   <p:cSld>
     <p:spTree>
       <p:nvGrpSpPr>
@@ -9832,22 +10145,22 @@
           </a:ln>
         </p:spPr>
         <p:txBody>
-          <a:bodyPr lIns="0" rIns="0" tIns="0" bIns="0" anchor="ctr">
+          <a:bodyPr lIns="0" tIns="0" rIns="0" bIns="0" anchor="ctr">
             <a:noAutofit/>
           </a:bodyPr>
           <a:p>
             <a:pPr algn="ctr"/>
             <a:r>
-              <a:rPr b="0" lang="en-IN" sz="4400" spc="-1" strike="noStrike">
+              <a:rPr lang="en-IN" sz="4400" b="0" strike="noStrike" spc="-1">
                 <a:solidFill>
                   <a:srgbClr val="168253"/>
                 </a:solidFill>
-                <a:latin typeface="Arial"/>
+                <a:latin typeface="Arial" panose="020B0604020202090204"/>
               </a:rPr>
               <a:t>Features</a:t>
             </a:r>
-            <a:endParaRPr b="0" lang="en-IN" sz="4400" spc="-1" strike="noStrike">
-              <a:latin typeface="Arial"/>
+            <a:endParaRPr lang="en-IN" sz="4400" b="0" strike="noStrike" spc="-1">
+              <a:latin typeface="Arial" panose="020B0604020202090204"/>
             </a:endParaRPr>
           </a:p>
         </p:txBody>
@@ -9872,81 +10185,84 @@
           </a:ln>
         </p:spPr>
         <p:txBody>
-          <a:bodyPr lIns="0" rIns="0" tIns="0" bIns="0">
+          <a:bodyPr lIns="0" tIns="0" rIns="0" bIns="0">
             <a:normAutofit/>
           </a:bodyPr>
           <a:p>
-            <a:pPr marL="432000" indent="-324000">
+            <a:pPr marL="431800" indent="-323850">
               <a:spcBef>
-                <a:spcPts val="1417"/>
+                <a:spcPts val="1415"/>
               </a:spcBef>
               <a:buClr>
                 <a:srgbClr val="000000"/>
               </a:buClr>
               <a:buSzPct val="45000"/>
-              <a:buFont typeface="Wingdings" charset="2"/>
+              <a:buFont typeface="Wingdings" panose="05000000000000000000" pitchFamily="2" charset="2"/>
               <a:buChar char=""/>
             </a:pPr>
             <a:r>
-              <a:rPr b="0" lang="en-IN" sz="3200" spc="-1" strike="noStrike">
-                <a:latin typeface="Arial"/>
+              <a:rPr lang="en-IN" sz="3200" b="0" strike="noStrike" spc="-1">
+                <a:latin typeface="Arial" panose="020B0604020202090204"/>
               </a:rPr>
               <a:t>Fast &amp; Simple</a:t>
             </a:r>
-            <a:endParaRPr b="0" lang="en-IN" sz="3200" spc="-1" strike="noStrike">
-              <a:latin typeface="Arial"/>
-            </a:endParaRPr>
-          </a:p>
-          <a:p>
-            <a:pPr marL="432000" indent="-324000">
+            <a:endParaRPr lang="en-IN" sz="3200" b="0" strike="noStrike" spc="-1">
+              <a:latin typeface="Arial" panose="020B0604020202090204"/>
+            </a:endParaRPr>
+          </a:p>
+          <a:p>
+            <a:pPr marL="431800" indent="-323850">
               <a:spcBef>
-                <a:spcPts val="1417"/>
+                <a:spcPts val="1415"/>
               </a:spcBef>
               <a:buClr>
                 <a:srgbClr val="000000"/>
               </a:buClr>
               <a:buSzPct val="45000"/>
-              <a:buFont typeface="Wingdings" charset="2"/>
+              <a:buFont typeface="Wingdings" panose="05000000000000000000" pitchFamily="2" charset="2"/>
               <a:buChar char=""/>
             </a:pPr>
             <a:r>
-              <a:rPr b="0" lang="en-IN" sz="3200" spc="-1" strike="noStrike">
-                <a:latin typeface="Arial"/>
+              <a:rPr lang="en-IN" sz="3200" b="0" strike="noStrike" spc="-1">
+                <a:latin typeface="Arial" panose="020B0604020202090204"/>
               </a:rPr>
               <a:t>Open source</a:t>
             </a:r>
-            <a:endParaRPr b="0" lang="en-IN" sz="3200" spc="-1" strike="noStrike">
-              <a:latin typeface="Arial"/>
-            </a:endParaRPr>
-          </a:p>
-          <a:p>
-            <a:pPr marL="432000" indent="-324000">
+            <a:endParaRPr lang="en-IN" sz="3200" b="0" strike="noStrike" spc="-1">
+              <a:latin typeface="Arial" panose="020B0604020202090204"/>
+            </a:endParaRPr>
+          </a:p>
+          <a:p>
+            <a:pPr marL="431800" indent="-323850">
               <a:spcBef>
-                <a:spcPts val="1417"/>
+                <a:spcPts val="1415"/>
               </a:spcBef>
               <a:buClr>
                 <a:srgbClr val="000000"/>
               </a:buClr>
               <a:buSzPct val="45000"/>
-              <a:buFont typeface="Wingdings" charset="2"/>
+              <a:buFont typeface="Wingdings" panose="05000000000000000000" pitchFamily="2" charset="2"/>
               <a:buChar char=""/>
             </a:pPr>
             <a:r>
-              <a:rPr b="0" lang="en-IN" sz="3200" spc="-1" strike="noStrike">
-                <a:latin typeface="Arial"/>
+              <a:rPr lang="en-IN" sz="3200" b="0" strike="noStrike" spc="-1">
+                <a:latin typeface="Arial" panose="020B0604020202090204"/>
               </a:rPr>
               <a:t>It’s secure </a:t>
             </a:r>
-            <a:endParaRPr b="0" lang="en-IN" sz="3200" spc="-1" strike="noStrike">
-              <a:latin typeface="Arial"/>
+            <a:endParaRPr lang="en-IN" sz="3200" b="0" strike="noStrike" spc="-1">
+              <a:latin typeface="Arial" panose="020B0604020202090204"/>
             </a:endParaRPr>
           </a:p>
         </p:txBody>
       </p:sp>
     </p:spTree>
   </p:cSld>
-  <mc:AlternateContent>
-    <mc:Choice Requires="p14">
+  <p:clrMapOvr>
+    <a:masterClrMapping/>
+  </p:clrMapOvr>
+  <mc:AlternateContent xmlns:mc="http://schemas.openxmlformats.org/markup-compatibility/2006">
+    <mc:Choice xmlns:p14="http://schemas.microsoft.com/office/powerpoint/2010/main" Requires="p14">
       <p:transition spd="slow" p14:dur="2000"/>
     </mc:Choice>
     <mc:Fallback>
@@ -9967,31 +10283,31 @@
         <a:sysClr val="window" lastClr="FFFFFF"/>
       </a:lt1>
       <a:dk2>
-        <a:srgbClr val="1f497d"/>
+        <a:srgbClr val="1F497D"/>
       </a:dk2>
       <a:lt2>
-        <a:srgbClr val="eeece1"/>
+        <a:srgbClr val="EEECE1"/>
       </a:lt2>
       <a:accent1>
-        <a:srgbClr val="4f81bd"/>
+        <a:srgbClr val="4F81BD"/>
       </a:accent1>
       <a:accent2>
-        <a:srgbClr val="c0504d"/>
+        <a:srgbClr val="C0504D"/>
       </a:accent2>
       <a:accent3>
-        <a:srgbClr val="9bbb59"/>
+        <a:srgbClr val="9BBB59"/>
       </a:accent3>
       <a:accent4>
-        <a:srgbClr val="8064a2"/>
+        <a:srgbClr val="8064A2"/>
       </a:accent4>
       <a:accent5>
-        <a:srgbClr val="4bacc6"/>
+        <a:srgbClr val="4BACC6"/>
       </a:accent5>
       <a:accent6>
-        <a:srgbClr val="f79646"/>
+        <a:srgbClr val="F79646"/>
       </a:accent6>
       <a:hlink>
-        <a:srgbClr val="0000ff"/>
+        <a:srgbClr val="0000FF"/>
       </a:hlink>
       <a:folHlink>
         <a:srgbClr val="800080"/>
@@ -10179,6 +10495,11 @@
       </a:bgFillStyleLst>
     </a:fmtScheme>
   </a:themeElements>
+  <a:extLst>
+    <a:ext uri="{05A4C25C-085E-4340-85A3-A5531E510DB2}">
+      <thm15:themeFamily xmlns:thm15="http://schemas.microsoft.com/office/thememl/2012/main" name="Office Theme" id="{62F939B6-93AF-4DB8-9C6B-D6C7DFDC589F}" vid="{4A3C46E8-61CC-4603-A589-7422A47A8E4A}"/>
+    </a:ext>
+  </a:extLst>
 </a:theme>
 </file>
 
@@ -10193,31 +10514,31 @@
         <a:sysClr val="window" lastClr="FFFFFF"/>
       </a:lt1>
       <a:dk2>
-        <a:srgbClr val="1f497d"/>
+        <a:srgbClr val="1F497D"/>
       </a:dk2>
       <a:lt2>
-        <a:srgbClr val="eeece1"/>
+        <a:srgbClr val="EEECE1"/>
       </a:lt2>
       <a:accent1>
-        <a:srgbClr val="4f81bd"/>
+        <a:srgbClr val="4F81BD"/>
       </a:accent1>
       <a:accent2>
-        <a:srgbClr val="c0504d"/>
+        <a:srgbClr val="C0504D"/>
       </a:accent2>
       <a:accent3>
-        <a:srgbClr val="9bbb59"/>
+        <a:srgbClr val="9BBB59"/>
       </a:accent3>
       <a:accent4>
-        <a:srgbClr val="8064a2"/>
+        <a:srgbClr val="8064A2"/>
       </a:accent4>
       <a:accent5>
-        <a:srgbClr val="4bacc6"/>
+        <a:srgbClr val="4BACC6"/>
       </a:accent5>
       <a:accent6>
-        <a:srgbClr val="f79646"/>
+        <a:srgbClr val="F79646"/>
       </a:accent6>
       <a:hlink>
-        <a:srgbClr val="0000ff"/>
+        <a:srgbClr val="0000FF"/>
       </a:hlink>
       <a:folHlink>
         <a:srgbClr val="800080"/>
@@ -10405,6 +10726,11 @@
       </a:bgFillStyleLst>
     </a:fmtScheme>
   </a:themeElements>
+  <a:extLst>
+    <a:ext uri="{05A4C25C-085E-4340-85A3-A5531E510DB2}">
+      <thm15:themeFamily xmlns:thm15="http://schemas.microsoft.com/office/thememl/2012/main" name="Office Theme" id="{62F939B6-93AF-4DB8-9C6B-D6C7DFDC589F}" vid="{4A3C46E8-61CC-4603-A589-7422A47A8E4A}"/>
+    </a:ext>
+  </a:extLst>
 </a:theme>
 </file>
 
@@ -10419,31 +10745,31 @@
         <a:sysClr val="window" lastClr="FFFFFF"/>
       </a:lt1>
       <a:dk2>
-        <a:srgbClr val="1f497d"/>
+        <a:srgbClr val="1F497D"/>
       </a:dk2>
       <a:lt2>
-        <a:srgbClr val="eeece1"/>
+        <a:srgbClr val="EEECE1"/>
       </a:lt2>
       <a:accent1>
-        <a:srgbClr val="4f81bd"/>
+        <a:srgbClr val="4F81BD"/>
       </a:accent1>
       <a:accent2>
-        <a:srgbClr val="c0504d"/>
+        <a:srgbClr val="C0504D"/>
       </a:accent2>
       <a:accent3>
-        <a:srgbClr val="9bbb59"/>
+        <a:srgbClr val="9BBB59"/>
       </a:accent3>
       <a:accent4>
-        <a:srgbClr val="8064a2"/>
+        <a:srgbClr val="8064A2"/>
       </a:accent4>
       <a:accent5>
-        <a:srgbClr val="4bacc6"/>
+        <a:srgbClr val="4BACC6"/>
       </a:accent5>
       <a:accent6>
-        <a:srgbClr val="f79646"/>
+        <a:srgbClr val="F79646"/>
       </a:accent6>
       <a:hlink>
-        <a:srgbClr val="0000ff"/>
+        <a:srgbClr val="0000FF"/>
       </a:hlink>
       <a:folHlink>
         <a:srgbClr val="800080"/>
@@ -10631,6 +10957,11 @@
       </a:bgFillStyleLst>
     </a:fmtScheme>
   </a:themeElements>
+  <a:extLst>
+    <a:ext uri="{05A4C25C-085E-4340-85A3-A5531E510DB2}">
+      <thm15:themeFamily xmlns:thm15="http://schemas.microsoft.com/office/thememl/2012/main" name="Office Theme" id="{62F939B6-93AF-4DB8-9C6B-D6C7DFDC589F}" vid="{4A3C46E8-61CC-4603-A589-7422A47A8E4A}"/>
+    </a:ext>
+  </a:extLst>
 </a:theme>
 </file>
 
@@ -10645,31 +10976,31 @@
         <a:sysClr val="window" lastClr="FFFFFF"/>
       </a:lt1>
       <a:dk2>
-        <a:srgbClr val="1f497d"/>
+        <a:srgbClr val="1F497D"/>
       </a:dk2>
       <a:lt2>
-        <a:srgbClr val="eeece1"/>
+        <a:srgbClr val="EEECE1"/>
       </a:lt2>
       <a:accent1>
-        <a:srgbClr val="4f81bd"/>
+        <a:srgbClr val="4F81BD"/>
       </a:accent1>
       <a:accent2>
-        <a:srgbClr val="c0504d"/>
+        <a:srgbClr val="C0504D"/>
       </a:accent2>
       <a:accent3>
-        <a:srgbClr val="9bbb59"/>
+        <a:srgbClr val="9BBB59"/>
       </a:accent3>
       <a:accent4>
-        <a:srgbClr val="8064a2"/>
+        <a:srgbClr val="8064A2"/>
       </a:accent4>
       <a:accent5>
-        <a:srgbClr val="4bacc6"/>
+        <a:srgbClr val="4BACC6"/>
       </a:accent5>
       <a:accent6>
-        <a:srgbClr val="f79646"/>
+        <a:srgbClr val="F79646"/>
       </a:accent6>
       <a:hlink>
-        <a:srgbClr val="0000ff"/>
+        <a:srgbClr val="0000FF"/>
       </a:hlink>
       <a:folHlink>
         <a:srgbClr val="800080"/>
@@ -10857,5 +11188,10 @@
       </a:bgFillStyleLst>
     </a:fmtScheme>
   </a:themeElements>
+  <a:extLst>
+    <a:ext uri="{05A4C25C-085E-4340-85A3-A5531E510DB2}">
+      <thm15:themeFamily xmlns:thm15="http://schemas.microsoft.com/office/thememl/2012/main" name="Office Theme" id="{62F939B6-93AF-4DB8-9C6B-D6C7DFDC589F}" vid="{4A3C46E8-61CC-4603-A589-7422A47A8E4A}"/>
+    </a:ext>
+  </a:extLst>
 </a:theme>
 </file>